--- a/PPT/03-Accenture-FS-Angular-Framework.pptx
+++ b/PPT/03-Accenture-FS-Angular-Framework.pptx
@@ -5,31 +5,32 @@
     <p:sldMasterId id="2147483774" r:id="rId4"/>
   </p:sldMasterIdLst>
   <p:notesMasterIdLst>
-    <p:notesMasterId r:id="rId19"/>
+    <p:notesMasterId r:id="rId20"/>
   </p:notesMasterIdLst>
   <p:handoutMasterIdLst>
-    <p:handoutMasterId r:id="rId20"/>
+    <p:handoutMasterId r:id="rId21"/>
   </p:handoutMasterIdLst>
   <p:sldIdLst>
     <p:sldId id="259" r:id="rId5"/>
     <p:sldId id="439" r:id="rId6"/>
-    <p:sldId id="453" r:id="rId7"/>
-    <p:sldId id="451" r:id="rId8"/>
-    <p:sldId id="452" r:id="rId9"/>
-    <p:sldId id="379" r:id="rId10"/>
-    <p:sldId id="444" r:id="rId11"/>
-    <p:sldId id="445" r:id="rId12"/>
-    <p:sldId id="446" r:id="rId13"/>
-    <p:sldId id="447" r:id="rId14"/>
-    <p:sldId id="448" r:id="rId15"/>
-    <p:sldId id="449" r:id="rId16"/>
-    <p:sldId id="454" r:id="rId17"/>
-    <p:sldId id="388" r:id="rId18"/>
+    <p:sldId id="455" r:id="rId7"/>
+    <p:sldId id="453" r:id="rId8"/>
+    <p:sldId id="451" r:id="rId9"/>
+    <p:sldId id="452" r:id="rId10"/>
+    <p:sldId id="379" r:id="rId11"/>
+    <p:sldId id="444" r:id="rId12"/>
+    <p:sldId id="445" r:id="rId13"/>
+    <p:sldId id="446" r:id="rId14"/>
+    <p:sldId id="447" r:id="rId15"/>
+    <p:sldId id="448" r:id="rId16"/>
+    <p:sldId id="449" r:id="rId17"/>
+    <p:sldId id="454" r:id="rId18"/>
+    <p:sldId id="388" r:id="rId19"/>
   </p:sldIdLst>
   <p:sldSz cx="9144000" cy="6858000" type="screen4x3"/>
   <p:notesSz cx="7099300" cy="10234613"/>
   <p:custDataLst>
-    <p:tags r:id="rId21"/>
+    <p:tags r:id="rId22"/>
   </p:custDataLst>
   <p:defaultTextStyle>
     <a:defPPr>
@@ -2740,7 +2741,7 @@
             <a:fld id="{AB5C843C-6EED-49F6-94FB-305FAB24794A}" type="slidenum">
               <a:rPr lang="en-GB" sz="800" b="0"/>
               <a:pPr algn="r"/>
-              <a:t>5</a:t>
+              <a:t>6</a:t>
             </a:fld>
             <a:endParaRPr lang="en-GB" sz="800" b="0"/>
           </a:p>
@@ -3431,7 +3432,7 @@
             <a:fld id="{50C5752E-C29B-490E-BA18-43D3637E4506}" type="slidenum">
               <a:rPr lang="en-GB" sz="800" b="0"/>
               <a:pPr algn="r"/>
-              <a:t>13</a:t>
+              <a:t>14</a:t>
             </a:fld>
             <a:endParaRPr lang="en-GB" sz="800" b="0"/>
           </a:p>
@@ -9309,10 +9310,511 @@
   <p:clrMapOvr>
     <a:overrideClrMapping bg1="lt1" tx1="dk1" bg2="lt2" tx2="dk2" accent1="accent1" accent2="accent2" accent3="accent3" accent4="accent4" accent5="accent5" accent6="accent6" hlink="hlink" folHlink="folHlink"/>
   </p:clrMapOvr>
+  <p:timing>
+    <p:tnLst>
+      <p:par>
+        <p:cTn id="1" dur="indefinite" restart="never" nodeType="tmRoot"/>
+      </p:par>
+    </p:tnLst>
+  </p:timing>
 </p:sld>
 </file>
 
 <file path=ppt/slides/slide10.xml><?xml version="1.0" encoding="utf-8"?>
+<p:sld xmlns:a="http://schemas.openxmlformats.org/drawingml/2006/main" xmlns:r="http://schemas.openxmlformats.org/officeDocument/2006/relationships" xmlns:p="http://schemas.openxmlformats.org/presentationml/2006/main">
+  <p:cSld>
+    <p:spTree>
+      <p:nvGrpSpPr>
+        <p:cNvPr id="1" name=""/>
+        <p:cNvGrpSpPr/>
+        <p:nvPr/>
+      </p:nvGrpSpPr>
+      <p:grpSpPr>
+        <a:xfrm>
+          <a:off x="0" y="0"/>
+          <a:ext cx="0" cy="0"/>
+          <a:chOff x="0" y="0"/>
+          <a:chExt cx="0" cy="0"/>
+        </a:xfrm>
+      </p:grpSpPr>
+      <p:pic>
+        <p:nvPicPr>
+          <p:cNvPr id="5" name="Content Placeholder 4"/>
+          <p:cNvPicPr>
+            <a:picLocks noGrp="1" noChangeAspect="1"/>
+          </p:cNvPicPr>
+          <p:nvPr>
+            <p:ph sz="quarter" idx="12"/>
+          </p:nvPr>
+        </p:nvPicPr>
+        <p:blipFill>
+          <a:blip r:embed="rId2">
+            <a:extLst>
+              <a:ext uri="{28A0092B-C50C-407E-A947-70E740481C1C}">
+                <a14:useLocalDpi xmlns:a14="http://schemas.microsoft.com/office/drawing/2010/main" val="0"/>
+              </a:ext>
+            </a:extLst>
+          </a:blip>
+          <a:stretch>
+            <a:fillRect/>
+          </a:stretch>
+        </p:blipFill>
+        <p:spPr>
+          <a:xfrm>
+            <a:off x="241154" y="1237573"/>
+            <a:ext cx="1926312" cy="1785027"/>
+          </a:xfrm>
+        </p:spPr>
+      </p:pic>
+      <p:sp>
+        <p:nvSpPr>
+          <p:cNvPr id="3" name="Title 2"/>
+          <p:cNvSpPr>
+            <a:spLocks noGrp="1"/>
+          </p:cNvSpPr>
+          <p:nvPr>
+            <p:ph type="title"/>
+          </p:nvPr>
+        </p:nvSpPr>
+        <p:spPr/>
+        <p:txBody>
+          <a:bodyPr>
+            <a:normAutofit/>
+          </a:bodyPr>
+          <a:lstStyle/>
+          <a:p>
+            <a:r>
+              <a:rPr lang="zh-CN" altLang="en-US" sz="2800" dirty="0" smtClean="0">
+                <a:latin typeface="SimSun" panose="02010600030101010101" pitchFamily="2" charset="-122"/>
+                <a:ea typeface="SimSun" panose="02010600030101010101" pitchFamily="2" charset="-122"/>
+              </a:rPr>
+              <a:t>指令</a:t>
+            </a:r>
+            <a:endParaRPr lang="en-US" sz="2800" dirty="0">
+              <a:latin typeface="SimSun" panose="02010600030101010101" pitchFamily="2" charset="-122"/>
+              <a:ea typeface="SimSun" panose="02010600030101010101" pitchFamily="2" charset="-122"/>
+            </a:endParaRPr>
+          </a:p>
+        </p:txBody>
+      </p:sp>
+      <p:sp>
+        <p:nvSpPr>
+          <p:cNvPr id="4" name="Slide Number Placeholder 3"/>
+          <p:cNvSpPr>
+            <a:spLocks noGrp="1"/>
+          </p:cNvSpPr>
+          <p:nvPr>
+            <p:ph type="sldNum" sz="quarter" idx="4"/>
+          </p:nvPr>
+        </p:nvSpPr>
+        <p:spPr/>
+        <p:txBody>
+          <a:bodyPr/>
+          <a:lstStyle/>
+          <a:p>
+            <a:pPr fontAlgn="auto">
+              <a:spcBef>
+                <a:spcPts val="0"/>
+              </a:spcBef>
+              <a:spcAft>
+                <a:spcPts val="0"/>
+              </a:spcAft>
+              <a:defRPr/>
+            </a:pPr>
+            <a:fld id="{90CBDC3A-D49F-4631-A8C7-55D59B33E5FA}" type="slidenum">
+              <a:rPr lang="en-US" b="0" smtClean="0">
+                <a:solidFill>
+                  <a:srgbClr val="666666"/>
+                </a:solidFill>
+              </a:rPr>
+              <a:pPr fontAlgn="auto">
+                <a:spcBef>
+                  <a:spcPts val="0"/>
+                </a:spcBef>
+                <a:spcAft>
+                  <a:spcPts val="0"/>
+                </a:spcAft>
+                <a:defRPr/>
+              </a:pPr>
+              <a:t>9</a:t>
+            </a:fld>
+            <a:endParaRPr lang="en-US" b="0" dirty="0">
+              <a:solidFill>
+                <a:srgbClr val="666666"/>
+              </a:solidFill>
+            </a:endParaRPr>
+          </a:p>
+        </p:txBody>
+      </p:sp>
+      <p:sp>
+        <p:nvSpPr>
+          <p:cNvPr id="6" name="TextBox 5"/>
+          <p:cNvSpPr txBox="1"/>
+          <p:nvPr/>
+        </p:nvSpPr>
+        <p:spPr>
+          <a:xfrm>
+            <a:off x="376621" y="3128286"/>
+            <a:ext cx="8437179" cy="3908762"/>
+          </a:xfrm>
+          <a:prstGeom prst="rect">
+            <a:avLst/>
+          </a:prstGeom>
+          <a:noFill/>
+        </p:spPr>
+        <p:txBody>
+          <a:bodyPr wrap="square" rtlCol="0">
+            <a:spAutoFit/>
+          </a:bodyPr>
+          <a:lstStyle/>
+          <a:p>
+            <a:pPr marL="342900" indent="-342900">
+              <a:buFont typeface="Arial" panose="020B0604020202020204" pitchFamily="34" charset="0"/>
+              <a:buChar char="•"/>
+            </a:pPr>
+            <a:r>
+              <a:rPr lang="en-US" altLang="zh-CN" sz="2400" b="0" dirty="0">
+                <a:latin typeface="SimSun" panose="02010600030101010101" pitchFamily="2" charset="-122"/>
+                <a:ea typeface="SimSun" panose="02010600030101010101" pitchFamily="2" charset="-122"/>
+                <a:cs typeface="Times New Roman" panose="02020603050405020304" pitchFamily="18" charset="0"/>
+              </a:rPr>
+              <a:t>Angular </a:t>
+            </a:r>
+            <a:r>
+              <a:rPr lang="zh-CN" altLang="en-US" sz="2400" b="0" dirty="0">
+                <a:latin typeface="SimSun" panose="02010600030101010101" pitchFamily="2" charset="-122"/>
+                <a:ea typeface="SimSun" panose="02010600030101010101" pitchFamily="2" charset="-122"/>
+                <a:cs typeface="Times New Roman" panose="02020603050405020304" pitchFamily="18" charset="0"/>
+              </a:rPr>
+              <a:t>模板是动态的。当 </a:t>
+            </a:r>
+            <a:r>
+              <a:rPr lang="en-US" altLang="zh-CN" sz="2400" b="0" dirty="0">
+                <a:latin typeface="SimSun" panose="02010600030101010101" pitchFamily="2" charset="-122"/>
+                <a:ea typeface="SimSun" panose="02010600030101010101" pitchFamily="2" charset="-122"/>
+                <a:cs typeface="Times New Roman" panose="02020603050405020304" pitchFamily="18" charset="0"/>
+              </a:rPr>
+              <a:t>Angular </a:t>
+            </a:r>
+            <a:r>
+              <a:rPr lang="zh-CN" altLang="en-US" sz="2400" b="0" dirty="0">
+                <a:latin typeface="SimSun" panose="02010600030101010101" pitchFamily="2" charset="-122"/>
+                <a:ea typeface="SimSun" panose="02010600030101010101" pitchFamily="2" charset="-122"/>
+                <a:cs typeface="Times New Roman" panose="02020603050405020304" pitchFamily="18" charset="0"/>
+              </a:rPr>
+              <a:t>渲染它们时，它会根据指令提供的操作对 </a:t>
+            </a:r>
+            <a:r>
+              <a:rPr lang="en-US" altLang="zh-CN" sz="2400" b="0" dirty="0">
+                <a:latin typeface="SimSun" panose="02010600030101010101" pitchFamily="2" charset="-122"/>
+                <a:ea typeface="SimSun" panose="02010600030101010101" pitchFamily="2" charset="-122"/>
+                <a:cs typeface="Times New Roman" panose="02020603050405020304" pitchFamily="18" charset="0"/>
+              </a:rPr>
+              <a:t>DOM </a:t>
+            </a:r>
+            <a:r>
+              <a:rPr lang="zh-CN" altLang="en-US" sz="2400" b="0" dirty="0">
+                <a:latin typeface="SimSun" panose="02010600030101010101" pitchFamily="2" charset="-122"/>
+                <a:ea typeface="SimSun" panose="02010600030101010101" pitchFamily="2" charset="-122"/>
+                <a:cs typeface="Times New Roman" panose="02020603050405020304" pitchFamily="18" charset="0"/>
+              </a:rPr>
+              <a:t>进行转</a:t>
+            </a:r>
+            <a:r>
+              <a:rPr lang="zh-CN" altLang="en-US" sz="2400" b="0" dirty="0" smtClean="0">
+                <a:latin typeface="SimSun" panose="02010600030101010101" pitchFamily="2" charset="-122"/>
+                <a:ea typeface="SimSun" panose="02010600030101010101" pitchFamily="2" charset="-122"/>
+                <a:cs typeface="Times New Roman" panose="02020603050405020304" pitchFamily="18" charset="0"/>
+              </a:rPr>
+              <a:t>换。</a:t>
+            </a:r>
+            <a:endParaRPr lang="en-US" altLang="zh-CN" sz="2400" b="0" dirty="0" smtClean="0">
+              <a:latin typeface="SimSun" panose="02010600030101010101" pitchFamily="2" charset="-122"/>
+              <a:ea typeface="SimSun" panose="02010600030101010101" pitchFamily="2" charset="-122"/>
+              <a:cs typeface="Times New Roman" panose="02020603050405020304" pitchFamily="18" charset="0"/>
+            </a:endParaRPr>
+          </a:p>
+          <a:p>
+            <a:pPr marL="342900" indent="-342900">
+              <a:buFont typeface="Arial" panose="020B0604020202020204" pitchFamily="34" charset="0"/>
+              <a:buChar char="•"/>
+            </a:pPr>
+            <a:endParaRPr lang="zh-CN" altLang="en-US" sz="2400" b="0" dirty="0">
+              <a:latin typeface="SimSun" panose="02010600030101010101" pitchFamily="2" charset="-122"/>
+              <a:ea typeface="SimSun" panose="02010600030101010101" pitchFamily="2" charset="-122"/>
+              <a:cs typeface="Times New Roman" panose="02020603050405020304" pitchFamily="18" charset="0"/>
+            </a:endParaRPr>
+          </a:p>
+          <a:p>
+            <a:pPr marL="342900" indent="-342900">
+              <a:buFont typeface="Arial" panose="020B0604020202020204" pitchFamily="34" charset="0"/>
+              <a:buChar char="•"/>
+            </a:pPr>
+            <a:r>
+              <a:rPr lang="zh-CN" altLang="en-US" sz="2400" b="0" dirty="0" smtClean="0">
+                <a:latin typeface="SimSun" panose="02010600030101010101" pitchFamily="2" charset="-122"/>
+                <a:ea typeface="SimSun" panose="02010600030101010101" pitchFamily="2" charset="-122"/>
+                <a:cs typeface="Times New Roman" panose="02020603050405020304" pitchFamily="18" charset="0"/>
+              </a:rPr>
+              <a:t>组</a:t>
+            </a:r>
+            <a:r>
+              <a:rPr lang="zh-CN" altLang="en-US" sz="2400" b="0" dirty="0">
+                <a:latin typeface="SimSun" panose="02010600030101010101" pitchFamily="2" charset="-122"/>
+                <a:ea typeface="SimSun" panose="02010600030101010101" pitchFamily="2" charset="-122"/>
+                <a:cs typeface="Times New Roman" panose="02020603050405020304" pitchFamily="18" charset="0"/>
+              </a:rPr>
+              <a:t>件也是指令的一种，区别在于组件带有单独</a:t>
+            </a:r>
+            <a:r>
+              <a:rPr lang="zh-CN" altLang="en-US" sz="2400" b="0" dirty="0" smtClean="0">
+                <a:latin typeface="SimSun" panose="02010600030101010101" pitchFamily="2" charset="-122"/>
+                <a:ea typeface="SimSun" panose="02010600030101010101" pitchFamily="2" charset="-122"/>
+                <a:cs typeface="Times New Roman" panose="02020603050405020304" pitchFamily="18" charset="0"/>
+              </a:rPr>
+              <a:t>的</a:t>
+            </a:r>
+            <a:r>
+              <a:rPr lang="en-US" altLang="zh-CN" sz="2400" b="0" dirty="0" smtClean="0">
+                <a:latin typeface="SimSun" panose="02010600030101010101" pitchFamily="2" charset="-122"/>
+                <a:ea typeface="SimSun" panose="02010600030101010101" pitchFamily="2" charset="-122"/>
+                <a:cs typeface="Times New Roman" panose="02020603050405020304" pitchFamily="18" charset="0"/>
+              </a:rPr>
+              <a:t>Template</a:t>
+            </a:r>
+            <a:r>
+              <a:rPr lang="zh-CN" altLang="en-US" sz="2400" b="0" dirty="0" smtClean="0">
+                <a:latin typeface="SimSun" panose="02010600030101010101" pitchFamily="2" charset="-122"/>
+                <a:ea typeface="SimSun" panose="02010600030101010101" pitchFamily="2" charset="-122"/>
+                <a:cs typeface="Times New Roman" panose="02020603050405020304" pitchFamily="18" charset="0"/>
+              </a:rPr>
+              <a:t>，</a:t>
+            </a:r>
+            <a:r>
+              <a:rPr lang="zh-CN" altLang="en-US" sz="2400" b="0" dirty="0">
+                <a:latin typeface="SimSun" panose="02010600030101010101" pitchFamily="2" charset="-122"/>
+                <a:ea typeface="SimSun" panose="02010600030101010101" pitchFamily="2" charset="-122"/>
+                <a:cs typeface="Times New Roman" panose="02020603050405020304" pitchFamily="18" charset="0"/>
+              </a:rPr>
+              <a:t>即</a:t>
+            </a:r>
+            <a:r>
+              <a:rPr lang="en-US" altLang="zh-CN" sz="2400" b="0" dirty="0">
+                <a:latin typeface="SimSun" panose="02010600030101010101" pitchFamily="2" charset="-122"/>
+                <a:ea typeface="SimSun" panose="02010600030101010101" pitchFamily="2" charset="-122"/>
+                <a:cs typeface="Times New Roman" panose="02020603050405020304" pitchFamily="18" charset="0"/>
+              </a:rPr>
+              <a:t>DOM</a:t>
+            </a:r>
+            <a:r>
+              <a:rPr lang="zh-CN" altLang="en-US" sz="2400" b="0" dirty="0">
+                <a:latin typeface="SimSun" panose="02010600030101010101" pitchFamily="2" charset="-122"/>
+                <a:ea typeface="SimSun" panose="02010600030101010101" pitchFamily="2" charset="-122"/>
+                <a:cs typeface="Times New Roman" panose="02020603050405020304" pitchFamily="18" charset="0"/>
+              </a:rPr>
+              <a:t>元素。而指令作用域已有的</a:t>
+            </a:r>
+            <a:r>
+              <a:rPr lang="en-US" altLang="zh-CN" sz="2400" b="0" dirty="0">
+                <a:latin typeface="SimSun" panose="02010600030101010101" pitchFamily="2" charset="-122"/>
+                <a:ea typeface="SimSun" panose="02010600030101010101" pitchFamily="2" charset="-122"/>
+                <a:cs typeface="Times New Roman" panose="02020603050405020304" pitchFamily="18" charset="0"/>
+              </a:rPr>
+              <a:t>DOM</a:t>
+            </a:r>
+            <a:r>
+              <a:rPr lang="zh-CN" altLang="en-US" sz="2400" b="0" dirty="0" smtClean="0">
+                <a:latin typeface="SimSun" panose="02010600030101010101" pitchFamily="2" charset="-122"/>
+                <a:ea typeface="SimSun" panose="02010600030101010101" pitchFamily="2" charset="-122"/>
+                <a:cs typeface="Times New Roman" panose="02020603050405020304" pitchFamily="18" charset="0"/>
+              </a:rPr>
+              <a:t>上。</a:t>
+            </a:r>
+            <a:endParaRPr lang="en-US" altLang="zh-CN" sz="2400" b="0" dirty="0" smtClean="0">
+              <a:latin typeface="SimSun" panose="02010600030101010101" pitchFamily="2" charset="-122"/>
+              <a:ea typeface="SimSun" panose="02010600030101010101" pitchFamily="2" charset="-122"/>
+              <a:cs typeface="Times New Roman" panose="02020603050405020304" pitchFamily="18" charset="0"/>
+            </a:endParaRPr>
+          </a:p>
+          <a:p>
+            <a:pPr marL="342900" indent="-342900">
+              <a:buFont typeface="Arial" panose="020B0604020202020204" pitchFamily="34" charset="0"/>
+              <a:buChar char="•"/>
+            </a:pPr>
+            <a:endParaRPr lang="zh-CN" altLang="en-US" sz="2400" b="0" dirty="0">
+              <a:latin typeface="SimSun" panose="02010600030101010101" pitchFamily="2" charset="-122"/>
+              <a:ea typeface="SimSun" panose="02010600030101010101" pitchFamily="2" charset="-122"/>
+              <a:cs typeface="Times New Roman" panose="02020603050405020304" pitchFamily="18" charset="0"/>
+            </a:endParaRPr>
+          </a:p>
+          <a:p>
+            <a:pPr marL="342900" indent="-342900">
+              <a:buFont typeface="Arial" panose="020B0604020202020204" pitchFamily="34" charset="0"/>
+              <a:buChar char="•"/>
+            </a:pPr>
+            <a:r>
+              <a:rPr lang="zh-CN" altLang="en-US" sz="2400" b="0" dirty="0">
+                <a:latin typeface="SimSun" panose="02010600030101010101" pitchFamily="2" charset="-122"/>
+                <a:ea typeface="SimSun" panose="02010600030101010101" pitchFamily="2" charset="-122"/>
+                <a:cs typeface="Times New Roman" panose="02020603050405020304" pitchFamily="18" charset="0"/>
+              </a:rPr>
+              <a:t>指令分为属性型指令、结构型指令 </a:t>
+            </a:r>
+          </a:p>
+          <a:p>
+            <a:pPr marL="800100" lvl="1" indent="-342900">
+              <a:buFont typeface="Arial" panose="020B0604020202020204" pitchFamily="34" charset="0"/>
+              <a:buChar char="•"/>
+            </a:pPr>
+            <a:r>
+              <a:rPr lang="zh-CN" altLang="en-US" sz="2400" b="0" dirty="0">
+                <a:latin typeface="SimSun" panose="02010600030101010101" pitchFamily="2" charset="-122"/>
+                <a:ea typeface="SimSun" panose="02010600030101010101" pitchFamily="2" charset="-122"/>
+                <a:cs typeface="Times New Roman" panose="02020603050405020304" pitchFamily="18" charset="0"/>
+              </a:rPr>
+              <a:t>属性型指令：改变元素的外观或行</a:t>
+            </a:r>
+            <a:r>
+              <a:rPr lang="zh-CN" altLang="en-US" sz="2400" b="0" dirty="0" smtClean="0">
+                <a:latin typeface="SimSun" panose="02010600030101010101" pitchFamily="2" charset="-122"/>
+                <a:ea typeface="SimSun" panose="02010600030101010101" pitchFamily="2" charset="-122"/>
+                <a:cs typeface="Times New Roman" panose="02020603050405020304" pitchFamily="18" charset="0"/>
+              </a:rPr>
+              <a:t>为</a:t>
+            </a:r>
+            <a:endParaRPr lang="en-US" altLang="zh-CN" sz="2400" b="0" dirty="0">
+              <a:latin typeface="SimSun" panose="02010600030101010101" pitchFamily="2" charset="-122"/>
+              <a:ea typeface="SimSun" panose="02010600030101010101" pitchFamily="2" charset="-122"/>
+              <a:cs typeface="Times New Roman" panose="02020603050405020304" pitchFamily="18" charset="0"/>
+            </a:endParaRPr>
+          </a:p>
+          <a:p>
+            <a:pPr marL="800100" lvl="1" indent="-342900">
+              <a:buFont typeface="Arial" panose="020B0604020202020204" pitchFamily="34" charset="0"/>
+              <a:buChar char="•"/>
+            </a:pPr>
+            <a:r>
+              <a:rPr lang="zh-CN" altLang="en-US" sz="2400" b="0" dirty="0">
+                <a:latin typeface="SimSun" panose="02010600030101010101" pitchFamily="2" charset="-122"/>
+                <a:ea typeface="SimSun" panose="02010600030101010101" pitchFamily="2" charset="-122"/>
+                <a:cs typeface="Times New Roman" panose="02020603050405020304" pitchFamily="18" charset="0"/>
+              </a:rPr>
+              <a:t>结构型指令：添加、修改、删除</a:t>
+            </a:r>
+            <a:r>
+              <a:rPr lang="en-US" altLang="zh-CN" sz="2400" b="0" dirty="0">
+                <a:latin typeface="SimSun" panose="02010600030101010101" pitchFamily="2" charset="-122"/>
+                <a:ea typeface="SimSun" panose="02010600030101010101" pitchFamily="2" charset="-122"/>
+                <a:cs typeface="Times New Roman" panose="02020603050405020304" pitchFamily="18" charset="0"/>
+              </a:rPr>
+              <a:t>DOM</a:t>
+            </a:r>
+            <a:r>
+              <a:rPr lang="zh-CN" altLang="en-US" sz="2400" b="0" dirty="0">
+                <a:latin typeface="SimSun" panose="02010600030101010101" pitchFamily="2" charset="-122"/>
+                <a:ea typeface="SimSun" panose="02010600030101010101" pitchFamily="2" charset="-122"/>
+                <a:cs typeface="Times New Roman" panose="02020603050405020304" pitchFamily="18" charset="0"/>
+              </a:rPr>
+              <a:t>，从而改变布</a:t>
+            </a:r>
+            <a:r>
+              <a:rPr lang="zh-CN" altLang="en-US" sz="2400" b="0" dirty="0" smtClean="0">
+                <a:latin typeface="SimSun" panose="02010600030101010101" pitchFamily="2" charset="-122"/>
+                <a:ea typeface="SimSun" panose="02010600030101010101" pitchFamily="2" charset="-122"/>
+                <a:cs typeface="Times New Roman" panose="02020603050405020304" pitchFamily="18" charset="0"/>
+              </a:rPr>
+              <a:t>局</a:t>
+            </a:r>
+            <a:endParaRPr lang="en-US" altLang="zh-CN" sz="2400" b="0" dirty="0">
+              <a:latin typeface="SimSun" panose="02010600030101010101" pitchFamily="2" charset="-122"/>
+              <a:ea typeface="SimSun" panose="02010600030101010101" pitchFamily="2" charset="-122"/>
+              <a:cs typeface="Times New Roman" panose="02020603050405020304" pitchFamily="18" charset="0"/>
+            </a:endParaRPr>
+          </a:p>
+          <a:p>
+            <a:endParaRPr lang="en-US" dirty="0"/>
+          </a:p>
+        </p:txBody>
+      </p:sp>
+      <p:sp>
+        <p:nvSpPr>
+          <p:cNvPr id="7" name="TextBox 6"/>
+          <p:cNvSpPr txBox="1"/>
+          <p:nvPr/>
+        </p:nvSpPr>
+        <p:spPr>
+          <a:xfrm>
+            <a:off x="267494" y="6570473"/>
+            <a:ext cx="3180355" cy="230832"/>
+          </a:xfrm>
+          <a:prstGeom prst="rect">
+            <a:avLst/>
+          </a:prstGeom>
+          <a:noFill/>
+        </p:spPr>
+        <p:txBody>
+          <a:bodyPr wrap="square" lIns="0">
+            <a:spAutoFit/>
+          </a:bodyPr>
+          <a:lstStyle/>
+          <a:p>
+            <a:pPr algn="ctr">
+              <a:defRPr/>
+            </a:pPr>
+            <a:r>
+              <a:rPr lang="en-US" sz="900" dirty="0">
+                <a:solidFill>
+                  <a:srgbClr val="7F7F7F"/>
+                </a:solidFill>
+                <a:latin typeface="Arial" pitchFamily="34" charset="0"/>
+                <a:cs typeface="Arial" pitchFamily="34" charset="0"/>
+              </a:rPr>
+              <a:t>Copyright © </a:t>
+            </a:r>
+            <a:r>
+              <a:rPr lang="en-US" sz="900" dirty="0" smtClean="0">
+                <a:solidFill>
+                  <a:srgbClr val="7F7F7F"/>
+                </a:solidFill>
+                <a:latin typeface="Arial" pitchFamily="34" charset="0"/>
+                <a:cs typeface="Arial" pitchFamily="34" charset="0"/>
+              </a:rPr>
+              <a:t>2017 </a:t>
+            </a:r>
+            <a:r>
+              <a:rPr lang="en-US" sz="900" dirty="0">
+                <a:solidFill>
+                  <a:srgbClr val="7F7F7F"/>
+                </a:solidFill>
+                <a:latin typeface="Arial" pitchFamily="34" charset="0"/>
+                <a:cs typeface="Arial" pitchFamily="34" charset="0"/>
+              </a:rPr>
+              <a:t>Accenture  All rights reserved.</a:t>
+            </a:r>
+          </a:p>
+        </p:txBody>
+      </p:sp>
+    </p:spTree>
+    <p:extLst>
+      <p:ext uri="{BB962C8B-B14F-4D97-AF65-F5344CB8AC3E}">
+        <p14:creationId xmlns:p14="http://schemas.microsoft.com/office/powerpoint/2010/main" val="1997134921"/>
+      </p:ext>
+    </p:extLst>
+  </p:cSld>
+  <p:clrMapOvr>
+    <a:masterClrMapping/>
+  </p:clrMapOvr>
+  <p:timing>
+    <p:tnLst>
+      <p:par>
+        <p:cTn id="1" dur="indefinite" restart="never" nodeType="tmRoot"/>
+      </p:par>
+    </p:tnLst>
+  </p:timing>
+</p:sld>
+</file>
+
+<file path=ppt/slides/slide11.xml><?xml version="1.0" encoding="utf-8"?>
 <p:sld xmlns:a="http://schemas.openxmlformats.org/drawingml/2006/main" xmlns:r="http://schemas.openxmlformats.org/officeDocument/2006/relationships" xmlns:p="http://schemas.openxmlformats.org/presentationml/2006/main">
   <p:cSld>
     <p:spTree>
@@ -9399,7 +9901,7 @@
                 </a:spcAft>
                 <a:defRPr/>
               </a:pPr>
-              <a:t>9</a:t>
+              <a:t>10</a:t>
             </a:fld>
             <a:endParaRPr lang="en-US" b="0" dirty="0">
               <a:solidFill>
@@ -9689,10 +10191,17 @@
   <p:clrMapOvr>
     <a:masterClrMapping/>
   </p:clrMapOvr>
+  <p:timing>
+    <p:tnLst>
+      <p:par>
+        <p:cTn id="1" dur="indefinite" restart="never" nodeType="tmRoot"/>
+      </p:par>
+    </p:tnLst>
+  </p:timing>
 </p:sld>
 </file>
 
-<file path=ppt/slides/slide11.xml><?xml version="1.0" encoding="utf-8"?>
+<file path=ppt/slides/slide12.xml><?xml version="1.0" encoding="utf-8"?>
 <p:sld xmlns:a="http://schemas.openxmlformats.org/drawingml/2006/main" xmlns:r="http://schemas.openxmlformats.org/officeDocument/2006/relationships" xmlns:p="http://schemas.openxmlformats.org/presentationml/2006/main">
   <p:cSld>
     <p:spTree>
@@ -9786,7 +10295,7 @@
                 </a:spcAft>
                 <a:defRPr/>
               </a:pPr>
-              <a:t>10</a:t>
+              <a:t>11</a:t>
             </a:fld>
             <a:endParaRPr lang="en-US" b="0" dirty="0">
               <a:solidFill>
@@ -9805,7 +10314,7 @@
         <p:spPr>
           <a:xfrm>
             <a:off x="452568" y="3429000"/>
-            <a:ext cx="8310432" cy="2677656"/>
+            <a:ext cx="8310432" cy="2308324"/>
           </a:xfrm>
           <a:prstGeom prst="rect">
             <a:avLst/>
@@ -9894,7 +10403,15 @@
                 <a:ea typeface="SimSun" panose="02010600030101010101" pitchFamily="2" charset="-122"/>
                 <a:cs typeface="Times New Roman" panose="02020603050405020304" pitchFamily="18" charset="0"/>
               </a:rPr>
-              <a:t>注入器维护了一个服务实例的容器，存放着以前创建的实例。 如果所请求的服务实例不在容器中，注入器就会创建一个服务实例，并且添加到容器中，然后把这个服务返回给 </a:t>
+              <a:t>注入器维护了一个服务实例的容器，存放着以前创建的实例。 如果所请求的服务实例不在容器中，注入器就会创建一个服务实例，并且添加到容器中，然后把这个服务返回</a:t>
+            </a:r>
+            <a:r>
+              <a:rPr lang="zh-CN" altLang="en-US" sz="2400" b="0" dirty="0" smtClean="0">
+                <a:latin typeface="SimSun" panose="02010600030101010101" pitchFamily="2" charset="-122"/>
+                <a:ea typeface="SimSun" panose="02010600030101010101" pitchFamily="2" charset="-122"/>
+                <a:cs typeface="Times New Roman" panose="02020603050405020304" pitchFamily="18" charset="0"/>
+              </a:rPr>
+              <a:t>给</a:t>
             </a:r>
             <a:r>
               <a:rPr lang="en-US" altLang="zh-CN" sz="2400" b="0" dirty="0" smtClean="0">
@@ -10017,10 +10534,17 @@
   <p:clrMapOvr>
     <a:masterClrMapping/>
   </p:clrMapOvr>
+  <p:timing>
+    <p:tnLst>
+      <p:par>
+        <p:cTn id="1" dur="indefinite" restart="never" nodeType="tmRoot"/>
+      </p:par>
+    </p:tnLst>
+  </p:timing>
 </p:sld>
 </file>
 
-<file path=ppt/slides/slide12.xml><?xml version="1.0" encoding="utf-8"?>
+<file path=ppt/slides/slide13.xml><?xml version="1.0" encoding="utf-8"?>
 <p:sld xmlns:a="http://schemas.openxmlformats.org/drawingml/2006/main" xmlns:r="http://schemas.openxmlformats.org/officeDocument/2006/relationships" xmlns:p="http://schemas.openxmlformats.org/presentationml/2006/main">
   <p:cSld>
     <p:spTree>
@@ -10073,15 +10597,31 @@
                 <a:ea typeface="SimSun" panose="02010600030101010101" pitchFamily="2" charset="-122"/>
                 <a:cs typeface="Times New Roman" panose="02020603050405020304" pitchFamily="18" charset="0"/>
               </a:rPr>
-              <a:t>应用是模块化的，并且 </a:t>
-            </a:r>
-            <a:r>
-              <a:rPr lang="en-US" sz="2400" dirty="0">
+              <a:t>应用是模块化的，并</a:t>
+            </a:r>
+            <a:r>
+              <a:rPr lang="ja-JP" altLang="en-US" sz="2400" dirty="0" smtClean="0">
                 <a:latin typeface="SimSun" panose="02010600030101010101" pitchFamily="2" charset="-122"/>
                 <a:ea typeface="SimSun" panose="02010600030101010101" pitchFamily="2" charset="-122"/>
                 <a:cs typeface="Times New Roman" panose="02020603050405020304" pitchFamily="18" charset="0"/>
               </a:rPr>
-              <a:t>Angular </a:t>
+              <a:t>且</a:t>
+            </a:r>
+            <a:r>
+              <a:rPr lang="en-US" sz="2400" dirty="0" smtClean="0">
+                <a:latin typeface="SimSun" panose="02010600030101010101" pitchFamily="2" charset="-122"/>
+                <a:ea typeface="SimSun" panose="02010600030101010101" pitchFamily="2" charset="-122"/>
+                <a:cs typeface="Times New Roman" panose="02020603050405020304" pitchFamily="18" charset="0"/>
+              </a:rPr>
+              <a:t>Angular</a:t>
+            </a:r>
+            <a:r>
+              <a:rPr lang="ja-JP" altLang="en-US" sz="2400" dirty="0" smtClean="0">
+                <a:latin typeface="SimSun" panose="02010600030101010101" pitchFamily="2" charset="-122"/>
+                <a:ea typeface="SimSun" panose="02010600030101010101" pitchFamily="2" charset="-122"/>
+                <a:cs typeface="Times New Roman" panose="02020603050405020304" pitchFamily="18" charset="0"/>
+              </a:rPr>
+              <a:t>有</a:t>
             </a:r>
             <a:r>
               <a:rPr lang="ja-JP" altLang="en-US" sz="2400" dirty="0">
@@ -10089,7 +10629,7 @@
                 <a:ea typeface="SimSun" panose="02010600030101010101" pitchFamily="2" charset="-122"/>
                 <a:cs typeface="Times New Roman" panose="02020603050405020304" pitchFamily="18" charset="0"/>
               </a:rPr>
-              <a:t>有自己的模块系统，它被称</a:t>
+              <a:t>自己的模块系统，它被称</a:t>
             </a:r>
             <a:r>
               <a:rPr lang="ja-JP" altLang="en-US" sz="2400" dirty="0" smtClean="0">
@@ -10176,15 +10716,7 @@
                 <a:ea typeface="SimSun" panose="02010600030101010101" pitchFamily="2" charset="-122"/>
                 <a:cs typeface="Times New Roman" panose="02020603050405020304" pitchFamily="18" charset="0"/>
               </a:rPr>
-              <a:t>口</a:t>
-            </a:r>
-            <a:r>
-              <a:rPr lang="zh-CN" altLang="en-US" sz="2400" dirty="0" smtClean="0">
-                <a:latin typeface="SimSun" panose="02010600030101010101" pitchFamily="2" charset="-122"/>
-                <a:ea typeface="SimSun" panose="02010600030101010101" pitchFamily="2" charset="-122"/>
-                <a:cs typeface="Times New Roman" panose="02020603050405020304" pitchFamily="18" charset="0"/>
-              </a:rPr>
-              <a:t>。</a:t>
+              <a:t>口。</a:t>
             </a:r>
             <a:endParaRPr lang="en-US" altLang="zh-CN" sz="2400" dirty="0" smtClean="0">
               <a:latin typeface="SimSun" panose="02010600030101010101" pitchFamily="2" charset="-122"/>
@@ -10356,7 +10888,7 @@
                 </a:spcAft>
                 <a:defRPr/>
               </a:pPr>
-              <a:t>11</a:t>
+              <a:t>12</a:t>
             </a:fld>
             <a:endParaRPr lang="en-US" b="0" dirty="0">
               <a:solidFill>
@@ -10434,10 +10966,17 @@
   <p:clrMapOvr>
     <a:masterClrMapping/>
   </p:clrMapOvr>
+  <p:timing>
+    <p:tnLst>
+      <p:par>
+        <p:cTn id="1" dur="indefinite" restart="never" nodeType="tmRoot"/>
+      </p:par>
+    </p:tnLst>
+  </p:timing>
 </p:sld>
 </file>
 
-<file path=ppt/slides/slide13.xml><?xml version="1.0" encoding="utf-8"?>
+<file path=ppt/slides/slide14.xml><?xml version="1.0" encoding="utf-8"?>
 <p:sld xmlns:a="http://schemas.openxmlformats.org/drawingml/2006/main" xmlns:r="http://schemas.openxmlformats.org/officeDocument/2006/relationships" xmlns:p="http://schemas.openxmlformats.org/presentationml/2006/main">
   <p:cSld>
     <p:spTree>
@@ -10524,7 +11063,7 @@
                 </a:spcAft>
                 <a:defRPr/>
               </a:pPr>
-              <a:t>12</a:t>
+              <a:t>13</a:t>
             </a:fld>
             <a:endParaRPr lang="en-US" b="0" dirty="0">
               <a:solidFill>
@@ -10534,169 +11073,6 @@
           </a:p>
         </p:txBody>
       </p:sp>
-      <p:graphicFrame>
-        <p:nvGraphicFramePr>
-          <p:cNvPr id="8" name="Content Placeholder 7"/>
-          <p:cNvGraphicFramePr>
-            <a:graphicFrameLocks noGrp="1"/>
-          </p:cNvGraphicFramePr>
-          <p:nvPr>
-            <p:ph sz="quarter" idx="12"/>
-            <p:extLst>
-              <p:ext uri="{D42A27DB-BD31-4B8C-83A1-F6EECF244321}">
-                <p14:modId xmlns:p14="http://schemas.microsoft.com/office/powerpoint/2010/main" val="2536750142"/>
-              </p:ext>
-            </p:extLst>
-          </p:nvPr>
-        </p:nvGraphicFramePr>
-        <p:xfrm>
-          <a:off x="447936" y="1276348"/>
-          <a:ext cx="8602932" cy="1621579"/>
-        </p:xfrm>
-        <a:graphic>
-          <a:graphicData uri="http://schemas.openxmlformats.org/drawingml/2006/table">
-            <a:tbl>
-              <a:tblPr firstRow="1" bandRow="1">
-                <a:tableStyleId>{5C22544A-7EE6-4342-B048-85BDC9FD1C3A}</a:tableStyleId>
-              </a:tblPr>
-              <a:tblGrid>
-                <a:gridCol w="2867644"/>
-                <a:gridCol w="2867644"/>
-                <a:gridCol w="2867644"/>
-              </a:tblGrid>
-              <a:tr h="432859">
-                <a:tc>
-                  <a:txBody>
-                    <a:bodyPr/>
-                    <a:lstStyle/>
-                    <a:p>
-                      <a:r>
-                        <a:rPr lang="zh-CN" altLang="en-US" dirty="0" smtClean="0">
-                          <a:latin typeface="SimSun" panose="02010600030101010101" pitchFamily="2" charset="-122"/>
-                          <a:ea typeface="SimSun" panose="02010600030101010101" pitchFamily="2" charset="-122"/>
-                        </a:rPr>
-                        <a:t>内容</a:t>
-                      </a:r>
-                      <a:endParaRPr lang="en-US" dirty="0">
-                        <a:latin typeface="SimSun" panose="02010600030101010101" pitchFamily="2" charset="-122"/>
-                        <a:ea typeface="SimSun" panose="02010600030101010101" pitchFamily="2" charset="-122"/>
-                      </a:endParaRPr>
-                    </a:p>
-                  </a:txBody>
-                  <a:tcPr/>
-                </a:tc>
-                <a:tc>
-                  <a:txBody>
-                    <a:bodyPr/>
-                    <a:lstStyle/>
-                    <a:p>
-                      <a:r>
-                        <a:rPr lang="zh-CN" altLang="en-US" dirty="0" smtClean="0">
-                          <a:latin typeface="SimSun" panose="02010600030101010101" pitchFamily="2" charset="-122"/>
-                          <a:ea typeface="SimSun" panose="02010600030101010101" pitchFamily="2" charset="-122"/>
-                        </a:rPr>
-                        <a:t>说明</a:t>
-                      </a:r>
-                      <a:endParaRPr lang="en-US" dirty="0">
-                        <a:latin typeface="SimSun" panose="02010600030101010101" pitchFamily="2" charset="-122"/>
-                        <a:ea typeface="SimSun" panose="02010600030101010101" pitchFamily="2" charset="-122"/>
-                      </a:endParaRPr>
-                    </a:p>
-                  </a:txBody>
-                  <a:tcPr/>
-                </a:tc>
-                <a:tc>
-                  <a:txBody>
-                    <a:bodyPr/>
-                    <a:lstStyle/>
-                    <a:p>
-                      <a:r>
-                        <a:rPr lang="zh-CN" altLang="en-US" dirty="0" smtClean="0">
-                          <a:latin typeface="SimSun" panose="02010600030101010101" pitchFamily="2" charset="-122"/>
-                          <a:ea typeface="SimSun" panose="02010600030101010101" pitchFamily="2" charset="-122"/>
-                        </a:rPr>
-                        <a:t>完成条件</a:t>
-                      </a:r>
-                      <a:endParaRPr lang="en-US" dirty="0">
-                        <a:latin typeface="SimSun" panose="02010600030101010101" pitchFamily="2" charset="-122"/>
-                        <a:ea typeface="SimSun" panose="02010600030101010101" pitchFamily="2" charset="-122"/>
-                      </a:endParaRPr>
-                    </a:p>
-                  </a:txBody>
-                  <a:tcPr/>
-                </a:tc>
-              </a:tr>
-              <a:tr h="432859">
-                <a:tc>
-                  <a:txBody>
-                    <a:bodyPr/>
-                    <a:lstStyle/>
-                    <a:p>
-                      <a:r>
-                        <a:rPr lang="zh-CN" altLang="en-US" dirty="0" smtClean="0"/>
-                        <a:t>了解</a:t>
-                      </a:r>
-                      <a:r>
-                        <a:rPr lang="en-US" altLang="zh-CN" dirty="0" smtClean="0"/>
-                        <a:t>Angular</a:t>
-                      </a:r>
-                      <a:r>
-                        <a:rPr lang="zh-CN" altLang="en-US" baseline="0" dirty="0" smtClean="0"/>
-                        <a:t> </a:t>
-                      </a:r>
-                      <a:r>
-                        <a:rPr lang="en-US" altLang="zh-CN" baseline="0" dirty="0" smtClean="0"/>
-                        <a:t>Framework</a:t>
-                      </a:r>
-                      <a:endParaRPr lang="en-US" dirty="0"/>
-                    </a:p>
-                  </a:txBody>
-                  <a:tcPr/>
-                </a:tc>
-                <a:tc>
-                  <a:txBody>
-                    <a:bodyPr/>
-                    <a:lstStyle/>
-                    <a:p>
-                      <a:r>
-                        <a:rPr lang="en-US" altLang="zh-CN" dirty="0" smtClean="0"/>
-                        <a:t>1.https://angular.io/guide/</a:t>
-                      </a:r>
-                      <a:r>
-                        <a:rPr lang="en-US" altLang="zh-CN" dirty="0" err="1" smtClean="0"/>
-                        <a:t>quickstart</a:t>
-                      </a:r>
-                      <a:endParaRPr lang="en-US" altLang="zh-CN" dirty="0" smtClean="0"/>
-                    </a:p>
-                    <a:p>
-                      <a:r>
-                        <a:rPr lang="en-US" altLang="zh-CN" dirty="0" smtClean="0"/>
-                        <a:t>2.</a:t>
-                      </a:r>
-                      <a:r>
-                        <a:rPr lang="en-US" dirty="0" smtClean="0"/>
-                        <a:t>https://angular.io/guide/architecture</a:t>
-                      </a:r>
-                      <a:endParaRPr lang="en-US" dirty="0"/>
-                    </a:p>
-                  </a:txBody>
-                  <a:tcPr/>
-                </a:tc>
-                <a:tc>
-                  <a:txBody>
-                    <a:bodyPr/>
-                    <a:lstStyle/>
-                    <a:p>
-                      <a:endParaRPr lang="en-US" dirty="0"/>
-                    </a:p>
-                  </a:txBody>
-                  <a:tcPr/>
-                </a:tc>
-              </a:tr>
-            </a:tbl>
-          </a:graphicData>
-        </a:graphic>
-      </p:graphicFrame>
       <p:sp>
         <p:nvSpPr>
           <p:cNvPr id="9" name="TextBox 8"/>
@@ -10755,6 +11131,173 @@
           </a:p>
         </p:txBody>
       </p:sp>
+      <p:graphicFrame>
+        <p:nvGraphicFramePr>
+          <p:cNvPr id="5" name="Content Placeholder 4"/>
+          <p:cNvGraphicFramePr>
+            <a:graphicFrameLocks noGrp="1"/>
+          </p:cNvGraphicFramePr>
+          <p:nvPr>
+            <p:ph sz="quarter" idx="12"/>
+            <p:extLst>
+              <p:ext uri="{D42A27DB-BD31-4B8C-83A1-F6EECF244321}">
+                <p14:modId xmlns:p14="http://schemas.microsoft.com/office/powerpoint/2010/main" val="3327389829"/>
+              </p:ext>
+            </p:extLst>
+          </p:nvPr>
+        </p:nvGraphicFramePr>
+        <p:xfrm>
+          <a:off x="449263" y="1200150"/>
+          <a:ext cx="8228013" cy="1381760"/>
+        </p:xfrm>
+        <a:graphic>
+          <a:graphicData uri="http://schemas.openxmlformats.org/drawingml/2006/table">
+            <a:tbl>
+              <a:tblPr firstRow="1" bandRow="1">
+                <a:tableStyleId>{5C22544A-7EE6-4342-B048-85BDC9FD1C3A}</a:tableStyleId>
+              </a:tblPr>
+              <a:tblGrid>
+                <a:gridCol w="2912004"/>
+                <a:gridCol w="5316009"/>
+              </a:tblGrid>
+              <a:tr h="370840">
+                <a:tc>
+                  <a:txBody>
+                    <a:bodyPr/>
+                    <a:lstStyle/>
+                    <a:p>
+                      <a:r>
+                        <a:rPr lang="zh-CN" altLang="en-US" dirty="0" smtClean="0"/>
+                        <a:t>内容</a:t>
+                      </a:r>
+                      <a:endParaRPr lang="en-US" dirty="0"/>
+                    </a:p>
+                  </a:txBody>
+                  <a:tcPr/>
+                </a:tc>
+                <a:tc>
+                  <a:txBody>
+                    <a:bodyPr/>
+                    <a:lstStyle/>
+                    <a:p>
+                      <a:r>
+                        <a:rPr lang="zh-CN" altLang="en-US" dirty="0" smtClean="0"/>
+                        <a:t>说明</a:t>
+                      </a:r>
+                      <a:endParaRPr lang="en-US" dirty="0"/>
+                    </a:p>
+                  </a:txBody>
+                  <a:tcPr/>
+                </a:tc>
+              </a:tr>
+              <a:tr h="370840">
+                <a:tc>
+                  <a:txBody>
+                    <a:bodyPr/>
+                    <a:lstStyle/>
+                    <a:p>
+                      <a:pPr marL="0" marR="0" lvl="0" indent="0" algn="l" defTabSz="914400" rtl="0" eaLnBrk="1" fontAlgn="auto" latinLnBrk="0" hangingPunct="1">
+                        <a:lnSpc>
+                          <a:spcPct val="100000"/>
+                        </a:lnSpc>
+                        <a:spcBef>
+                          <a:spcPts val="0"/>
+                        </a:spcBef>
+                        <a:spcAft>
+                          <a:spcPts val="0"/>
+                        </a:spcAft>
+                        <a:buClrTx/>
+                        <a:buSzTx/>
+                        <a:buFontTx/>
+                        <a:buNone/>
+                        <a:tabLst/>
+                        <a:defRPr/>
+                      </a:pPr>
+                      <a:r>
+                        <a:rPr lang="zh-CN" altLang="en-US" dirty="0" smtClean="0"/>
+                        <a:t>利用</a:t>
+                      </a:r>
+                      <a:r>
+                        <a:rPr lang="en-US" dirty="0" smtClean="0"/>
+                        <a:t>CLI</a:t>
+                      </a:r>
+                      <a:r>
+                        <a:rPr lang="zh-CN" altLang="en-US" dirty="0" smtClean="0"/>
+                        <a:t>指令</a:t>
+                      </a:r>
+                      <a:r>
+                        <a:rPr lang="zh-CN" altLang="en-US" dirty="0" smtClean="0"/>
+                        <a:t>新建一个工程</a:t>
+                      </a:r>
+                      <a:endParaRPr lang="en-US" dirty="0"/>
+                    </a:p>
+                  </a:txBody>
+                  <a:tcPr/>
+                </a:tc>
+                <a:tc>
+                  <a:txBody>
+                    <a:bodyPr/>
+                    <a:lstStyle/>
+                    <a:p>
+                      <a:r>
+                        <a:rPr lang="en-US" dirty="0" smtClean="0"/>
+                        <a:t>ng new</a:t>
+                      </a:r>
+                      <a:endParaRPr lang="en-US" dirty="0"/>
+                    </a:p>
+                  </a:txBody>
+                  <a:tcPr/>
+                </a:tc>
+              </a:tr>
+              <a:tr h="370840">
+                <a:tc>
+                  <a:txBody>
+                    <a:bodyPr/>
+                    <a:lstStyle/>
+                    <a:p>
+                      <a:r>
+                        <a:rPr lang="zh-CN" altLang="en-US" dirty="0" smtClean="0"/>
+                        <a:t>理解</a:t>
+                      </a:r>
+                      <a:r>
+                        <a:rPr lang="en-US" dirty="0" smtClean="0"/>
+                        <a:t>Angular Framework</a:t>
+                      </a:r>
+                      <a:endParaRPr lang="en-US" dirty="0"/>
+                    </a:p>
+                  </a:txBody>
+                  <a:tcPr/>
+                </a:tc>
+                <a:tc>
+                  <a:txBody>
+                    <a:bodyPr/>
+                    <a:lstStyle/>
+                    <a:p>
+                      <a:r>
+                        <a:rPr lang="en-US" dirty="0" smtClean="0"/>
+                        <a:t>1.https://angular.io/guide/</a:t>
+                      </a:r>
+                      <a:r>
+                        <a:rPr lang="en-US" dirty="0" err="1" smtClean="0"/>
+                        <a:t>quickstart</a:t>
+                      </a:r>
+                      <a:endParaRPr lang="en-US" dirty="0" smtClean="0"/>
+                    </a:p>
+                    <a:p>
+                      <a:r>
+                        <a:rPr lang="en-US" dirty="0" smtClean="0"/>
+                        <a:t>2.https://angular.io/guide/architecture</a:t>
+                      </a:r>
+                      <a:endParaRPr lang="en-US" dirty="0"/>
+                    </a:p>
+                  </a:txBody>
+                  <a:tcPr/>
+                </a:tc>
+              </a:tr>
+            </a:tbl>
+          </a:graphicData>
+        </a:graphic>
+      </p:graphicFrame>
     </p:spTree>
     <p:extLst>
       <p:ext uri="{BB962C8B-B14F-4D97-AF65-F5344CB8AC3E}">
@@ -10765,10 +11308,17 @@
   <p:clrMapOvr>
     <a:masterClrMapping/>
   </p:clrMapOvr>
+  <p:timing>
+    <p:tnLst>
+      <p:par>
+        <p:cTn id="1" dur="indefinite" restart="never" nodeType="tmRoot"/>
+      </p:par>
+    </p:tnLst>
+  </p:timing>
 </p:sld>
 </file>
 
-<file path=ppt/slides/slide14.xml><?xml version="1.0" encoding="utf-8"?>
+<file path=ppt/slides/slide15.xml><?xml version="1.0" encoding="utf-8"?>
 <p:sld xmlns:a="http://schemas.openxmlformats.org/drawingml/2006/main" xmlns:r="http://schemas.openxmlformats.org/officeDocument/2006/relationships" xmlns:p="http://schemas.openxmlformats.org/presentationml/2006/main">
   <p:cSld>
     <p:spTree>
@@ -11021,7 +11571,7 @@
                 <a:cs typeface="Arial" pitchFamily="34" charset="0"/>
               </a:rPr>
               <a:pPr algn="r"/>
-              <a:t>13</a:t>
+              <a:t>14</a:t>
             </a:fld>
             <a:endParaRPr lang="en-CA" sz="900" dirty="0">
               <a:solidFill>
@@ -11038,6 +11588,13 @@
   <p:clrMapOvr>
     <a:masterClrMapping/>
   </p:clrMapOvr>
+  <p:timing>
+    <p:tnLst>
+      <p:par>
+        <p:cTn id="1" dur="indefinite" restart="never" nodeType="tmRoot"/>
+      </p:par>
+    </p:tnLst>
+  </p:timing>
 </p:sld>
 </file>
 
@@ -11097,14 +11654,14 @@
           <p:nvPr>
             <p:extLst>
               <p:ext uri="{D42A27DB-BD31-4B8C-83A1-F6EECF244321}">
-                <p14:modId xmlns:p14="http://schemas.microsoft.com/office/powerpoint/2010/main" val="499273291"/>
+                <p14:modId xmlns:p14="http://schemas.microsoft.com/office/powerpoint/2010/main" val="1531792169"/>
               </p:ext>
             </p:extLst>
           </p:nvPr>
         </p:nvGraphicFramePr>
         <p:xfrm>
           <a:off x="474133" y="1270001"/>
-          <a:ext cx="7853892" cy="6132195"/>
+          <a:ext cx="7853892" cy="6573520"/>
         </p:xfrm>
         <a:graphic>
           <a:graphicData uri="http://schemas.openxmlformats.org/drawingml/2006/table">
@@ -11114,12 +11671,12 @@
                 <a:gridCol w="7853892">
                   <a:extLst>
                     <a:ext uri="{9D8B030D-6E8A-4147-A177-3AD203B41FA5}">
-                      <a16:colId xmlns="" xmlns:a16="http://schemas.microsoft.com/office/drawing/2014/main" val="20000"/>
+                      <a16:colId xmlns:a16="http://schemas.microsoft.com/office/drawing/2014/main" xmlns="" val="20000"/>
                     </a:ext>
                   </a:extLst>
                 </a:gridCol>
               </a:tblGrid>
-              <a:tr h="4418353">
+              <a:tr h="5240866">
                 <a:tc>
                   <a:txBody>
                     <a:bodyPr/>
@@ -11127,10 +11684,10 @@
                     <a:p>
                       <a:pPr marL="0" marR="0" lvl="0" indent="0" algn="l" defTabSz="914400" rtl="0" eaLnBrk="1" fontAlgn="base" latinLnBrk="0" hangingPunct="1">
                         <a:lnSpc>
-                          <a:spcPct val="150000"/>
+                          <a:spcPct val="100000"/>
                         </a:lnSpc>
                         <a:spcBef>
-                          <a:spcPct val="0"/>
+                          <a:spcPts val="1000"/>
                         </a:spcBef>
                         <a:spcAft>
                           <a:spcPct val="0"/>
@@ -11154,7 +11711,7 @@
                           <a:ea typeface="SimSun" panose="02010600030101010101" pitchFamily="2" charset="-122"/>
                           <a:cs typeface="+mn-cs"/>
                         </a:rPr>
-                        <a:t>目录结构</a:t>
+                        <a:t>创建新工程</a:t>
                       </a:r>
                       <a:endParaRPr kumimoji="0" lang="en-US" altLang="zh-CN" sz="2400" b="0" i="0" u="none" strike="noStrike" kern="1200" cap="none" normalizeH="0" baseline="0" dirty="0" smtClean="0">
                         <a:ln>
@@ -11172,10 +11729,10 @@
                     <a:p>
                       <a:pPr marL="0" marR="0" lvl="0" indent="0" algn="l" defTabSz="914400" rtl="0" eaLnBrk="1" fontAlgn="base" latinLnBrk="0" hangingPunct="1">
                         <a:lnSpc>
-                          <a:spcPct val="150000"/>
+                          <a:spcPct val="100000"/>
                         </a:lnSpc>
                         <a:spcBef>
-                          <a:spcPct val="0"/>
+                          <a:spcPts val="1000"/>
                         </a:spcBef>
                         <a:spcAft>
                           <a:spcPct val="0"/>
@@ -11199,7 +11756,7 @@
                           <a:ea typeface="SimSun" panose="02010600030101010101" pitchFamily="2" charset="-122"/>
                           <a:cs typeface="+mn-cs"/>
                         </a:rPr>
-                        <a:t>启动过</a:t>
+                        <a:t>目</a:t>
                       </a:r>
                       <a:r>
                         <a:rPr kumimoji="0" lang="zh-CN" altLang="en-US" sz="2400" b="0" i="0" u="none" strike="noStrike" kern="1200" cap="none" normalizeH="0" baseline="0" dirty="0" smtClean="0">
@@ -11214,7 +11771,7 @@
                           <a:ea typeface="SimSun" panose="02010600030101010101" pitchFamily="2" charset="-122"/>
                           <a:cs typeface="+mn-cs"/>
                         </a:rPr>
-                        <a:t>程</a:t>
+                        <a:t>录结构</a:t>
                       </a:r>
                       <a:endParaRPr kumimoji="0" lang="en-US" altLang="zh-CN" sz="2400" b="0" i="0" u="none" strike="noStrike" kern="1200" cap="none" normalizeH="0" baseline="0" dirty="0" smtClean="0">
                         <a:ln>
@@ -11232,10 +11789,55 @@
                     <a:p>
                       <a:pPr marL="0" marR="0" lvl="0" indent="0" algn="l" defTabSz="914400" rtl="0" eaLnBrk="1" fontAlgn="base" latinLnBrk="0" hangingPunct="1">
                         <a:lnSpc>
-                          <a:spcPct val="150000"/>
+                          <a:spcPct val="100000"/>
                         </a:lnSpc>
                         <a:spcBef>
+                          <a:spcPts val="1000"/>
+                        </a:spcBef>
+                        <a:spcAft>
                           <a:spcPct val="0"/>
+                        </a:spcAft>
+                        <a:buClrTx/>
+                        <a:buSzTx/>
+                        <a:buFont typeface="Wingdings" pitchFamily="2" charset="2"/>
+                        <a:buNone/>
+                        <a:tabLst/>
+                      </a:pPr>
+                      <a:r>
+                        <a:rPr kumimoji="0" lang="zh-CN" altLang="en-US" sz="2400" b="0" i="0" u="none" strike="noStrike" kern="1200" cap="none" normalizeH="0" baseline="0" dirty="0" smtClean="0">
+                          <a:ln>
+                            <a:noFill/>
+                          </a:ln>
+                          <a:solidFill>
+                            <a:srgbClr val="000000"/>
+                          </a:solidFill>
+                          <a:effectLst/>
+                          <a:latin typeface="SimSun" panose="02010600030101010101" pitchFamily="2" charset="-122"/>
+                          <a:ea typeface="SimSun" panose="02010600030101010101" pitchFamily="2" charset="-122"/>
+                          <a:cs typeface="+mn-cs"/>
+                        </a:rPr>
+                        <a:t>启动过程</a:t>
+                      </a:r>
+                      <a:endParaRPr kumimoji="0" lang="en-US" altLang="zh-CN" sz="2400" b="0" i="0" u="none" strike="noStrike" kern="1200" cap="none" normalizeH="0" baseline="0" dirty="0" smtClean="0">
+                        <a:ln>
+                          <a:noFill/>
+                        </a:ln>
+                        <a:solidFill>
+                          <a:srgbClr val="000000"/>
+                        </a:solidFill>
+                        <a:effectLst/>
+                        <a:latin typeface="SimSun" panose="02010600030101010101" pitchFamily="2" charset="-122"/>
+                        <a:ea typeface="SimSun" panose="02010600030101010101" pitchFamily="2" charset="-122"/>
+                        <a:cs typeface="+mn-cs"/>
+                      </a:endParaRPr>
+                    </a:p>
+                    <a:p>
+                      <a:pPr marL="0" marR="0" lvl="0" indent="0" algn="l" defTabSz="914400" rtl="0" eaLnBrk="1" fontAlgn="base" latinLnBrk="0" hangingPunct="1">
+                        <a:lnSpc>
+                          <a:spcPct val="100000"/>
+                        </a:lnSpc>
+                        <a:spcBef>
+                          <a:spcPts val="1000"/>
                         </a:spcBef>
                         <a:spcAft>
                           <a:spcPct val="0"/>
@@ -11277,10 +11879,10 @@
                     <a:p>
                       <a:pPr marL="0" marR="0" lvl="0" indent="0" algn="l" defTabSz="914400" rtl="0" eaLnBrk="1" fontAlgn="base" latinLnBrk="0" hangingPunct="1">
                         <a:lnSpc>
-                          <a:spcPct val="150000"/>
+                          <a:spcPct val="100000"/>
                         </a:lnSpc>
                         <a:spcBef>
-                          <a:spcPct val="0"/>
+                          <a:spcPts val="1000"/>
                         </a:spcBef>
                         <a:spcAft>
                           <a:spcPct val="0"/>
@@ -11306,26 +11908,14 @@
                         </a:rPr>
                         <a:t>组件</a:t>
                       </a:r>
-                      <a:endParaRPr kumimoji="0" lang="zh-CN" altLang="en-US" sz="2400" b="0" i="0" u="none" strike="noStrike" kern="1200" cap="none" normalizeH="0" baseline="0" dirty="0" smtClean="0">
-                        <a:ln>
-                          <a:noFill/>
-                        </a:ln>
-                        <a:solidFill>
-                          <a:srgbClr val="000000"/>
-                        </a:solidFill>
-                        <a:effectLst/>
-                        <a:latin typeface="SimSun" panose="02010600030101010101" pitchFamily="2" charset="-122"/>
-                        <a:ea typeface="SimSun" panose="02010600030101010101" pitchFamily="2" charset="-122"/>
-                        <a:cs typeface="+mn-cs"/>
-                      </a:endParaRPr>
                     </a:p>
                     <a:p>
                       <a:pPr marL="0" marR="0" lvl="0" indent="0" algn="l" defTabSz="914400" rtl="0" eaLnBrk="1" fontAlgn="base" latinLnBrk="0" hangingPunct="1">
                         <a:lnSpc>
-                          <a:spcPct val="150000"/>
+                          <a:spcPct val="100000"/>
                         </a:lnSpc>
                         <a:spcBef>
-                          <a:spcPct val="0"/>
+                          <a:spcPts val="1000"/>
                         </a:spcBef>
                         <a:spcAft>
                           <a:spcPct val="0"/>
@@ -11367,10 +11957,10 @@
                     <a:p>
                       <a:pPr marL="0" marR="0" lvl="0" indent="0" algn="l" defTabSz="914400" rtl="0" eaLnBrk="1" fontAlgn="base" latinLnBrk="0" hangingPunct="1">
                         <a:lnSpc>
-                          <a:spcPct val="150000"/>
+                          <a:spcPct val="100000"/>
                         </a:lnSpc>
                         <a:spcBef>
-                          <a:spcPct val="0"/>
+                          <a:spcPts val="1000"/>
                         </a:spcBef>
                         <a:spcAft>
                           <a:spcPct val="0"/>
@@ -11396,26 +11986,14 @@
                         </a:rPr>
                         <a:t>指令</a:t>
                       </a:r>
-                      <a:endParaRPr kumimoji="0" lang="zh-CN" altLang="en-US" sz="2400" b="0" i="0" u="none" strike="noStrike" kern="1200" cap="none" normalizeH="0" baseline="0" dirty="0" smtClean="0">
-                        <a:ln>
-                          <a:noFill/>
-                        </a:ln>
-                        <a:solidFill>
-                          <a:srgbClr val="000000"/>
-                        </a:solidFill>
-                        <a:effectLst/>
-                        <a:latin typeface="SimSun" panose="02010600030101010101" pitchFamily="2" charset="-122"/>
-                        <a:ea typeface="SimSun" panose="02010600030101010101" pitchFamily="2" charset="-122"/>
-                        <a:cs typeface="+mn-cs"/>
-                      </a:endParaRPr>
                     </a:p>
                     <a:p>
                       <a:pPr marL="0" marR="0" lvl="0" indent="0" algn="l" defTabSz="914400" rtl="0" eaLnBrk="1" fontAlgn="base" latinLnBrk="0" hangingPunct="1">
                         <a:lnSpc>
-                          <a:spcPct val="150000"/>
+                          <a:spcPct val="100000"/>
                         </a:lnSpc>
                         <a:spcBef>
-                          <a:spcPct val="0"/>
+                          <a:spcPts val="1000"/>
                         </a:spcBef>
                         <a:spcAft>
                           <a:spcPct val="0"/>
@@ -11441,26 +12019,14 @@
                         </a:rPr>
                         <a:t>服务</a:t>
                       </a:r>
-                      <a:endParaRPr kumimoji="0" lang="zh-CN" altLang="en-US" sz="2400" b="0" i="0" u="none" strike="noStrike" kern="1200" cap="none" normalizeH="0" baseline="0" dirty="0" smtClean="0">
-                        <a:ln>
-                          <a:noFill/>
-                        </a:ln>
-                        <a:solidFill>
-                          <a:srgbClr val="000000"/>
-                        </a:solidFill>
-                        <a:effectLst/>
-                        <a:latin typeface="SimSun" panose="02010600030101010101" pitchFamily="2" charset="-122"/>
-                        <a:ea typeface="SimSun" panose="02010600030101010101" pitchFamily="2" charset="-122"/>
-                        <a:cs typeface="+mn-cs"/>
-                      </a:endParaRPr>
                     </a:p>
                     <a:p>
                       <a:pPr marL="0" marR="0" lvl="0" indent="0" algn="l" defTabSz="914400" rtl="0" eaLnBrk="1" fontAlgn="base" latinLnBrk="0" hangingPunct="1">
                         <a:lnSpc>
-                          <a:spcPct val="150000"/>
+                          <a:spcPct val="100000"/>
                         </a:lnSpc>
                         <a:spcBef>
-                          <a:spcPct val="0"/>
+                          <a:spcPts val="1000"/>
                         </a:spcBef>
                         <a:spcAft>
                           <a:spcPct val="0"/>
@@ -11502,10 +12068,10 @@
                     <a:p>
                       <a:pPr marL="0" marR="0" lvl="0" indent="0" algn="l" defTabSz="914400" rtl="0" eaLnBrk="1" fontAlgn="base" latinLnBrk="0" hangingPunct="1">
                         <a:lnSpc>
-                          <a:spcPct val="150000"/>
+                          <a:spcPct val="100000"/>
                         </a:lnSpc>
                         <a:spcBef>
-                          <a:spcPct val="0"/>
+                          <a:spcPts val="1000"/>
                         </a:spcBef>
                         <a:spcAft>
                           <a:spcPct val="0"/>
@@ -11529,7 +12095,67 @@
                           <a:ea typeface="SimSun" panose="02010600030101010101" pitchFamily="2" charset="-122"/>
                           <a:cs typeface="+mn-cs"/>
                         </a:rPr>
-                        <a:t>模块</a:t>
+                        <a:t>模</a:t>
+                      </a:r>
+                      <a:r>
+                        <a:rPr kumimoji="0" lang="zh-CN" altLang="en-US" sz="2400" b="0" i="0" u="none" strike="noStrike" kern="1200" cap="none" normalizeH="0" baseline="0" dirty="0" smtClean="0">
+                          <a:ln>
+                            <a:noFill/>
+                          </a:ln>
+                          <a:solidFill>
+                            <a:srgbClr val="000000"/>
+                          </a:solidFill>
+                          <a:effectLst/>
+                          <a:latin typeface="SimSun" panose="02010600030101010101" pitchFamily="2" charset="-122"/>
+                          <a:ea typeface="SimSun" panose="02010600030101010101" pitchFamily="2" charset="-122"/>
+                          <a:cs typeface="+mn-cs"/>
+                        </a:rPr>
+                        <a:t>块</a:t>
+                      </a:r>
+                      <a:endParaRPr kumimoji="0" lang="en-US" altLang="zh-CN" sz="2400" b="0" i="0" u="none" strike="noStrike" kern="1200" cap="none" normalizeH="0" baseline="0" dirty="0" smtClean="0">
+                        <a:ln>
+                          <a:noFill/>
+                        </a:ln>
+                        <a:solidFill>
+                          <a:srgbClr val="000000"/>
+                        </a:solidFill>
+                        <a:effectLst/>
+                        <a:latin typeface="SimSun" panose="02010600030101010101" pitchFamily="2" charset="-122"/>
+                        <a:ea typeface="SimSun" panose="02010600030101010101" pitchFamily="2" charset="-122"/>
+                        <a:cs typeface="+mn-cs"/>
+                      </a:endParaRPr>
+                    </a:p>
+                    <a:p>
+                      <a:pPr marL="0" marR="0" lvl="0" indent="0" algn="l" defTabSz="914400" rtl="0" eaLnBrk="1" fontAlgn="base" latinLnBrk="0" hangingPunct="1">
+                        <a:lnSpc>
+                          <a:spcPct val="100000"/>
+                        </a:lnSpc>
+                        <a:spcBef>
+                          <a:spcPts val="1000"/>
+                        </a:spcBef>
+                        <a:spcAft>
+                          <a:spcPct val="0"/>
+                        </a:spcAft>
+                        <a:buClrTx/>
+                        <a:buSzTx/>
+                        <a:buFont typeface="Wingdings" pitchFamily="2" charset="2"/>
+                        <a:buNone/>
+                        <a:tabLst/>
+                      </a:pPr>
+                      <a:r>
+                        <a:rPr kumimoji="0" lang="zh-CN" altLang="en-US" sz="2400" b="0" i="0" u="none" strike="noStrike" kern="1200" cap="none" normalizeH="0" baseline="0" dirty="0" smtClean="0">
+                          <a:ln>
+                            <a:noFill/>
+                          </a:ln>
+                          <a:solidFill>
+                            <a:srgbClr val="000000"/>
+                          </a:solidFill>
+                          <a:effectLst/>
+                          <a:latin typeface="SimSun" panose="02010600030101010101" pitchFamily="2" charset="-122"/>
+                          <a:ea typeface="SimSun" panose="02010600030101010101" pitchFamily="2" charset="-122"/>
+                          <a:cs typeface="+mn-cs"/>
+                        </a:rPr>
+                        <a:t>作业与练习</a:t>
                       </a:r>
                       <a:endParaRPr kumimoji="0" lang="en-US" altLang="zh-CN" sz="2400" b="0" i="0" u="none" strike="noStrike" kern="1200" cap="none" normalizeH="0" baseline="0" dirty="0" smtClean="0">
                         <a:ln>
@@ -11569,7 +12195,7 @@
                 </a:tc>
                 <a:extLst>
                   <a:ext uri="{0D108BD9-81ED-4DB2-BD59-A6C34878D82A}">
-                    <a16:rowId xmlns="" xmlns:a16="http://schemas.microsoft.com/office/drawing/2014/main" val="10000"/>
+                    <a16:rowId xmlns:a16="http://schemas.microsoft.com/office/drawing/2014/main" xmlns="" val="10000"/>
                   </a:ext>
                 </a:extLst>
               </a:tr>
@@ -11579,13 +12205,11 @@
                     <a:bodyPr/>
                     <a:lstStyle/>
                     <a:p>
-                      <a:r>
-                        <a:rPr lang="zh-CN" altLang="en-US" sz="2400" dirty="0" smtClean="0">
-                          <a:latin typeface="SimSun" panose="02010600030101010101" pitchFamily="2" charset="-122"/>
-                          <a:ea typeface="SimSun" panose="02010600030101010101" pitchFamily="2" charset="-122"/>
-                        </a:rPr>
-                        <a:t>作业</a:t>
-                      </a:r>
+                      <a:pPr>
+                        <a:lnSpc>
+                          <a:spcPct val="100000"/>
+                        </a:lnSpc>
+                      </a:pPr>
                       <a:endParaRPr lang="en-US" sz="2400" dirty="0">
                         <a:latin typeface="SimSun" panose="02010600030101010101" pitchFamily="2" charset="-122"/>
                         <a:ea typeface="SimSun" panose="02010600030101010101" pitchFamily="2" charset="-122"/>
@@ -11616,7 +12240,7 @@
                 </a:tc>
                 <a:extLst>
                   <a:ext uri="{0D108BD9-81ED-4DB2-BD59-A6C34878D82A}">
-                    <a16:rowId xmlns="" xmlns:a16="http://schemas.microsoft.com/office/drawing/2014/main" val="10001"/>
+                    <a16:rowId xmlns:a16="http://schemas.microsoft.com/office/drawing/2014/main" xmlns="" val="10001"/>
                   </a:ext>
                 </a:extLst>
               </a:tr>
@@ -11653,7 +12277,7 @@
                 </a:tc>
                 <a:extLst>
                   <a:ext uri="{0D108BD9-81ED-4DB2-BD59-A6C34878D82A}">
-                    <a16:rowId xmlns="" xmlns:a16="http://schemas.microsoft.com/office/drawing/2014/main" val="10002"/>
+                    <a16:rowId xmlns:a16="http://schemas.microsoft.com/office/drawing/2014/main" xmlns="" val="10002"/>
                   </a:ext>
                 </a:extLst>
               </a:tr>
@@ -11690,7 +12314,7 @@
                 </a:tc>
                 <a:extLst>
                   <a:ext uri="{0D108BD9-81ED-4DB2-BD59-A6C34878D82A}">
-                    <a16:rowId xmlns="" xmlns:a16="http://schemas.microsoft.com/office/drawing/2014/main" val="10003"/>
+                    <a16:rowId xmlns:a16="http://schemas.microsoft.com/office/drawing/2014/main" xmlns="" val="10003"/>
                   </a:ext>
                 </a:extLst>
               </a:tr>
@@ -11706,7 +12330,7 @@
         </p:nvSpPr>
         <p:spPr>
           <a:xfrm>
-            <a:off x="267494" y="6570473"/>
+            <a:off x="264993" y="6569924"/>
             <a:ext cx="3180355" cy="230832"/>
           </a:xfrm>
           <a:prstGeom prst="rect">
@@ -11790,10 +12414,194 @@
   <p:clrMapOvr>
     <a:masterClrMapping/>
   </p:clrMapOvr>
+  <p:timing>
+    <p:tnLst>
+      <p:par>
+        <p:cTn id="1" dur="indefinite" restart="never" nodeType="tmRoot"/>
+      </p:par>
+    </p:tnLst>
+  </p:timing>
 </p:sld>
 </file>
 
 <file path=ppt/slides/slide3.xml><?xml version="1.0" encoding="utf-8"?>
+<p:sld xmlns:a="http://schemas.openxmlformats.org/drawingml/2006/main" xmlns:r="http://schemas.openxmlformats.org/officeDocument/2006/relationships" xmlns:p="http://schemas.openxmlformats.org/presentationml/2006/main">
+  <p:cSld>
+    <p:spTree>
+      <p:nvGrpSpPr>
+        <p:cNvPr id="1" name=""/>
+        <p:cNvGrpSpPr/>
+        <p:nvPr/>
+      </p:nvGrpSpPr>
+      <p:grpSpPr>
+        <a:xfrm>
+          <a:off x="0" y="0"/>
+          <a:ext cx="0" cy="0"/>
+          <a:chOff x="0" y="0"/>
+          <a:chExt cx="0" cy="0"/>
+        </a:xfrm>
+      </p:grpSpPr>
+      <p:sp>
+        <p:nvSpPr>
+          <p:cNvPr id="2" name="Content Placeholder 1"/>
+          <p:cNvSpPr>
+            <a:spLocks noGrp="1"/>
+          </p:cNvSpPr>
+          <p:nvPr>
+            <p:ph sz="quarter" idx="12"/>
+          </p:nvPr>
+        </p:nvSpPr>
+        <p:spPr/>
+        <p:txBody>
+          <a:bodyPr>
+            <a:normAutofit/>
+          </a:bodyPr>
+          <a:lstStyle/>
+          <a:p>
+            <a:r>
+              <a:rPr lang="en-US" sz="2400" dirty="0" err="1"/>
+              <a:t>npm</a:t>
+            </a:r>
+            <a:r>
+              <a:rPr lang="en-US" sz="2400" dirty="0"/>
+              <a:t> install -g @angular/cli</a:t>
+            </a:r>
+            <a:endParaRPr lang="en-US" sz="2400" dirty="0" smtClean="0"/>
+          </a:p>
+          <a:p>
+            <a:r>
+              <a:rPr lang="en-US" sz="2400" dirty="0" smtClean="0"/>
+              <a:t>ng </a:t>
+            </a:r>
+            <a:r>
+              <a:rPr lang="en-US" sz="2400" dirty="0"/>
+              <a:t>new </a:t>
+            </a:r>
+            <a:r>
+              <a:rPr lang="en-US" sz="2400" dirty="0" smtClean="0"/>
+              <a:t>my-app</a:t>
+            </a:r>
+          </a:p>
+          <a:p>
+            <a:r>
+              <a:rPr lang="en-US" sz="2400" dirty="0"/>
+              <a:t>cd my-app </a:t>
+            </a:r>
+            <a:endParaRPr lang="en-US" sz="2400" dirty="0" smtClean="0"/>
+          </a:p>
+          <a:p>
+            <a:r>
+              <a:rPr lang="en-US" sz="2400" dirty="0" smtClean="0"/>
+              <a:t>ng </a:t>
+            </a:r>
+            <a:r>
+              <a:rPr lang="en-US" sz="2400" dirty="0"/>
+              <a:t>serve --open</a:t>
+            </a:r>
+          </a:p>
+        </p:txBody>
+      </p:sp>
+      <p:sp>
+        <p:nvSpPr>
+          <p:cNvPr id="3" name="Title 2"/>
+          <p:cNvSpPr>
+            <a:spLocks noGrp="1"/>
+          </p:cNvSpPr>
+          <p:nvPr>
+            <p:ph type="title"/>
+          </p:nvPr>
+        </p:nvSpPr>
+        <p:spPr/>
+        <p:txBody>
+          <a:bodyPr>
+            <a:normAutofit/>
+          </a:bodyPr>
+          <a:lstStyle/>
+          <a:p>
+            <a:r>
+              <a:rPr lang="zh-CN" altLang="en-US" sz="2800" dirty="0" smtClean="0">
+                <a:latin typeface="SimSun" panose="02010600030101010101" pitchFamily="2" charset="-122"/>
+                <a:ea typeface="SimSun" panose="02010600030101010101" pitchFamily="2" charset="-122"/>
+              </a:rPr>
+              <a:t>创建新工程</a:t>
+            </a:r>
+            <a:endParaRPr lang="en-US" sz="2800" dirty="0">
+              <a:latin typeface="SimSun" panose="02010600030101010101" pitchFamily="2" charset="-122"/>
+              <a:ea typeface="SimSun" panose="02010600030101010101" pitchFamily="2" charset="-122"/>
+            </a:endParaRPr>
+          </a:p>
+        </p:txBody>
+      </p:sp>
+      <p:sp>
+        <p:nvSpPr>
+          <p:cNvPr id="4" name="Slide Number Placeholder 3"/>
+          <p:cNvSpPr>
+            <a:spLocks noGrp="1"/>
+          </p:cNvSpPr>
+          <p:nvPr>
+            <p:ph type="sldNum" sz="quarter" idx="4"/>
+          </p:nvPr>
+        </p:nvSpPr>
+        <p:spPr/>
+        <p:txBody>
+          <a:bodyPr/>
+          <a:lstStyle/>
+          <a:p>
+            <a:pPr fontAlgn="auto">
+              <a:spcBef>
+                <a:spcPts val="0"/>
+              </a:spcBef>
+              <a:spcAft>
+                <a:spcPts val="0"/>
+              </a:spcAft>
+              <a:defRPr/>
+            </a:pPr>
+            <a:fld id="{90CBDC3A-D49F-4631-A8C7-55D59B33E5FA}" type="slidenum">
+              <a:rPr lang="en-US" b="0" smtClean="0">
+                <a:solidFill>
+                  <a:srgbClr val="666666"/>
+                </a:solidFill>
+              </a:rPr>
+              <a:pPr fontAlgn="auto">
+                <a:spcBef>
+                  <a:spcPts val="0"/>
+                </a:spcBef>
+                <a:spcAft>
+                  <a:spcPts val="0"/>
+                </a:spcAft>
+                <a:defRPr/>
+              </a:pPr>
+              <a:t>2</a:t>
+            </a:fld>
+            <a:endParaRPr lang="en-US" b="0" dirty="0">
+              <a:solidFill>
+                <a:srgbClr val="666666"/>
+              </a:solidFill>
+            </a:endParaRPr>
+          </a:p>
+        </p:txBody>
+      </p:sp>
+    </p:spTree>
+    <p:extLst>
+      <p:ext uri="{BB962C8B-B14F-4D97-AF65-F5344CB8AC3E}">
+        <p14:creationId xmlns:p14="http://schemas.microsoft.com/office/powerpoint/2010/main" val="1282749284"/>
+      </p:ext>
+    </p:extLst>
+  </p:cSld>
+  <p:clrMapOvr>
+    <a:masterClrMapping/>
+  </p:clrMapOvr>
+  <p:timing>
+    <p:tnLst>
+      <p:par>
+        <p:cTn id="1" dur="indefinite" restart="never" nodeType="tmRoot"/>
+      </p:par>
+    </p:tnLst>
+  </p:timing>
+</p:sld>
+</file>
+
+<file path=ppt/slides/slide4.xml><?xml version="1.0" encoding="utf-8"?>
 <p:sld xmlns:a="http://schemas.openxmlformats.org/drawingml/2006/main" xmlns:r="http://schemas.openxmlformats.org/officeDocument/2006/relationships" xmlns:p="http://schemas.openxmlformats.org/presentationml/2006/main">
   <p:cSld>
     <p:spTree>
@@ -11895,7 +12703,7 @@
                 </a:spcAft>
                 <a:defRPr/>
               </a:pPr>
-              <a:t>2</a:t>
+              <a:t>3</a:t>
             </a:fld>
             <a:endParaRPr lang="en-US" b="0" dirty="0">
               <a:solidFill>
@@ -11999,10 +12807,17 @@
   <p:clrMapOvr>
     <a:masterClrMapping/>
   </p:clrMapOvr>
+  <p:timing>
+    <p:tnLst>
+      <p:par>
+        <p:cTn id="1" dur="indefinite" restart="never" nodeType="tmRoot"/>
+      </p:par>
+    </p:tnLst>
+  </p:timing>
 </p:sld>
 </file>
 
-<file path=ppt/slides/slide4.xml><?xml version="1.0" encoding="utf-8"?>
+<file path=ppt/slides/slide5.xml><?xml version="1.0" encoding="utf-8"?>
 <p:sld xmlns:a="http://schemas.openxmlformats.org/drawingml/2006/main" xmlns:r="http://schemas.openxmlformats.org/officeDocument/2006/relationships" xmlns:p="http://schemas.openxmlformats.org/presentationml/2006/main">
   <p:cSld>
     <p:spTree>
@@ -12119,7 +12934,7 @@
                 </a:spcAft>
                 <a:defRPr/>
               </a:pPr>
-              <a:t>3</a:t>
+              <a:t>4</a:t>
             </a:fld>
             <a:endParaRPr lang="en-US" b="0" dirty="0">
               <a:solidFill>
@@ -12245,10 +13060,17 @@
   <p:clrMapOvr>
     <a:masterClrMapping/>
   </p:clrMapOvr>
+  <p:timing>
+    <p:tnLst>
+      <p:par>
+        <p:cTn id="1" dur="indefinite" restart="never" nodeType="tmRoot"/>
+      </p:par>
+    </p:tnLst>
+  </p:timing>
 </p:sld>
 </file>
 
-<file path=ppt/slides/slide5.xml><?xml version="1.0" encoding="utf-8"?>
+<file path=ppt/slides/slide6.xml><?xml version="1.0" encoding="utf-8"?>
 <p:sld xmlns:a="http://schemas.openxmlformats.org/drawingml/2006/main" xmlns:r="http://schemas.openxmlformats.org/officeDocument/2006/relationships" xmlns:p="http://schemas.openxmlformats.org/presentationml/2006/main">
   <p:cSld>
     <p:spTree>
@@ -12586,7 +13408,7 @@
                 </a:spcAft>
                 <a:defRPr/>
               </a:pPr>
-              <a:t>4</a:t>
+              <a:t>5</a:t>
             </a:fld>
             <a:endParaRPr lang="en-US" b="0" dirty="0">
               <a:solidFill>
@@ -12664,10 +13486,17 @@
   <p:clrMapOvr>
     <a:masterClrMapping/>
   </p:clrMapOvr>
+  <p:timing>
+    <p:tnLst>
+      <p:par>
+        <p:cTn id="1" dur="indefinite" restart="never" nodeType="tmRoot"/>
+      </p:par>
+    </p:tnLst>
+  </p:timing>
 </p:sld>
 </file>
 
-<file path=ppt/slides/slide6.xml><?xml version="1.0" encoding="utf-8"?>
+<file path=ppt/slides/slide7.xml><?xml version="1.0" encoding="utf-8"?>
 <p:sld xmlns:a="http://schemas.openxmlformats.org/drawingml/2006/main" xmlns:r="http://schemas.openxmlformats.org/officeDocument/2006/relationships" xmlns:p="http://schemas.openxmlformats.org/presentationml/2006/main">
   <p:cSld>
     <p:spTree>
@@ -12756,83 +13585,207 @@
             </a:pPr>
             <a:r>
               <a:rPr lang="zh-CN" altLang="en-US" sz="2000" b="0" dirty="0">
-                <a:latin typeface="Times New Roman" panose="02020603050405020304" pitchFamily="18" charset="0"/>
+                <a:latin typeface="SimSun" panose="02010600030101010101" pitchFamily="2" charset="-122"/>
+                <a:ea typeface="SimSun" panose="02010600030101010101" pitchFamily="2" charset="-122"/>
                 <a:cs typeface="Times New Roman" panose="02020603050405020304" pitchFamily="18" charset="0"/>
               </a:rPr>
               <a:t>我们是这样写 </a:t>
             </a:r>
             <a:r>
               <a:rPr lang="en-US" altLang="zh-CN" sz="2000" b="0" dirty="0">
-                <a:latin typeface="Times New Roman" panose="02020603050405020304" pitchFamily="18" charset="0"/>
+                <a:latin typeface="SimSun" panose="02010600030101010101" pitchFamily="2" charset="-122"/>
+                <a:ea typeface="SimSun" panose="02010600030101010101" pitchFamily="2" charset="-122"/>
                 <a:cs typeface="Times New Roman" panose="02020603050405020304" pitchFamily="18" charset="0"/>
               </a:rPr>
               <a:t>Angular </a:t>
             </a:r>
             <a:r>
               <a:rPr lang="zh-CN" altLang="en-US" sz="2000" b="0" dirty="0">
-                <a:latin typeface="Times New Roman" panose="02020603050405020304" pitchFamily="18" charset="0"/>
+                <a:latin typeface="SimSun" panose="02010600030101010101" pitchFamily="2" charset="-122"/>
+                <a:ea typeface="SimSun" panose="02010600030101010101" pitchFamily="2" charset="-122"/>
                 <a:cs typeface="Times New Roman" panose="02020603050405020304" pitchFamily="18" charset="0"/>
               </a:rPr>
-              <a:t>应用的：用 </a:t>
+              <a:t>应用</a:t>
+            </a:r>
+            <a:r>
+              <a:rPr lang="zh-CN" altLang="en-US" sz="2000" b="0" dirty="0" smtClean="0">
+                <a:latin typeface="SimSun" panose="02010600030101010101" pitchFamily="2" charset="-122"/>
+                <a:ea typeface="SimSun" panose="02010600030101010101" pitchFamily="2" charset="-122"/>
+                <a:cs typeface="Times New Roman" panose="02020603050405020304" pitchFamily="18" charset="0"/>
+              </a:rPr>
+              <a:t>的</a:t>
+            </a:r>
+            <a:r>
+              <a:rPr lang="en-US" altLang="zh-CN" sz="2000" b="0" dirty="0" smtClean="0">
+                <a:latin typeface="SimSun" panose="02010600030101010101" pitchFamily="2" charset="-122"/>
+                <a:ea typeface="SimSun" panose="02010600030101010101" pitchFamily="2" charset="-122"/>
+                <a:cs typeface="Times New Roman" panose="02020603050405020304" pitchFamily="18" charset="0"/>
+              </a:rPr>
+              <a:t>:</a:t>
+            </a:r>
+            <a:r>
+              <a:rPr lang="zh-CN" altLang="en-US" sz="2000" b="0" dirty="0" smtClean="0">
+                <a:latin typeface="SimSun" panose="02010600030101010101" pitchFamily="2" charset="-122"/>
+                <a:ea typeface="SimSun" panose="02010600030101010101" pitchFamily="2" charset="-122"/>
+                <a:cs typeface="Times New Roman" panose="02020603050405020304" pitchFamily="18" charset="0"/>
+              </a:rPr>
+              <a:t>用 </a:t>
             </a:r>
             <a:r>
               <a:rPr lang="en-US" altLang="zh-CN" sz="2000" b="0" dirty="0">
-                <a:latin typeface="Times New Roman" panose="02020603050405020304" pitchFamily="18" charset="0"/>
+                <a:latin typeface="SimSun" panose="02010600030101010101" pitchFamily="2" charset="-122"/>
+                <a:ea typeface="SimSun" panose="02010600030101010101" pitchFamily="2" charset="-122"/>
                 <a:cs typeface="Times New Roman" panose="02020603050405020304" pitchFamily="18" charset="0"/>
               </a:rPr>
               <a:t>Angular </a:t>
             </a:r>
             <a:r>
               <a:rPr lang="zh-CN" altLang="en-US" sz="2000" b="0" dirty="0">
-                <a:latin typeface="Times New Roman" panose="02020603050405020304" pitchFamily="18" charset="0"/>
+                <a:latin typeface="SimSun" panose="02010600030101010101" pitchFamily="2" charset="-122"/>
+                <a:ea typeface="SimSun" panose="02010600030101010101" pitchFamily="2" charset="-122"/>
                 <a:cs typeface="Times New Roman" panose="02020603050405020304" pitchFamily="18" charset="0"/>
               </a:rPr>
               <a:t>扩展语法编写 </a:t>
             </a:r>
             <a:r>
               <a:rPr lang="en-US" altLang="zh-CN" sz="2000" b="0" dirty="0">
-                <a:latin typeface="Times New Roman" panose="02020603050405020304" pitchFamily="18" charset="0"/>
+                <a:latin typeface="SimSun" panose="02010600030101010101" pitchFamily="2" charset="-122"/>
+                <a:ea typeface="SimSun" panose="02010600030101010101" pitchFamily="2" charset="-122"/>
                 <a:cs typeface="Times New Roman" panose="02020603050405020304" pitchFamily="18" charset="0"/>
               </a:rPr>
               <a:t>HTML </a:t>
             </a:r>
             <a:r>
               <a:rPr lang="zh-CN" altLang="en-US" sz="2000" b="0" dirty="0">
-                <a:latin typeface="Times New Roman" panose="02020603050405020304" pitchFamily="18" charset="0"/>
+                <a:latin typeface="SimSun" panose="02010600030101010101" pitchFamily="2" charset="-122"/>
+                <a:ea typeface="SimSun" panose="02010600030101010101" pitchFamily="2" charset="-122"/>
                 <a:cs typeface="Times New Roman" panose="02020603050405020304" pitchFamily="18" charset="0"/>
               </a:rPr>
-              <a:t>模板， 用组件类管理这些模板，用服务添加应用逻辑， 用模块打包发布组件与服务</a:t>
+              <a:t>模</a:t>
             </a:r>
             <a:r>
               <a:rPr lang="zh-CN" altLang="en-US" sz="2000" b="0" dirty="0" smtClean="0">
-                <a:latin typeface="Times New Roman" panose="02020603050405020304" pitchFamily="18" charset="0"/>
+                <a:latin typeface="SimSun" panose="02010600030101010101" pitchFamily="2" charset="-122"/>
+                <a:ea typeface="SimSun" panose="02010600030101010101" pitchFamily="2" charset="-122"/>
                 <a:cs typeface="Times New Roman" panose="02020603050405020304" pitchFamily="18" charset="0"/>
               </a:rPr>
+              <a:t>板</a:t>
+            </a:r>
+            <a:r>
+              <a:rPr lang="en-US" altLang="zh-CN" sz="2000" b="0" dirty="0">
+                <a:latin typeface="SimSun" panose="02010600030101010101" pitchFamily="2" charset="-122"/>
+                <a:ea typeface="SimSun" panose="02010600030101010101" pitchFamily="2" charset="-122"/>
+                <a:cs typeface="Times New Roman" panose="02020603050405020304" pitchFamily="18" charset="0"/>
+              </a:rPr>
+              <a:t>,</a:t>
+            </a:r>
+            <a:r>
+              <a:rPr lang="zh-CN" altLang="en-US" sz="2000" b="0" dirty="0" smtClean="0">
+                <a:latin typeface="SimSun" panose="02010600030101010101" pitchFamily="2" charset="-122"/>
+                <a:ea typeface="SimSun" panose="02010600030101010101" pitchFamily="2" charset="-122"/>
+                <a:cs typeface="Times New Roman" panose="02020603050405020304" pitchFamily="18" charset="0"/>
+              </a:rPr>
+              <a:t>用</a:t>
+            </a:r>
+            <a:r>
+              <a:rPr lang="zh-CN" altLang="en-US" sz="2000" b="0" dirty="0">
+                <a:latin typeface="SimSun" panose="02010600030101010101" pitchFamily="2" charset="-122"/>
+                <a:ea typeface="SimSun" panose="02010600030101010101" pitchFamily="2" charset="-122"/>
+                <a:cs typeface="Times New Roman" panose="02020603050405020304" pitchFamily="18" charset="0"/>
+              </a:rPr>
+              <a:t>组件类管理这些模板，用服务添加应用逻</a:t>
+            </a:r>
+            <a:r>
+              <a:rPr lang="zh-CN" altLang="en-US" sz="2000" b="0" dirty="0" smtClean="0">
+                <a:latin typeface="SimSun" panose="02010600030101010101" pitchFamily="2" charset="-122"/>
+                <a:ea typeface="SimSun" panose="02010600030101010101" pitchFamily="2" charset="-122"/>
+                <a:cs typeface="Times New Roman" panose="02020603050405020304" pitchFamily="18" charset="0"/>
+              </a:rPr>
+              <a:t>辑</a:t>
+            </a:r>
+            <a:r>
+              <a:rPr lang="en-US" altLang="zh-CN" sz="2000" b="0" dirty="0">
+                <a:latin typeface="SimSun" panose="02010600030101010101" pitchFamily="2" charset="-122"/>
+                <a:ea typeface="SimSun" panose="02010600030101010101" pitchFamily="2" charset="-122"/>
+                <a:cs typeface="Times New Roman" panose="02020603050405020304" pitchFamily="18" charset="0"/>
+              </a:rPr>
+              <a:t>,</a:t>
+            </a:r>
+            <a:r>
+              <a:rPr lang="zh-CN" altLang="en-US" sz="2000" b="0" dirty="0" smtClean="0">
+                <a:latin typeface="SimSun" panose="02010600030101010101" pitchFamily="2" charset="-122"/>
+                <a:ea typeface="SimSun" panose="02010600030101010101" pitchFamily="2" charset="-122"/>
+                <a:cs typeface="Times New Roman" panose="02020603050405020304" pitchFamily="18" charset="0"/>
+              </a:rPr>
+              <a:t>用</a:t>
+            </a:r>
+            <a:r>
+              <a:rPr lang="zh-CN" altLang="en-US" sz="2000" b="0" dirty="0">
+                <a:latin typeface="SimSun" panose="02010600030101010101" pitchFamily="2" charset="-122"/>
+                <a:ea typeface="SimSun" panose="02010600030101010101" pitchFamily="2" charset="-122"/>
+                <a:cs typeface="Times New Roman" panose="02020603050405020304" pitchFamily="18" charset="0"/>
+              </a:rPr>
+              <a:t>模块打包发布组件与服务</a:t>
+            </a:r>
+            <a:r>
+              <a:rPr lang="zh-CN" altLang="en-US" sz="2000" b="0" dirty="0" smtClean="0">
+                <a:latin typeface="SimSun" panose="02010600030101010101" pitchFamily="2" charset="-122"/>
+                <a:ea typeface="SimSun" panose="02010600030101010101" pitchFamily="2" charset="-122"/>
+                <a:cs typeface="Times New Roman" panose="02020603050405020304" pitchFamily="18" charset="0"/>
+              </a:rPr>
               <a:t>。然</a:t>
             </a:r>
             <a:r>
+              <a:rPr lang="zh-CN" altLang="en-US" sz="2000" b="0" dirty="0" smtClean="0">
+                <a:latin typeface="SimSun" panose="02010600030101010101" pitchFamily="2" charset="-122"/>
+                <a:ea typeface="SimSun" panose="02010600030101010101" pitchFamily="2" charset="-122"/>
+                <a:cs typeface="Times New Roman" panose="02020603050405020304" pitchFamily="18" charset="0"/>
+              </a:rPr>
+              <a:t>后</a:t>
+            </a:r>
+            <a:r>
+              <a:rPr lang="en-US" altLang="zh-CN" sz="2000" b="0" dirty="0" smtClean="0">
+                <a:latin typeface="SimSun" panose="02010600030101010101" pitchFamily="2" charset="-122"/>
+                <a:ea typeface="SimSun" panose="02010600030101010101" pitchFamily="2" charset="-122"/>
+                <a:cs typeface="Times New Roman" panose="02020603050405020304" pitchFamily="18" charset="0"/>
+              </a:rPr>
+              <a:t>,</a:t>
+            </a:r>
+            <a:r>
+              <a:rPr lang="zh-CN" altLang="en-US" sz="2000" b="0" dirty="0" smtClean="0">
+                <a:latin typeface="SimSun" panose="02010600030101010101" pitchFamily="2" charset="-122"/>
+                <a:ea typeface="SimSun" panose="02010600030101010101" pitchFamily="2" charset="-122"/>
+                <a:cs typeface="Times New Roman" panose="02020603050405020304" pitchFamily="18" charset="0"/>
+              </a:rPr>
+              <a:t>我</a:t>
+            </a:r>
+            <a:r>
               <a:rPr lang="zh-CN" altLang="en-US" sz="2000" b="0" dirty="0">
-                <a:latin typeface="Times New Roman" panose="02020603050405020304" pitchFamily="18" charset="0"/>
+                <a:latin typeface="SimSun" panose="02010600030101010101" pitchFamily="2" charset="-122"/>
+                <a:ea typeface="SimSun" panose="02010600030101010101" pitchFamily="2" charset="-122"/>
                 <a:cs typeface="Times New Roman" panose="02020603050405020304" pitchFamily="18" charset="0"/>
               </a:rPr>
-              <a:t>后，我们通过引导根模块来启动该应</a:t>
+              <a:t>们通过引导根模块来启动该应</a:t>
             </a:r>
             <a:r>
               <a:rPr lang="zh-CN" altLang="en-US" sz="2000" b="0" dirty="0" smtClean="0">
-                <a:latin typeface="Times New Roman" panose="02020603050405020304" pitchFamily="18" charset="0"/>
+                <a:latin typeface="SimSun" panose="02010600030101010101" pitchFamily="2" charset="-122"/>
+                <a:ea typeface="SimSun" panose="02010600030101010101" pitchFamily="2" charset="-122"/>
                 <a:cs typeface="Times New Roman" panose="02020603050405020304" pitchFamily="18" charset="0"/>
               </a:rPr>
               <a:t>用</a:t>
             </a:r>
             <a:r>
-              <a:rPr lang="en-US" altLang="zh-CN" sz="2000" b="0" dirty="0" smtClean="0">
-                <a:latin typeface="Times New Roman" panose="02020603050405020304" pitchFamily="18" charset="0"/>
+              <a:rPr lang="zh-CN" altLang="en-US" sz="2000" b="0" dirty="0" smtClean="0">
+                <a:latin typeface="SimSun" panose="02010600030101010101" pitchFamily="2" charset="-122"/>
+                <a:ea typeface="SimSun" panose="02010600030101010101" pitchFamily="2" charset="-122"/>
                 <a:cs typeface="Times New Roman" panose="02020603050405020304" pitchFamily="18" charset="0"/>
               </a:rPr>
-              <a:t>.</a:t>
+              <a:t>。</a:t>
             </a:r>
             <a:endParaRPr lang="en-US" sz="2000" b="0" dirty="0">
-              <a:latin typeface="Times New Roman" panose="02020603050405020304" pitchFamily="18" charset="0"/>
+              <a:latin typeface="SimSun" panose="02010600030101010101" pitchFamily="2" charset="-122"/>
+              <a:ea typeface="SimSun" panose="02010600030101010101" pitchFamily="2" charset="-122"/>
               <a:cs typeface="Times New Roman" panose="02020603050405020304" pitchFamily="18" charset="0"/>
             </a:endParaRPr>
           </a:p>
@@ -12928,7 +13881,7 @@
                 <a:cs typeface="Arial" pitchFamily="34" charset="0"/>
               </a:rPr>
               <a:pPr algn="r"/>
-              <a:t>5</a:t>
+              <a:t>6</a:t>
             </a:fld>
             <a:endParaRPr lang="en-CA" sz="900" dirty="0">
               <a:solidFill>
@@ -12976,10 +13929,17 @@
     <a:overrideClrMapping bg1="lt1" tx1="dk1" bg2="lt2" tx2="dk2" accent1="accent1" accent2="accent2" accent3="accent3" accent4="accent4" accent5="accent5" accent6="accent6" hlink="hlink" folHlink="folHlink"/>
   </p:clrMapOvr>
   <p:transition/>
+  <p:timing>
+    <p:tnLst>
+      <p:par>
+        <p:cTn id="1" dur="indefinite" restart="never" nodeType="tmRoot"/>
+      </p:par>
+    </p:tnLst>
+  </p:timing>
 </p:sld>
 </file>
 
-<file path=ppt/slides/slide7.xml><?xml version="1.0" encoding="utf-8"?>
+<file path=ppt/slides/slide8.xml><?xml version="1.0" encoding="utf-8"?>
 <p:sld xmlns:a="http://schemas.openxmlformats.org/drawingml/2006/main" xmlns:r="http://schemas.openxmlformats.org/officeDocument/2006/relationships" xmlns:p="http://schemas.openxmlformats.org/presentationml/2006/main">
   <p:cSld>
     <p:spTree>
@@ -13095,7 +14055,7 @@
                 </a:spcAft>
                 <a:defRPr/>
               </a:pPr>
-              <a:t>6</a:t>
+              <a:t>7</a:t>
             </a:fld>
             <a:endParaRPr lang="en-US" b="0" dirty="0">
               <a:solidFill>
@@ -13183,7 +14143,39 @@
                 <a:ea typeface="SimSun" panose="02010600030101010101" pitchFamily="2" charset="-122"/>
                 <a:cs typeface="Times New Roman" panose="02020603050405020304" pitchFamily="18" charset="0"/>
               </a:rPr>
-              <a:t>件和模版之间的数据交互成为数据绑定</a:t>
+              <a:t>件和模版之间的数据交</a:t>
+            </a:r>
+            <a:r>
+              <a:rPr lang="zh-CN" altLang="en-US" sz="2400" b="0" dirty="0" smtClean="0">
+                <a:latin typeface="SimSun" panose="02010600030101010101" pitchFamily="2" charset="-122"/>
+                <a:ea typeface="SimSun" panose="02010600030101010101" pitchFamily="2" charset="-122"/>
+                <a:cs typeface="Times New Roman" panose="02020603050405020304" pitchFamily="18" charset="0"/>
+              </a:rPr>
+              <a:t>互</a:t>
+            </a:r>
+            <a:r>
+              <a:rPr lang="zh-CN" altLang="en-US" sz="2400" b="0" dirty="0">
+                <a:latin typeface="SimSun" panose="02010600030101010101" pitchFamily="2" charset="-122"/>
+                <a:ea typeface="SimSun" panose="02010600030101010101" pitchFamily="2" charset="-122"/>
+                <a:cs typeface="Times New Roman" panose="02020603050405020304" pitchFamily="18" charset="0"/>
+              </a:rPr>
+              <a:t>称</a:t>
+            </a:r>
+            <a:r>
+              <a:rPr lang="zh-CN" altLang="en-US" sz="2400" b="0" dirty="0" smtClean="0">
+                <a:latin typeface="SimSun" panose="02010600030101010101" pitchFamily="2" charset="-122"/>
+                <a:ea typeface="SimSun" panose="02010600030101010101" pitchFamily="2" charset="-122"/>
+                <a:cs typeface="Times New Roman" panose="02020603050405020304" pitchFamily="18" charset="0"/>
+              </a:rPr>
+              <a:t>为</a:t>
+            </a:r>
+            <a:r>
+              <a:rPr lang="zh-CN" altLang="en-US" sz="2400" b="0" dirty="0">
+                <a:latin typeface="SimSun" panose="02010600030101010101" pitchFamily="2" charset="-122"/>
+                <a:ea typeface="SimSun" panose="02010600030101010101" pitchFamily="2" charset="-122"/>
+                <a:cs typeface="Times New Roman" panose="02020603050405020304" pitchFamily="18" charset="0"/>
+              </a:rPr>
+              <a:t>数据绑定</a:t>
             </a:r>
             <a:endParaRPr lang="en-US" altLang="zh-CN" sz="2400" b="0" dirty="0">
               <a:latin typeface="SimSun" panose="02010600030101010101" pitchFamily="2" charset="-122"/>
@@ -13313,10 +14305,17 @@
   <p:clrMapOvr>
     <a:masterClrMapping/>
   </p:clrMapOvr>
+  <p:timing>
+    <p:tnLst>
+      <p:par>
+        <p:cTn id="1" dur="indefinite" restart="never" nodeType="tmRoot"/>
+      </p:par>
+    </p:tnLst>
+  </p:timing>
 </p:sld>
 </file>
 
-<file path=ppt/slides/slide8.xml><?xml version="1.0" encoding="utf-8"?>
+<file path=ppt/slides/slide9.xml><?xml version="1.0" encoding="utf-8"?>
 <p:sld xmlns:a="http://schemas.openxmlformats.org/drawingml/2006/main" xmlns:r="http://schemas.openxmlformats.org/officeDocument/2006/relationships" xmlns:p="http://schemas.openxmlformats.org/presentationml/2006/main">
   <p:cSld>
     <p:spTree>
@@ -13432,7 +14431,7 @@
                 </a:spcAft>
                 <a:defRPr/>
               </a:pPr>
-              <a:t>7</a:t>
+              <a:t>8</a:t>
             </a:fld>
             <a:endParaRPr lang="en-US" b="0" dirty="0">
               <a:solidFill>
@@ -13694,493 +14693,13 @@
   <p:clrMapOvr>
     <a:masterClrMapping/>
   </p:clrMapOvr>
-</p:sld>
-</file>
-
-<file path=ppt/slides/slide9.xml><?xml version="1.0" encoding="utf-8"?>
-<p:sld xmlns:a="http://schemas.openxmlformats.org/drawingml/2006/main" xmlns:r="http://schemas.openxmlformats.org/officeDocument/2006/relationships" xmlns:p="http://schemas.openxmlformats.org/presentationml/2006/main">
-  <p:cSld>
-    <p:spTree>
-      <p:nvGrpSpPr>
-        <p:cNvPr id="1" name=""/>
-        <p:cNvGrpSpPr/>
-        <p:nvPr/>
-      </p:nvGrpSpPr>
-      <p:grpSpPr>
-        <a:xfrm>
-          <a:off x="0" y="0"/>
-          <a:ext cx="0" cy="0"/>
-          <a:chOff x="0" y="0"/>
-          <a:chExt cx="0" cy="0"/>
-        </a:xfrm>
-      </p:grpSpPr>
-      <p:pic>
-        <p:nvPicPr>
-          <p:cNvPr id="5" name="Content Placeholder 4"/>
-          <p:cNvPicPr>
-            <a:picLocks noGrp="1" noChangeAspect="1"/>
-          </p:cNvPicPr>
-          <p:nvPr>
-            <p:ph sz="quarter" idx="12"/>
-          </p:nvPr>
-        </p:nvPicPr>
-        <p:blipFill>
-          <a:blip r:embed="rId2">
-            <a:extLst>
-              <a:ext uri="{28A0092B-C50C-407E-A947-70E740481C1C}">
-                <a14:useLocalDpi xmlns:a14="http://schemas.microsoft.com/office/drawing/2010/main" val="0"/>
-              </a:ext>
-            </a:extLst>
-          </a:blip>
-          <a:stretch>
-            <a:fillRect/>
-          </a:stretch>
-        </p:blipFill>
-        <p:spPr>
-          <a:xfrm>
-            <a:off x="241154" y="1237573"/>
-            <a:ext cx="1926312" cy="1785027"/>
-          </a:xfrm>
-        </p:spPr>
-      </p:pic>
-      <p:sp>
-        <p:nvSpPr>
-          <p:cNvPr id="3" name="Title 2"/>
-          <p:cNvSpPr>
-            <a:spLocks noGrp="1"/>
-          </p:cNvSpPr>
-          <p:nvPr>
-            <p:ph type="title"/>
-          </p:nvPr>
-        </p:nvSpPr>
-        <p:spPr/>
-        <p:txBody>
-          <a:bodyPr>
-            <a:normAutofit/>
-          </a:bodyPr>
-          <a:lstStyle/>
-          <a:p>
-            <a:r>
-              <a:rPr lang="zh-CN" altLang="en-US" sz="2800" dirty="0" smtClean="0">
-                <a:latin typeface="SimSun" panose="02010600030101010101" pitchFamily="2" charset="-122"/>
-                <a:ea typeface="SimSun" panose="02010600030101010101" pitchFamily="2" charset="-122"/>
-              </a:rPr>
-              <a:t>指令</a:t>
-            </a:r>
-            <a:endParaRPr lang="en-US" sz="2800" dirty="0">
-              <a:latin typeface="SimSun" panose="02010600030101010101" pitchFamily="2" charset="-122"/>
-              <a:ea typeface="SimSun" panose="02010600030101010101" pitchFamily="2" charset="-122"/>
-            </a:endParaRPr>
-          </a:p>
-        </p:txBody>
-      </p:sp>
-      <p:sp>
-        <p:nvSpPr>
-          <p:cNvPr id="4" name="Slide Number Placeholder 3"/>
-          <p:cNvSpPr>
-            <a:spLocks noGrp="1"/>
-          </p:cNvSpPr>
-          <p:nvPr>
-            <p:ph type="sldNum" sz="quarter" idx="4"/>
-          </p:nvPr>
-        </p:nvSpPr>
-        <p:spPr/>
-        <p:txBody>
-          <a:bodyPr/>
-          <a:lstStyle/>
-          <a:p>
-            <a:pPr fontAlgn="auto">
-              <a:spcBef>
-                <a:spcPts val="0"/>
-              </a:spcBef>
-              <a:spcAft>
-                <a:spcPts val="0"/>
-              </a:spcAft>
-              <a:defRPr/>
-            </a:pPr>
-            <a:fld id="{90CBDC3A-D49F-4631-A8C7-55D59B33E5FA}" type="slidenum">
-              <a:rPr lang="en-US" b="0" smtClean="0">
-                <a:solidFill>
-                  <a:srgbClr val="666666"/>
-                </a:solidFill>
-              </a:rPr>
-              <a:pPr fontAlgn="auto">
-                <a:spcBef>
-                  <a:spcPts val="0"/>
-                </a:spcBef>
-                <a:spcAft>
-                  <a:spcPts val="0"/>
-                </a:spcAft>
-                <a:defRPr/>
-              </a:pPr>
-              <a:t>8</a:t>
-            </a:fld>
-            <a:endParaRPr lang="en-US" b="0" dirty="0">
-              <a:solidFill>
-                <a:srgbClr val="666666"/>
-              </a:solidFill>
-            </a:endParaRPr>
-          </a:p>
-        </p:txBody>
-      </p:sp>
-      <p:sp>
-        <p:nvSpPr>
-          <p:cNvPr id="6" name="TextBox 5"/>
-          <p:cNvSpPr txBox="1"/>
-          <p:nvPr/>
-        </p:nvSpPr>
-        <p:spPr>
-          <a:xfrm>
-            <a:off x="376621" y="3128286"/>
-            <a:ext cx="8437179" cy="3908762"/>
-          </a:xfrm>
-          <a:prstGeom prst="rect">
-            <a:avLst/>
-          </a:prstGeom>
-          <a:noFill/>
-        </p:spPr>
-        <p:txBody>
-          <a:bodyPr wrap="square" rtlCol="0">
-            <a:spAutoFit/>
-          </a:bodyPr>
-          <a:lstStyle/>
-          <a:p>
-            <a:pPr marL="342900" indent="-342900">
-              <a:buFont typeface="Arial" panose="020B0604020202020204" pitchFamily="34" charset="0"/>
-              <a:buChar char="•"/>
-            </a:pPr>
-            <a:r>
-              <a:rPr lang="en-US" altLang="zh-CN" sz="2400" b="0" dirty="0">
-                <a:latin typeface="SimSun" panose="02010600030101010101" pitchFamily="2" charset="-122"/>
-                <a:ea typeface="SimSun" panose="02010600030101010101" pitchFamily="2" charset="-122"/>
-                <a:cs typeface="Times New Roman" panose="02020603050405020304" pitchFamily="18" charset="0"/>
-              </a:rPr>
-              <a:t>Angular </a:t>
-            </a:r>
-            <a:r>
-              <a:rPr lang="zh-CN" altLang="en-US" sz="2400" b="0" dirty="0">
-                <a:latin typeface="SimSun" panose="02010600030101010101" pitchFamily="2" charset="-122"/>
-                <a:ea typeface="SimSun" panose="02010600030101010101" pitchFamily="2" charset="-122"/>
-                <a:cs typeface="Times New Roman" panose="02020603050405020304" pitchFamily="18" charset="0"/>
-              </a:rPr>
-              <a:t>模板是动态的。当 </a:t>
-            </a:r>
-            <a:r>
-              <a:rPr lang="en-US" altLang="zh-CN" sz="2400" b="0" dirty="0">
-                <a:latin typeface="SimSun" panose="02010600030101010101" pitchFamily="2" charset="-122"/>
-                <a:ea typeface="SimSun" panose="02010600030101010101" pitchFamily="2" charset="-122"/>
-                <a:cs typeface="Times New Roman" panose="02020603050405020304" pitchFamily="18" charset="0"/>
-              </a:rPr>
-              <a:t>Angular </a:t>
-            </a:r>
-            <a:r>
-              <a:rPr lang="zh-CN" altLang="en-US" sz="2400" b="0" dirty="0">
-                <a:latin typeface="SimSun" panose="02010600030101010101" pitchFamily="2" charset="-122"/>
-                <a:ea typeface="SimSun" panose="02010600030101010101" pitchFamily="2" charset="-122"/>
-                <a:cs typeface="Times New Roman" panose="02020603050405020304" pitchFamily="18" charset="0"/>
-              </a:rPr>
-              <a:t>渲染它们时，它会根据指令提供的操作对 </a:t>
-            </a:r>
-            <a:r>
-              <a:rPr lang="en-US" altLang="zh-CN" sz="2400" b="0" dirty="0">
-                <a:latin typeface="SimSun" panose="02010600030101010101" pitchFamily="2" charset="-122"/>
-                <a:ea typeface="SimSun" panose="02010600030101010101" pitchFamily="2" charset="-122"/>
-                <a:cs typeface="Times New Roman" panose="02020603050405020304" pitchFamily="18" charset="0"/>
-              </a:rPr>
-              <a:t>DOM </a:t>
-            </a:r>
-            <a:r>
-              <a:rPr lang="zh-CN" altLang="en-US" sz="2400" b="0" dirty="0">
-                <a:latin typeface="SimSun" panose="02010600030101010101" pitchFamily="2" charset="-122"/>
-                <a:ea typeface="SimSun" panose="02010600030101010101" pitchFamily="2" charset="-122"/>
-                <a:cs typeface="Times New Roman" panose="02020603050405020304" pitchFamily="18" charset="0"/>
-              </a:rPr>
-              <a:t>进行转</a:t>
-            </a:r>
-            <a:r>
-              <a:rPr lang="zh-CN" altLang="en-US" sz="2400" b="0" dirty="0" smtClean="0">
-                <a:latin typeface="SimSun" panose="02010600030101010101" pitchFamily="2" charset="-122"/>
-                <a:ea typeface="SimSun" panose="02010600030101010101" pitchFamily="2" charset="-122"/>
-                <a:cs typeface="Times New Roman" panose="02020603050405020304" pitchFamily="18" charset="0"/>
-              </a:rPr>
-              <a:t>换。</a:t>
-            </a:r>
-            <a:endParaRPr lang="en-US" altLang="zh-CN" sz="2400" b="0" dirty="0" smtClean="0">
-              <a:latin typeface="SimSun" panose="02010600030101010101" pitchFamily="2" charset="-122"/>
-              <a:ea typeface="SimSun" panose="02010600030101010101" pitchFamily="2" charset="-122"/>
-              <a:cs typeface="Times New Roman" panose="02020603050405020304" pitchFamily="18" charset="0"/>
-            </a:endParaRPr>
-          </a:p>
-          <a:p>
-            <a:pPr marL="342900" indent="-342900">
-              <a:buFont typeface="Arial" panose="020B0604020202020204" pitchFamily="34" charset="0"/>
-              <a:buChar char="•"/>
-            </a:pPr>
-            <a:endParaRPr lang="zh-CN" altLang="en-US" sz="2400" b="0" dirty="0">
-              <a:latin typeface="SimSun" panose="02010600030101010101" pitchFamily="2" charset="-122"/>
-              <a:ea typeface="SimSun" panose="02010600030101010101" pitchFamily="2" charset="-122"/>
-              <a:cs typeface="Times New Roman" panose="02020603050405020304" pitchFamily="18" charset="0"/>
-            </a:endParaRPr>
-          </a:p>
-          <a:p>
-            <a:pPr marL="342900" indent="-342900">
-              <a:buFont typeface="Arial" panose="020B0604020202020204" pitchFamily="34" charset="0"/>
-              <a:buChar char="•"/>
-            </a:pPr>
-            <a:r>
-              <a:rPr lang="zh-CN" altLang="en-US" sz="2400" b="0" dirty="0" smtClean="0">
-                <a:latin typeface="SimSun" panose="02010600030101010101" pitchFamily="2" charset="-122"/>
-                <a:ea typeface="SimSun" panose="02010600030101010101" pitchFamily="2" charset="-122"/>
-                <a:cs typeface="Times New Roman" panose="02020603050405020304" pitchFamily="18" charset="0"/>
-              </a:rPr>
-              <a:t>组</a:t>
-            </a:r>
-            <a:r>
-              <a:rPr lang="zh-CN" altLang="en-US" sz="2400" b="0" dirty="0">
-                <a:latin typeface="SimSun" panose="02010600030101010101" pitchFamily="2" charset="-122"/>
-                <a:ea typeface="SimSun" panose="02010600030101010101" pitchFamily="2" charset="-122"/>
-                <a:cs typeface="Times New Roman" panose="02020603050405020304" pitchFamily="18" charset="0"/>
-              </a:rPr>
-              <a:t>件也是指令的一种，区别在于组件带有单独</a:t>
-            </a:r>
-            <a:r>
-              <a:rPr lang="zh-CN" altLang="en-US" sz="2400" b="0" dirty="0" smtClean="0">
-                <a:latin typeface="SimSun" panose="02010600030101010101" pitchFamily="2" charset="-122"/>
-                <a:ea typeface="SimSun" panose="02010600030101010101" pitchFamily="2" charset="-122"/>
-                <a:cs typeface="Times New Roman" panose="02020603050405020304" pitchFamily="18" charset="0"/>
-              </a:rPr>
-              <a:t>的</a:t>
-            </a:r>
-            <a:r>
-              <a:rPr lang="en-US" altLang="zh-CN" sz="2400" b="0" dirty="0" smtClean="0">
-                <a:latin typeface="SimSun" panose="02010600030101010101" pitchFamily="2" charset="-122"/>
-                <a:ea typeface="SimSun" panose="02010600030101010101" pitchFamily="2" charset="-122"/>
-                <a:cs typeface="Times New Roman" panose="02020603050405020304" pitchFamily="18" charset="0"/>
-              </a:rPr>
-              <a:t>Template</a:t>
-            </a:r>
-            <a:r>
-              <a:rPr lang="zh-CN" altLang="en-US" sz="2400" b="0" dirty="0" smtClean="0">
-                <a:latin typeface="SimSun" panose="02010600030101010101" pitchFamily="2" charset="-122"/>
-                <a:ea typeface="SimSun" panose="02010600030101010101" pitchFamily="2" charset="-122"/>
-                <a:cs typeface="Times New Roman" panose="02020603050405020304" pitchFamily="18" charset="0"/>
-              </a:rPr>
-              <a:t>，</a:t>
-            </a:r>
-            <a:r>
-              <a:rPr lang="zh-CN" altLang="en-US" sz="2400" b="0" dirty="0">
-                <a:latin typeface="SimSun" panose="02010600030101010101" pitchFamily="2" charset="-122"/>
-                <a:ea typeface="SimSun" panose="02010600030101010101" pitchFamily="2" charset="-122"/>
-                <a:cs typeface="Times New Roman" panose="02020603050405020304" pitchFamily="18" charset="0"/>
-              </a:rPr>
-              <a:t>即</a:t>
-            </a:r>
-            <a:r>
-              <a:rPr lang="en-US" altLang="zh-CN" sz="2400" b="0" dirty="0">
-                <a:latin typeface="SimSun" panose="02010600030101010101" pitchFamily="2" charset="-122"/>
-                <a:ea typeface="SimSun" panose="02010600030101010101" pitchFamily="2" charset="-122"/>
-                <a:cs typeface="Times New Roman" panose="02020603050405020304" pitchFamily="18" charset="0"/>
-              </a:rPr>
-              <a:t>DOM</a:t>
-            </a:r>
-            <a:r>
-              <a:rPr lang="zh-CN" altLang="en-US" sz="2400" b="0" dirty="0">
-                <a:latin typeface="SimSun" panose="02010600030101010101" pitchFamily="2" charset="-122"/>
-                <a:ea typeface="SimSun" panose="02010600030101010101" pitchFamily="2" charset="-122"/>
-                <a:cs typeface="Times New Roman" panose="02020603050405020304" pitchFamily="18" charset="0"/>
-              </a:rPr>
-              <a:t>元素。而指令作用域已有的</a:t>
-            </a:r>
-            <a:r>
-              <a:rPr lang="en-US" altLang="zh-CN" sz="2400" b="0" dirty="0">
-                <a:latin typeface="SimSun" panose="02010600030101010101" pitchFamily="2" charset="-122"/>
-                <a:ea typeface="SimSun" panose="02010600030101010101" pitchFamily="2" charset="-122"/>
-                <a:cs typeface="Times New Roman" panose="02020603050405020304" pitchFamily="18" charset="0"/>
-              </a:rPr>
-              <a:t>DOM</a:t>
-            </a:r>
-            <a:r>
-              <a:rPr lang="zh-CN" altLang="en-US" sz="2400" b="0" dirty="0" smtClean="0">
-                <a:latin typeface="SimSun" panose="02010600030101010101" pitchFamily="2" charset="-122"/>
-                <a:ea typeface="SimSun" panose="02010600030101010101" pitchFamily="2" charset="-122"/>
-                <a:cs typeface="Times New Roman" panose="02020603050405020304" pitchFamily="18" charset="0"/>
-              </a:rPr>
-              <a:t>上。</a:t>
-            </a:r>
-            <a:endParaRPr lang="en-US" altLang="zh-CN" sz="2400" b="0" dirty="0" smtClean="0">
-              <a:latin typeface="SimSun" panose="02010600030101010101" pitchFamily="2" charset="-122"/>
-              <a:ea typeface="SimSun" panose="02010600030101010101" pitchFamily="2" charset="-122"/>
-              <a:cs typeface="Times New Roman" panose="02020603050405020304" pitchFamily="18" charset="0"/>
-            </a:endParaRPr>
-          </a:p>
-          <a:p>
-            <a:pPr marL="342900" indent="-342900">
-              <a:buFont typeface="Arial" panose="020B0604020202020204" pitchFamily="34" charset="0"/>
-              <a:buChar char="•"/>
-            </a:pPr>
-            <a:endParaRPr lang="zh-CN" altLang="en-US" sz="2400" b="0" dirty="0">
-              <a:latin typeface="SimSun" panose="02010600030101010101" pitchFamily="2" charset="-122"/>
-              <a:ea typeface="SimSun" panose="02010600030101010101" pitchFamily="2" charset="-122"/>
-              <a:cs typeface="Times New Roman" panose="02020603050405020304" pitchFamily="18" charset="0"/>
-            </a:endParaRPr>
-          </a:p>
-          <a:p>
-            <a:pPr marL="342900" indent="-342900">
-              <a:buFont typeface="Arial" panose="020B0604020202020204" pitchFamily="34" charset="0"/>
-              <a:buChar char="•"/>
-            </a:pPr>
-            <a:r>
-              <a:rPr lang="zh-CN" altLang="en-US" sz="2400" b="0" dirty="0">
-                <a:latin typeface="SimSun" panose="02010600030101010101" pitchFamily="2" charset="-122"/>
-                <a:ea typeface="SimSun" panose="02010600030101010101" pitchFamily="2" charset="-122"/>
-                <a:cs typeface="Times New Roman" panose="02020603050405020304" pitchFamily="18" charset="0"/>
-              </a:rPr>
-              <a:t>指令分为属性型指令、结构型指令 </a:t>
-            </a:r>
-          </a:p>
-          <a:p>
-            <a:pPr marL="800100" lvl="1" indent="-342900">
-              <a:buFont typeface="Arial" panose="020B0604020202020204" pitchFamily="34" charset="0"/>
-              <a:buChar char="•"/>
-            </a:pPr>
-            <a:r>
-              <a:rPr lang="zh-CN" altLang="en-US" sz="2400" b="0" dirty="0">
-                <a:latin typeface="SimSun" panose="02010600030101010101" pitchFamily="2" charset="-122"/>
-                <a:ea typeface="SimSun" panose="02010600030101010101" pitchFamily="2" charset="-122"/>
-                <a:cs typeface="Times New Roman" panose="02020603050405020304" pitchFamily="18" charset="0"/>
-              </a:rPr>
-              <a:t>属性型指令：改变元素的外观或行</a:t>
-            </a:r>
-            <a:r>
-              <a:rPr lang="zh-CN" altLang="en-US" sz="2400" b="0" dirty="0" smtClean="0">
-                <a:latin typeface="SimSun" panose="02010600030101010101" pitchFamily="2" charset="-122"/>
-                <a:ea typeface="SimSun" panose="02010600030101010101" pitchFamily="2" charset="-122"/>
-                <a:cs typeface="Times New Roman" panose="02020603050405020304" pitchFamily="18" charset="0"/>
-              </a:rPr>
-              <a:t>为</a:t>
-            </a:r>
-            <a:endParaRPr lang="en-US" altLang="zh-CN" sz="2400" b="0" dirty="0">
-              <a:latin typeface="SimSun" panose="02010600030101010101" pitchFamily="2" charset="-122"/>
-              <a:ea typeface="SimSun" panose="02010600030101010101" pitchFamily="2" charset="-122"/>
-              <a:cs typeface="Times New Roman" panose="02020603050405020304" pitchFamily="18" charset="0"/>
-            </a:endParaRPr>
-          </a:p>
-          <a:p>
-            <a:pPr marL="800100" lvl="1" indent="-342900">
-              <a:buFont typeface="Arial" panose="020B0604020202020204" pitchFamily="34" charset="0"/>
-              <a:buChar char="•"/>
-            </a:pPr>
-            <a:r>
-              <a:rPr lang="zh-CN" altLang="en-US" sz="2400" b="0" dirty="0">
-                <a:latin typeface="SimSun" panose="02010600030101010101" pitchFamily="2" charset="-122"/>
-                <a:ea typeface="SimSun" panose="02010600030101010101" pitchFamily="2" charset="-122"/>
-                <a:cs typeface="Times New Roman" panose="02020603050405020304" pitchFamily="18" charset="0"/>
-              </a:rPr>
-              <a:t>结构型指令：添加、修改、删除</a:t>
-            </a:r>
-            <a:r>
-              <a:rPr lang="en-US" altLang="zh-CN" sz="2400" b="0" dirty="0">
-                <a:latin typeface="SimSun" panose="02010600030101010101" pitchFamily="2" charset="-122"/>
-                <a:ea typeface="SimSun" panose="02010600030101010101" pitchFamily="2" charset="-122"/>
-                <a:cs typeface="Times New Roman" panose="02020603050405020304" pitchFamily="18" charset="0"/>
-              </a:rPr>
-              <a:t>DOM</a:t>
-            </a:r>
-            <a:r>
-              <a:rPr lang="zh-CN" altLang="en-US" sz="2400" b="0" dirty="0">
-                <a:latin typeface="SimSun" panose="02010600030101010101" pitchFamily="2" charset="-122"/>
-                <a:ea typeface="SimSun" panose="02010600030101010101" pitchFamily="2" charset="-122"/>
-                <a:cs typeface="Times New Roman" panose="02020603050405020304" pitchFamily="18" charset="0"/>
-              </a:rPr>
-              <a:t>，从而改变布</a:t>
-            </a:r>
-            <a:r>
-              <a:rPr lang="zh-CN" altLang="en-US" sz="2400" b="0" dirty="0" smtClean="0">
-                <a:latin typeface="SimSun" panose="02010600030101010101" pitchFamily="2" charset="-122"/>
-                <a:ea typeface="SimSun" panose="02010600030101010101" pitchFamily="2" charset="-122"/>
-                <a:cs typeface="Times New Roman" panose="02020603050405020304" pitchFamily="18" charset="0"/>
-              </a:rPr>
-              <a:t>局</a:t>
-            </a:r>
-            <a:endParaRPr lang="en-US" altLang="zh-CN" sz="2400" b="0" dirty="0">
-              <a:latin typeface="SimSun" panose="02010600030101010101" pitchFamily="2" charset="-122"/>
-              <a:ea typeface="SimSun" panose="02010600030101010101" pitchFamily="2" charset="-122"/>
-              <a:cs typeface="Times New Roman" panose="02020603050405020304" pitchFamily="18" charset="0"/>
-            </a:endParaRPr>
-          </a:p>
-          <a:p>
-            <a:endParaRPr lang="en-US" dirty="0"/>
-          </a:p>
-        </p:txBody>
-      </p:sp>
-      <p:sp>
-        <p:nvSpPr>
-          <p:cNvPr id="7" name="TextBox 6"/>
-          <p:cNvSpPr txBox="1"/>
-          <p:nvPr/>
-        </p:nvSpPr>
-        <p:spPr>
-          <a:xfrm>
-            <a:off x="267494" y="6570473"/>
-            <a:ext cx="3180355" cy="230832"/>
-          </a:xfrm>
-          <a:prstGeom prst="rect">
-            <a:avLst/>
-          </a:prstGeom>
-          <a:noFill/>
-        </p:spPr>
-        <p:txBody>
-          <a:bodyPr wrap="square" lIns="0">
-            <a:spAutoFit/>
-          </a:bodyPr>
-          <a:lstStyle/>
-          <a:p>
-            <a:pPr algn="ctr">
-              <a:defRPr/>
-            </a:pPr>
-            <a:r>
-              <a:rPr lang="en-US" sz="900" dirty="0">
-                <a:solidFill>
-                  <a:srgbClr val="7F7F7F"/>
-                </a:solidFill>
-                <a:latin typeface="Arial" pitchFamily="34" charset="0"/>
-                <a:cs typeface="Arial" pitchFamily="34" charset="0"/>
-              </a:rPr>
-              <a:t>Copyright © </a:t>
-            </a:r>
-            <a:r>
-              <a:rPr lang="en-US" sz="900" dirty="0" smtClean="0">
-                <a:solidFill>
-                  <a:srgbClr val="7F7F7F"/>
-                </a:solidFill>
-                <a:latin typeface="Arial" pitchFamily="34" charset="0"/>
-                <a:cs typeface="Arial" pitchFamily="34" charset="0"/>
-              </a:rPr>
-              <a:t>2017 </a:t>
-            </a:r>
-            <a:r>
-              <a:rPr lang="en-US" sz="900" dirty="0">
-                <a:solidFill>
-                  <a:srgbClr val="7F7F7F"/>
-                </a:solidFill>
-                <a:latin typeface="Arial" pitchFamily="34" charset="0"/>
-                <a:cs typeface="Arial" pitchFamily="34" charset="0"/>
-              </a:rPr>
-              <a:t>Accenture  All rights reserved.</a:t>
-            </a:r>
-          </a:p>
-        </p:txBody>
-      </p:sp>
-    </p:spTree>
-    <p:extLst>
-      <p:ext uri="{BB962C8B-B14F-4D97-AF65-F5344CB8AC3E}">
-        <p14:creationId xmlns:p14="http://schemas.microsoft.com/office/powerpoint/2010/main" val="1997134921"/>
-      </p:ext>
-    </p:extLst>
-  </p:cSld>
-  <p:clrMapOvr>
-    <a:masterClrMapping/>
-  </p:clrMapOvr>
+  <p:timing>
+    <p:tnLst>
+      <p:par>
+        <p:cTn id="1" dur="indefinite" restart="never" nodeType="tmRoot"/>
+      </p:par>
+    </p:tnLst>
+  </p:timing>
 </p:sld>
 </file>
 
@@ -15012,31 +15531,6 @@
 </file>
 
 <file path=customXml/item1.xml><?xml version="1.0" encoding="utf-8"?>
-<?mso-contentType ?>
-<FormTemplates xmlns="http://schemas.microsoft.com/sharepoint/v3/contenttype/forms">
-  <Display>DocumentLibraryForm</Display>
-  <Edit>DocumentLibraryForm</Edit>
-  <New>DocumentLibraryForm</New>
-</FormTemplates>
-</file>
-
-<file path=customXml/item2.xml><?xml version="1.0" encoding="utf-8"?>
-<p:properties xmlns:p="http://schemas.microsoft.com/office/2006/metadata/properties" xmlns:xsi="http://www.w3.org/2001/XMLSchema-instance" xmlns:pc="http://schemas.microsoft.com/office/infopath/2007/PartnerControls">
-  <documentManagement>
-    <TemplateUrl xmlns="http://schemas.microsoft.com/sharepoint/v3" xsi:nil="true"/>
-    <_SourceUrl xmlns="http://schemas.microsoft.com/sharepoint/v3" xsi:nil="true"/>
-    <Comments0 xmlns="C6B13D8A-F6C8-4777-9906-93DFDA163C9A" xsi:nil="true"/>
-    <xd_ProgID xmlns="http://schemas.microsoft.com/sharepoint/v3" xsi:nil="true"/>
-    <test xmlns="C6B13D8A-F6C8-4777-9906-93DFDA163C9A" xsi:nil="true"/>
-    <Order xmlns="http://schemas.microsoft.com/sharepoint/v3" xsi:nil="true"/>
-    <_SharedFileIndex xmlns="http://schemas.microsoft.com/sharepoint/v3" xsi:nil="true"/>
-    <MetaInfo xmlns="http://schemas.microsoft.com/sharepoint/v3" xsi:nil="true"/>
-    <ContentTypeId xmlns="http://schemas.microsoft.com/sharepoint/v3">0x0101008A3DB1C6C8F67747990693DFDA163C9A</ContentTypeId>
-  </documentManagement>
-</p:properties>
-</file>
-
-<file path=customXml/item3.xml><?xml version="1.0" encoding="utf-8"?>
 <ct:contentTypeSchema xmlns:ct="http://schemas.microsoft.com/office/2006/metadata/contentType" xmlns:ma="http://schemas.microsoft.com/office/2006/metadata/properties/metaAttributes" ct:_="" ma:_="" ma:contentTypeName="Document" ma:contentTypeID="0x0101008A3DB1C6C8F67747990693DFDA163C9A" ma:contentTypeVersion="0" ma:contentTypeDescription="Create a new document." ma:contentTypeScope="" ma:versionID="c53e8d4c718320ba5c01db3429b48e01">
   <xsd:schema xmlns:xsd="http://www.w3.org/2001/XMLSchema" xmlns:xs="http://www.w3.org/2001/XMLSchema" xmlns:p="http://schemas.microsoft.com/office/2006/metadata/properties" xmlns:ns1="http://schemas.microsoft.com/sharepoint/v3" xmlns:ns2="C6B13D8A-F6C8-4777-9906-93DFDA163C9A" targetNamespace="http://schemas.microsoft.com/office/2006/metadata/properties" ma:root="true" ma:fieldsID="10d7d5cf4be4c05f12ebb16474ba6c35" ns1:_="" ns2:_="">
     <xsd:import namespace="http://schemas.microsoft.com/sharepoint/v3"/>
@@ -15507,10 +16001,46 @@
 </ct:contentTypeSchema>
 </file>
 
+<file path=customXml/item2.xml><?xml version="1.0" encoding="utf-8"?>
+<p:properties xmlns:p="http://schemas.microsoft.com/office/2006/metadata/properties" xmlns:xsi="http://www.w3.org/2001/XMLSchema-instance" xmlns:pc="http://schemas.microsoft.com/office/infopath/2007/PartnerControls">
+  <documentManagement>
+    <TemplateUrl xmlns="http://schemas.microsoft.com/sharepoint/v3" xsi:nil="true"/>
+    <_SourceUrl xmlns="http://schemas.microsoft.com/sharepoint/v3" xsi:nil="true"/>
+    <Comments0 xmlns="C6B13D8A-F6C8-4777-9906-93DFDA163C9A" xsi:nil="true"/>
+    <xd_ProgID xmlns="http://schemas.microsoft.com/sharepoint/v3" xsi:nil="true"/>
+    <test xmlns="C6B13D8A-F6C8-4777-9906-93DFDA163C9A" xsi:nil="true"/>
+    <Order xmlns="http://schemas.microsoft.com/sharepoint/v3" xsi:nil="true"/>
+    <_SharedFileIndex xmlns="http://schemas.microsoft.com/sharepoint/v3" xsi:nil="true"/>
+    <MetaInfo xmlns="http://schemas.microsoft.com/sharepoint/v3" xsi:nil="true"/>
+    <ContentTypeId xmlns="http://schemas.microsoft.com/sharepoint/v3">0x0101008A3DB1C6C8F67747990693DFDA163C9A</ContentTypeId>
+  </documentManagement>
+</p:properties>
+</file>
+
+<file path=customXml/item3.xml><?xml version="1.0" encoding="utf-8"?>
+<?mso-contentType ?>
+<FormTemplates xmlns="http://schemas.microsoft.com/sharepoint/v3/contenttype/forms">
+  <Display>DocumentLibraryForm</Display>
+  <Edit>DocumentLibraryForm</Edit>
+  <New>DocumentLibraryForm</New>
+</FormTemplates>
+</file>
+
 <file path=customXml/itemProps1.xml><?xml version="1.0" encoding="utf-8"?>
-<ds:datastoreItem xmlns:ds="http://schemas.openxmlformats.org/officeDocument/2006/customXml" ds:itemID="{6268566E-43AA-4A68-BD58-84AB4DF5B82A}">
+<ds:datastoreItem xmlns:ds="http://schemas.openxmlformats.org/officeDocument/2006/customXml" ds:itemID="{CC4C9FB6-25E4-4D1F-A1E8-D3497EBEE75E}">
   <ds:schemaRefs>
-    <ds:schemaRef ds:uri="http://schemas.microsoft.com/sharepoint/v3/contenttype/forms"/>
+    <ds:schemaRef ds:uri="http://schemas.microsoft.com/office/2006/metadata/contentType"/>
+    <ds:schemaRef ds:uri="http://schemas.microsoft.com/office/2006/metadata/properties/metaAttributes"/>
+    <ds:schemaRef ds:uri="http://www.w3.org/2001/XMLSchema"/>
+    <ds:schemaRef ds:uri="http://schemas.microsoft.com/office/2006/metadata/properties"/>
+    <ds:schemaRef ds:uri="http://schemas.microsoft.com/sharepoint/v3"/>
+    <ds:schemaRef ds:uri="C6B13D8A-F6C8-4777-9906-93DFDA163C9A"/>
+    <ds:schemaRef ds:uri="http://schemas.microsoft.com/office/2006/documentManagement/types"/>
+    <ds:schemaRef ds:uri="http://schemas.microsoft.com/office/infopath/2007/PartnerControls"/>
+    <ds:schemaRef ds:uri="http://schemas.openxmlformats.org/package/2006/metadata/core-properties"/>
+    <ds:schemaRef ds:uri="http://purl.org/dc/elements/1.1/"/>
+    <ds:schemaRef ds:uri="http://purl.org/dc/terms/"/>
+    <ds:schemaRef ds:uri="http://schemas.microsoft.com/internal/obd"/>
   </ds:schemaRefs>
 </ds:datastoreItem>
 </file>
@@ -15527,20 +16057,9 @@
 </file>
 
 <file path=customXml/itemProps3.xml><?xml version="1.0" encoding="utf-8"?>
-<ds:datastoreItem xmlns:ds="http://schemas.openxmlformats.org/officeDocument/2006/customXml" ds:itemID="{CC4C9FB6-25E4-4D1F-A1E8-D3497EBEE75E}">
+<ds:datastoreItem xmlns:ds="http://schemas.openxmlformats.org/officeDocument/2006/customXml" ds:itemID="{6268566E-43AA-4A68-BD58-84AB4DF5B82A}">
   <ds:schemaRefs>
-    <ds:schemaRef ds:uri="http://schemas.microsoft.com/office/2006/metadata/contentType"/>
-    <ds:schemaRef ds:uri="http://schemas.microsoft.com/office/2006/metadata/properties/metaAttributes"/>
-    <ds:schemaRef ds:uri="http://www.w3.org/2001/XMLSchema"/>
-    <ds:schemaRef ds:uri="http://schemas.microsoft.com/office/2006/metadata/properties"/>
-    <ds:schemaRef ds:uri="http://schemas.microsoft.com/sharepoint/v3"/>
-    <ds:schemaRef ds:uri="C6B13D8A-F6C8-4777-9906-93DFDA163C9A"/>
-    <ds:schemaRef ds:uri="http://schemas.microsoft.com/office/2006/documentManagement/types"/>
-    <ds:schemaRef ds:uri="http://schemas.microsoft.com/office/infopath/2007/PartnerControls"/>
-    <ds:schemaRef ds:uri="http://schemas.openxmlformats.org/package/2006/metadata/core-properties"/>
-    <ds:schemaRef ds:uri="http://purl.org/dc/elements/1.1/"/>
-    <ds:schemaRef ds:uri="http://purl.org/dc/terms/"/>
-    <ds:schemaRef ds:uri="http://schemas.microsoft.com/internal/obd"/>
+    <ds:schemaRef ds:uri="http://schemas.microsoft.com/sharepoint/v3/contenttype/forms"/>
   </ds:schemaRefs>
 </ds:datastoreItem>
 </file>
--- a/PPT/03-Accenture-FS-Angular-Framework.pptx
+++ b/PPT/03-Accenture-FS-Angular-Framework.pptx
@@ -5,32 +5,31 @@
     <p:sldMasterId id="2147483774" r:id="rId4"/>
   </p:sldMasterIdLst>
   <p:notesMasterIdLst>
-    <p:notesMasterId r:id="rId20"/>
+    <p:notesMasterId r:id="rId19"/>
   </p:notesMasterIdLst>
   <p:handoutMasterIdLst>
-    <p:handoutMasterId r:id="rId21"/>
+    <p:handoutMasterId r:id="rId20"/>
   </p:handoutMasterIdLst>
   <p:sldIdLst>
     <p:sldId id="259" r:id="rId5"/>
     <p:sldId id="439" r:id="rId6"/>
-    <p:sldId id="455" r:id="rId7"/>
-    <p:sldId id="453" r:id="rId8"/>
-    <p:sldId id="451" r:id="rId9"/>
-    <p:sldId id="452" r:id="rId10"/>
-    <p:sldId id="379" r:id="rId11"/>
-    <p:sldId id="444" r:id="rId12"/>
-    <p:sldId id="445" r:id="rId13"/>
-    <p:sldId id="446" r:id="rId14"/>
-    <p:sldId id="447" r:id="rId15"/>
-    <p:sldId id="448" r:id="rId16"/>
-    <p:sldId id="449" r:id="rId17"/>
-    <p:sldId id="454" r:id="rId18"/>
-    <p:sldId id="388" r:id="rId19"/>
+    <p:sldId id="453" r:id="rId7"/>
+    <p:sldId id="451" r:id="rId8"/>
+    <p:sldId id="452" r:id="rId9"/>
+    <p:sldId id="379" r:id="rId10"/>
+    <p:sldId id="444" r:id="rId11"/>
+    <p:sldId id="445" r:id="rId12"/>
+    <p:sldId id="446" r:id="rId13"/>
+    <p:sldId id="447" r:id="rId14"/>
+    <p:sldId id="448" r:id="rId15"/>
+    <p:sldId id="449" r:id="rId16"/>
+    <p:sldId id="454" r:id="rId17"/>
+    <p:sldId id="388" r:id="rId18"/>
   </p:sldIdLst>
   <p:sldSz cx="9144000" cy="6858000" type="screen4x3"/>
   <p:notesSz cx="7099300" cy="10234613"/>
   <p:custDataLst>
-    <p:tags r:id="rId22"/>
+    <p:tags r:id="rId21"/>
   </p:custDataLst>
   <p:defaultTextStyle>
     <a:defPPr>
@@ -2741,7 +2740,7 @@
             <a:fld id="{AB5C843C-6EED-49F6-94FB-305FAB24794A}" type="slidenum">
               <a:rPr lang="en-GB" sz="800" b="0"/>
               <a:pPr algn="r"/>
-              <a:t>6</a:t>
+              <a:t>5</a:t>
             </a:fld>
             <a:endParaRPr lang="en-GB" sz="800" b="0"/>
           </a:p>
@@ -3432,7 +3431,7 @@
             <a:fld id="{50C5752E-C29B-490E-BA18-43D3637E4506}" type="slidenum">
               <a:rPr lang="en-GB" sz="800" b="0"/>
               <a:pPr algn="r"/>
-              <a:t>14</a:t>
+              <a:t>13</a:t>
             </a:fld>
             <a:endParaRPr lang="en-GB" sz="800" b="0"/>
           </a:p>
@@ -9275,20 +9274,12 @@
           <a:lstStyle/>
           <a:p>
             <a:r>
-              <a:rPr lang="en-US" altLang="zh-CN" dirty="0" smtClean="0">
-                <a:solidFill>
-                  <a:schemeClr val="tx1"/>
-                </a:solidFill>
-              </a:rPr>
-              <a:t>Angular4 </a:t>
-            </a:r>
-            <a:r>
               <a:rPr lang="en-US" altLang="zh-CN" dirty="0">
                 <a:solidFill>
                   <a:schemeClr val="tx1"/>
                 </a:solidFill>
               </a:rPr>
-              <a:t>Overview</a:t>
+              <a:t>Angular4 Overview</a:t>
             </a:r>
             <a:br>
               <a:rPr lang="en-US" altLang="zh-CN" dirty="0">
@@ -9310,13 +9301,6 @@
   <p:clrMapOvr>
     <a:overrideClrMapping bg1="lt1" tx1="dk1" bg2="lt2" tx2="dk2" accent1="accent1" accent2="accent2" accent3="accent3" accent4="accent4" accent5="accent5" accent6="accent6" hlink="hlink" folHlink="folHlink"/>
   </p:clrMapOvr>
-  <p:timing>
-    <p:tnLst>
-      <p:par>
-        <p:cTn id="1" dur="indefinite" restart="never" nodeType="tmRoot"/>
-      </p:par>
-    </p:tnLst>
-  </p:timing>
 </p:sld>
 </file>
 
@@ -9337,35 +9321,6 @@
           <a:chExt cx="0" cy="0"/>
         </a:xfrm>
       </p:grpSpPr>
-      <p:pic>
-        <p:nvPicPr>
-          <p:cNvPr id="5" name="Content Placeholder 4"/>
-          <p:cNvPicPr>
-            <a:picLocks noGrp="1" noChangeAspect="1"/>
-          </p:cNvPicPr>
-          <p:nvPr>
-            <p:ph sz="quarter" idx="12"/>
-          </p:nvPr>
-        </p:nvPicPr>
-        <p:blipFill>
-          <a:blip r:embed="rId2">
-            <a:extLst>
-              <a:ext uri="{28A0092B-C50C-407E-A947-70E740481C1C}">
-                <a14:useLocalDpi xmlns:a14="http://schemas.microsoft.com/office/drawing/2010/main" val="0"/>
-              </a:ext>
-            </a:extLst>
-          </a:blip>
-          <a:stretch>
-            <a:fillRect/>
-          </a:stretch>
-        </p:blipFill>
-        <p:spPr>
-          <a:xfrm>
-            <a:off x="241154" y="1237573"/>
-            <a:ext cx="1926312" cy="1785027"/>
-          </a:xfrm>
-        </p:spPr>
-      </p:pic>
       <p:sp>
         <p:nvSpPr>
           <p:cNvPr id="3" name="Title 2"/>
@@ -9384,11 +9339,11 @@
           <a:lstStyle/>
           <a:p>
             <a:r>
-              <a:rPr lang="zh-CN" altLang="en-US" sz="2800" dirty="0" smtClean="0">
+              <a:rPr lang="zh-CN" altLang="en-US" sz="2800" dirty="0">
                 <a:latin typeface="SimSun" panose="02010600030101010101" pitchFamily="2" charset="-122"/>
                 <a:ea typeface="SimSun" panose="02010600030101010101" pitchFamily="2" charset="-122"/>
               </a:rPr>
-              <a:t>指令</a:t>
+              <a:t>服务</a:t>
             </a:r>
             <a:endParaRPr lang="en-US" sz="2800" dirty="0">
               <a:latin typeface="SimSun" panose="02010600030101010101" pitchFamily="2" charset="-122"/>
@@ -9446,16 +9401,46 @@
           </a:p>
         </p:txBody>
       </p:sp>
+      <p:pic>
+        <p:nvPicPr>
+          <p:cNvPr id="5" name="Picture 4"/>
+          <p:cNvPicPr>
+            <a:picLocks noChangeAspect="1"/>
+          </p:cNvPicPr>
+          <p:nvPr/>
+        </p:nvPicPr>
+        <p:blipFill>
+          <a:blip r:embed="rId2">
+            <a:extLst>
+              <a:ext uri="{28A0092B-C50C-407E-A947-70E740481C1C}">
+                <a14:useLocalDpi xmlns:a14="http://schemas.microsoft.com/office/drawing/2010/main" val="0"/>
+              </a:ext>
+            </a:extLst>
+          </a:blip>
+          <a:stretch>
+            <a:fillRect/>
+          </a:stretch>
+        </p:blipFill>
+        <p:spPr>
+          <a:xfrm>
+            <a:off x="662784" y="1359014"/>
+            <a:ext cx="1533525" cy="1190625"/>
+          </a:xfrm>
+          <a:prstGeom prst="rect">
+            <a:avLst/>
+          </a:prstGeom>
+        </p:spPr>
+      </p:pic>
       <p:sp>
         <p:nvSpPr>
-          <p:cNvPr id="6" name="TextBox 5"/>
+          <p:cNvPr id="8" name="TextBox 7"/>
           <p:cNvSpPr txBox="1"/>
           <p:nvPr/>
         </p:nvSpPr>
         <p:spPr>
           <a:xfrm>
-            <a:off x="376621" y="3128286"/>
-            <a:ext cx="8437179" cy="3908762"/>
+            <a:off x="452568" y="2835557"/>
+            <a:ext cx="8205261" cy="2123658"/>
           </a:xfrm>
           <a:prstGeom prst="rect">
             <a:avLst/>
@@ -9473,62 +9458,62 @@
               <a:buChar char="•"/>
             </a:pPr>
             <a:r>
-              <a:rPr lang="en-US" altLang="zh-CN" sz="2400" b="0" dirty="0">
+              <a:rPr lang="zh-CN" altLang="en-US" sz="2200" b="0" dirty="0">
                 <a:latin typeface="SimSun" panose="02010600030101010101" pitchFamily="2" charset="-122"/>
                 <a:ea typeface="SimSun" panose="02010600030101010101" pitchFamily="2" charset="-122"/>
                 <a:cs typeface="Times New Roman" panose="02020603050405020304" pitchFamily="18" charset="0"/>
               </a:rPr>
-              <a:t>Angular </a:t>
-            </a:r>
-            <a:r>
-              <a:rPr lang="zh-CN" altLang="en-US" sz="2400" b="0" dirty="0">
+              <a:t>服务是一个很宽泛的定义，</a:t>
+            </a:r>
+            <a:r>
+              <a:rPr lang="ja-JP" altLang="en-US" sz="2200" b="0" dirty="0">
                 <a:latin typeface="SimSun" panose="02010600030101010101" pitchFamily="2" charset="-122"/>
                 <a:ea typeface="SimSun" panose="02010600030101010101" pitchFamily="2" charset="-122"/>
                 <a:cs typeface="Times New Roman" panose="02020603050405020304" pitchFamily="18" charset="0"/>
               </a:rPr>
-              <a:t>模板是动态的。当 </a:t>
-            </a:r>
-            <a:r>
-              <a:rPr lang="en-US" altLang="zh-CN" sz="2400" b="0" dirty="0">
+              <a:t>只需要定义一个</a:t>
+            </a:r>
+            <a:r>
+              <a:rPr lang="en-US" sz="2200" b="0" dirty="0">
                 <a:latin typeface="SimSun" panose="02010600030101010101" pitchFamily="2" charset="-122"/>
                 <a:ea typeface="SimSun" panose="02010600030101010101" pitchFamily="2" charset="-122"/>
                 <a:cs typeface="Times New Roman" panose="02020603050405020304" pitchFamily="18" charset="0"/>
               </a:rPr>
-              <a:t>Angular </a:t>
-            </a:r>
-            <a:r>
-              <a:rPr lang="zh-CN" altLang="en-US" sz="2400" b="0" dirty="0">
+              <a:t>class，</a:t>
+            </a:r>
+            <a:r>
+              <a:rPr lang="ja-JP" altLang="en-US" sz="2200" b="0" dirty="0">
                 <a:latin typeface="SimSun" panose="02010600030101010101" pitchFamily="2" charset="-122"/>
                 <a:ea typeface="SimSun" panose="02010600030101010101" pitchFamily="2" charset="-122"/>
                 <a:cs typeface="Times New Roman" panose="02020603050405020304" pitchFamily="18" charset="0"/>
               </a:rPr>
-              <a:t>渲染它们时，它会根据指令提供的操作对 </a:t>
-            </a:r>
-            <a:r>
-              <a:rPr lang="en-US" altLang="zh-CN" sz="2400" b="0" dirty="0">
+              <a:t>并把它</a:t>
+            </a:r>
+            <a:r>
+              <a:rPr lang="en-US" sz="2200" b="0" dirty="0">
                 <a:latin typeface="SimSun" panose="02010600030101010101" pitchFamily="2" charset="-122"/>
                 <a:ea typeface="SimSun" panose="02010600030101010101" pitchFamily="2" charset="-122"/>
                 <a:cs typeface="Times New Roman" panose="02020603050405020304" pitchFamily="18" charset="0"/>
               </a:rPr>
-              <a:t>DOM </a:t>
-            </a:r>
-            <a:r>
-              <a:rPr lang="zh-CN" altLang="en-US" sz="2400" b="0" dirty="0">
+              <a:t>export</a:t>
+            </a:r>
+            <a:r>
+              <a:rPr lang="ja-JP" altLang="en-US" sz="2200" b="0" dirty="0">
                 <a:latin typeface="SimSun" panose="02010600030101010101" pitchFamily="2" charset="-122"/>
                 <a:ea typeface="SimSun" panose="02010600030101010101" pitchFamily="2" charset="-122"/>
                 <a:cs typeface="Times New Roman" panose="02020603050405020304" pitchFamily="18" charset="0"/>
               </a:rPr>
-              <a:t>进行转</a:t>
-            </a:r>
-            <a:r>
-              <a:rPr lang="zh-CN" altLang="en-US" sz="2400" b="0" dirty="0" smtClean="0">
+              <a:t>就可以</a:t>
+            </a:r>
+            <a:r>
+              <a:rPr lang="zh-CN" altLang="en-US" sz="2200" b="0" dirty="0">
                 <a:latin typeface="SimSun" panose="02010600030101010101" pitchFamily="2" charset="-122"/>
                 <a:ea typeface="SimSun" panose="02010600030101010101" pitchFamily="2" charset="-122"/>
                 <a:cs typeface="Times New Roman" panose="02020603050405020304" pitchFamily="18" charset="0"/>
               </a:rPr>
-              <a:t>换。</a:t>
-            </a:r>
-            <a:endParaRPr lang="en-US" altLang="zh-CN" sz="2400" b="0" dirty="0" smtClean="0">
+              <a:t>。</a:t>
+            </a:r>
+            <a:endParaRPr lang="en-US" altLang="ja-JP" sz="2200" b="0" dirty="0">
               <a:latin typeface="SimSun" panose="02010600030101010101" pitchFamily="2" charset="-122"/>
               <a:ea typeface="SimSun" panose="02010600030101010101" pitchFamily="2" charset="-122"/>
               <a:cs typeface="Times New Roman" panose="02020603050405020304" pitchFamily="18" charset="0"/>
@@ -9539,7 +9524,7 @@
               <a:buFont typeface="Arial" panose="020B0604020202020204" pitchFamily="34" charset="0"/>
               <a:buChar char="•"/>
             </a:pPr>
-            <a:endParaRPr lang="zh-CN" altLang="en-US" sz="2400" b="0" dirty="0">
+            <a:endParaRPr lang="en-US" altLang="ja-JP" sz="2200" b="0" dirty="0">
               <a:latin typeface="SimSun" panose="02010600030101010101" pitchFamily="2" charset="-122"/>
               <a:ea typeface="SimSun" panose="02010600030101010101" pitchFamily="2" charset="-122"/>
               <a:cs typeface="Times New Roman" panose="02020603050405020304" pitchFamily="18" charset="0"/>
@@ -9551,86 +9536,14 @@
               <a:buChar char="•"/>
             </a:pPr>
             <a:r>
-              <a:rPr lang="zh-CN" altLang="en-US" sz="2400" b="0" dirty="0" smtClean="0">
+              <a:rPr lang="zh-CN" altLang="en-US" sz="2200" b="0" dirty="0">
                 <a:latin typeface="SimSun" panose="02010600030101010101" pitchFamily="2" charset="-122"/>
                 <a:ea typeface="SimSun" panose="02010600030101010101" pitchFamily="2" charset="-122"/>
                 <a:cs typeface="Times New Roman" panose="02020603050405020304" pitchFamily="18" charset="0"/>
               </a:rPr>
-              <a:t>组</a:t>
-            </a:r>
-            <a:r>
-              <a:rPr lang="zh-CN" altLang="en-US" sz="2400" b="0" dirty="0">
-                <a:latin typeface="SimSun" panose="02010600030101010101" pitchFamily="2" charset="-122"/>
-                <a:ea typeface="SimSun" panose="02010600030101010101" pitchFamily="2" charset="-122"/>
-                <a:cs typeface="Times New Roman" panose="02020603050405020304" pitchFamily="18" charset="0"/>
-              </a:rPr>
-              <a:t>件也是指令的一种，区别在于组件带有单独</a:t>
-            </a:r>
-            <a:r>
-              <a:rPr lang="zh-CN" altLang="en-US" sz="2400" b="0" dirty="0" smtClean="0">
-                <a:latin typeface="SimSun" panose="02010600030101010101" pitchFamily="2" charset="-122"/>
-                <a:ea typeface="SimSun" panose="02010600030101010101" pitchFamily="2" charset="-122"/>
-                <a:cs typeface="Times New Roman" panose="02020603050405020304" pitchFamily="18" charset="0"/>
-              </a:rPr>
-              <a:t>的</a:t>
-            </a:r>
-            <a:r>
-              <a:rPr lang="en-US" altLang="zh-CN" sz="2400" b="0" dirty="0" smtClean="0">
-                <a:latin typeface="SimSun" panose="02010600030101010101" pitchFamily="2" charset="-122"/>
-                <a:ea typeface="SimSun" panose="02010600030101010101" pitchFamily="2" charset="-122"/>
-                <a:cs typeface="Times New Roman" panose="02020603050405020304" pitchFamily="18" charset="0"/>
-              </a:rPr>
-              <a:t>Template</a:t>
-            </a:r>
-            <a:r>
-              <a:rPr lang="zh-CN" altLang="en-US" sz="2400" b="0" dirty="0" smtClean="0">
-                <a:latin typeface="SimSun" panose="02010600030101010101" pitchFamily="2" charset="-122"/>
-                <a:ea typeface="SimSun" panose="02010600030101010101" pitchFamily="2" charset="-122"/>
-                <a:cs typeface="Times New Roman" panose="02020603050405020304" pitchFamily="18" charset="0"/>
-              </a:rPr>
-              <a:t>，</a:t>
-            </a:r>
-            <a:r>
-              <a:rPr lang="zh-CN" altLang="en-US" sz="2400" b="0" dirty="0">
-                <a:latin typeface="SimSun" panose="02010600030101010101" pitchFamily="2" charset="-122"/>
-                <a:ea typeface="SimSun" panose="02010600030101010101" pitchFamily="2" charset="-122"/>
-                <a:cs typeface="Times New Roman" panose="02020603050405020304" pitchFamily="18" charset="0"/>
-              </a:rPr>
-              <a:t>即</a:t>
-            </a:r>
-            <a:r>
-              <a:rPr lang="en-US" altLang="zh-CN" sz="2400" b="0" dirty="0">
-                <a:latin typeface="SimSun" panose="02010600030101010101" pitchFamily="2" charset="-122"/>
-                <a:ea typeface="SimSun" panose="02010600030101010101" pitchFamily="2" charset="-122"/>
-                <a:cs typeface="Times New Roman" panose="02020603050405020304" pitchFamily="18" charset="0"/>
-              </a:rPr>
-              <a:t>DOM</a:t>
-            </a:r>
-            <a:r>
-              <a:rPr lang="zh-CN" altLang="en-US" sz="2400" b="0" dirty="0">
-                <a:latin typeface="SimSun" panose="02010600030101010101" pitchFamily="2" charset="-122"/>
-                <a:ea typeface="SimSun" panose="02010600030101010101" pitchFamily="2" charset="-122"/>
-                <a:cs typeface="Times New Roman" panose="02020603050405020304" pitchFamily="18" charset="0"/>
-              </a:rPr>
-              <a:t>元素。而指令作用域已有的</a:t>
-            </a:r>
-            <a:r>
-              <a:rPr lang="en-US" altLang="zh-CN" sz="2400" b="0" dirty="0">
-                <a:latin typeface="SimSun" panose="02010600030101010101" pitchFamily="2" charset="-122"/>
-                <a:ea typeface="SimSun" panose="02010600030101010101" pitchFamily="2" charset="-122"/>
-                <a:cs typeface="Times New Roman" panose="02020603050405020304" pitchFamily="18" charset="0"/>
-              </a:rPr>
-              <a:t>DOM</a:t>
-            </a:r>
-            <a:r>
-              <a:rPr lang="zh-CN" altLang="en-US" sz="2400" b="0" dirty="0" smtClean="0">
-                <a:latin typeface="SimSun" panose="02010600030101010101" pitchFamily="2" charset="-122"/>
-                <a:ea typeface="SimSun" panose="02010600030101010101" pitchFamily="2" charset="-122"/>
-                <a:cs typeface="Times New Roman" panose="02020603050405020304" pitchFamily="18" charset="0"/>
-              </a:rPr>
-              <a:t>上。</a:t>
-            </a:r>
-            <a:endParaRPr lang="en-US" altLang="zh-CN" sz="2400" b="0" dirty="0" smtClean="0">
+              <a:t>典型的服务是一个类，具有专注的、明确的用途。</a:t>
+            </a:r>
+            <a:endParaRPr lang="en-US" altLang="ja-JP" sz="2200" b="0" dirty="0">
               <a:latin typeface="SimSun" panose="02010600030101010101" pitchFamily="2" charset="-122"/>
               <a:ea typeface="SimSun" panose="02010600030101010101" pitchFamily="2" charset="-122"/>
               <a:cs typeface="Times New Roman" panose="02020603050405020304" pitchFamily="18" charset="0"/>
@@ -9641,7 +9554,7 @@
               <a:buFont typeface="Arial" panose="020B0604020202020204" pitchFamily="34" charset="0"/>
               <a:buChar char="•"/>
             </a:pPr>
-            <a:endParaRPr lang="zh-CN" altLang="en-US" sz="2400" b="0" dirty="0">
+            <a:endParaRPr lang="en-US" altLang="zh-CN" sz="2200" b="0" dirty="0">
               <a:latin typeface="SimSun" panose="02010600030101010101" pitchFamily="2" charset="-122"/>
               <a:ea typeface="SimSun" panose="02010600030101010101" pitchFamily="2" charset="-122"/>
               <a:cs typeface="Times New Roman" panose="02020603050405020304" pitchFamily="18" charset="0"/>
@@ -9653,92 +9566,24 @@
               <a:buChar char="•"/>
             </a:pPr>
             <a:r>
-              <a:rPr lang="zh-CN" altLang="en-US" sz="2400" b="0" dirty="0">
+              <a:rPr lang="zh-CN" altLang="en-US" sz="2200" b="0" dirty="0">
                 <a:latin typeface="SimSun" panose="02010600030101010101" pitchFamily="2" charset="-122"/>
                 <a:ea typeface="SimSun" panose="02010600030101010101" pitchFamily="2" charset="-122"/>
                 <a:cs typeface="Times New Roman" panose="02020603050405020304" pitchFamily="18" charset="0"/>
               </a:rPr>
-              <a:t>指令分为属性型指令、结构型指令 </a:t>
-            </a:r>
-          </a:p>
-          <a:p>
-            <a:pPr marL="800100" lvl="1" indent="-342900">
-              <a:buFont typeface="Arial" panose="020B0604020202020204" pitchFamily="34" charset="0"/>
-              <a:buChar char="•"/>
-            </a:pPr>
-            <a:r>
-              <a:rPr lang="zh-CN" altLang="en-US" sz="2400" b="0" dirty="0">
-                <a:latin typeface="SimSun" panose="02010600030101010101" pitchFamily="2" charset="-122"/>
-                <a:ea typeface="SimSun" panose="02010600030101010101" pitchFamily="2" charset="-122"/>
-                <a:cs typeface="Times New Roman" panose="02020603050405020304" pitchFamily="18" charset="0"/>
-              </a:rPr>
-              <a:t>属性型指令：改变元素的外观或行</a:t>
-            </a:r>
-            <a:r>
-              <a:rPr lang="zh-CN" altLang="en-US" sz="2400" b="0" dirty="0" smtClean="0">
-                <a:latin typeface="SimSun" panose="02010600030101010101" pitchFamily="2" charset="-122"/>
-                <a:ea typeface="SimSun" panose="02010600030101010101" pitchFamily="2" charset="-122"/>
-                <a:cs typeface="Times New Roman" panose="02020603050405020304" pitchFamily="18" charset="0"/>
-              </a:rPr>
-              <a:t>为</a:t>
-            </a:r>
-            <a:endParaRPr lang="en-US" altLang="zh-CN" sz="2400" b="0" dirty="0">
+              <a:t>通过依赖注入，将服务注入进组件中。</a:t>
+            </a:r>
+            <a:endParaRPr lang="en-US" sz="2200" b="0" dirty="0">
               <a:latin typeface="SimSun" panose="02010600030101010101" pitchFamily="2" charset="-122"/>
               <a:ea typeface="SimSun" panose="02010600030101010101" pitchFamily="2" charset="-122"/>
               <a:cs typeface="Times New Roman" panose="02020603050405020304" pitchFamily="18" charset="0"/>
             </a:endParaRPr>
           </a:p>
-          <a:p>
-            <a:pPr marL="800100" lvl="1" indent="-342900">
-              <a:buFont typeface="Arial" panose="020B0604020202020204" pitchFamily="34" charset="0"/>
-              <a:buChar char="•"/>
-            </a:pPr>
-            <a:r>
-              <a:rPr lang="zh-CN" altLang="en-US" sz="2400" b="0" dirty="0">
-                <a:latin typeface="SimSun" panose="02010600030101010101" pitchFamily="2" charset="-122"/>
-                <a:ea typeface="SimSun" panose="02010600030101010101" pitchFamily="2" charset="-122"/>
-                <a:cs typeface="Times New Roman" panose="02020603050405020304" pitchFamily="18" charset="0"/>
-              </a:rPr>
-              <a:t>结构型指令：添加、修改、删除</a:t>
-            </a:r>
-            <a:r>
-              <a:rPr lang="en-US" altLang="zh-CN" sz="2400" b="0" dirty="0">
-                <a:latin typeface="SimSun" panose="02010600030101010101" pitchFamily="2" charset="-122"/>
-                <a:ea typeface="SimSun" panose="02010600030101010101" pitchFamily="2" charset="-122"/>
-                <a:cs typeface="Times New Roman" panose="02020603050405020304" pitchFamily="18" charset="0"/>
-              </a:rPr>
-              <a:t>DOM</a:t>
-            </a:r>
-            <a:r>
-              <a:rPr lang="zh-CN" altLang="en-US" sz="2400" b="0" dirty="0">
-                <a:latin typeface="SimSun" panose="02010600030101010101" pitchFamily="2" charset="-122"/>
-                <a:ea typeface="SimSun" panose="02010600030101010101" pitchFamily="2" charset="-122"/>
-                <a:cs typeface="Times New Roman" panose="02020603050405020304" pitchFamily="18" charset="0"/>
-              </a:rPr>
-              <a:t>，从而改变布</a:t>
-            </a:r>
-            <a:r>
-              <a:rPr lang="zh-CN" altLang="en-US" sz="2400" b="0" dirty="0" smtClean="0">
-                <a:latin typeface="SimSun" panose="02010600030101010101" pitchFamily="2" charset="-122"/>
-                <a:ea typeface="SimSun" panose="02010600030101010101" pitchFamily="2" charset="-122"/>
-                <a:cs typeface="Times New Roman" panose="02020603050405020304" pitchFamily="18" charset="0"/>
-              </a:rPr>
-              <a:t>局</a:t>
-            </a:r>
-            <a:endParaRPr lang="en-US" altLang="zh-CN" sz="2400" b="0" dirty="0">
-              <a:latin typeface="SimSun" panose="02010600030101010101" pitchFamily="2" charset="-122"/>
-              <a:ea typeface="SimSun" panose="02010600030101010101" pitchFamily="2" charset="-122"/>
-              <a:cs typeface="Times New Roman" panose="02020603050405020304" pitchFamily="18" charset="0"/>
-            </a:endParaRPr>
-          </a:p>
-          <a:p>
-            <a:endParaRPr lang="en-US" dirty="0"/>
-          </a:p>
         </p:txBody>
       </p:sp>
       <p:sp>
         <p:nvSpPr>
-          <p:cNvPr id="7" name="TextBox 6"/>
+          <p:cNvPr id="6" name="TextBox 5"/>
           <p:cNvSpPr txBox="1"/>
           <p:nvPr/>
         </p:nvSpPr>
@@ -9769,27 +9614,7 @@
                 <a:latin typeface="Arial" pitchFamily="34" charset="0"/>
                 <a:cs typeface="Arial" pitchFamily="34" charset="0"/>
               </a:rPr>
-              <a:t>Copyright © </a:t>
-            </a:r>
-            <a:r>
-              <a:rPr lang="en-US" sz="900" dirty="0" smtClean="0">
-                <a:solidFill>
-                  <a:srgbClr val="7F7F7F"/>
-                </a:solidFill>
-                <a:latin typeface="Arial" pitchFamily="34" charset="0"/>
-                <a:cs typeface="Arial" pitchFamily="34" charset="0"/>
-              </a:rPr>
-              <a:t>2017 </a:t>
-            </a:r>
-            <a:r>
-              <a:rPr lang="en-US" sz="900" dirty="0">
-                <a:solidFill>
-                  <a:srgbClr val="7F7F7F"/>
-                </a:solidFill>
-                <a:latin typeface="Arial" pitchFamily="34" charset="0"/>
-                <a:cs typeface="Arial" pitchFamily="34" charset="0"/>
-              </a:rPr>
-              <a:t>Accenture  All rights reserved.</a:t>
+              <a:t>Copyright © 2017 Accenture  All rights reserved.</a:t>
             </a:r>
           </a:p>
         </p:txBody>
@@ -9797,20 +9622,13 @@
     </p:spTree>
     <p:extLst>
       <p:ext uri="{BB962C8B-B14F-4D97-AF65-F5344CB8AC3E}">
-        <p14:creationId xmlns:p14="http://schemas.microsoft.com/office/powerpoint/2010/main" val="1997134921"/>
+        <p14:creationId xmlns:p14="http://schemas.microsoft.com/office/powerpoint/2010/main" val="2532777584"/>
       </p:ext>
     </p:extLst>
   </p:cSld>
   <p:clrMapOvr>
     <a:masterClrMapping/>
   </p:clrMapOvr>
-  <p:timing>
-    <p:tnLst>
-      <p:par>
-        <p:cTn id="1" dur="indefinite" restart="never" nodeType="tmRoot"/>
-      </p:par>
-    </p:tnLst>
-  </p:timing>
 </p:sld>
 </file>
 
@@ -9853,7 +9671,7 @@
                 <a:latin typeface="SimSun" panose="02010600030101010101" pitchFamily="2" charset="-122"/>
                 <a:ea typeface="SimSun" panose="02010600030101010101" pitchFamily="2" charset="-122"/>
               </a:rPr>
-              <a:t>服务</a:t>
+              <a:t>依赖注入</a:t>
             </a:r>
             <a:endParaRPr lang="en-US" sz="2800" dirty="0">
               <a:latin typeface="SimSun" panose="02010600030101010101" pitchFamily="2" charset="-122"/>
@@ -9911,46 +9729,16 @@
           </a:p>
         </p:txBody>
       </p:sp>
-      <p:pic>
-        <p:nvPicPr>
-          <p:cNvPr id="5" name="Picture 4"/>
-          <p:cNvPicPr>
-            <a:picLocks noChangeAspect="1"/>
-          </p:cNvPicPr>
-          <p:nvPr/>
-        </p:nvPicPr>
-        <p:blipFill>
-          <a:blip r:embed="rId2">
-            <a:extLst>
-              <a:ext uri="{28A0092B-C50C-407E-A947-70E740481C1C}">
-                <a14:useLocalDpi xmlns:a14="http://schemas.microsoft.com/office/drawing/2010/main" val="0"/>
-              </a:ext>
-            </a:extLst>
-          </a:blip>
-          <a:stretch>
-            <a:fillRect/>
-          </a:stretch>
-        </p:blipFill>
-        <p:spPr>
-          <a:xfrm>
-            <a:off x="520171" y="1199623"/>
-            <a:ext cx="1533525" cy="1190625"/>
-          </a:xfrm>
-          <a:prstGeom prst="rect">
-            <a:avLst/>
-          </a:prstGeom>
-        </p:spPr>
-      </p:pic>
       <p:sp>
         <p:nvSpPr>
-          <p:cNvPr id="8" name="TextBox 7"/>
+          <p:cNvPr id="6" name="TextBox 5"/>
           <p:cNvSpPr txBox="1"/>
           <p:nvPr/>
         </p:nvSpPr>
         <p:spPr>
           <a:xfrm>
-            <a:off x="452568" y="2751667"/>
-            <a:ext cx="8205261" cy="2308324"/>
+            <a:off x="452568" y="3462556"/>
+            <a:ext cx="8310432" cy="2123658"/>
           </a:xfrm>
           <a:prstGeom prst="rect">
             <a:avLst/>
@@ -9963,473 +9751,85 @@
           </a:bodyPr>
           <a:lstStyle/>
           <a:p>
-            <a:pPr marL="342900" indent="-342900">
-              <a:buFont typeface="Arial" panose="020B0604020202020204" pitchFamily="34" charset="0"/>
-              <a:buChar char="•"/>
-            </a:pPr>
-            <a:r>
-              <a:rPr lang="zh-CN" altLang="en-US" sz="2400" b="0" dirty="0">
+            <a:r>
+              <a:rPr lang="zh-CN" altLang="en-US" sz="2200" b="0" dirty="0">
                 <a:latin typeface="SimSun" panose="02010600030101010101" pitchFamily="2" charset="-122"/>
                 <a:ea typeface="SimSun" panose="02010600030101010101" pitchFamily="2" charset="-122"/>
                 <a:cs typeface="Times New Roman" panose="02020603050405020304" pitchFamily="18" charset="0"/>
               </a:rPr>
-              <a:t>服务是一个很宽泛的定义</a:t>
-            </a:r>
-            <a:r>
-              <a:rPr lang="zh-CN" altLang="en-US" sz="2400" b="0" dirty="0" smtClean="0">
+              <a:t>当 </a:t>
+            </a:r>
+            <a:r>
+              <a:rPr lang="en-US" altLang="zh-CN" sz="2200" b="0" dirty="0">
                 <a:latin typeface="SimSun" panose="02010600030101010101" pitchFamily="2" charset="-122"/>
                 <a:ea typeface="SimSun" panose="02010600030101010101" pitchFamily="2" charset="-122"/>
                 <a:cs typeface="Times New Roman" panose="02020603050405020304" pitchFamily="18" charset="0"/>
               </a:rPr>
-              <a:t>，</a:t>
-            </a:r>
-            <a:r>
-              <a:rPr lang="ja-JP" altLang="en-US" sz="2400" b="0" dirty="0" smtClean="0">
+              <a:t>Angular </a:t>
+            </a:r>
+            <a:r>
+              <a:rPr lang="zh-CN" altLang="en-US" sz="2200" b="0" dirty="0">
                 <a:latin typeface="SimSun" panose="02010600030101010101" pitchFamily="2" charset="-122"/>
                 <a:ea typeface="SimSun" panose="02010600030101010101" pitchFamily="2" charset="-122"/>
                 <a:cs typeface="Times New Roman" panose="02020603050405020304" pitchFamily="18" charset="0"/>
               </a:rPr>
-              <a:t>只</a:t>
-            </a:r>
-            <a:r>
-              <a:rPr lang="ja-JP" altLang="en-US" sz="2400" b="0" dirty="0">
+              <a:t>创建组件时，会首先为组件所需的服务请求一个         注入器 </a:t>
+            </a:r>
+            <a:r>
+              <a:rPr lang="en-US" altLang="zh-CN" sz="2200" b="0" dirty="0">
                 <a:latin typeface="SimSun" panose="02010600030101010101" pitchFamily="2" charset="-122"/>
                 <a:ea typeface="SimSun" panose="02010600030101010101" pitchFamily="2" charset="-122"/>
                 <a:cs typeface="Times New Roman" panose="02020603050405020304" pitchFamily="18" charset="0"/>
               </a:rPr>
-              <a:t>需要定义一个</a:t>
-            </a:r>
-            <a:r>
-              <a:rPr lang="en-US" sz="2400" b="0" dirty="0">
+              <a:t>(injector)</a:t>
+            </a:r>
+            <a:r>
+              <a:rPr lang="zh-CN" altLang="en-US" sz="2200" b="0" dirty="0">
                 <a:latin typeface="SimSun" panose="02010600030101010101" pitchFamily="2" charset="-122"/>
                 <a:ea typeface="SimSun" panose="02010600030101010101" pitchFamily="2" charset="-122"/>
                 <a:cs typeface="Times New Roman" panose="02020603050405020304" pitchFamily="18" charset="0"/>
               </a:rPr>
-              <a:t>class，</a:t>
-            </a:r>
-            <a:r>
-              <a:rPr lang="ja-JP" altLang="en-US" sz="2400" b="0" dirty="0">
-                <a:latin typeface="SimSun" panose="02010600030101010101" pitchFamily="2" charset="-122"/>
-                <a:ea typeface="SimSun" panose="02010600030101010101" pitchFamily="2" charset="-122"/>
-                <a:cs typeface="Times New Roman" panose="02020603050405020304" pitchFamily="18" charset="0"/>
-              </a:rPr>
-              <a:t>并把它</a:t>
-            </a:r>
-            <a:r>
-              <a:rPr lang="en-US" sz="2400" b="0" dirty="0">
-                <a:latin typeface="SimSun" panose="02010600030101010101" pitchFamily="2" charset="-122"/>
-                <a:ea typeface="SimSun" panose="02010600030101010101" pitchFamily="2" charset="-122"/>
-                <a:cs typeface="Times New Roman" panose="02020603050405020304" pitchFamily="18" charset="0"/>
-              </a:rPr>
-              <a:t>export</a:t>
-            </a:r>
-            <a:r>
-              <a:rPr lang="ja-JP" altLang="en-US" sz="2400" b="0" dirty="0">
-                <a:latin typeface="SimSun" panose="02010600030101010101" pitchFamily="2" charset="-122"/>
-                <a:ea typeface="SimSun" panose="02010600030101010101" pitchFamily="2" charset="-122"/>
-                <a:cs typeface="Times New Roman" panose="02020603050405020304" pitchFamily="18" charset="0"/>
-              </a:rPr>
-              <a:t>就可</a:t>
-            </a:r>
-            <a:r>
-              <a:rPr lang="ja-JP" altLang="en-US" sz="2400" b="0" dirty="0" smtClean="0">
-                <a:latin typeface="SimSun" panose="02010600030101010101" pitchFamily="2" charset="-122"/>
-                <a:ea typeface="SimSun" panose="02010600030101010101" pitchFamily="2" charset="-122"/>
-                <a:cs typeface="Times New Roman" panose="02020603050405020304" pitchFamily="18" charset="0"/>
-              </a:rPr>
-              <a:t>以</a:t>
-            </a:r>
-            <a:r>
-              <a:rPr lang="zh-CN" altLang="en-US" sz="2400" b="0" dirty="0" smtClean="0">
-                <a:latin typeface="SimSun" panose="02010600030101010101" pitchFamily="2" charset="-122"/>
-                <a:ea typeface="SimSun" panose="02010600030101010101" pitchFamily="2" charset="-122"/>
-                <a:cs typeface="Times New Roman" panose="02020603050405020304" pitchFamily="18" charset="0"/>
-              </a:rPr>
               <a:t>。</a:t>
             </a:r>
-            <a:endParaRPr lang="en-US" altLang="ja-JP" sz="2400" b="0" dirty="0" smtClean="0">
+            <a:endParaRPr lang="en-US" altLang="zh-CN" sz="2200" b="0" dirty="0">
               <a:latin typeface="SimSun" panose="02010600030101010101" pitchFamily="2" charset="-122"/>
               <a:ea typeface="SimSun" panose="02010600030101010101" pitchFamily="2" charset="-122"/>
               <a:cs typeface="Times New Roman" panose="02020603050405020304" pitchFamily="18" charset="0"/>
             </a:endParaRPr>
           </a:p>
           <a:p>
-            <a:pPr marL="342900" indent="-342900">
-              <a:buFont typeface="Arial" panose="020B0604020202020204" pitchFamily="34" charset="0"/>
-              <a:buChar char="•"/>
-            </a:pPr>
-            <a:endParaRPr lang="en-US" altLang="ja-JP" sz="2400" b="0" dirty="0">
+            <a:endParaRPr lang="zh-CN" altLang="en-US" sz="2200" b="0" dirty="0">
               <a:latin typeface="SimSun" panose="02010600030101010101" pitchFamily="2" charset="-122"/>
               <a:ea typeface="SimSun" panose="02010600030101010101" pitchFamily="2" charset="-122"/>
               <a:cs typeface="Times New Roman" panose="02020603050405020304" pitchFamily="18" charset="0"/>
             </a:endParaRPr>
           </a:p>
           <a:p>
-            <a:pPr marL="342900" indent="-342900">
-              <a:buFont typeface="Arial" panose="020B0604020202020204" pitchFamily="34" charset="0"/>
-              <a:buChar char="•"/>
-            </a:pPr>
-            <a:r>
-              <a:rPr lang="zh-CN" altLang="en-US" sz="2400" b="0" dirty="0">
+            <a:r>
+              <a:rPr lang="zh-CN" altLang="en-US" sz="2200" b="0" dirty="0">
                 <a:latin typeface="SimSun" panose="02010600030101010101" pitchFamily="2" charset="-122"/>
                 <a:ea typeface="SimSun" panose="02010600030101010101" pitchFamily="2" charset="-122"/>
                 <a:cs typeface="Times New Roman" panose="02020603050405020304" pitchFamily="18" charset="0"/>
               </a:rPr>
-              <a:t>典型的服务是一个类，具有专注的、明确的用途。</a:t>
-            </a:r>
-            <a:endParaRPr lang="en-US" altLang="ja-JP" sz="2400" b="0" dirty="0" smtClean="0">
-              <a:latin typeface="SimSun" panose="02010600030101010101" pitchFamily="2" charset="-122"/>
-              <a:ea typeface="SimSun" panose="02010600030101010101" pitchFamily="2" charset="-122"/>
-              <a:cs typeface="Times New Roman" panose="02020603050405020304" pitchFamily="18" charset="0"/>
-            </a:endParaRPr>
-          </a:p>
-          <a:p>
-            <a:pPr marL="342900" indent="-342900">
-              <a:buFont typeface="Arial" panose="020B0604020202020204" pitchFamily="34" charset="0"/>
-              <a:buChar char="•"/>
-            </a:pPr>
-            <a:endParaRPr lang="en-US" altLang="zh-CN" sz="2400" b="0" dirty="0" smtClean="0">
-              <a:latin typeface="SimSun" panose="02010600030101010101" pitchFamily="2" charset="-122"/>
-              <a:ea typeface="SimSun" panose="02010600030101010101" pitchFamily="2" charset="-122"/>
-              <a:cs typeface="Times New Roman" panose="02020603050405020304" pitchFamily="18" charset="0"/>
-            </a:endParaRPr>
-          </a:p>
-          <a:p>
-            <a:pPr marL="342900" indent="-342900">
-              <a:buFont typeface="Arial" panose="020B0604020202020204" pitchFamily="34" charset="0"/>
-              <a:buChar char="•"/>
-            </a:pPr>
-            <a:r>
-              <a:rPr lang="zh-CN" altLang="en-US" sz="2400" b="0" dirty="0">
+              <a:t>注入器维护了一个服务实例的容器，存放着以前创建的实例。 如果所请求的服务实例不在容器中，注入器就会创建一个服务实例，并且添加到容器中，然后把这个服务返回给</a:t>
+            </a:r>
+            <a:r>
+              <a:rPr lang="en-US" altLang="zh-CN" sz="2200" b="0" dirty="0">
                 <a:latin typeface="SimSun" panose="02010600030101010101" pitchFamily="2" charset="-122"/>
                 <a:ea typeface="SimSun" panose="02010600030101010101" pitchFamily="2" charset="-122"/>
                 <a:cs typeface="Times New Roman" panose="02020603050405020304" pitchFamily="18" charset="0"/>
               </a:rPr>
-              <a:t>通过依赖注入，将服务注入进组件</a:t>
-            </a:r>
-            <a:r>
-              <a:rPr lang="zh-CN" altLang="en-US" sz="2400" b="0" dirty="0" smtClean="0">
+              <a:t>Angular</a:t>
+            </a:r>
+            <a:r>
+              <a:rPr lang="zh-CN" altLang="en-US" sz="2200" b="0" dirty="0">
                 <a:latin typeface="SimSun" panose="02010600030101010101" pitchFamily="2" charset="-122"/>
                 <a:ea typeface="SimSun" panose="02010600030101010101" pitchFamily="2" charset="-122"/>
                 <a:cs typeface="Times New Roman" panose="02020603050405020304" pitchFamily="18" charset="0"/>
               </a:rPr>
-              <a:t>中。</a:t>
-            </a:r>
-            <a:endParaRPr lang="en-US" sz="2400" b="0" dirty="0">
-              <a:latin typeface="SimSun" panose="02010600030101010101" pitchFamily="2" charset="-122"/>
-              <a:ea typeface="SimSun" panose="02010600030101010101" pitchFamily="2" charset="-122"/>
-              <a:cs typeface="Times New Roman" panose="02020603050405020304" pitchFamily="18" charset="0"/>
-            </a:endParaRPr>
-          </a:p>
-        </p:txBody>
-      </p:sp>
-      <p:sp>
-        <p:nvSpPr>
-          <p:cNvPr id="6" name="TextBox 5"/>
-          <p:cNvSpPr txBox="1"/>
-          <p:nvPr/>
-        </p:nvSpPr>
-        <p:spPr>
-          <a:xfrm>
-            <a:off x="267494" y="6570473"/>
-            <a:ext cx="3180355" cy="230832"/>
-          </a:xfrm>
-          <a:prstGeom prst="rect">
-            <a:avLst/>
-          </a:prstGeom>
-          <a:noFill/>
-        </p:spPr>
-        <p:txBody>
-          <a:bodyPr wrap="square" lIns="0">
-            <a:spAutoFit/>
-          </a:bodyPr>
-          <a:lstStyle/>
-          <a:p>
-            <a:pPr algn="ctr">
-              <a:defRPr/>
-            </a:pPr>
-            <a:r>
-              <a:rPr lang="en-US" sz="900" dirty="0">
-                <a:solidFill>
-                  <a:srgbClr val="7F7F7F"/>
-                </a:solidFill>
-                <a:latin typeface="Arial" pitchFamily="34" charset="0"/>
-                <a:cs typeface="Arial" pitchFamily="34" charset="0"/>
-              </a:rPr>
-              <a:t>Copyright © </a:t>
-            </a:r>
-            <a:r>
-              <a:rPr lang="en-US" sz="900" dirty="0" smtClean="0">
-                <a:solidFill>
-                  <a:srgbClr val="7F7F7F"/>
-                </a:solidFill>
-                <a:latin typeface="Arial" pitchFamily="34" charset="0"/>
-                <a:cs typeface="Arial" pitchFamily="34" charset="0"/>
-              </a:rPr>
-              <a:t>2017 </a:t>
-            </a:r>
-            <a:r>
-              <a:rPr lang="en-US" sz="900" dirty="0">
-                <a:solidFill>
-                  <a:srgbClr val="7F7F7F"/>
-                </a:solidFill>
-                <a:latin typeface="Arial" pitchFamily="34" charset="0"/>
-                <a:cs typeface="Arial" pitchFamily="34" charset="0"/>
-              </a:rPr>
-              <a:t>Accenture  All rights reserved.</a:t>
-            </a:r>
-          </a:p>
-        </p:txBody>
-      </p:sp>
-    </p:spTree>
-    <p:extLst>
-      <p:ext uri="{BB962C8B-B14F-4D97-AF65-F5344CB8AC3E}">
-        <p14:creationId xmlns:p14="http://schemas.microsoft.com/office/powerpoint/2010/main" val="2532777584"/>
-      </p:ext>
-    </p:extLst>
-  </p:cSld>
-  <p:clrMapOvr>
-    <a:masterClrMapping/>
-  </p:clrMapOvr>
-  <p:timing>
-    <p:tnLst>
-      <p:par>
-        <p:cTn id="1" dur="indefinite" restart="never" nodeType="tmRoot"/>
-      </p:par>
-    </p:tnLst>
-  </p:timing>
-</p:sld>
-</file>
-
-<file path=ppt/slides/slide12.xml><?xml version="1.0" encoding="utf-8"?>
-<p:sld xmlns:a="http://schemas.openxmlformats.org/drawingml/2006/main" xmlns:r="http://schemas.openxmlformats.org/officeDocument/2006/relationships" xmlns:p="http://schemas.openxmlformats.org/presentationml/2006/main">
-  <p:cSld>
-    <p:spTree>
-      <p:nvGrpSpPr>
-        <p:cNvPr id="1" name=""/>
-        <p:cNvGrpSpPr/>
-        <p:nvPr/>
-      </p:nvGrpSpPr>
-      <p:grpSpPr>
-        <a:xfrm>
-          <a:off x="0" y="0"/>
-          <a:ext cx="0" cy="0"/>
-          <a:chOff x="0" y="0"/>
-          <a:chExt cx="0" cy="0"/>
-        </a:xfrm>
-      </p:grpSpPr>
-      <p:sp>
-        <p:nvSpPr>
-          <p:cNvPr id="3" name="Title 2"/>
-          <p:cNvSpPr>
-            <a:spLocks noGrp="1"/>
-          </p:cNvSpPr>
-          <p:nvPr>
-            <p:ph type="title"/>
-          </p:nvPr>
-        </p:nvSpPr>
-        <p:spPr/>
-        <p:txBody>
-          <a:bodyPr>
-            <a:normAutofit/>
-          </a:bodyPr>
-          <a:lstStyle/>
-          <a:p>
-            <a:r>
-              <a:rPr lang="zh-CN" altLang="en-US" sz="2800" dirty="0">
-                <a:latin typeface="SimSun" panose="02010600030101010101" pitchFamily="2" charset="-122"/>
-                <a:ea typeface="SimSun" panose="02010600030101010101" pitchFamily="2" charset="-122"/>
-              </a:rPr>
-              <a:t>依</a:t>
-            </a:r>
-            <a:r>
-              <a:rPr lang="zh-CN" altLang="en-US" sz="2800" dirty="0" smtClean="0">
-                <a:latin typeface="SimSun" panose="02010600030101010101" pitchFamily="2" charset="-122"/>
-                <a:ea typeface="SimSun" panose="02010600030101010101" pitchFamily="2" charset="-122"/>
-              </a:rPr>
-              <a:t>赖注入</a:t>
-            </a:r>
-            <a:endParaRPr lang="en-US" sz="2800" dirty="0">
-              <a:latin typeface="SimSun" panose="02010600030101010101" pitchFamily="2" charset="-122"/>
-              <a:ea typeface="SimSun" panose="02010600030101010101" pitchFamily="2" charset="-122"/>
-            </a:endParaRPr>
-          </a:p>
-        </p:txBody>
-      </p:sp>
-      <p:sp>
-        <p:nvSpPr>
-          <p:cNvPr id="4" name="Slide Number Placeholder 3"/>
-          <p:cNvSpPr>
-            <a:spLocks noGrp="1"/>
-          </p:cNvSpPr>
-          <p:nvPr>
-            <p:ph type="sldNum" sz="quarter" idx="4"/>
-          </p:nvPr>
-        </p:nvSpPr>
-        <p:spPr/>
-        <p:txBody>
-          <a:bodyPr/>
-          <a:lstStyle/>
-          <a:p>
-            <a:pPr fontAlgn="auto">
-              <a:spcBef>
-                <a:spcPts val="0"/>
-              </a:spcBef>
-              <a:spcAft>
-                <a:spcPts val="0"/>
-              </a:spcAft>
-              <a:defRPr/>
-            </a:pPr>
-            <a:fld id="{90CBDC3A-D49F-4631-A8C7-55D59B33E5FA}" type="slidenum">
-              <a:rPr lang="en-US" b="0" smtClean="0">
-                <a:solidFill>
-                  <a:srgbClr val="666666"/>
-                </a:solidFill>
-              </a:rPr>
-              <a:pPr fontAlgn="auto">
-                <a:spcBef>
-                  <a:spcPts val="0"/>
-                </a:spcBef>
-                <a:spcAft>
-                  <a:spcPts val="0"/>
-                </a:spcAft>
-                <a:defRPr/>
-              </a:pPr>
-              <a:t>11</a:t>
-            </a:fld>
-            <a:endParaRPr lang="en-US" b="0" dirty="0">
-              <a:solidFill>
-                <a:srgbClr val="666666"/>
-              </a:solidFill>
-            </a:endParaRPr>
-          </a:p>
-        </p:txBody>
-      </p:sp>
-      <p:sp>
-        <p:nvSpPr>
-          <p:cNvPr id="6" name="TextBox 5"/>
-          <p:cNvSpPr txBox="1"/>
-          <p:nvPr/>
-        </p:nvSpPr>
-        <p:spPr>
-          <a:xfrm>
-            <a:off x="452568" y="3429000"/>
-            <a:ext cx="8310432" cy="2308324"/>
-          </a:xfrm>
-          <a:prstGeom prst="rect">
-            <a:avLst/>
-          </a:prstGeom>
-          <a:noFill/>
-        </p:spPr>
-        <p:txBody>
-          <a:bodyPr wrap="square" rtlCol="0">
-            <a:spAutoFit/>
-          </a:bodyPr>
-          <a:lstStyle/>
-          <a:p>
-            <a:r>
-              <a:rPr lang="zh-CN" altLang="en-US" sz="2400" b="0" dirty="0">
-                <a:latin typeface="SimSun" panose="02010600030101010101" pitchFamily="2" charset="-122"/>
-                <a:ea typeface="SimSun" panose="02010600030101010101" pitchFamily="2" charset="-122"/>
-                <a:cs typeface="Times New Roman" panose="02020603050405020304" pitchFamily="18" charset="0"/>
-              </a:rPr>
-              <a:t>当 </a:t>
-            </a:r>
-            <a:r>
-              <a:rPr lang="en-US" altLang="zh-CN" sz="2400" b="0" dirty="0">
-                <a:latin typeface="SimSun" panose="02010600030101010101" pitchFamily="2" charset="-122"/>
-                <a:ea typeface="SimSun" panose="02010600030101010101" pitchFamily="2" charset="-122"/>
-                <a:cs typeface="Times New Roman" panose="02020603050405020304" pitchFamily="18" charset="0"/>
-              </a:rPr>
-              <a:t>Angular </a:t>
-            </a:r>
-            <a:r>
-              <a:rPr lang="zh-CN" altLang="en-US" sz="2400" b="0" dirty="0">
-                <a:latin typeface="SimSun" panose="02010600030101010101" pitchFamily="2" charset="-122"/>
-                <a:ea typeface="SimSun" panose="02010600030101010101" pitchFamily="2" charset="-122"/>
-                <a:cs typeface="Times New Roman" panose="02020603050405020304" pitchFamily="18" charset="0"/>
-              </a:rPr>
-              <a:t>创建组件时，会首先为组件所需的服务请求一</a:t>
-            </a:r>
-            <a:r>
-              <a:rPr lang="zh-CN" altLang="en-US" sz="2400" b="0" dirty="0" smtClean="0">
-                <a:latin typeface="SimSun" panose="02010600030101010101" pitchFamily="2" charset="-122"/>
-                <a:ea typeface="SimSun" panose="02010600030101010101" pitchFamily="2" charset="-122"/>
-                <a:cs typeface="Times New Roman" panose="02020603050405020304" pitchFamily="18" charset="0"/>
-              </a:rPr>
-              <a:t>个         注</a:t>
-            </a:r>
-            <a:r>
-              <a:rPr lang="zh-CN" altLang="en-US" sz="2400" b="0" dirty="0">
-                <a:latin typeface="SimSun" panose="02010600030101010101" pitchFamily="2" charset="-122"/>
-                <a:ea typeface="SimSun" panose="02010600030101010101" pitchFamily="2" charset="-122"/>
-                <a:cs typeface="Times New Roman" panose="02020603050405020304" pitchFamily="18" charset="0"/>
-              </a:rPr>
-              <a:t>入器 </a:t>
-            </a:r>
-            <a:r>
-              <a:rPr lang="en-US" altLang="zh-CN" sz="2400" b="0" dirty="0">
-                <a:latin typeface="SimSun" panose="02010600030101010101" pitchFamily="2" charset="-122"/>
-                <a:ea typeface="SimSun" panose="02010600030101010101" pitchFamily="2" charset="-122"/>
-                <a:cs typeface="Times New Roman" panose="02020603050405020304" pitchFamily="18" charset="0"/>
-              </a:rPr>
-              <a:t>(injector)</a:t>
-            </a:r>
-            <a:r>
-              <a:rPr lang="zh-CN" altLang="en-US" sz="2400" b="0" dirty="0" smtClean="0">
-                <a:latin typeface="SimSun" panose="02010600030101010101" pitchFamily="2" charset="-122"/>
-                <a:ea typeface="SimSun" panose="02010600030101010101" pitchFamily="2" charset="-122"/>
-                <a:cs typeface="Times New Roman" panose="02020603050405020304" pitchFamily="18" charset="0"/>
-              </a:rPr>
               <a:t>。</a:t>
             </a:r>
-            <a:endParaRPr lang="en-US" altLang="zh-CN" sz="2400" b="0" dirty="0" smtClean="0">
-              <a:latin typeface="SimSun" panose="02010600030101010101" pitchFamily="2" charset="-122"/>
-              <a:ea typeface="SimSun" panose="02010600030101010101" pitchFamily="2" charset="-122"/>
-              <a:cs typeface="Times New Roman" panose="02020603050405020304" pitchFamily="18" charset="0"/>
-            </a:endParaRPr>
-          </a:p>
-          <a:p>
-            <a:endParaRPr lang="zh-CN" altLang="en-US" sz="2400" b="0" dirty="0">
-              <a:latin typeface="SimSun" panose="02010600030101010101" pitchFamily="2" charset="-122"/>
-              <a:ea typeface="SimSun" panose="02010600030101010101" pitchFamily="2" charset="-122"/>
-              <a:cs typeface="Times New Roman" panose="02020603050405020304" pitchFamily="18" charset="0"/>
-            </a:endParaRPr>
-          </a:p>
-          <a:p>
-            <a:r>
-              <a:rPr lang="zh-CN" altLang="en-US" sz="2400" b="0" dirty="0">
-                <a:latin typeface="SimSun" panose="02010600030101010101" pitchFamily="2" charset="-122"/>
-                <a:ea typeface="SimSun" panose="02010600030101010101" pitchFamily="2" charset="-122"/>
-                <a:cs typeface="Times New Roman" panose="02020603050405020304" pitchFamily="18" charset="0"/>
-              </a:rPr>
-              <a:t>注入器维护了一个服务实例的容器，存放着以前创建的实例。 如果所请求的服务实例不在容器中，注入器就会创建一个服务实例，并且添加到容器中，然后把这个服务返回</a:t>
-            </a:r>
-            <a:r>
-              <a:rPr lang="zh-CN" altLang="en-US" sz="2400" b="0" dirty="0" smtClean="0">
-                <a:latin typeface="SimSun" panose="02010600030101010101" pitchFamily="2" charset="-122"/>
-                <a:ea typeface="SimSun" panose="02010600030101010101" pitchFamily="2" charset="-122"/>
-                <a:cs typeface="Times New Roman" panose="02020603050405020304" pitchFamily="18" charset="0"/>
-              </a:rPr>
-              <a:t>给</a:t>
-            </a:r>
-            <a:r>
-              <a:rPr lang="en-US" altLang="zh-CN" sz="2400" b="0" dirty="0" smtClean="0">
-                <a:latin typeface="SimSun" panose="02010600030101010101" pitchFamily="2" charset="-122"/>
-                <a:ea typeface="SimSun" panose="02010600030101010101" pitchFamily="2" charset="-122"/>
-                <a:cs typeface="Times New Roman" panose="02020603050405020304" pitchFamily="18" charset="0"/>
-              </a:rPr>
-              <a:t>Angular</a:t>
-            </a:r>
-            <a:r>
-              <a:rPr lang="zh-CN" altLang="en-US" sz="2400" b="0" dirty="0" smtClean="0">
-                <a:latin typeface="SimSun" panose="02010600030101010101" pitchFamily="2" charset="-122"/>
-                <a:ea typeface="SimSun" panose="02010600030101010101" pitchFamily="2" charset="-122"/>
-                <a:cs typeface="Times New Roman" panose="02020603050405020304" pitchFamily="18" charset="0"/>
-              </a:rPr>
-              <a:t>。</a:t>
-            </a:r>
-            <a:endParaRPr lang="en-US" altLang="zh-CN" sz="2400" b="0" dirty="0" smtClean="0">
+            <a:endParaRPr lang="en-US" altLang="zh-CN" sz="2200" b="0" dirty="0">
               <a:latin typeface="SimSun" panose="02010600030101010101" pitchFamily="2" charset="-122"/>
               <a:ea typeface="SimSun" panose="02010600030101010101" pitchFamily="2" charset="-122"/>
               <a:cs typeface="Times New Roman" panose="02020603050405020304" pitchFamily="18" charset="0"/>
@@ -10461,7 +9861,7 @@
         </p:blipFill>
         <p:spPr>
           <a:xfrm>
-            <a:off x="452568" y="1191947"/>
+            <a:off x="452568" y="1242281"/>
             <a:ext cx="4562475" cy="2076450"/>
           </a:xfrm>
         </p:spPr>
@@ -10499,27 +9899,7 @@
                 <a:latin typeface="Arial" pitchFamily="34" charset="0"/>
                 <a:cs typeface="Arial" pitchFamily="34" charset="0"/>
               </a:rPr>
-              <a:t>Copyright © </a:t>
-            </a:r>
-            <a:r>
-              <a:rPr lang="en-US" sz="900" dirty="0" smtClean="0">
-                <a:solidFill>
-                  <a:srgbClr val="7F7F7F"/>
-                </a:solidFill>
-                <a:latin typeface="Arial" pitchFamily="34" charset="0"/>
-                <a:cs typeface="Arial" pitchFamily="34" charset="0"/>
-              </a:rPr>
-              <a:t>2017 </a:t>
-            </a:r>
-            <a:r>
-              <a:rPr lang="en-US" sz="900" dirty="0">
-                <a:solidFill>
-                  <a:srgbClr val="7F7F7F"/>
-                </a:solidFill>
-                <a:latin typeface="Arial" pitchFamily="34" charset="0"/>
-                <a:cs typeface="Arial" pitchFamily="34" charset="0"/>
-              </a:rPr>
-              <a:t>Accenture  All rights reserved.</a:t>
+              <a:t>Copyright © 2017 Accenture  All rights reserved.</a:t>
             </a:r>
           </a:p>
         </p:txBody>
@@ -10534,17 +9914,10 @@
   <p:clrMapOvr>
     <a:masterClrMapping/>
   </p:clrMapOvr>
-  <p:timing>
-    <p:tnLst>
-      <p:par>
-        <p:cTn id="1" dur="indefinite" restart="never" nodeType="tmRoot"/>
-      </p:par>
-    </p:tnLst>
-  </p:timing>
 </p:sld>
 </file>
 
-<file path=ppt/slides/slide13.xml><?xml version="1.0" encoding="utf-8"?>
+<file path=ppt/slides/slide12.xml><?xml version="1.0" encoding="utf-8"?>
 <p:sld xmlns:a="http://schemas.openxmlformats.org/drawingml/2006/main" xmlns:r="http://schemas.openxmlformats.org/officeDocument/2006/relationships" xmlns:p="http://schemas.openxmlformats.org/presentationml/2006/main">
   <p:cSld>
     <p:spTree>
@@ -10584,7 +9957,7 @@
           <a:lstStyle/>
           <a:p>
             <a:r>
-              <a:rPr lang="en-US" sz="2400" dirty="0">
+              <a:rPr lang="en-US" sz="2200" dirty="0">
                 <a:latin typeface="SimSun" panose="02010600030101010101" pitchFamily="2" charset="-122"/>
                 <a:ea typeface="SimSun" panose="02010600030101010101" pitchFamily="2" charset="-122"/>
                 <a:cs typeface="Times New Roman" panose="02020603050405020304" pitchFamily="18" charset="0"/>
@@ -10592,70 +9965,46 @@
               <a:t>Angular </a:t>
             </a:r>
             <a:r>
-              <a:rPr lang="ja-JP" altLang="en-US" sz="2400" dirty="0">
+              <a:rPr lang="ja-JP" altLang="en-US" sz="2200" dirty="0">
                 <a:latin typeface="SimSun" panose="02010600030101010101" pitchFamily="2" charset="-122"/>
                 <a:ea typeface="SimSun" panose="02010600030101010101" pitchFamily="2" charset="-122"/>
                 <a:cs typeface="Times New Roman" panose="02020603050405020304" pitchFamily="18" charset="0"/>
               </a:rPr>
-              <a:t>应用是模块化的，并</a:t>
-            </a:r>
-            <a:r>
-              <a:rPr lang="ja-JP" altLang="en-US" sz="2400" dirty="0" smtClean="0">
+              <a:t>应用是模块化的，并且</a:t>
+            </a:r>
+            <a:r>
+              <a:rPr lang="en-US" sz="2200" dirty="0">
                 <a:latin typeface="SimSun" panose="02010600030101010101" pitchFamily="2" charset="-122"/>
                 <a:ea typeface="SimSun" panose="02010600030101010101" pitchFamily="2" charset="-122"/>
                 <a:cs typeface="Times New Roman" panose="02020603050405020304" pitchFamily="18" charset="0"/>
               </a:rPr>
-              <a:t>且</a:t>
-            </a:r>
-            <a:r>
-              <a:rPr lang="en-US" sz="2400" dirty="0" smtClean="0">
+              <a:t>Angular</a:t>
+            </a:r>
+            <a:r>
+              <a:rPr lang="ja-JP" altLang="en-US" sz="2200" dirty="0">
                 <a:latin typeface="SimSun" panose="02010600030101010101" pitchFamily="2" charset="-122"/>
                 <a:ea typeface="SimSun" panose="02010600030101010101" pitchFamily="2" charset="-122"/>
                 <a:cs typeface="Times New Roman" panose="02020603050405020304" pitchFamily="18" charset="0"/>
               </a:rPr>
-              <a:t>Angular</a:t>
-            </a:r>
-            <a:r>
-              <a:rPr lang="ja-JP" altLang="en-US" sz="2400" dirty="0" smtClean="0">
+              <a:t>有自己的模块系统，它被称为</a:t>
+            </a:r>
+            <a:r>
+              <a:rPr lang="en-US" sz="2200" dirty="0" err="1">
                 <a:latin typeface="SimSun" panose="02010600030101010101" pitchFamily="2" charset="-122"/>
                 <a:ea typeface="SimSun" panose="02010600030101010101" pitchFamily="2" charset="-122"/>
                 <a:cs typeface="Times New Roman" panose="02020603050405020304" pitchFamily="18" charset="0"/>
               </a:rPr>
-              <a:t>有</a:t>
-            </a:r>
-            <a:r>
-              <a:rPr lang="ja-JP" altLang="en-US" sz="2400" dirty="0">
+              <a:t>NgModules</a:t>
+            </a:r>
+            <a:r>
+              <a:rPr lang="zh-CN" altLang="en-US" sz="2200" dirty="0">
                 <a:latin typeface="SimSun" panose="02010600030101010101" pitchFamily="2" charset="-122"/>
                 <a:ea typeface="SimSun" panose="02010600030101010101" pitchFamily="2" charset="-122"/>
                 <a:cs typeface="Times New Roman" panose="02020603050405020304" pitchFamily="18" charset="0"/>
               </a:rPr>
-              <a:t>自己的模块系统，它被称</a:t>
-            </a:r>
-            <a:r>
-              <a:rPr lang="ja-JP" altLang="en-US" sz="2400" dirty="0" smtClean="0">
-                <a:latin typeface="SimSun" panose="02010600030101010101" pitchFamily="2" charset="-122"/>
-                <a:ea typeface="SimSun" panose="02010600030101010101" pitchFamily="2" charset="-122"/>
-                <a:cs typeface="Times New Roman" panose="02020603050405020304" pitchFamily="18" charset="0"/>
-              </a:rPr>
-              <a:t>为</a:t>
-            </a:r>
-            <a:r>
-              <a:rPr lang="en-US" sz="2400" dirty="0" err="1" smtClean="0">
-                <a:latin typeface="SimSun" panose="02010600030101010101" pitchFamily="2" charset="-122"/>
-                <a:ea typeface="SimSun" panose="02010600030101010101" pitchFamily="2" charset="-122"/>
-                <a:cs typeface="Times New Roman" panose="02020603050405020304" pitchFamily="18" charset="0"/>
-              </a:rPr>
-              <a:t>NgModules</a:t>
-            </a:r>
-            <a:r>
-              <a:rPr lang="zh-CN" altLang="en-US" sz="2400" dirty="0" smtClean="0">
-                <a:latin typeface="SimSun" panose="02010600030101010101" pitchFamily="2" charset="-122"/>
-                <a:ea typeface="SimSun" panose="02010600030101010101" pitchFamily="2" charset="-122"/>
-                <a:cs typeface="Times New Roman" panose="02020603050405020304" pitchFamily="18" charset="0"/>
-              </a:rPr>
               <a:t>。</a:t>
             </a:r>
-            <a:endParaRPr lang="en-US" altLang="zh-CN" sz="2400" dirty="0" smtClean="0">
+            <a:endParaRPr lang="en-US" altLang="zh-CN" sz="2200" dirty="0">
               <a:latin typeface="SimSun" panose="02010600030101010101" pitchFamily="2" charset="-122"/>
               <a:ea typeface="SimSun" panose="02010600030101010101" pitchFamily="2" charset="-122"/>
               <a:cs typeface="Times New Roman" panose="02020603050405020304" pitchFamily="18" charset="0"/>
@@ -10663,7 +10012,7 @@
           </a:p>
           <a:p>
             <a:r>
-              <a:rPr lang="zh-CN" altLang="en-US" sz="2400" dirty="0" smtClean="0">
+              <a:rPr lang="zh-CN" altLang="en-US" sz="2200" dirty="0">
                 <a:latin typeface="SimSun" panose="02010600030101010101" pitchFamily="2" charset="-122"/>
                 <a:ea typeface="SimSun" panose="02010600030101010101" pitchFamily="2" charset="-122"/>
                 <a:cs typeface="Times New Roman" panose="02020603050405020304" pitchFamily="18" charset="0"/>
@@ -10671,54 +10020,38 @@
               <a:t>每个</a:t>
             </a:r>
             <a:r>
-              <a:rPr lang="en-US" altLang="zh-CN" sz="2400" dirty="0">
+              <a:rPr lang="en-US" altLang="zh-CN" sz="2200" dirty="0">
                 <a:latin typeface="SimSun" panose="02010600030101010101" pitchFamily="2" charset="-122"/>
                 <a:ea typeface="SimSun" panose="02010600030101010101" pitchFamily="2" charset="-122"/>
                 <a:cs typeface="Times New Roman" panose="02020603050405020304" pitchFamily="18" charset="0"/>
               </a:rPr>
-              <a:t>A</a:t>
-            </a:r>
-            <a:r>
-              <a:rPr lang="en-US" altLang="zh-CN" sz="2400" dirty="0" smtClean="0">
+              <a:t>Angular</a:t>
+            </a:r>
+            <a:r>
+              <a:rPr lang="zh-CN" altLang="en-US" sz="2200" dirty="0">
                 <a:latin typeface="SimSun" panose="02010600030101010101" pitchFamily="2" charset="-122"/>
                 <a:ea typeface="SimSun" panose="02010600030101010101" pitchFamily="2" charset="-122"/>
                 <a:cs typeface="Times New Roman" panose="02020603050405020304" pitchFamily="18" charset="0"/>
               </a:rPr>
-              <a:t>ngular</a:t>
-            </a:r>
-            <a:r>
-              <a:rPr lang="zh-CN" altLang="en-US" sz="2400" dirty="0">
+              <a:t>应用都有一个根模块，一般是</a:t>
+            </a:r>
+            <a:r>
+              <a:rPr lang="en-US" altLang="zh-CN" sz="2200" dirty="0" err="1">
                 <a:latin typeface="SimSun" panose="02010600030101010101" pitchFamily="2" charset="-122"/>
                 <a:ea typeface="SimSun" panose="02010600030101010101" pitchFamily="2" charset="-122"/>
                 <a:cs typeface="Times New Roman" panose="02020603050405020304" pitchFamily="18" charset="0"/>
               </a:rPr>
-              <a:t>应用都有一个根模块，一般是</a:t>
-            </a:r>
-            <a:r>
-              <a:rPr lang="en-US" altLang="zh-CN" sz="2400" dirty="0" err="1">
+              <a:t>AppModule</a:t>
+            </a:r>
+            <a:r>
+              <a:rPr lang="zh-CN" altLang="en-US" sz="2200" dirty="0">
                 <a:latin typeface="SimSun" panose="02010600030101010101" pitchFamily="2" charset="-122"/>
                 <a:ea typeface="SimSun" panose="02010600030101010101" pitchFamily="2" charset="-122"/>
                 <a:cs typeface="Times New Roman" panose="02020603050405020304" pitchFamily="18" charset="0"/>
               </a:rPr>
-              <a:t>AppModule</a:t>
-            </a:r>
-            <a:r>
-              <a:rPr lang="zh-CN" altLang="en-US" sz="2400" dirty="0">
-                <a:latin typeface="SimSun" panose="02010600030101010101" pitchFamily="2" charset="-122"/>
-                <a:ea typeface="SimSun" panose="02010600030101010101" pitchFamily="2" charset="-122"/>
-                <a:cs typeface="Times New Roman" panose="02020603050405020304" pitchFamily="18" charset="0"/>
-              </a:rPr>
-              <a:t>，作为引用的入</a:t>
-            </a:r>
-            <a:r>
-              <a:rPr lang="zh-CN" altLang="en-US" sz="2400" dirty="0" smtClean="0">
-                <a:latin typeface="SimSun" panose="02010600030101010101" pitchFamily="2" charset="-122"/>
-                <a:ea typeface="SimSun" panose="02010600030101010101" pitchFamily="2" charset="-122"/>
-                <a:cs typeface="Times New Roman" panose="02020603050405020304" pitchFamily="18" charset="0"/>
-              </a:rPr>
-              <a:t>口。</a:t>
-            </a:r>
-            <a:endParaRPr lang="en-US" altLang="zh-CN" sz="2400" dirty="0" smtClean="0">
+              <a:t>，作为引用的入口。</a:t>
+            </a:r>
+            <a:endParaRPr lang="en-US" altLang="zh-CN" sz="2200" dirty="0">
               <a:latin typeface="SimSun" panose="02010600030101010101" pitchFamily="2" charset="-122"/>
               <a:ea typeface="SimSun" panose="02010600030101010101" pitchFamily="2" charset="-122"/>
               <a:cs typeface="Times New Roman" panose="02020603050405020304" pitchFamily="18" charset="0"/>
@@ -10726,85 +10059,64 @@
           </a:p>
           <a:p>
             <a:r>
-              <a:rPr lang="zh-CN" altLang="en-US" sz="2400" dirty="0">
+              <a:rPr lang="zh-CN" altLang="en-US" sz="2200" dirty="0">
                 <a:latin typeface="SimSun" panose="02010600030101010101" pitchFamily="2" charset="-122"/>
                 <a:ea typeface="SimSun" panose="02010600030101010101" pitchFamily="2" charset="-122"/>
                 <a:cs typeface="Times New Roman" panose="02020603050405020304" pitchFamily="18" charset="0"/>
               </a:rPr>
-              <a:t>根模块在一些小型应用中可能是唯一的模块，大多数应用会有很多特性模块，每个模块都是一个内聚的代码块专注于某个应用领域、工作流或紧密相关的功</a:t>
-            </a:r>
-            <a:r>
-              <a:rPr lang="zh-CN" altLang="en-US" sz="2400" dirty="0" smtClean="0">
+              <a:t>根模块在一些小型应用中可能是唯一的模块，大多数应用会有很多特性模块，每个模块都是一个内聚的代码块专注于某个应用领域、工作流或紧密相关的功能。</a:t>
+            </a:r>
+          </a:p>
+          <a:p>
+            <a:r>
+              <a:rPr lang="en-US" sz="2200" dirty="0">
                 <a:latin typeface="SimSun" panose="02010600030101010101" pitchFamily="2" charset="-122"/>
                 <a:ea typeface="SimSun" panose="02010600030101010101" pitchFamily="2" charset="-122"/>
                 <a:cs typeface="Times New Roman" panose="02020603050405020304" pitchFamily="18" charset="0"/>
               </a:rPr>
-              <a:t>能。</a:t>
-            </a:r>
-            <a:endParaRPr lang="zh-CN" altLang="en-US" sz="2400" dirty="0">
-              <a:latin typeface="SimSun" panose="02010600030101010101" pitchFamily="2" charset="-122"/>
-              <a:ea typeface="SimSun" panose="02010600030101010101" pitchFamily="2" charset="-122"/>
-              <a:cs typeface="Times New Roman" panose="02020603050405020304" pitchFamily="18" charset="0"/>
-            </a:endParaRPr>
-          </a:p>
-          <a:p>
-            <a:r>
-              <a:rPr lang="en-US" sz="2400" dirty="0">
+              <a:t>Angular </a:t>
+            </a:r>
+            <a:r>
+              <a:rPr lang="ja-JP" altLang="en-US" sz="2200" dirty="0">
                 <a:latin typeface="SimSun" panose="02010600030101010101" pitchFamily="2" charset="-122"/>
                 <a:ea typeface="SimSun" panose="02010600030101010101" pitchFamily="2" charset="-122"/>
                 <a:cs typeface="Times New Roman" panose="02020603050405020304" pitchFamily="18" charset="0"/>
               </a:rPr>
-              <a:t>Angular </a:t>
-            </a:r>
-            <a:r>
-              <a:rPr lang="ja-JP" altLang="en-US" sz="2400" dirty="0">
+              <a:t>模块（无论是根模块还是特性模块）都是一个带有</a:t>
+            </a:r>
+            <a:r>
+              <a:rPr lang="en-US" altLang="ja-JP" sz="2200" dirty="0">
                 <a:latin typeface="SimSun" panose="02010600030101010101" pitchFamily="2" charset="-122"/>
                 <a:ea typeface="SimSun" panose="02010600030101010101" pitchFamily="2" charset="-122"/>
                 <a:cs typeface="Times New Roman" panose="02020603050405020304" pitchFamily="18" charset="0"/>
               </a:rPr>
-              <a:t>模块（无论是根模块还是特性模块）都是一个带有</a:t>
-            </a:r>
-            <a:r>
-              <a:rPr lang="en-US" altLang="ja-JP" sz="2400" dirty="0">
+              <a:t>@</a:t>
+            </a:r>
+            <a:r>
+              <a:rPr lang="en-US" sz="2200" dirty="0" err="1">
                 <a:latin typeface="SimSun" panose="02010600030101010101" pitchFamily="2" charset="-122"/>
                 <a:ea typeface="SimSun" panose="02010600030101010101" pitchFamily="2" charset="-122"/>
                 <a:cs typeface="Times New Roman" panose="02020603050405020304" pitchFamily="18" charset="0"/>
               </a:rPr>
-              <a:t>@</a:t>
-            </a:r>
-            <a:r>
-              <a:rPr lang="en-US" sz="2400" dirty="0" err="1">
+              <a:t>NgModule</a:t>
+            </a:r>
+            <a:r>
+              <a:rPr lang="ja-JP" altLang="en-US" sz="2200" dirty="0">
                 <a:latin typeface="SimSun" panose="02010600030101010101" pitchFamily="2" charset="-122"/>
                 <a:ea typeface="SimSun" panose="02010600030101010101" pitchFamily="2" charset="-122"/>
                 <a:cs typeface="Times New Roman" panose="02020603050405020304" pitchFamily="18" charset="0"/>
               </a:rPr>
-              <a:t>NgModule</a:t>
-            </a:r>
-            <a:r>
-              <a:rPr lang="ja-JP" altLang="en-US" sz="2400" dirty="0">
+              <a:t>装饰器的类</a:t>
+            </a:r>
+            <a:r>
+              <a:rPr lang="zh-CN" altLang="en-US" sz="2200" dirty="0">
                 <a:latin typeface="SimSun" panose="02010600030101010101" pitchFamily="2" charset="-122"/>
                 <a:ea typeface="SimSun" panose="02010600030101010101" pitchFamily="2" charset="-122"/>
                 <a:cs typeface="Times New Roman" panose="02020603050405020304" pitchFamily="18" charset="0"/>
               </a:rPr>
-              <a:t>装饰器的</a:t>
-            </a:r>
-            <a:r>
-              <a:rPr lang="ja-JP" altLang="en-US" sz="2400" dirty="0" smtClean="0">
-                <a:latin typeface="SimSun" panose="02010600030101010101" pitchFamily="2" charset="-122"/>
-                <a:ea typeface="SimSun" panose="02010600030101010101" pitchFamily="2" charset="-122"/>
-                <a:cs typeface="Times New Roman" panose="02020603050405020304" pitchFamily="18" charset="0"/>
-              </a:rPr>
-              <a:t>类</a:t>
-            </a:r>
-            <a:r>
-              <a:rPr lang="zh-CN" altLang="en-US" sz="2400" dirty="0">
-                <a:latin typeface="SimSun" panose="02010600030101010101" pitchFamily="2" charset="-122"/>
-                <a:ea typeface="SimSun" panose="02010600030101010101" pitchFamily="2" charset="-122"/>
-                <a:cs typeface="Times New Roman" panose="02020603050405020304" pitchFamily="18" charset="0"/>
-              </a:rPr>
               <a:t>。</a:t>
             </a:r>
-            <a:endParaRPr lang="en-US" sz="2400" dirty="0" smtClean="0">
+            <a:endParaRPr lang="en-US" sz="2200" dirty="0">
               <a:latin typeface="SimSun" panose="02010600030101010101" pitchFamily="2" charset="-122"/>
               <a:ea typeface="SimSun" panose="02010600030101010101" pitchFamily="2" charset="-122"/>
               <a:cs typeface="Times New Roman" panose="02020603050405020304" pitchFamily="18" charset="0"/>
@@ -10888,7 +10200,7 @@
                 </a:spcAft>
                 <a:defRPr/>
               </a:pPr>
-              <a:t>12</a:t>
+              <a:t>11</a:t>
             </a:fld>
             <a:endParaRPr lang="en-US" b="0" dirty="0">
               <a:solidFill>
@@ -10931,27 +10243,7 @@
                 <a:latin typeface="Arial" pitchFamily="34" charset="0"/>
                 <a:cs typeface="Arial" pitchFamily="34" charset="0"/>
               </a:rPr>
-              <a:t>Copyright © </a:t>
-            </a:r>
-            <a:r>
-              <a:rPr lang="en-US" sz="900" dirty="0" smtClean="0">
-                <a:solidFill>
-                  <a:srgbClr val="7F7F7F"/>
-                </a:solidFill>
-                <a:latin typeface="Arial" pitchFamily="34" charset="0"/>
-                <a:cs typeface="Arial" pitchFamily="34" charset="0"/>
-              </a:rPr>
-              <a:t>2017 </a:t>
-            </a:r>
-            <a:r>
-              <a:rPr lang="en-US" sz="900" dirty="0">
-                <a:solidFill>
-                  <a:srgbClr val="7F7F7F"/>
-                </a:solidFill>
-                <a:latin typeface="Arial" pitchFamily="34" charset="0"/>
-                <a:cs typeface="Arial" pitchFamily="34" charset="0"/>
-              </a:rPr>
-              <a:t>Accenture  All rights reserved.</a:t>
+              <a:t>Copyright © 2017 Accenture  All rights reserved.</a:t>
             </a:r>
           </a:p>
         </p:txBody>
@@ -10966,17 +10258,10 @@
   <p:clrMapOvr>
     <a:masterClrMapping/>
   </p:clrMapOvr>
-  <p:timing>
-    <p:tnLst>
-      <p:par>
-        <p:cTn id="1" dur="indefinite" restart="never" nodeType="tmRoot"/>
-      </p:par>
-    </p:tnLst>
-  </p:timing>
 </p:sld>
 </file>
 
-<file path=ppt/slides/slide14.xml><?xml version="1.0" encoding="utf-8"?>
+<file path=ppt/slides/slide13.xml><?xml version="1.0" encoding="utf-8"?>
 <p:sld xmlns:a="http://schemas.openxmlformats.org/drawingml/2006/main" xmlns:r="http://schemas.openxmlformats.org/officeDocument/2006/relationships" xmlns:p="http://schemas.openxmlformats.org/presentationml/2006/main">
   <p:cSld>
     <p:spTree>
@@ -11011,13 +10296,13 @@
           <a:lstStyle/>
           <a:p>
             <a:r>
-              <a:rPr lang="zh-CN" altLang="en-US" sz="2800" dirty="0" smtClean="0">
+              <a:rPr lang="zh-CN" altLang="en-US" sz="2800" b="0" dirty="0">
                 <a:latin typeface="SimSun" panose="02010600030101010101" pitchFamily="2" charset="-122"/>
                 <a:ea typeface="SimSun" panose="02010600030101010101" pitchFamily="2" charset="-122"/>
               </a:rPr>
               <a:t>作业与练习</a:t>
             </a:r>
-            <a:endParaRPr lang="en-US" sz="2800" dirty="0">
+            <a:endParaRPr lang="en-US" sz="2800" b="0" dirty="0">
               <a:latin typeface="SimSun" panose="02010600030101010101" pitchFamily="2" charset="-122"/>
               <a:ea typeface="SimSun" panose="02010600030101010101" pitchFamily="2" charset="-122"/>
             </a:endParaRPr>
@@ -11063,7 +10348,7 @@
                 </a:spcAft>
                 <a:defRPr/>
               </a:pPr>
-              <a:t>13</a:t>
+              <a:t>12</a:t>
             </a:fld>
             <a:endParaRPr lang="en-US" b="0" dirty="0">
               <a:solidFill>
@@ -11106,27 +10391,7 @@
                 <a:latin typeface="Arial" pitchFamily="34" charset="0"/>
                 <a:cs typeface="Arial" pitchFamily="34" charset="0"/>
               </a:rPr>
-              <a:t>Copyright © </a:t>
-            </a:r>
-            <a:r>
-              <a:rPr lang="en-US" sz="900" dirty="0" smtClean="0">
-                <a:solidFill>
-                  <a:srgbClr val="7F7F7F"/>
-                </a:solidFill>
-                <a:latin typeface="Arial" pitchFamily="34" charset="0"/>
-                <a:cs typeface="Arial" pitchFamily="34" charset="0"/>
-              </a:rPr>
-              <a:t>2017 </a:t>
-            </a:r>
-            <a:r>
-              <a:rPr lang="en-US" sz="900" dirty="0">
-                <a:solidFill>
-                  <a:srgbClr val="7F7F7F"/>
-                </a:solidFill>
-                <a:latin typeface="Arial" pitchFamily="34" charset="0"/>
-                <a:cs typeface="Arial" pitchFamily="34" charset="0"/>
-              </a:rPr>
-              <a:t>Accenture  All rights reserved.</a:t>
+              <a:t>Copyright © 2017 Accenture  All rights reserved.</a:t>
             </a:r>
           </a:p>
         </p:txBody>
@@ -11141,14 +10406,14 @@
             <p:ph sz="quarter" idx="12"/>
             <p:extLst>
               <p:ext uri="{D42A27DB-BD31-4B8C-83A1-F6EECF244321}">
-                <p14:modId xmlns:p14="http://schemas.microsoft.com/office/powerpoint/2010/main" val="3327389829"/>
+                <p14:modId xmlns:p14="http://schemas.microsoft.com/office/powerpoint/2010/main" val="1505062442"/>
               </p:ext>
             </p:extLst>
           </p:nvPr>
         </p:nvGraphicFramePr>
         <p:xfrm>
-          <a:off x="449263" y="1200150"/>
-          <a:ext cx="8228013" cy="1381760"/>
+          <a:off x="449263" y="1359541"/>
+          <a:ext cx="8228013" cy="889000"/>
         </p:xfrm>
         <a:graphic>
           <a:graphicData uri="http://schemas.openxmlformats.org/drawingml/2006/table">
@@ -11157,8 +10422,20 @@
                 <a:tableStyleId>{5C22544A-7EE6-4342-B048-85BDC9FD1C3A}</a:tableStyleId>
               </a:tblPr>
               <a:tblGrid>
-                <a:gridCol w="2912004"/>
-                <a:gridCol w="5316009"/>
+                <a:gridCol w="2912004">
+                  <a:extLst>
+                    <a:ext uri="{9D8B030D-6E8A-4147-A177-3AD203B41FA5}">
+                      <a16:colId xmlns:a16="http://schemas.microsoft.com/office/drawing/2014/main" val="20000"/>
+                    </a:ext>
+                  </a:extLst>
+                </a:gridCol>
+                <a:gridCol w="5316009">
+                  <a:extLst>
+                    <a:ext uri="{9D8B030D-6E8A-4147-A177-3AD203B41FA5}">
+                      <a16:colId xmlns:a16="http://schemas.microsoft.com/office/drawing/2014/main" val="20001"/>
+                    </a:ext>
+                  </a:extLst>
+                </a:gridCol>
               </a:tblGrid>
               <a:tr h="370840">
                 <a:tc>
@@ -11167,10 +10444,16 @@
                     <a:lstStyle/>
                     <a:p>
                       <a:r>
-                        <a:rPr lang="zh-CN" altLang="en-US" dirty="0" smtClean="0"/>
+                        <a:rPr lang="zh-CN" altLang="en-US" sz="1600" dirty="0">
+                          <a:latin typeface="SimSun" panose="02010600030101010101" pitchFamily="2" charset="-122"/>
+                          <a:ea typeface="SimSun" panose="02010600030101010101" pitchFamily="2" charset="-122"/>
+                        </a:rPr>
                         <a:t>内容</a:t>
                       </a:r>
-                      <a:endParaRPr lang="en-US" dirty="0"/>
+                      <a:endParaRPr lang="en-US" sz="1600" dirty="0">
+                        <a:latin typeface="SimSun" panose="02010600030101010101" pitchFamily="2" charset="-122"/>
+                        <a:ea typeface="SimSun" panose="02010600030101010101" pitchFamily="2" charset="-122"/>
+                      </a:endParaRPr>
                     </a:p>
                   </a:txBody>
                   <a:tcPr/>
@@ -11181,14 +10464,25 @@
                     <a:lstStyle/>
                     <a:p>
                       <a:r>
-                        <a:rPr lang="zh-CN" altLang="en-US" dirty="0" smtClean="0"/>
+                        <a:rPr lang="zh-CN" altLang="en-US" sz="1600" dirty="0">
+                          <a:latin typeface="SimSun" panose="02010600030101010101" pitchFamily="2" charset="-122"/>
+                          <a:ea typeface="SimSun" panose="02010600030101010101" pitchFamily="2" charset="-122"/>
+                        </a:rPr>
                         <a:t>说明</a:t>
                       </a:r>
-                      <a:endParaRPr lang="en-US" dirty="0"/>
+                      <a:endParaRPr lang="en-US" sz="1600" dirty="0">
+                        <a:latin typeface="SimSun" panose="02010600030101010101" pitchFamily="2" charset="-122"/>
+                        <a:ea typeface="SimSun" panose="02010600030101010101" pitchFamily="2" charset="-122"/>
+                      </a:endParaRPr>
                     </a:p>
                   </a:txBody>
                   <a:tcPr/>
                 </a:tc>
+                <a:extLst>
+                  <a:ext uri="{0D108BD9-81ED-4DB2-BD59-A6C34878D82A}">
+                    <a16:rowId xmlns:a16="http://schemas.microsoft.com/office/drawing/2014/main" val="10000"/>
+                  </a:ext>
+                </a:extLst>
               </a:tr>
               <a:tr h="370840">
                 <a:tc>
@@ -11196,40 +10490,20 @@
                     <a:bodyPr/>
                     <a:lstStyle/>
                     <a:p>
-                      <a:pPr marL="0" marR="0" lvl="0" indent="0" algn="l" defTabSz="914400" rtl="0" eaLnBrk="1" fontAlgn="auto" latinLnBrk="0" hangingPunct="1">
-                        <a:lnSpc>
-                          <a:spcPct val="100000"/>
-                        </a:lnSpc>
-                        <a:spcBef>
-                          <a:spcPts val="0"/>
-                        </a:spcBef>
-                        <a:spcAft>
-                          <a:spcPts val="0"/>
-                        </a:spcAft>
-                        <a:buClrTx/>
-                        <a:buSzTx/>
-                        <a:buFontTx/>
-                        <a:buNone/>
-                        <a:tabLst/>
-                        <a:defRPr/>
-                      </a:pPr>
                       <a:r>
-                        <a:rPr lang="zh-CN" altLang="en-US" dirty="0" smtClean="0"/>
-                        <a:t>利用</a:t>
+                        <a:rPr lang="zh-CN" altLang="en-US" sz="1400" dirty="0">
+                          <a:latin typeface="SimSun" panose="02010600030101010101" pitchFamily="2" charset="-122"/>
+                          <a:ea typeface="SimSun" panose="02010600030101010101" pitchFamily="2" charset="-122"/>
+                        </a:rPr>
+                        <a:t>理解</a:t>
                       </a:r>
                       <a:r>
-                        <a:rPr lang="en-US" dirty="0" smtClean="0"/>
-                        <a:t>CLI</a:t>
+                        <a:rPr lang="en-US" sz="1400" dirty="0">
+                          <a:latin typeface="SimSun" panose="02010600030101010101" pitchFamily="2" charset="-122"/>
+                          <a:ea typeface="SimSun" panose="02010600030101010101" pitchFamily="2" charset="-122"/>
+                        </a:rPr>
+                        <a:t>Angular Framework</a:t>
                       </a:r>
-                      <a:r>
-                        <a:rPr lang="zh-CN" altLang="en-US" dirty="0" smtClean="0"/>
-                        <a:t>指令</a:t>
-                      </a:r>
-                      <a:r>
-                        <a:rPr lang="zh-CN" altLang="en-US" dirty="0" smtClean="0"/>
-                        <a:t>新建一个工程</a:t>
-                      </a:r>
-                      <a:endParaRPr lang="en-US" dirty="0"/>
                     </a:p>
                   </a:txBody>
                   <a:tcPr/>
@@ -11240,59 +10514,41 @@
                     <a:lstStyle/>
                     <a:p>
                       <a:r>
-                        <a:rPr lang="en-US" dirty="0" smtClean="0"/>
-                        <a:t>ng new</a:t>
+                        <a:rPr lang="en-US" sz="1400" dirty="0">
+                          <a:latin typeface="SimSun" panose="02010600030101010101" pitchFamily="2" charset="-122"/>
+                          <a:ea typeface="SimSun" panose="02010600030101010101" pitchFamily="2" charset="-122"/>
+                        </a:rPr>
+                        <a:t>1.https://angular.io/guide/</a:t>
                       </a:r>
-                      <a:endParaRPr lang="en-US" dirty="0"/>
+                      <a:r>
+                        <a:rPr lang="en-US" sz="1400" dirty="0" err="1">
+                          <a:latin typeface="SimSun" panose="02010600030101010101" pitchFamily="2" charset="-122"/>
+                          <a:ea typeface="SimSun" panose="02010600030101010101" pitchFamily="2" charset="-122"/>
+                        </a:rPr>
+                        <a:t>quickstart</a:t>
+                      </a:r>
+                      <a:endParaRPr lang="en-US" sz="1400" dirty="0">
+                        <a:latin typeface="SimSun" panose="02010600030101010101" pitchFamily="2" charset="-122"/>
+                        <a:ea typeface="SimSun" panose="02010600030101010101" pitchFamily="2" charset="-122"/>
+                      </a:endParaRPr>
+                    </a:p>
+                    <a:p>
+                      <a:r>
+                        <a:rPr lang="en-US" sz="1400" dirty="0">
+                          <a:latin typeface="SimSun" panose="02010600030101010101" pitchFamily="2" charset="-122"/>
+                          <a:ea typeface="SimSun" panose="02010600030101010101" pitchFamily="2" charset="-122"/>
+                        </a:rPr>
+                        <a:t>2.https://angular.io/guide/architecture</a:t>
+                      </a:r>
                     </a:p>
                   </a:txBody>
                   <a:tcPr/>
                 </a:tc>
-              </a:tr>
-              <a:tr h="370840">
-                <a:tc>
-                  <a:txBody>
-                    <a:bodyPr/>
-                    <a:lstStyle/>
-                    <a:p>
-                      <a:r>
-                        <a:rPr lang="zh-CN" altLang="en-US" dirty="0" smtClean="0"/>
-                        <a:t>理解</a:t>
-                      </a:r>
-                      <a:r>
-                        <a:rPr lang="en-US" dirty="0" smtClean="0"/>
-                        <a:t>Angular Framework</a:t>
-                      </a:r>
-                      <a:endParaRPr lang="en-US" dirty="0"/>
-                    </a:p>
-                  </a:txBody>
-                  <a:tcPr/>
-                </a:tc>
-                <a:tc>
-                  <a:txBody>
-                    <a:bodyPr/>
-                    <a:lstStyle/>
-                    <a:p>
-                      <a:r>
-                        <a:rPr lang="en-US" dirty="0" smtClean="0"/>
-                        <a:t>1.https://angular.io/guide/</a:t>
-                      </a:r>
-                      <a:r>
-                        <a:rPr lang="en-US" dirty="0" err="1" smtClean="0"/>
-                        <a:t>quickstart</a:t>
-                      </a:r>
-                      <a:endParaRPr lang="en-US" dirty="0" smtClean="0"/>
-                    </a:p>
-                    <a:p>
-                      <a:r>
-                        <a:rPr lang="en-US" dirty="0" smtClean="0"/>
-                        <a:t>2.https://angular.io/guide/architecture</a:t>
-                      </a:r>
-                      <a:endParaRPr lang="en-US" dirty="0"/>
-                    </a:p>
-                  </a:txBody>
-                  <a:tcPr/>
-                </a:tc>
+                <a:extLst>
+                  <a:ext uri="{0D108BD9-81ED-4DB2-BD59-A6C34878D82A}">
+                    <a16:rowId xmlns:a16="http://schemas.microsoft.com/office/drawing/2014/main" val="10002"/>
+                  </a:ext>
+                </a:extLst>
               </a:tr>
             </a:tbl>
           </a:graphicData>
@@ -11308,17 +10564,10 @@
   <p:clrMapOvr>
     <a:masterClrMapping/>
   </p:clrMapOvr>
-  <p:timing>
-    <p:tnLst>
-      <p:par>
-        <p:cTn id="1" dur="indefinite" restart="never" nodeType="tmRoot"/>
-      </p:par>
-    </p:tnLst>
-  </p:timing>
 </p:sld>
 </file>
 
-<file path=ppt/slides/slide15.xml><?xml version="1.0" encoding="utf-8"?>
+<file path=ppt/slides/slide14.xml><?xml version="1.0" encoding="utf-8"?>
 <p:sld xmlns:a="http://schemas.openxmlformats.org/drawingml/2006/main" xmlns:r="http://schemas.openxmlformats.org/officeDocument/2006/relationships" xmlns:p="http://schemas.openxmlformats.org/presentationml/2006/main">
   <p:cSld>
     <p:spTree>
@@ -11494,47 +10743,27 @@
                 <a:latin typeface="Arial" pitchFamily="34" charset="0"/>
                 <a:cs typeface="Arial" pitchFamily="34" charset="0"/>
               </a:rPr>
-              <a:t>Copyright © </a:t>
-            </a:r>
-            <a:r>
-              <a:rPr lang="en-US" sz="900" dirty="0" smtClean="0">
+              <a:t>Copyright © 201</a:t>
+            </a:r>
+            <a:r>
+              <a:rPr lang="en-US" altLang="zh-CN" sz="900" dirty="0">
                 <a:solidFill>
                   <a:srgbClr val="7F7F7F"/>
                 </a:solidFill>
                 <a:latin typeface="Arial" pitchFamily="34" charset="0"/>
                 <a:cs typeface="Arial" pitchFamily="34" charset="0"/>
               </a:rPr>
-              <a:t>201</a:t>
-            </a:r>
-            <a:r>
-              <a:rPr lang="en-US" altLang="zh-CN" sz="900" dirty="0" smtClean="0">
+              <a:t>7</a:t>
+            </a:r>
+            <a:r>
+              <a:rPr lang="en-US" sz="900" dirty="0">
                 <a:solidFill>
                   <a:srgbClr val="7F7F7F"/>
                 </a:solidFill>
                 <a:latin typeface="Arial" pitchFamily="34" charset="0"/>
                 <a:cs typeface="Arial" pitchFamily="34" charset="0"/>
               </a:rPr>
-              <a:t>7</a:t>
-            </a:r>
-            <a:r>
-              <a:rPr lang="en-US" sz="900" dirty="0" smtClean="0">
-                <a:solidFill>
-                  <a:srgbClr val="7F7F7F"/>
-                </a:solidFill>
-                <a:latin typeface="Arial" pitchFamily="34" charset="0"/>
-                <a:cs typeface="Arial" pitchFamily="34" charset="0"/>
-              </a:rPr>
-              <a:t> </a:t>
-            </a:r>
-            <a:r>
-              <a:rPr lang="en-US" sz="900" dirty="0">
-                <a:solidFill>
-                  <a:srgbClr val="7F7F7F"/>
-                </a:solidFill>
-                <a:latin typeface="Arial" pitchFamily="34" charset="0"/>
-                <a:cs typeface="Arial" pitchFamily="34" charset="0"/>
-              </a:rPr>
-              <a:t>Accenture  All rights reserved.</a:t>
+              <a:t> Accenture  All rights reserved.</a:t>
             </a:r>
           </a:p>
         </p:txBody>
@@ -11571,7 +10800,7 @@
                 <a:cs typeface="Arial" pitchFamily="34" charset="0"/>
               </a:rPr>
               <a:pPr algn="r"/>
-              <a:t>14</a:t>
+              <a:t>13</a:t>
             </a:fld>
             <a:endParaRPr lang="en-CA" sz="900" dirty="0">
               <a:solidFill>
@@ -11588,13 +10817,6 @@
   <p:clrMapOvr>
     <a:masterClrMapping/>
   </p:clrMapOvr>
-  <p:timing>
-    <p:tnLst>
-      <p:par>
-        <p:cTn id="1" dur="indefinite" restart="never" nodeType="tmRoot"/>
-      </p:par>
-    </p:tnLst>
-  </p:timing>
 </p:sld>
 </file>
 
@@ -11654,14 +10876,14 @@
           <p:nvPr>
             <p:extLst>
               <p:ext uri="{D42A27DB-BD31-4B8C-83A1-F6EECF244321}">
-                <p14:modId xmlns:p14="http://schemas.microsoft.com/office/powerpoint/2010/main" val="1531792169"/>
+                <p14:modId xmlns:p14="http://schemas.microsoft.com/office/powerpoint/2010/main" val="4115759216"/>
               </p:ext>
             </p:extLst>
           </p:nvPr>
         </p:nvGraphicFramePr>
         <p:xfrm>
           <a:off x="474133" y="1270001"/>
-          <a:ext cx="7853892" cy="6573520"/>
+          <a:ext cx="7853892" cy="6521026"/>
         </p:xfrm>
         <a:graphic>
           <a:graphicData uri="http://schemas.openxmlformats.org/drawingml/2006/table">
@@ -11671,7 +10893,7 @@
                 <a:gridCol w="7853892">
                   <a:extLst>
                     <a:ext uri="{9D8B030D-6E8A-4147-A177-3AD203B41FA5}">
-                      <a16:colId xmlns:a16="http://schemas.microsoft.com/office/drawing/2014/main" xmlns="" val="20000"/>
+                      <a16:colId xmlns:a16="http://schemas.microsoft.com/office/drawing/2014/main" val="20000"/>
                     </a:ext>
                   </a:extLst>
                 </a:gridCol>
@@ -11682,7 +10904,7 @@
                     <a:bodyPr/>
                     <a:lstStyle/>
                     <a:p>
-                      <a:pPr marL="0" marR="0" lvl="0" indent="0" algn="l" defTabSz="914400" rtl="0" eaLnBrk="1" fontAlgn="base" latinLnBrk="0" hangingPunct="1">
+                      <a:pPr marL="342900" marR="0" lvl="0" indent="-342900" algn="l" defTabSz="914400" rtl="0" eaLnBrk="1" fontAlgn="base" latinLnBrk="0" hangingPunct="1">
                         <a:lnSpc>
                           <a:spcPct val="100000"/>
                         </a:lnSpc>
@@ -11694,12 +10916,12 @@
                         </a:spcAft>
                         <a:buClrTx/>
                         <a:buSzTx/>
-                        <a:buFont typeface="Wingdings" pitchFamily="2" charset="2"/>
-                        <a:buNone/>
+                        <a:buFont typeface="Arial" panose="020B0604020202020204" pitchFamily="34" charset="0"/>
+                        <a:buChar char="•"/>
                         <a:tabLst/>
                       </a:pPr>
                       <a:r>
-                        <a:rPr kumimoji="0" lang="zh-CN" altLang="en-US" sz="2400" b="0" i="0" u="none" strike="noStrike" kern="1200" cap="none" normalizeH="0" baseline="0" dirty="0" smtClean="0">
+                        <a:rPr kumimoji="0" lang="zh-CN" altLang="en-US" sz="2200" b="0" i="0" u="none" strike="noStrike" kern="1200" cap="none" normalizeH="0" baseline="0" dirty="0">
                           <a:ln>
                             <a:noFill/>
                           </a:ln>
@@ -11711,9 +10933,9 @@
                           <a:ea typeface="SimSun" panose="02010600030101010101" pitchFamily="2" charset="-122"/>
                           <a:cs typeface="+mn-cs"/>
                         </a:rPr>
-                        <a:t>创建新工程</a:t>
+                        <a:t>目录结构</a:t>
                       </a:r>
-                      <a:endParaRPr kumimoji="0" lang="en-US" altLang="zh-CN" sz="2400" b="0" i="0" u="none" strike="noStrike" kern="1200" cap="none" normalizeH="0" baseline="0" dirty="0" smtClean="0">
+                      <a:endParaRPr kumimoji="0" lang="en-US" altLang="zh-CN" sz="2200" b="0" i="0" u="none" strike="noStrike" kern="1200" cap="none" normalizeH="0" baseline="0" dirty="0">
                         <a:ln>
                           <a:noFill/>
                         </a:ln>
@@ -11727,7 +10949,7 @@
                       </a:endParaRPr>
                     </a:p>
                     <a:p>
-                      <a:pPr marL="0" marR="0" lvl="0" indent="0" algn="l" defTabSz="914400" rtl="0" eaLnBrk="1" fontAlgn="base" latinLnBrk="0" hangingPunct="1">
+                      <a:pPr marL="342900" marR="0" lvl="0" indent="-342900" algn="l" defTabSz="914400" rtl="0" eaLnBrk="1" fontAlgn="base" latinLnBrk="0" hangingPunct="1">
                         <a:lnSpc>
                           <a:spcPct val="100000"/>
                         </a:lnSpc>
@@ -11739,12 +10961,12 @@
                         </a:spcAft>
                         <a:buClrTx/>
                         <a:buSzTx/>
-                        <a:buFont typeface="Wingdings" pitchFamily="2" charset="2"/>
-                        <a:buNone/>
+                        <a:buFont typeface="Arial" panose="020B0604020202020204" pitchFamily="34" charset="0"/>
+                        <a:buChar char="•"/>
                         <a:tabLst/>
                       </a:pPr>
                       <a:r>
-                        <a:rPr kumimoji="0" lang="zh-CN" altLang="en-US" sz="2400" b="0" i="0" u="none" strike="noStrike" kern="1200" cap="none" normalizeH="0" baseline="0" dirty="0" smtClean="0">
+                        <a:rPr kumimoji="0" lang="zh-CN" altLang="en-US" sz="2200" b="0" i="0" u="none" strike="noStrike" kern="1200" cap="none" normalizeH="0" baseline="0" dirty="0">
                           <a:ln>
                             <a:noFill/>
                           </a:ln>
@@ -11756,24 +10978,9 @@
                           <a:ea typeface="SimSun" panose="02010600030101010101" pitchFamily="2" charset="-122"/>
                           <a:cs typeface="+mn-cs"/>
                         </a:rPr>
-                        <a:t>目</a:t>
+                        <a:t>启动过程</a:t>
                       </a:r>
-                      <a:r>
-                        <a:rPr kumimoji="0" lang="zh-CN" altLang="en-US" sz="2400" b="0" i="0" u="none" strike="noStrike" kern="1200" cap="none" normalizeH="0" baseline="0" dirty="0" smtClean="0">
-                          <a:ln>
-                            <a:noFill/>
-                          </a:ln>
-                          <a:solidFill>
-                            <a:srgbClr val="000000"/>
-                          </a:solidFill>
-                          <a:effectLst/>
-                          <a:latin typeface="SimSun" panose="02010600030101010101" pitchFamily="2" charset="-122"/>
-                          <a:ea typeface="SimSun" panose="02010600030101010101" pitchFamily="2" charset="-122"/>
-                          <a:cs typeface="+mn-cs"/>
-                        </a:rPr>
-                        <a:t>录结构</a:t>
-                      </a:r>
-                      <a:endParaRPr kumimoji="0" lang="en-US" altLang="zh-CN" sz="2400" b="0" i="0" u="none" strike="noStrike" kern="1200" cap="none" normalizeH="0" baseline="0" dirty="0" smtClean="0">
+                      <a:endParaRPr kumimoji="0" lang="en-US" altLang="zh-CN" sz="2200" b="0" i="0" u="none" strike="noStrike" kern="1200" cap="none" normalizeH="0" baseline="0" dirty="0">
                         <a:ln>
                           <a:noFill/>
                         </a:ln>
@@ -11787,7 +10994,7 @@
                       </a:endParaRPr>
                     </a:p>
                     <a:p>
-                      <a:pPr marL="0" marR="0" lvl="0" indent="0" algn="l" defTabSz="914400" rtl="0" eaLnBrk="1" fontAlgn="base" latinLnBrk="0" hangingPunct="1">
+                      <a:pPr marL="342900" marR="0" lvl="0" indent="-342900" algn="l" defTabSz="914400" rtl="0" eaLnBrk="1" fontAlgn="base" latinLnBrk="0" hangingPunct="1">
                         <a:lnSpc>
                           <a:spcPct val="100000"/>
                         </a:lnSpc>
@@ -11799,12 +11006,12 @@
                         </a:spcAft>
                         <a:buClrTx/>
                         <a:buSzTx/>
-                        <a:buFont typeface="Wingdings" pitchFamily="2" charset="2"/>
-                        <a:buNone/>
+                        <a:buFont typeface="Arial" panose="020B0604020202020204" pitchFamily="34" charset="0"/>
+                        <a:buChar char="•"/>
                         <a:tabLst/>
                       </a:pPr>
                       <a:r>
-                        <a:rPr kumimoji="0" lang="zh-CN" altLang="en-US" sz="2400" b="0" i="0" u="none" strike="noStrike" kern="1200" cap="none" normalizeH="0" baseline="0" dirty="0" smtClean="0">
+                        <a:rPr kumimoji="0" lang="zh-CN" altLang="en-US" sz="2200" b="0" i="0" u="none" strike="noStrike" kern="1200" cap="none" normalizeH="0" baseline="0" dirty="0">
                           <a:ln>
                             <a:noFill/>
                           </a:ln>
@@ -11816,9 +11023,9 @@
                           <a:ea typeface="SimSun" panose="02010600030101010101" pitchFamily="2" charset="-122"/>
                           <a:cs typeface="+mn-cs"/>
                         </a:rPr>
-                        <a:t>启动过程</a:t>
+                        <a:t>概述</a:t>
                       </a:r>
-                      <a:endParaRPr kumimoji="0" lang="en-US" altLang="zh-CN" sz="2400" b="0" i="0" u="none" strike="noStrike" kern="1200" cap="none" normalizeH="0" baseline="0" dirty="0" smtClean="0">
+                      <a:endParaRPr kumimoji="0" lang="en-US" altLang="zh-CN" sz="2200" b="0" i="0" u="none" strike="noStrike" kern="1200" cap="none" normalizeH="0" baseline="0" dirty="0">
                         <a:ln>
                           <a:noFill/>
                         </a:ln>
@@ -11832,7 +11039,7 @@
                       </a:endParaRPr>
                     </a:p>
                     <a:p>
-                      <a:pPr marL="0" marR="0" lvl="0" indent="0" algn="l" defTabSz="914400" rtl="0" eaLnBrk="1" fontAlgn="base" latinLnBrk="0" hangingPunct="1">
+                      <a:pPr marL="342900" marR="0" lvl="0" indent="-342900" algn="l" defTabSz="914400" rtl="0" eaLnBrk="1" fontAlgn="base" latinLnBrk="0" hangingPunct="1">
                         <a:lnSpc>
                           <a:spcPct val="100000"/>
                         </a:lnSpc>
@@ -11844,57 +11051,12 @@
                         </a:spcAft>
                         <a:buClrTx/>
                         <a:buSzTx/>
-                        <a:buFont typeface="Wingdings" pitchFamily="2" charset="2"/>
-                        <a:buNone/>
+                        <a:buFont typeface="Arial" panose="020B0604020202020204" pitchFamily="34" charset="0"/>
+                        <a:buChar char="•"/>
                         <a:tabLst/>
                       </a:pPr>
                       <a:r>
-                        <a:rPr kumimoji="0" lang="zh-CN" altLang="en-US" sz="2400" b="0" i="0" u="none" strike="noStrike" kern="1200" cap="none" normalizeH="0" baseline="0" dirty="0" smtClean="0">
-                          <a:ln>
-                            <a:noFill/>
-                          </a:ln>
-                          <a:solidFill>
-                            <a:srgbClr val="000000"/>
-                          </a:solidFill>
-                          <a:effectLst/>
-                          <a:latin typeface="SimSun" panose="02010600030101010101" pitchFamily="2" charset="-122"/>
-                          <a:ea typeface="SimSun" panose="02010600030101010101" pitchFamily="2" charset="-122"/>
-                          <a:cs typeface="+mn-cs"/>
-                        </a:rPr>
-                        <a:t>概述</a:t>
-                      </a:r>
-                      <a:endParaRPr kumimoji="0" lang="en-US" altLang="zh-CN" sz="2400" b="0" i="0" u="none" strike="noStrike" kern="1200" cap="none" normalizeH="0" baseline="0" dirty="0" smtClean="0">
-                        <a:ln>
-                          <a:noFill/>
-                        </a:ln>
-                        <a:solidFill>
-                          <a:srgbClr val="000000"/>
-                        </a:solidFill>
-                        <a:effectLst/>
-                        <a:latin typeface="SimSun" panose="02010600030101010101" pitchFamily="2" charset="-122"/>
-                        <a:ea typeface="SimSun" panose="02010600030101010101" pitchFamily="2" charset="-122"/>
-                        <a:cs typeface="+mn-cs"/>
-                      </a:endParaRPr>
-                    </a:p>
-                    <a:p>
-                      <a:pPr marL="0" marR="0" lvl="0" indent="0" algn="l" defTabSz="914400" rtl="0" eaLnBrk="1" fontAlgn="base" latinLnBrk="0" hangingPunct="1">
-                        <a:lnSpc>
-                          <a:spcPct val="100000"/>
-                        </a:lnSpc>
-                        <a:spcBef>
-                          <a:spcPts val="1000"/>
-                        </a:spcBef>
-                        <a:spcAft>
-                          <a:spcPct val="0"/>
-                        </a:spcAft>
-                        <a:buClrTx/>
-                        <a:buSzTx/>
-                        <a:buFont typeface="Wingdings" pitchFamily="2" charset="2"/>
-                        <a:buNone/>
-                        <a:tabLst/>
-                      </a:pPr>
-                      <a:r>
-                        <a:rPr kumimoji="0" lang="zh-CN" altLang="en-US" sz="2400" b="0" i="0" u="none" strike="noStrike" kern="1200" cap="none" normalizeH="0" baseline="0" dirty="0" smtClean="0">
+                        <a:rPr kumimoji="0" lang="zh-CN" altLang="en-US" sz="2200" b="0" i="0" u="none" strike="noStrike" kern="1200" cap="none" normalizeH="0" baseline="0" dirty="0">
                           <a:ln>
                             <a:noFill/>
                           </a:ln>
@@ -11910,7 +11072,7 @@
                       </a:r>
                     </a:p>
                     <a:p>
-                      <a:pPr marL="0" marR="0" lvl="0" indent="0" algn="l" defTabSz="914400" rtl="0" eaLnBrk="1" fontAlgn="base" latinLnBrk="0" hangingPunct="1">
+                      <a:pPr marL="342900" marR="0" lvl="0" indent="-342900" algn="l" defTabSz="914400" rtl="0" eaLnBrk="1" fontAlgn="base" latinLnBrk="0" hangingPunct="1">
                         <a:lnSpc>
                           <a:spcPct val="100000"/>
                         </a:lnSpc>
@@ -11922,12 +11084,12 @@
                         </a:spcAft>
                         <a:buClrTx/>
                         <a:buSzTx/>
-                        <a:buFont typeface="Wingdings" pitchFamily="2" charset="2"/>
-                        <a:buNone/>
+                        <a:buFont typeface="Arial" panose="020B0604020202020204" pitchFamily="34" charset="0"/>
+                        <a:buChar char="•"/>
                         <a:tabLst/>
                       </a:pPr>
                       <a:r>
-                        <a:rPr kumimoji="0" lang="zh-CN" altLang="en-US" sz="2400" b="0" i="0" u="none" strike="noStrike" kern="1200" cap="none" normalizeH="0" baseline="0" dirty="0" smtClean="0">
+                        <a:rPr kumimoji="0" lang="zh-CN" altLang="en-US" sz="2200" b="0" i="0" u="none" strike="noStrike" kern="1200" cap="none" normalizeH="0" baseline="0" dirty="0">
                           <a:ln>
                             <a:noFill/>
                           </a:ln>
@@ -11941,7 +11103,7 @@
                         </a:rPr>
                         <a:t>模板</a:t>
                       </a:r>
-                      <a:endParaRPr kumimoji="0" lang="en-US" altLang="zh-CN" sz="2400" b="0" i="0" u="none" strike="noStrike" kern="1200" cap="none" normalizeH="0" baseline="0" dirty="0" smtClean="0">
+                      <a:endParaRPr kumimoji="0" lang="en-US" altLang="zh-CN" sz="2200" b="0" i="0" u="none" strike="noStrike" kern="1200" cap="none" normalizeH="0" baseline="0" dirty="0">
                         <a:ln>
                           <a:noFill/>
                         </a:ln>
@@ -11955,7 +11117,7 @@
                       </a:endParaRPr>
                     </a:p>
                     <a:p>
-                      <a:pPr marL="0" marR="0" lvl="0" indent="0" algn="l" defTabSz="914400" rtl="0" eaLnBrk="1" fontAlgn="base" latinLnBrk="0" hangingPunct="1">
+                      <a:pPr marL="342900" marR="0" lvl="0" indent="-342900" algn="l" defTabSz="914400" rtl="0" eaLnBrk="1" fontAlgn="base" latinLnBrk="0" hangingPunct="1">
                         <a:lnSpc>
                           <a:spcPct val="100000"/>
                         </a:lnSpc>
@@ -11967,12 +11129,12 @@
                         </a:spcAft>
                         <a:buClrTx/>
                         <a:buSzTx/>
-                        <a:buFont typeface="Wingdings" pitchFamily="2" charset="2"/>
-                        <a:buNone/>
+                        <a:buFont typeface="Arial" panose="020B0604020202020204" pitchFamily="34" charset="0"/>
+                        <a:buChar char="•"/>
                         <a:tabLst/>
                       </a:pPr>
                       <a:r>
-                        <a:rPr kumimoji="0" lang="zh-CN" altLang="en-US" sz="2400" b="0" i="0" u="none" strike="noStrike" kern="1200" cap="none" normalizeH="0" baseline="0" dirty="0" smtClean="0">
+                        <a:rPr kumimoji="0" lang="zh-CN" altLang="en-US" sz="2200" b="0" i="0" u="none" strike="noStrike" kern="1200" cap="none" normalizeH="0" baseline="0" dirty="0">
                           <a:ln>
                             <a:noFill/>
                           </a:ln>
@@ -11988,7 +11150,7 @@
                       </a:r>
                     </a:p>
                     <a:p>
-                      <a:pPr marL="0" marR="0" lvl="0" indent="0" algn="l" defTabSz="914400" rtl="0" eaLnBrk="1" fontAlgn="base" latinLnBrk="0" hangingPunct="1">
+                      <a:pPr marL="342900" marR="0" lvl="0" indent="-342900" algn="l" defTabSz="914400" rtl="0" eaLnBrk="1" fontAlgn="base" latinLnBrk="0" hangingPunct="1">
                         <a:lnSpc>
                           <a:spcPct val="100000"/>
                         </a:lnSpc>
@@ -12000,12 +11162,12 @@
                         </a:spcAft>
                         <a:buClrTx/>
                         <a:buSzTx/>
-                        <a:buFont typeface="Wingdings" pitchFamily="2" charset="2"/>
-                        <a:buNone/>
+                        <a:buFont typeface="Arial" panose="020B0604020202020204" pitchFamily="34" charset="0"/>
+                        <a:buChar char="•"/>
                         <a:tabLst/>
                       </a:pPr>
                       <a:r>
-                        <a:rPr kumimoji="0" lang="zh-CN" altLang="en-US" sz="2400" b="0" i="0" u="none" strike="noStrike" kern="1200" cap="none" normalizeH="0" baseline="0" dirty="0" smtClean="0">
+                        <a:rPr kumimoji="0" lang="zh-CN" altLang="en-US" sz="2200" b="0" i="0" u="none" strike="noStrike" kern="1200" cap="none" normalizeH="0" baseline="0" dirty="0">
                           <a:ln>
                             <a:noFill/>
                           </a:ln>
@@ -12021,7 +11183,7 @@
                       </a:r>
                     </a:p>
                     <a:p>
-                      <a:pPr marL="0" marR="0" lvl="0" indent="0" algn="l" defTabSz="914400" rtl="0" eaLnBrk="1" fontAlgn="base" latinLnBrk="0" hangingPunct="1">
+                      <a:pPr marL="342900" marR="0" lvl="0" indent="-342900" algn="l" defTabSz="914400" rtl="0" eaLnBrk="1" fontAlgn="base" latinLnBrk="0" hangingPunct="1">
                         <a:lnSpc>
                           <a:spcPct val="100000"/>
                         </a:lnSpc>
@@ -12033,12 +11195,12 @@
                         </a:spcAft>
                         <a:buClrTx/>
                         <a:buSzTx/>
-                        <a:buFont typeface="Wingdings" pitchFamily="2" charset="2"/>
-                        <a:buNone/>
+                        <a:buFont typeface="Arial" panose="020B0604020202020204" pitchFamily="34" charset="0"/>
+                        <a:buChar char="•"/>
                         <a:tabLst/>
                       </a:pPr>
                       <a:r>
-                        <a:rPr kumimoji="0" lang="zh-CN" altLang="en-US" sz="2400" b="0" i="0" u="none" strike="noStrike" kern="1200" cap="none" normalizeH="0" baseline="0" dirty="0" smtClean="0">
+                        <a:rPr kumimoji="0" lang="zh-CN" altLang="en-US" sz="2200" b="0" i="0" u="none" strike="noStrike" kern="1200" cap="none" normalizeH="0" baseline="0" dirty="0">
                           <a:ln>
                             <a:noFill/>
                           </a:ln>
@@ -12052,7 +11214,7 @@
                         </a:rPr>
                         <a:t>依赖注入</a:t>
                       </a:r>
-                      <a:endParaRPr kumimoji="0" lang="en-US" altLang="zh-CN" sz="2400" b="0" i="0" u="none" strike="noStrike" kern="1200" cap="none" normalizeH="0" baseline="0" dirty="0" smtClean="0">
+                      <a:endParaRPr kumimoji="0" lang="en-US" altLang="zh-CN" sz="2200" b="0" i="0" u="none" strike="noStrike" kern="1200" cap="none" normalizeH="0" baseline="0" dirty="0">
                         <a:ln>
                           <a:noFill/>
                         </a:ln>
@@ -12066,7 +11228,7 @@
                       </a:endParaRPr>
                     </a:p>
                     <a:p>
-                      <a:pPr marL="0" marR="0" lvl="0" indent="0" algn="l" defTabSz="914400" rtl="0" eaLnBrk="1" fontAlgn="base" latinLnBrk="0" hangingPunct="1">
+                      <a:pPr marL="342900" marR="0" lvl="0" indent="-342900" algn="l" defTabSz="914400" rtl="0" eaLnBrk="1" fontAlgn="base" latinLnBrk="0" hangingPunct="1">
                         <a:lnSpc>
                           <a:spcPct val="100000"/>
                         </a:lnSpc>
@@ -12078,12 +11240,12 @@
                         </a:spcAft>
                         <a:buClrTx/>
                         <a:buSzTx/>
-                        <a:buFont typeface="Wingdings" pitchFamily="2" charset="2"/>
-                        <a:buNone/>
+                        <a:buFont typeface="Arial" panose="020B0604020202020204" pitchFamily="34" charset="0"/>
+                        <a:buChar char="•"/>
                         <a:tabLst/>
                       </a:pPr>
                       <a:r>
-                        <a:rPr kumimoji="0" lang="zh-CN" altLang="en-US" sz="2400" b="0" i="0" u="none" strike="noStrike" kern="1200" cap="none" normalizeH="0" baseline="0" dirty="0" smtClean="0">
+                        <a:rPr kumimoji="0" lang="zh-CN" altLang="en-US" sz="2200" b="0" i="0" u="none" strike="noStrike" kern="1200" cap="none" normalizeH="0" baseline="0" dirty="0">
                           <a:ln>
                             <a:noFill/>
                           </a:ln>
@@ -12095,24 +11257,9 @@
                           <a:ea typeface="SimSun" panose="02010600030101010101" pitchFamily="2" charset="-122"/>
                           <a:cs typeface="+mn-cs"/>
                         </a:rPr>
-                        <a:t>模</a:t>
+                        <a:t>模块</a:t>
                       </a:r>
-                      <a:r>
-                        <a:rPr kumimoji="0" lang="zh-CN" altLang="en-US" sz="2400" b="0" i="0" u="none" strike="noStrike" kern="1200" cap="none" normalizeH="0" baseline="0" dirty="0" smtClean="0">
-                          <a:ln>
-                            <a:noFill/>
-                          </a:ln>
-                          <a:solidFill>
-                            <a:srgbClr val="000000"/>
-                          </a:solidFill>
-                          <a:effectLst/>
-                          <a:latin typeface="SimSun" panose="02010600030101010101" pitchFamily="2" charset="-122"/>
-                          <a:ea typeface="SimSun" panose="02010600030101010101" pitchFamily="2" charset="-122"/>
-                          <a:cs typeface="+mn-cs"/>
-                        </a:rPr>
-                        <a:t>块</a:t>
-                      </a:r>
-                      <a:endParaRPr kumimoji="0" lang="en-US" altLang="zh-CN" sz="2400" b="0" i="0" u="none" strike="noStrike" kern="1200" cap="none" normalizeH="0" baseline="0" dirty="0" smtClean="0">
+                      <a:endParaRPr kumimoji="0" lang="en-US" altLang="zh-CN" sz="2200" b="0" i="0" u="none" strike="noStrike" kern="1200" cap="none" normalizeH="0" baseline="0" dirty="0">
                         <a:ln>
                           <a:noFill/>
                         </a:ln>
@@ -12126,7 +11273,7 @@
                       </a:endParaRPr>
                     </a:p>
                     <a:p>
-                      <a:pPr marL="0" marR="0" lvl="0" indent="0" algn="l" defTabSz="914400" rtl="0" eaLnBrk="1" fontAlgn="base" latinLnBrk="0" hangingPunct="1">
+                      <a:pPr marL="342900" marR="0" lvl="0" indent="-342900" algn="l" defTabSz="914400" rtl="0" eaLnBrk="1" fontAlgn="base" latinLnBrk="0" hangingPunct="1">
                         <a:lnSpc>
                           <a:spcPct val="100000"/>
                         </a:lnSpc>
@@ -12138,12 +11285,12 @@
                         </a:spcAft>
                         <a:buClrTx/>
                         <a:buSzTx/>
-                        <a:buFont typeface="Wingdings" pitchFamily="2" charset="2"/>
-                        <a:buNone/>
+                        <a:buFont typeface="Arial" panose="020B0604020202020204" pitchFamily="34" charset="0"/>
+                        <a:buChar char="•"/>
                         <a:tabLst/>
                       </a:pPr>
                       <a:r>
-                        <a:rPr kumimoji="0" lang="zh-CN" altLang="en-US" sz="2400" b="0" i="0" u="none" strike="noStrike" kern="1200" cap="none" normalizeH="0" baseline="0" dirty="0" smtClean="0">
+                        <a:rPr kumimoji="0" lang="zh-CN" altLang="en-US" sz="2200" b="0" i="0" u="none" strike="noStrike" kern="1200" cap="none" normalizeH="0" baseline="0" dirty="0">
                           <a:ln>
                             <a:noFill/>
                           </a:ln>
@@ -12157,7 +11304,7 @@
                         </a:rPr>
                         <a:t>作业与练习</a:t>
                       </a:r>
-                      <a:endParaRPr kumimoji="0" lang="en-US" altLang="zh-CN" sz="2400" b="0" i="0" u="none" strike="noStrike" kern="1200" cap="none" normalizeH="0" baseline="0" dirty="0" smtClean="0">
+                      <a:endParaRPr kumimoji="0" lang="en-US" altLang="zh-CN" sz="2200" b="0" i="0" u="none" strike="noStrike" kern="1200" cap="none" normalizeH="0" baseline="0" dirty="0">
                         <a:ln>
                           <a:noFill/>
                         </a:ln>
@@ -12195,7 +11342,7 @@
                 </a:tc>
                 <a:extLst>
                   <a:ext uri="{0D108BD9-81ED-4DB2-BD59-A6C34878D82A}">
-                    <a16:rowId xmlns:a16="http://schemas.microsoft.com/office/drawing/2014/main" xmlns="" val="10000"/>
+                    <a16:rowId xmlns:a16="http://schemas.microsoft.com/office/drawing/2014/main" val="10000"/>
                   </a:ext>
                 </a:extLst>
               </a:tr>
@@ -12210,7 +11357,7 @@
                           <a:spcPct val="100000"/>
                         </a:lnSpc>
                       </a:pPr>
-                      <a:endParaRPr lang="en-US" sz="2400" dirty="0">
+                      <a:endParaRPr lang="en-US" sz="2200" dirty="0">
                         <a:latin typeface="SimSun" panose="02010600030101010101" pitchFamily="2" charset="-122"/>
                         <a:ea typeface="SimSun" panose="02010600030101010101" pitchFamily="2" charset="-122"/>
                       </a:endParaRPr>
@@ -12240,7 +11387,7 @@
                 </a:tc>
                 <a:extLst>
                   <a:ext uri="{0D108BD9-81ED-4DB2-BD59-A6C34878D82A}">
-                    <a16:rowId xmlns:a16="http://schemas.microsoft.com/office/drawing/2014/main" xmlns="" val="10001"/>
+                    <a16:rowId xmlns:a16="http://schemas.microsoft.com/office/drawing/2014/main" val="10001"/>
                   </a:ext>
                 </a:extLst>
               </a:tr>
@@ -12250,7 +11397,7 @@
                     <a:bodyPr/>
                     <a:lstStyle/>
                     <a:p>
-                      <a:endParaRPr lang="en-US" dirty="0"/>
+                      <a:endParaRPr lang="en-US" sz="2200" dirty="0"/>
                     </a:p>
                   </a:txBody>
                   <a:tcPr horzOverflow="overflow">
@@ -12277,7 +11424,7 @@
                 </a:tc>
                 <a:extLst>
                   <a:ext uri="{0D108BD9-81ED-4DB2-BD59-A6C34878D82A}">
-                    <a16:rowId xmlns:a16="http://schemas.microsoft.com/office/drawing/2014/main" xmlns="" val="10002"/>
+                    <a16:rowId xmlns:a16="http://schemas.microsoft.com/office/drawing/2014/main" val="10002"/>
                   </a:ext>
                 </a:extLst>
               </a:tr>
@@ -12287,7 +11434,7 @@
                     <a:bodyPr/>
                     <a:lstStyle/>
                     <a:p>
-                      <a:endParaRPr lang="en-US" dirty="0"/>
+                      <a:endParaRPr lang="en-US" sz="2200" dirty="0"/>
                     </a:p>
                   </a:txBody>
                   <a:tcPr horzOverflow="overflow">
@@ -12314,7 +11461,7 @@
                 </a:tc>
                 <a:extLst>
                   <a:ext uri="{0D108BD9-81ED-4DB2-BD59-A6C34878D82A}">
-                    <a16:rowId xmlns:a16="http://schemas.microsoft.com/office/drawing/2014/main" xmlns="" val="10003"/>
+                    <a16:rowId xmlns:a16="http://schemas.microsoft.com/office/drawing/2014/main" val="10003"/>
                   </a:ext>
                 </a:extLst>
               </a:tr>
@@ -12414,13 +11561,6 @@
   <p:clrMapOvr>
     <a:masterClrMapping/>
   </p:clrMapOvr>
-  <p:timing>
-    <p:tnLst>
-      <p:par>
-        <p:cTn id="1" dur="indefinite" restart="never" nodeType="tmRoot"/>
-      </p:par>
-    </p:tnLst>
-  </p:timing>
 </p:sld>
 </file>
 
@@ -12443,66 +11583,6 @@
       </p:grpSpPr>
       <p:sp>
         <p:nvSpPr>
-          <p:cNvPr id="2" name="Content Placeholder 1"/>
-          <p:cNvSpPr>
-            <a:spLocks noGrp="1"/>
-          </p:cNvSpPr>
-          <p:nvPr>
-            <p:ph sz="quarter" idx="12"/>
-          </p:nvPr>
-        </p:nvSpPr>
-        <p:spPr/>
-        <p:txBody>
-          <a:bodyPr>
-            <a:normAutofit/>
-          </a:bodyPr>
-          <a:lstStyle/>
-          <a:p>
-            <a:r>
-              <a:rPr lang="en-US" sz="2400" dirty="0" err="1"/>
-              <a:t>npm</a:t>
-            </a:r>
-            <a:r>
-              <a:rPr lang="en-US" sz="2400" dirty="0"/>
-              <a:t> install -g @angular/cli</a:t>
-            </a:r>
-            <a:endParaRPr lang="en-US" sz="2400" dirty="0" smtClean="0"/>
-          </a:p>
-          <a:p>
-            <a:r>
-              <a:rPr lang="en-US" sz="2400" dirty="0" smtClean="0"/>
-              <a:t>ng </a:t>
-            </a:r>
-            <a:r>
-              <a:rPr lang="en-US" sz="2400" dirty="0"/>
-              <a:t>new </a:t>
-            </a:r>
-            <a:r>
-              <a:rPr lang="en-US" sz="2400" dirty="0" smtClean="0"/>
-              <a:t>my-app</a:t>
-            </a:r>
-          </a:p>
-          <a:p>
-            <a:r>
-              <a:rPr lang="en-US" sz="2400" dirty="0"/>
-              <a:t>cd my-app </a:t>
-            </a:r>
-            <a:endParaRPr lang="en-US" sz="2400" dirty="0" smtClean="0"/>
-          </a:p>
-          <a:p>
-            <a:r>
-              <a:rPr lang="en-US" sz="2400" dirty="0" smtClean="0"/>
-              <a:t>ng </a:t>
-            </a:r>
-            <a:r>
-              <a:rPr lang="en-US" sz="2400" dirty="0"/>
-              <a:t>serve --open</a:t>
-            </a:r>
-          </a:p>
-        </p:txBody>
-      </p:sp>
-      <p:sp>
-        <p:nvSpPr>
           <p:cNvPr id="3" name="Title 2"/>
           <p:cNvSpPr>
             <a:spLocks noGrp="1"/>
@@ -12513,22 +11593,30 @@
         </p:nvSpPr>
         <p:spPr/>
         <p:txBody>
-          <a:bodyPr>
-            <a:normAutofit/>
-          </a:bodyPr>
+          <a:bodyPr/>
           <a:lstStyle/>
           <a:p>
             <a:r>
-              <a:rPr lang="zh-CN" altLang="en-US" sz="2800" dirty="0" smtClean="0">
+              <a:rPr lang="ja-JP" altLang="en-US" dirty="0">
                 <a:latin typeface="SimSun" panose="02010600030101010101" pitchFamily="2" charset="-122"/>
                 <a:ea typeface="SimSun" panose="02010600030101010101" pitchFamily="2" charset="-122"/>
               </a:rPr>
-              <a:t>创建新工程</a:t>
-            </a:r>
-            <a:endParaRPr lang="en-US" sz="2800" dirty="0">
-              <a:latin typeface="SimSun" panose="02010600030101010101" pitchFamily="2" charset="-122"/>
-              <a:ea typeface="SimSun" panose="02010600030101010101" pitchFamily="2" charset="-122"/>
-            </a:endParaRPr>
+              <a:t>目录结构</a:t>
+            </a:r>
+            <a:r>
+              <a:rPr lang="en-US" altLang="ja-JP" dirty="0">
+                <a:latin typeface="SimSun" panose="02010600030101010101" pitchFamily="2" charset="-122"/>
+                <a:ea typeface="SimSun" panose="02010600030101010101" pitchFamily="2" charset="-122"/>
+              </a:rPr>
+              <a:t>(</a:t>
+            </a:r>
+            <a:r>
+              <a:rPr lang="en-US" dirty="0">
+                <a:latin typeface="SimSun" panose="02010600030101010101" pitchFamily="2" charset="-122"/>
+                <a:ea typeface="SimSun" panose="02010600030101010101" pitchFamily="2" charset="-122"/>
+              </a:rPr>
+              <a:t>Root)</a:t>
+            </a:r>
           </a:p>
         </p:txBody>
       </p:sp>
@@ -12581,23 +11669,80 @@
           </a:p>
         </p:txBody>
       </p:sp>
+      <p:pic>
+        <p:nvPicPr>
+          <p:cNvPr id="5" name="Content Placeholder 4"/>
+          <p:cNvPicPr>
+            <a:picLocks noGrp="1" noChangeAspect="1"/>
+          </p:cNvPicPr>
+          <p:nvPr>
+            <p:ph sz="quarter" idx="12"/>
+          </p:nvPr>
+        </p:nvPicPr>
+        <p:blipFill>
+          <a:blip r:embed="rId2"/>
+          <a:stretch>
+            <a:fillRect/>
+          </a:stretch>
+        </p:blipFill>
+        <p:spPr>
+          <a:xfrm>
+            <a:off x="460376" y="1295400"/>
+            <a:ext cx="8197453" cy="4902200"/>
+          </a:xfrm>
+          <a:prstGeom prst="rect">
+            <a:avLst/>
+          </a:prstGeom>
+        </p:spPr>
+      </p:pic>
+      <p:sp>
+        <p:nvSpPr>
+          <p:cNvPr id="6" name="TextBox 5"/>
+          <p:cNvSpPr txBox="1"/>
+          <p:nvPr/>
+        </p:nvSpPr>
+        <p:spPr>
+          <a:xfrm>
+            <a:off x="267494" y="6570473"/>
+            <a:ext cx="3180355" cy="230832"/>
+          </a:xfrm>
+          <a:prstGeom prst="rect">
+            <a:avLst/>
+          </a:prstGeom>
+          <a:noFill/>
+        </p:spPr>
+        <p:txBody>
+          <a:bodyPr wrap="square" lIns="0">
+            <a:spAutoFit/>
+          </a:bodyPr>
+          <a:lstStyle/>
+          <a:p>
+            <a:pPr algn="ctr">
+              <a:defRPr/>
+            </a:pPr>
+            <a:r>
+              <a:rPr lang="en-US" sz="900" dirty="0">
+                <a:solidFill>
+                  <a:srgbClr val="7F7F7F"/>
+                </a:solidFill>
+                <a:latin typeface="Arial" pitchFamily="34" charset="0"/>
+                <a:cs typeface="Arial" pitchFamily="34" charset="0"/>
+              </a:rPr>
+              <a:t>Copyright © 2017 Accenture  All rights reserved.</a:t>
+            </a:r>
+          </a:p>
+        </p:txBody>
+      </p:sp>
     </p:spTree>
     <p:extLst>
       <p:ext uri="{BB962C8B-B14F-4D97-AF65-F5344CB8AC3E}">
-        <p14:creationId xmlns:p14="http://schemas.microsoft.com/office/powerpoint/2010/main" val="1282749284"/>
+        <p14:creationId xmlns:p14="http://schemas.microsoft.com/office/powerpoint/2010/main" val="2228399646"/>
       </p:ext>
     </p:extLst>
   </p:cSld>
   <p:clrMapOvr>
     <a:masterClrMapping/>
   </p:clrMapOvr>
-  <p:timing>
-    <p:tnLst>
-      <p:par>
-        <p:cTn id="1" dur="indefinite" restart="never" nodeType="tmRoot"/>
-      </p:par>
-    </p:tnLst>
-  </p:timing>
 </p:sld>
 </file>
 
@@ -12634,33 +11779,34 @@
           <a:lstStyle/>
           <a:p>
             <a:r>
-              <a:rPr lang="ja-JP" altLang="en-US" dirty="0" smtClean="0">
+              <a:rPr lang="zh-CN" altLang="en-US" sz="2800" dirty="0">
                 <a:latin typeface="SimSun" panose="02010600030101010101" pitchFamily="2" charset="-122"/>
                 <a:ea typeface="SimSun" panose="02010600030101010101" pitchFamily="2" charset="-122"/>
               </a:rPr>
-              <a:t>目</a:t>
-            </a:r>
-            <a:r>
-              <a:rPr lang="ja-JP" altLang="en-US" dirty="0">
+              <a:t>目录结构</a:t>
+            </a:r>
+            <a:r>
+              <a:rPr lang="en-US" altLang="zh-CN" sz="2800" dirty="0">
                 <a:latin typeface="SimSun" panose="02010600030101010101" pitchFamily="2" charset="-122"/>
                 <a:ea typeface="SimSun" panose="02010600030101010101" pitchFamily="2" charset="-122"/>
               </a:rPr>
-              <a:t>录结构</a:t>
-            </a:r>
-            <a:r>
-              <a:rPr lang="en-US" altLang="ja-JP" dirty="0">
+              <a:t>(</a:t>
+            </a:r>
+            <a:r>
+              <a:rPr lang="en-US" altLang="zh-CN" sz="2800" dirty="0" err="1">
                 <a:latin typeface="SimSun" panose="02010600030101010101" pitchFamily="2" charset="-122"/>
                 <a:ea typeface="SimSun" panose="02010600030101010101" pitchFamily="2" charset="-122"/>
               </a:rPr>
-              <a:t>(</a:t>
-            </a:r>
-            <a:r>
-              <a:rPr lang="en-US" dirty="0">
+              <a:t>Src</a:t>
+            </a:r>
+            <a:r>
+              <a:rPr lang="en-US" altLang="zh-CN" sz="2800" dirty="0">
                 <a:latin typeface="SimSun" panose="02010600030101010101" pitchFamily="2" charset="-122"/>
                 <a:ea typeface="SimSun" panose="02010600030101010101" pitchFamily="2" charset="-122"/>
               </a:rPr>
-              <a:t>Root)</a:t>
-            </a:r>
+              <a:t>)</a:t>
+            </a:r>
+            <a:endParaRPr lang="en-US" dirty="0"/>
           </a:p>
         </p:txBody>
       </p:sp>
@@ -12704,237 +11850,6 @@
                 <a:defRPr/>
               </a:pPr>
               <a:t>3</a:t>
-            </a:fld>
-            <a:endParaRPr lang="en-US" b="0" dirty="0">
-              <a:solidFill>
-                <a:srgbClr val="666666"/>
-              </a:solidFill>
-            </a:endParaRPr>
-          </a:p>
-        </p:txBody>
-      </p:sp>
-      <p:pic>
-        <p:nvPicPr>
-          <p:cNvPr id="5" name="Content Placeholder 4"/>
-          <p:cNvPicPr>
-            <a:picLocks noGrp="1" noChangeAspect="1"/>
-          </p:cNvPicPr>
-          <p:nvPr>
-            <p:ph sz="quarter" idx="12"/>
-          </p:nvPr>
-        </p:nvPicPr>
-        <p:blipFill>
-          <a:blip r:embed="rId2"/>
-          <a:stretch>
-            <a:fillRect/>
-          </a:stretch>
-        </p:blipFill>
-        <p:spPr>
-          <a:xfrm>
-            <a:off x="460376" y="1295400"/>
-            <a:ext cx="8683624" cy="4902200"/>
-          </a:xfrm>
-          <a:prstGeom prst="rect">
-            <a:avLst/>
-          </a:prstGeom>
-        </p:spPr>
-      </p:pic>
-      <p:sp>
-        <p:nvSpPr>
-          <p:cNvPr id="6" name="TextBox 5"/>
-          <p:cNvSpPr txBox="1"/>
-          <p:nvPr/>
-        </p:nvSpPr>
-        <p:spPr>
-          <a:xfrm>
-            <a:off x="267494" y="6570473"/>
-            <a:ext cx="3180355" cy="230832"/>
-          </a:xfrm>
-          <a:prstGeom prst="rect">
-            <a:avLst/>
-          </a:prstGeom>
-          <a:noFill/>
-        </p:spPr>
-        <p:txBody>
-          <a:bodyPr wrap="square" lIns="0">
-            <a:spAutoFit/>
-          </a:bodyPr>
-          <a:lstStyle/>
-          <a:p>
-            <a:pPr algn="ctr">
-              <a:defRPr/>
-            </a:pPr>
-            <a:r>
-              <a:rPr lang="en-US" sz="900" dirty="0">
-                <a:solidFill>
-                  <a:srgbClr val="7F7F7F"/>
-                </a:solidFill>
-                <a:latin typeface="Arial" pitchFamily="34" charset="0"/>
-                <a:cs typeface="Arial" pitchFamily="34" charset="0"/>
-              </a:rPr>
-              <a:t>Copyright © </a:t>
-            </a:r>
-            <a:r>
-              <a:rPr lang="en-US" sz="900" dirty="0" smtClean="0">
-                <a:solidFill>
-                  <a:srgbClr val="7F7F7F"/>
-                </a:solidFill>
-                <a:latin typeface="Arial" pitchFamily="34" charset="0"/>
-                <a:cs typeface="Arial" pitchFamily="34" charset="0"/>
-              </a:rPr>
-              <a:t>2017 </a:t>
-            </a:r>
-            <a:r>
-              <a:rPr lang="en-US" sz="900" dirty="0">
-                <a:solidFill>
-                  <a:srgbClr val="7F7F7F"/>
-                </a:solidFill>
-                <a:latin typeface="Arial" pitchFamily="34" charset="0"/>
-                <a:cs typeface="Arial" pitchFamily="34" charset="0"/>
-              </a:rPr>
-              <a:t>Accenture  All rights reserved.</a:t>
-            </a:r>
-          </a:p>
-        </p:txBody>
-      </p:sp>
-    </p:spTree>
-    <p:extLst>
-      <p:ext uri="{BB962C8B-B14F-4D97-AF65-F5344CB8AC3E}">
-        <p14:creationId xmlns:p14="http://schemas.microsoft.com/office/powerpoint/2010/main" val="2228399646"/>
-      </p:ext>
-    </p:extLst>
-  </p:cSld>
-  <p:clrMapOvr>
-    <a:masterClrMapping/>
-  </p:clrMapOvr>
-  <p:timing>
-    <p:tnLst>
-      <p:par>
-        <p:cTn id="1" dur="indefinite" restart="never" nodeType="tmRoot"/>
-      </p:par>
-    </p:tnLst>
-  </p:timing>
-</p:sld>
-</file>
-
-<file path=ppt/slides/slide5.xml><?xml version="1.0" encoding="utf-8"?>
-<p:sld xmlns:a="http://schemas.openxmlformats.org/drawingml/2006/main" xmlns:r="http://schemas.openxmlformats.org/officeDocument/2006/relationships" xmlns:p="http://schemas.openxmlformats.org/presentationml/2006/main">
-  <p:cSld>
-    <p:spTree>
-      <p:nvGrpSpPr>
-        <p:cNvPr id="1" name=""/>
-        <p:cNvGrpSpPr/>
-        <p:nvPr/>
-      </p:nvGrpSpPr>
-      <p:grpSpPr>
-        <a:xfrm>
-          <a:off x="0" y="0"/>
-          <a:ext cx="0" cy="0"/>
-          <a:chOff x="0" y="0"/>
-          <a:chExt cx="0" cy="0"/>
-        </a:xfrm>
-      </p:grpSpPr>
-      <p:sp>
-        <p:nvSpPr>
-          <p:cNvPr id="3" name="Title 2"/>
-          <p:cNvSpPr>
-            <a:spLocks noGrp="1"/>
-          </p:cNvSpPr>
-          <p:nvPr>
-            <p:ph type="title"/>
-          </p:nvPr>
-        </p:nvSpPr>
-        <p:spPr/>
-        <p:txBody>
-          <a:bodyPr/>
-          <a:lstStyle/>
-          <a:p>
-            <a:r>
-              <a:rPr lang="zh-CN" altLang="en-US" sz="2800" dirty="0" smtClean="0">
-                <a:latin typeface="SimSun" panose="02010600030101010101" pitchFamily="2" charset="-122"/>
-                <a:ea typeface="SimSun" panose="02010600030101010101" pitchFamily="2" charset="-122"/>
-              </a:rPr>
-              <a:t>目</a:t>
-            </a:r>
-            <a:r>
-              <a:rPr lang="zh-CN" altLang="en-US" sz="2800" dirty="0">
-                <a:latin typeface="SimSun" panose="02010600030101010101" pitchFamily="2" charset="-122"/>
-                <a:ea typeface="SimSun" panose="02010600030101010101" pitchFamily="2" charset="-122"/>
-              </a:rPr>
-              <a:t>录结</a:t>
-            </a:r>
-            <a:r>
-              <a:rPr lang="zh-CN" altLang="en-US" sz="2800" dirty="0" smtClean="0">
-                <a:latin typeface="SimSun" panose="02010600030101010101" pitchFamily="2" charset="-122"/>
-                <a:ea typeface="SimSun" panose="02010600030101010101" pitchFamily="2" charset="-122"/>
-              </a:rPr>
-              <a:t>构</a:t>
-            </a:r>
-            <a:r>
-              <a:rPr lang="en-US" altLang="zh-CN" sz="2800" dirty="0" smtClean="0">
-                <a:latin typeface="SimSun" panose="02010600030101010101" pitchFamily="2" charset="-122"/>
-                <a:ea typeface="SimSun" panose="02010600030101010101" pitchFamily="2" charset="-122"/>
-              </a:rPr>
-              <a:t>(</a:t>
-            </a:r>
-            <a:r>
-              <a:rPr lang="en-US" altLang="zh-CN" sz="2800" dirty="0" err="1" smtClean="0">
-                <a:latin typeface="SimSun" panose="02010600030101010101" pitchFamily="2" charset="-122"/>
-                <a:ea typeface="SimSun" panose="02010600030101010101" pitchFamily="2" charset="-122"/>
-              </a:rPr>
-              <a:t>Src</a:t>
-            </a:r>
-            <a:r>
-              <a:rPr lang="en-US" altLang="zh-CN" sz="2800" dirty="0" smtClean="0">
-                <a:latin typeface="SimSun" panose="02010600030101010101" pitchFamily="2" charset="-122"/>
-                <a:ea typeface="SimSun" panose="02010600030101010101" pitchFamily="2" charset="-122"/>
-              </a:rPr>
-              <a:t>)</a:t>
-            </a:r>
-            <a:endParaRPr lang="en-US" dirty="0"/>
-          </a:p>
-        </p:txBody>
-      </p:sp>
-      <p:sp>
-        <p:nvSpPr>
-          <p:cNvPr id="4" name="Slide Number Placeholder 3"/>
-          <p:cNvSpPr>
-            <a:spLocks noGrp="1"/>
-          </p:cNvSpPr>
-          <p:nvPr>
-            <p:ph type="sldNum" sz="quarter" idx="4"/>
-          </p:nvPr>
-        </p:nvSpPr>
-        <p:spPr/>
-        <p:txBody>
-          <a:bodyPr/>
-          <a:lstStyle/>
-          <a:p>
-            <a:pPr fontAlgn="auto">
-              <a:spcBef>
-                <a:spcPts val="0"/>
-              </a:spcBef>
-              <a:spcAft>
-                <a:spcPts val="0"/>
-              </a:spcAft>
-              <a:defRPr/>
-            </a:pPr>
-            <a:fld id="{90CBDC3A-D49F-4631-A8C7-55D59B33E5FA}" type="slidenum">
-              <a:rPr lang="en-US" b="0" smtClean="0">
-                <a:solidFill>
-                  <a:srgbClr val="666666"/>
-                </a:solidFill>
-              </a:rPr>
-              <a:pPr fontAlgn="auto">
-                <a:spcBef>
-                  <a:spcPts val="0"/>
-                </a:spcBef>
-                <a:spcAft>
-                  <a:spcPts val="0"/>
-                </a:spcAft>
-                <a:defRPr/>
-              </a:pPr>
-              <a:t>4</a:t>
             </a:fld>
             <a:endParaRPr lang="en-US" b="0" dirty="0">
               <a:solidFill>
@@ -12984,8 +11899,8 @@
         </p:blipFill>
         <p:spPr>
           <a:xfrm>
-            <a:off x="448734" y="1264179"/>
-            <a:ext cx="8559799" cy="5178954"/>
+            <a:off x="448735" y="1264179"/>
+            <a:ext cx="8149982" cy="5178954"/>
           </a:xfrm>
           <a:prstGeom prst="rect">
             <a:avLst/>
@@ -13025,27 +11940,7 @@
                 <a:latin typeface="Arial" pitchFamily="34" charset="0"/>
                 <a:cs typeface="Arial" pitchFamily="34" charset="0"/>
               </a:rPr>
-              <a:t>Copyright © </a:t>
-            </a:r>
-            <a:r>
-              <a:rPr lang="en-US" sz="900" dirty="0" smtClean="0">
-                <a:solidFill>
-                  <a:srgbClr val="7F7F7F"/>
-                </a:solidFill>
-                <a:latin typeface="Arial" pitchFamily="34" charset="0"/>
-                <a:cs typeface="Arial" pitchFamily="34" charset="0"/>
-              </a:rPr>
-              <a:t>2017 </a:t>
-            </a:r>
-            <a:r>
-              <a:rPr lang="en-US" sz="900" dirty="0">
-                <a:solidFill>
-                  <a:srgbClr val="7F7F7F"/>
-                </a:solidFill>
-                <a:latin typeface="Arial" pitchFamily="34" charset="0"/>
-                <a:cs typeface="Arial" pitchFamily="34" charset="0"/>
-              </a:rPr>
-              <a:t>Accenture  All rights reserved.</a:t>
+              <a:t>Copyright © 2017 Accenture  All rights reserved.</a:t>
             </a:r>
           </a:p>
         </p:txBody>
@@ -13060,17 +11955,10 @@
   <p:clrMapOvr>
     <a:masterClrMapping/>
   </p:clrMapOvr>
-  <p:timing>
-    <p:tnLst>
-      <p:par>
-        <p:cTn id="1" dur="indefinite" restart="never" nodeType="tmRoot"/>
-      </p:par>
-    </p:tnLst>
-  </p:timing>
 </p:sld>
 </file>
 
-<file path=ppt/slides/slide6.xml><?xml version="1.0" encoding="utf-8"?>
+<file path=ppt/slides/slide5.xml><?xml version="1.0" encoding="utf-8"?>
 <p:sld xmlns:a="http://schemas.openxmlformats.org/drawingml/2006/main" xmlns:r="http://schemas.openxmlformats.org/officeDocument/2006/relationships" xmlns:p="http://schemas.openxmlformats.org/presentationml/2006/main">
   <p:cSld>
     <p:spTree>
@@ -13099,7 +11987,7 @@
         </p:nvSpPr>
         <p:spPr>
           <a:xfrm>
-            <a:off x="448734" y="1199623"/>
+            <a:off x="448734" y="1359014"/>
             <a:ext cx="8695266" cy="5243510"/>
           </a:xfrm>
         </p:spPr>
@@ -13110,106 +11998,92 @@
           <a:lstStyle/>
           <a:p>
             <a:r>
-              <a:rPr lang="zh-CN" altLang="en-US" sz="2400" dirty="0">
+              <a:rPr lang="zh-CN" altLang="en-US" sz="2200" dirty="0">
                 <a:latin typeface="SimSun" panose="02010600030101010101" pitchFamily="2" charset="-122"/>
                 <a:ea typeface="SimSun" panose="02010600030101010101" pitchFamily="2" charset="-122"/>
               </a:rPr>
-              <a:t>运</a:t>
-            </a:r>
-            <a:r>
-              <a:rPr lang="zh-CN" altLang="en-US" sz="2400" dirty="0" smtClean="0">
+              <a:t>运行下列</a:t>
+            </a:r>
+            <a:r>
+              <a:rPr lang="en-US" altLang="zh-CN" sz="2200" dirty="0">
                 <a:latin typeface="SimSun" panose="02010600030101010101" pitchFamily="2" charset="-122"/>
                 <a:ea typeface="SimSun" panose="02010600030101010101" pitchFamily="2" charset="-122"/>
               </a:rPr>
-              <a:t>行下列</a:t>
-            </a:r>
-            <a:r>
-              <a:rPr lang="en-US" altLang="zh-CN" sz="2400" dirty="0" smtClean="0">
+              <a:t>CLI</a:t>
+            </a:r>
+            <a:r>
+              <a:rPr lang="zh-CN" altLang="en-US" sz="2200" dirty="0">
                 <a:latin typeface="SimSun" panose="02010600030101010101" pitchFamily="2" charset="-122"/>
                 <a:ea typeface="SimSun" panose="02010600030101010101" pitchFamily="2" charset="-122"/>
               </a:rPr>
-              <a:t>CLI</a:t>
-            </a:r>
-            <a:r>
-              <a:rPr lang="zh-CN" altLang="en-US" sz="2400" dirty="0" smtClean="0">
+              <a:t>命令来启动应用：</a:t>
+            </a:r>
+            <a:r>
+              <a:rPr lang="en-US" altLang="zh-CN" sz="2200" dirty="0">
                 <a:latin typeface="SimSun" panose="02010600030101010101" pitchFamily="2" charset="-122"/>
                 <a:ea typeface="SimSun" panose="02010600030101010101" pitchFamily="2" charset="-122"/>
               </a:rPr>
-              <a:t>命令来启动应用：</a:t>
-            </a:r>
-            <a:r>
-              <a:rPr lang="en-US" altLang="zh-CN" sz="2400" dirty="0" smtClean="0">
+              <a:t>ng serve</a:t>
+            </a:r>
+          </a:p>
+          <a:p>
+            <a:r>
+              <a:rPr lang="zh-CN" altLang="en-US" sz="2200" dirty="0">
                 <a:latin typeface="SimSun" panose="02010600030101010101" pitchFamily="2" charset="-122"/>
                 <a:ea typeface="SimSun" panose="02010600030101010101" pitchFamily="2" charset="-122"/>
               </a:rPr>
-              <a:t>ng serve</a:t>
-            </a:r>
-          </a:p>
-          <a:p>
-            <a:r>
-              <a:rPr lang="zh-CN" altLang="en-US" sz="2400" dirty="0">
-                <a:latin typeface="SimSun" panose="02010600030101010101" pitchFamily="2" charset="-122"/>
-                <a:ea typeface="SimSun" panose="02010600030101010101" pitchFamily="2" charset="-122"/>
-              </a:rPr>
-              <a:t>大</a:t>
-            </a:r>
-            <a:r>
-              <a:rPr lang="zh-CN" altLang="en-US" sz="2400" dirty="0" smtClean="0">
-                <a:latin typeface="SimSun" panose="02010600030101010101" pitchFamily="2" charset="-122"/>
-                <a:ea typeface="SimSun" panose="02010600030101010101" pitchFamily="2" charset="-122"/>
-              </a:rPr>
-              <a:t>体启动过程如下：</a:t>
-            </a:r>
-            <a:endParaRPr lang="en-US" altLang="zh-CN" sz="2400" dirty="0" smtClean="0">
+              <a:t>大体启动过程如下：</a:t>
+            </a:r>
+            <a:endParaRPr lang="en-US" altLang="zh-CN" sz="2200" dirty="0">
               <a:latin typeface="SimSun" panose="02010600030101010101" pitchFamily="2" charset="-122"/>
               <a:ea typeface="SimSun" panose="02010600030101010101" pitchFamily="2" charset="-122"/>
             </a:endParaRPr>
           </a:p>
           <a:p>
             <a:r>
-              <a:rPr lang="en-US" sz="2400" dirty="0" smtClean="0">
+              <a:rPr lang="en-US" sz="2200" dirty="0">
                 <a:latin typeface="SimSun" panose="02010600030101010101" pitchFamily="2" charset="-122"/>
                 <a:ea typeface="SimSun" panose="02010600030101010101" pitchFamily="2" charset="-122"/>
               </a:rPr>
               <a:t>Angular-</a:t>
             </a:r>
             <a:r>
-              <a:rPr lang="en-US" sz="2400" dirty="0" err="1" smtClean="0">
+              <a:rPr lang="en-US" sz="2200" dirty="0" err="1">
                 <a:latin typeface="SimSun" panose="02010600030101010101" pitchFamily="2" charset="-122"/>
                 <a:ea typeface="SimSun" panose="02010600030101010101" pitchFamily="2" charset="-122"/>
               </a:rPr>
               <a:t>cli.json</a:t>
             </a:r>
             <a:r>
-              <a:rPr lang="zh-CN" altLang="en-US" sz="2400" dirty="0" smtClean="0">
+              <a:rPr lang="zh-CN" altLang="en-US" sz="2200" dirty="0">
                 <a:latin typeface="SimSun" panose="02010600030101010101" pitchFamily="2" charset="-122"/>
                 <a:ea typeface="SimSun" panose="02010600030101010101" pitchFamily="2" charset="-122"/>
               </a:rPr>
               <a:t>指定一个</a:t>
             </a:r>
             <a:r>
-              <a:rPr lang="en-US" altLang="zh-CN" sz="2400" dirty="0" smtClean="0">
+              <a:rPr lang="en-US" altLang="zh-CN" sz="2200" dirty="0">
                 <a:latin typeface="SimSun" panose="02010600030101010101" pitchFamily="2" charset="-122"/>
                 <a:ea typeface="SimSun" panose="02010600030101010101" pitchFamily="2" charset="-122"/>
               </a:rPr>
               <a:t>”main”</a:t>
             </a:r>
             <a:r>
-              <a:rPr lang="zh-CN" altLang="en-US" sz="2400" dirty="0" smtClean="0">
+              <a:rPr lang="zh-CN" altLang="en-US" sz="2200" dirty="0">
                 <a:latin typeface="SimSun" panose="02010600030101010101" pitchFamily="2" charset="-122"/>
                 <a:ea typeface="SimSun" panose="02010600030101010101" pitchFamily="2" charset="-122"/>
               </a:rPr>
               <a:t>文件，这里是</a:t>
             </a:r>
             <a:r>
-              <a:rPr lang="en-US" altLang="zh-CN" sz="2400" dirty="0" err="1" smtClean="0">
+              <a:rPr lang="en-US" altLang="zh-CN" sz="2200" dirty="0" err="1">
                 <a:latin typeface="SimSun" panose="02010600030101010101" pitchFamily="2" charset="-122"/>
                 <a:ea typeface="SimSun" panose="02010600030101010101" pitchFamily="2" charset="-122"/>
               </a:rPr>
               <a:t>main.ts</a:t>
             </a:r>
             <a:r>
-              <a:rPr lang="en-US" altLang="zh-CN" sz="2400" dirty="0" smtClean="0">
+              <a:rPr lang="en-US" altLang="zh-CN" sz="2200" dirty="0">
                 <a:latin typeface="SimSun" panose="02010600030101010101" pitchFamily="2" charset="-122"/>
                 <a:ea typeface="SimSun" panose="02010600030101010101" pitchFamily="2" charset="-122"/>
               </a:rPr>
@@ -13218,104 +12092,97 @@
           </a:p>
           <a:p>
             <a:r>
-              <a:rPr lang="en-US" sz="2400" dirty="0" err="1" smtClean="0">
+              <a:rPr lang="en-US" sz="2200" dirty="0" err="1">
                 <a:latin typeface="SimSun" panose="02010600030101010101" pitchFamily="2" charset="-122"/>
                 <a:ea typeface="SimSun" panose="02010600030101010101" pitchFamily="2" charset="-122"/>
               </a:rPr>
               <a:t>Main.ts</a:t>
             </a:r>
             <a:r>
-              <a:rPr lang="zh-CN" altLang="en-US" sz="2400" dirty="0" smtClean="0">
+              <a:rPr lang="zh-CN" altLang="en-US" sz="2200" dirty="0">
                 <a:latin typeface="SimSun" panose="02010600030101010101" pitchFamily="2" charset="-122"/>
                 <a:ea typeface="SimSun" panose="02010600030101010101" pitchFamily="2" charset="-122"/>
               </a:rPr>
               <a:t>是应用的入口点，并且会引导我们的应用；</a:t>
             </a:r>
-            <a:endParaRPr lang="en-US" altLang="zh-CN" sz="2400" dirty="0" smtClean="0">
+            <a:endParaRPr lang="en-US" altLang="zh-CN" sz="2200" dirty="0">
               <a:latin typeface="SimSun" panose="02010600030101010101" pitchFamily="2" charset="-122"/>
               <a:ea typeface="SimSun" panose="02010600030101010101" pitchFamily="2" charset="-122"/>
             </a:endParaRPr>
           </a:p>
           <a:p>
             <a:r>
-              <a:rPr lang="zh-CN" altLang="en-US" sz="2400" dirty="0">
+              <a:rPr lang="zh-CN" altLang="en-US" sz="2200" dirty="0">
                 <a:latin typeface="SimSun" panose="02010600030101010101" pitchFamily="2" charset="-122"/>
                 <a:ea typeface="SimSun" panose="02010600030101010101" pitchFamily="2" charset="-122"/>
               </a:rPr>
-              <a:t>引</a:t>
-            </a:r>
-            <a:r>
-              <a:rPr lang="zh-CN" altLang="en-US" sz="2400" dirty="0" smtClean="0">
+              <a:t>引导过程会引导一个</a:t>
+            </a:r>
+            <a:r>
+              <a:rPr lang="en-US" altLang="zh-CN" sz="2200" dirty="0" err="1">
                 <a:latin typeface="SimSun" panose="02010600030101010101" pitchFamily="2" charset="-122"/>
                 <a:ea typeface="SimSun" panose="02010600030101010101" pitchFamily="2" charset="-122"/>
               </a:rPr>
-              <a:t>导过程会引导一个</a:t>
-            </a:r>
-            <a:r>
-              <a:rPr lang="en-US" altLang="zh-CN" sz="2400" dirty="0" err="1" smtClean="0">
+              <a:t>AppMudule</a:t>
+            </a:r>
+            <a:r>
+              <a:rPr lang="en-US" altLang="zh-CN" sz="2200" dirty="0">
                 <a:latin typeface="SimSun" panose="02010600030101010101" pitchFamily="2" charset="-122"/>
                 <a:ea typeface="SimSun" panose="02010600030101010101" pitchFamily="2" charset="-122"/>
               </a:rPr>
-              <a:t>AppMudule</a:t>
-            </a:r>
-            <a:r>
-              <a:rPr lang="en-US" altLang="zh-CN" sz="2400" dirty="0" smtClean="0">
+              <a:t>;</a:t>
+            </a:r>
+          </a:p>
+          <a:p>
+            <a:r>
+              <a:rPr lang="en-US" sz="2200" dirty="0" err="1">
                 <a:latin typeface="SimSun" panose="02010600030101010101" pitchFamily="2" charset="-122"/>
                 <a:ea typeface="SimSun" panose="02010600030101010101" pitchFamily="2" charset="-122"/>
               </a:rPr>
-              <a:t>;</a:t>
-            </a:r>
-          </a:p>
-          <a:p>
-            <a:r>
-              <a:rPr lang="en-US" sz="2400" dirty="0" err="1" smtClean="0">
+              <a:t>AppMudule</a:t>
+            </a:r>
+            <a:r>
+              <a:rPr lang="zh-CN" altLang="en-US" sz="2200" dirty="0">
                 <a:latin typeface="SimSun" panose="02010600030101010101" pitchFamily="2" charset="-122"/>
                 <a:ea typeface="SimSun" panose="02010600030101010101" pitchFamily="2" charset="-122"/>
               </a:rPr>
-              <a:t>AppMudule</a:t>
-            </a:r>
-            <a:r>
-              <a:rPr lang="zh-CN" altLang="en-US" sz="2400" dirty="0" smtClean="0">
+              <a:t>指定了将哪个组件用作顶层组件，这里是</a:t>
+            </a:r>
+            <a:r>
+              <a:rPr lang="en-US" altLang="zh-CN" sz="2200" dirty="0" err="1">
                 <a:latin typeface="SimSun" panose="02010600030101010101" pitchFamily="2" charset="-122"/>
                 <a:ea typeface="SimSun" panose="02010600030101010101" pitchFamily="2" charset="-122"/>
               </a:rPr>
-              <a:t>指定了将哪个组件用作顶层组件，这里是</a:t>
-            </a:r>
-            <a:r>
-              <a:rPr lang="en-US" altLang="zh-CN" sz="2400" dirty="0" err="1" smtClean="0">
+              <a:t>AppComponent</a:t>
+            </a:r>
+            <a:r>
+              <a:rPr lang="zh-CN" altLang="en-US" sz="2200" dirty="0">
                 <a:latin typeface="SimSun" panose="02010600030101010101" pitchFamily="2" charset="-122"/>
                 <a:ea typeface="SimSun" panose="02010600030101010101" pitchFamily="2" charset="-122"/>
               </a:rPr>
-              <a:t>AppComponent</a:t>
-            </a:r>
-            <a:r>
-              <a:rPr lang="zh-CN" altLang="en-US" sz="2400" dirty="0" smtClean="0">
-                <a:latin typeface="SimSun" panose="02010600030101010101" pitchFamily="2" charset="-122"/>
-                <a:ea typeface="SimSun" panose="02010600030101010101" pitchFamily="2" charset="-122"/>
-              </a:rPr>
               <a:t>；</a:t>
             </a:r>
-            <a:endParaRPr lang="en-US" altLang="zh-CN" sz="2400" dirty="0" smtClean="0">
+            <a:endParaRPr lang="en-US" altLang="zh-CN" sz="2200" dirty="0">
               <a:latin typeface="SimSun" panose="02010600030101010101" pitchFamily="2" charset="-122"/>
               <a:ea typeface="SimSun" panose="02010600030101010101" pitchFamily="2" charset="-122"/>
             </a:endParaRPr>
           </a:p>
           <a:p>
             <a:r>
-              <a:rPr lang="en-US" altLang="zh-CN" sz="2400" dirty="0" err="1" smtClean="0">
+              <a:rPr lang="en-US" altLang="zh-CN" sz="2200" dirty="0" err="1">
                 <a:latin typeface="SimSun" panose="02010600030101010101" pitchFamily="2" charset="-122"/>
                 <a:ea typeface="SimSun" panose="02010600030101010101" pitchFamily="2" charset="-122"/>
               </a:rPr>
               <a:t>AppComponent</a:t>
             </a:r>
             <a:r>
-              <a:rPr lang="zh-CN" altLang="en-US" sz="2400" dirty="0" smtClean="0">
+              <a:rPr lang="zh-CN" altLang="en-US" sz="2200" dirty="0">
                 <a:latin typeface="SimSun" panose="02010600030101010101" pitchFamily="2" charset="-122"/>
                 <a:ea typeface="SimSun" panose="02010600030101010101" pitchFamily="2" charset="-122"/>
               </a:rPr>
               <a:t>的模板中展示内容</a:t>
             </a:r>
-            <a:endParaRPr lang="en-US" sz="2400" dirty="0">
+            <a:endParaRPr lang="en-US" sz="2200" dirty="0">
               <a:latin typeface="SimSun" panose="02010600030101010101" pitchFamily="2" charset="-122"/>
               <a:ea typeface="SimSun" panose="02010600030101010101" pitchFamily="2" charset="-122"/>
             </a:endParaRPr>
@@ -13342,28 +12209,7 @@
                 <a:latin typeface="SimSun" panose="02010600030101010101" pitchFamily="2" charset="-122"/>
                 <a:ea typeface="SimSun" panose="02010600030101010101" pitchFamily="2" charset="-122"/>
               </a:rPr>
-              <a:t>启</a:t>
-            </a:r>
-            <a:r>
-              <a:rPr lang="zh-CN" altLang="en-US" sz="2800" dirty="0" smtClean="0">
-                <a:latin typeface="SimSun" panose="02010600030101010101" pitchFamily="2" charset="-122"/>
-                <a:ea typeface="SimSun" panose="02010600030101010101" pitchFamily="2" charset="-122"/>
-              </a:rPr>
-              <a:t>动</a:t>
-            </a:r>
-            <a:r>
-              <a:rPr lang="zh-CN" altLang="en-US" sz="2800" dirty="0">
-                <a:latin typeface="SimSun" panose="02010600030101010101" pitchFamily="2" charset="-122"/>
-                <a:ea typeface="SimSun" panose="02010600030101010101" pitchFamily="2" charset="-122"/>
-              </a:rPr>
-              <a:t>过</a:t>
-            </a:r>
-            <a:r>
-              <a:rPr lang="zh-CN" altLang="en-US" sz="2800" dirty="0" smtClean="0">
-                <a:latin typeface="SimSun" panose="02010600030101010101" pitchFamily="2" charset="-122"/>
-                <a:ea typeface="SimSun" panose="02010600030101010101" pitchFamily="2" charset="-122"/>
-              </a:rPr>
-              <a:t>程</a:t>
+              <a:t>启动过程</a:t>
             </a:r>
             <a:endParaRPr lang="en-US" dirty="0"/>
           </a:p>
@@ -13408,7 +12254,7 @@
                 </a:spcAft>
                 <a:defRPr/>
               </a:pPr>
-              <a:t>5</a:t>
+              <a:t>4</a:t>
             </a:fld>
             <a:endParaRPr lang="en-US" b="0" dirty="0">
               <a:solidFill>
@@ -13451,27 +12297,7 @@
                 <a:latin typeface="Arial" pitchFamily="34" charset="0"/>
                 <a:cs typeface="Arial" pitchFamily="34" charset="0"/>
               </a:rPr>
-              <a:t>Copyright © </a:t>
-            </a:r>
-            <a:r>
-              <a:rPr lang="en-US" sz="900" dirty="0" smtClean="0">
-                <a:solidFill>
-                  <a:srgbClr val="7F7F7F"/>
-                </a:solidFill>
-                <a:latin typeface="Arial" pitchFamily="34" charset="0"/>
-                <a:cs typeface="Arial" pitchFamily="34" charset="0"/>
-              </a:rPr>
-              <a:t>2017 </a:t>
-            </a:r>
-            <a:r>
-              <a:rPr lang="en-US" sz="900" dirty="0">
-                <a:solidFill>
-                  <a:srgbClr val="7F7F7F"/>
-                </a:solidFill>
-                <a:latin typeface="Arial" pitchFamily="34" charset="0"/>
-                <a:cs typeface="Arial" pitchFamily="34" charset="0"/>
-              </a:rPr>
-              <a:t>Accenture  All rights reserved.</a:t>
+              <a:t>Copyright © 2017 Accenture  All rights reserved.</a:t>
             </a:r>
           </a:p>
         </p:txBody>
@@ -13486,17 +12312,10 @@
   <p:clrMapOvr>
     <a:masterClrMapping/>
   </p:clrMapOvr>
-  <p:timing>
-    <p:tnLst>
-      <p:par>
-        <p:cTn id="1" dur="indefinite" restart="never" nodeType="tmRoot"/>
-      </p:par>
-    </p:tnLst>
-  </p:timing>
 </p:sld>
 </file>
 
-<file path=ppt/slides/slide7.xml><?xml version="1.0" encoding="utf-8"?>
+<file path=ppt/slides/slide6.xml><?xml version="1.0" encoding="utf-8"?>
 <p:sld xmlns:a="http://schemas.openxmlformats.org/drawingml/2006/main" xmlns:r="http://schemas.openxmlformats.org/officeDocument/2006/relationships" xmlns:p="http://schemas.openxmlformats.org/presentationml/2006/main">
   <p:cSld>
     <p:spTree>
@@ -13536,7 +12355,7 @@
           <a:lstStyle/>
           <a:p>
             <a:r>
-              <a:rPr lang="zh-CN" altLang="en-US" dirty="0" smtClean="0">
+              <a:rPr lang="zh-CN" altLang="en-US" dirty="0">
                 <a:latin typeface="SimSun" panose="02010600030101010101" pitchFamily="2" charset="-122"/>
                 <a:ea typeface="SimSun" panose="02010600030101010101" pitchFamily="2" charset="-122"/>
               </a:rPr>
@@ -13605,31 +12424,7 @@
                 <a:ea typeface="SimSun" panose="02010600030101010101" pitchFamily="2" charset="-122"/>
                 <a:cs typeface="Times New Roman" panose="02020603050405020304" pitchFamily="18" charset="0"/>
               </a:rPr>
-              <a:t>应用</a:t>
-            </a:r>
-            <a:r>
-              <a:rPr lang="zh-CN" altLang="en-US" sz="2000" b="0" dirty="0" smtClean="0">
-                <a:latin typeface="SimSun" panose="02010600030101010101" pitchFamily="2" charset="-122"/>
-                <a:ea typeface="SimSun" panose="02010600030101010101" pitchFamily="2" charset="-122"/>
-                <a:cs typeface="Times New Roman" panose="02020603050405020304" pitchFamily="18" charset="0"/>
-              </a:rPr>
-              <a:t>的</a:t>
-            </a:r>
-            <a:r>
-              <a:rPr lang="en-US" altLang="zh-CN" sz="2000" b="0" dirty="0" smtClean="0">
-                <a:latin typeface="SimSun" panose="02010600030101010101" pitchFamily="2" charset="-122"/>
-                <a:ea typeface="SimSun" panose="02010600030101010101" pitchFamily="2" charset="-122"/>
-                <a:cs typeface="Times New Roman" panose="02020603050405020304" pitchFamily="18" charset="0"/>
-              </a:rPr>
-              <a:t>:</a:t>
-            </a:r>
-            <a:r>
-              <a:rPr lang="zh-CN" altLang="en-US" sz="2000" b="0" dirty="0" smtClean="0">
-                <a:latin typeface="SimSun" panose="02010600030101010101" pitchFamily="2" charset="-122"/>
-                <a:ea typeface="SimSun" panose="02010600030101010101" pitchFamily="2" charset="-122"/>
-                <a:cs typeface="Times New Roman" panose="02020603050405020304" pitchFamily="18" charset="0"/>
-              </a:rPr>
-              <a:t>用 </a:t>
+              <a:t>应用的</a:t>
             </a:r>
             <a:r>
               <a:rPr lang="en-US" altLang="zh-CN" sz="2000" b="0" dirty="0">
@@ -13637,7 +12432,7 @@
                 <a:ea typeface="SimSun" panose="02010600030101010101" pitchFamily="2" charset="-122"/>
                 <a:cs typeface="Times New Roman" panose="02020603050405020304" pitchFamily="18" charset="0"/>
               </a:rPr>
-              <a:t>Angular </a:t>
+              <a:t>:</a:t>
             </a:r>
             <a:r>
               <a:rPr lang="zh-CN" altLang="en-US" sz="2000" b="0" dirty="0">
@@ -13645,7 +12440,7 @@
                 <a:ea typeface="SimSun" panose="02010600030101010101" pitchFamily="2" charset="-122"/>
                 <a:cs typeface="Times New Roman" panose="02020603050405020304" pitchFamily="18" charset="0"/>
               </a:rPr>
-              <a:t>扩展语法编写 </a:t>
+              <a:t>用 </a:t>
             </a:r>
             <a:r>
               <a:rPr lang="en-US" altLang="zh-CN" sz="2000" b="0" dirty="0">
@@ -13653,7 +12448,7 @@
                 <a:ea typeface="SimSun" panose="02010600030101010101" pitchFamily="2" charset="-122"/>
                 <a:cs typeface="Times New Roman" panose="02020603050405020304" pitchFamily="18" charset="0"/>
               </a:rPr>
-              <a:t>HTML </a:t>
+              <a:t>Angular </a:t>
             </a:r>
             <a:r>
               <a:rPr lang="zh-CN" altLang="en-US" sz="2000" b="0" dirty="0">
@@ -13661,15 +12456,7 @@
                 <a:ea typeface="SimSun" panose="02010600030101010101" pitchFamily="2" charset="-122"/>
                 <a:cs typeface="Times New Roman" panose="02020603050405020304" pitchFamily="18" charset="0"/>
               </a:rPr>
-              <a:t>模</a:t>
-            </a:r>
-            <a:r>
-              <a:rPr lang="zh-CN" altLang="en-US" sz="2000" b="0" dirty="0" smtClean="0">
-                <a:latin typeface="SimSun" panose="02010600030101010101" pitchFamily="2" charset="-122"/>
-                <a:ea typeface="SimSun" panose="02010600030101010101" pitchFamily="2" charset="-122"/>
-                <a:cs typeface="Times New Roman" panose="02020603050405020304" pitchFamily="18" charset="0"/>
-              </a:rPr>
-              <a:t>板</a:t>
+              <a:t>扩展语法编写 </a:t>
             </a:r>
             <a:r>
               <a:rPr lang="en-US" altLang="zh-CN" sz="2000" b="0" dirty="0">
@@ -13677,15 +12464,7 @@
                 <a:ea typeface="SimSun" panose="02010600030101010101" pitchFamily="2" charset="-122"/>
                 <a:cs typeface="Times New Roman" panose="02020603050405020304" pitchFamily="18" charset="0"/>
               </a:rPr>
-              <a:t>,</a:t>
-            </a:r>
-            <a:r>
-              <a:rPr lang="zh-CN" altLang="en-US" sz="2000" b="0" dirty="0" smtClean="0">
-                <a:latin typeface="SimSun" panose="02010600030101010101" pitchFamily="2" charset="-122"/>
-                <a:ea typeface="SimSun" panose="02010600030101010101" pitchFamily="2" charset="-122"/>
-                <a:cs typeface="Times New Roman" panose="02020603050405020304" pitchFamily="18" charset="0"/>
-              </a:rPr>
-              <a:t>用</a:t>
+              <a:t>HTML </a:t>
             </a:r>
             <a:r>
               <a:rPr lang="zh-CN" altLang="en-US" sz="2000" b="0" dirty="0">
@@ -13693,15 +12472,7 @@
                 <a:ea typeface="SimSun" panose="02010600030101010101" pitchFamily="2" charset="-122"/>
                 <a:cs typeface="Times New Roman" panose="02020603050405020304" pitchFamily="18" charset="0"/>
               </a:rPr>
-              <a:t>组件类管理这些模板，用服务添加应用逻</a:t>
-            </a:r>
-            <a:r>
-              <a:rPr lang="zh-CN" altLang="en-US" sz="2000" b="0" dirty="0" smtClean="0">
-                <a:latin typeface="SimSun" panose="02010600030101010101" pitchFamily="2" charset="-122"/>
-                <a:ea typeface="SimSun" panose="02010600030101010101" pitchFamily="2" charset="-122"/>
-                <a:cs typeface="Times New Roman" panose="02020603050405020304" pitchFamily="18" charset="0"/>
-              </a:rPr>
-              <a:t>辑</a:t>
+              <a:t>模板</a:t>
             </a:r>
             <a:r>
               <a:rPr lang="en-US" altLang="zh-CN" sz="2000" b="0" dirty="0">
@@ -13712,52 +12483,20 @@
               <a:t>,</a:t>
             </a:r>
             <a:r>
-              <a:rPr lang="zh-CN" altLang="en-US" sz="2000" b="0" dirty="0" smtClean="0">
-                <a:latin typeface="SimSun" panose="02010600030101010101" pitchFamily="2" charset="-122"/>
-                <a:ea typeface="SimSun" panose="02010600030101010101" pitchFamily="2" charset="-122"/>
-                <a:cs typeface="Times New Roman" panose="02020603050405020304" pitchFamily="18" charset="0"/>
-              </a:rPr>
-              <a:t>用</a:t>
-            </a:r>
-            <a:r>
               <a:rPr lang="zh-CN" altLang="en-US" sz="2000" b="0" dirty="0">
                 <a:latin typeface="SimSun" panose="02010600030101010101" pitchFamily="2" charset="-122"/>
                 <a:ea typeface="SimSun" panose="02010600030101010101" pitchFamily="2" charset="-122"/>
                 <a:cs typeface="Times New Roman" panose="02020603050405020304" pitchFamily="18" charset="0"/>
               </a:rPr>
-              <a:t>模块打包发布组件与服务</a:t>
-            </a:r>
-            <a:r>
-              <a:rPr lang="zh-CN" altLang="en-US" sz="2000" b="0" dirty="0" smtClean="0">
+              <a:t>用组件类管理这些模板，用服务添加应用逻辑</a:t>
+            </a:r>
+            <a:r>
+              <a:rPr lang="en-US" altLang="zh-CN" sz="2000" b="0" dirty="0">
                 <a:latin typeface="SimSun" panose="02010600030101010101" pitchFamily="2" charset="-122"/>
                 <a:ea typeface="SimSun" panose="02010600030101010101" pitchFamily="2" charset="-122"/>
                 <a:cs typeface="Times New Roman" panose="02020603050405020304" pitchFamily="18" charset="0"/>
               </a:rPr>
-              <a:t>。然</a:t>
-            </a:r>
-            <a:r>
-              <a:rPr lang="zh-CN" altLang="en-US" sz="2000" b="0" dirty="0" smtClean="0">
-                <a:latin typeface="SimSun" panose="02010600030101010101" pitchFamily="2" charset="-122"/>
-                <a:ea typeface="SimSun" panose="02010600030101010101" pitchFamily="2" charset="-122"/>
-                <a:cs typeface="Times New Roman" panose="02020603050405020304" pitchFamily="18" charset="0"/>
-              </a:rPr>
-              <a:t>后</a:t>
-            </a:r>
-            <a:r>
-              <a:rPr lang="en-US" altLang="zh-CN" sz="2000" b="0" dirty="0" smtClean="0">
-                <a:latin typeface="SimSun" panose="02010600030101010101" pitchFamily="2" charset="-122"/>
-                <a:ea typeface="SimSun" panose="02010600030101010101" pitchFamily="2" charset="-122"/>
-                <a:cs typeface="Times New Roman" panose="02020603050405020304" pitchFamily="18" charset="0"/>
-              </a:rPr>
               <a:t>,</a:t>
-            </a:r>
-            <a:r>
-              <a:rPr lang="zh-CN" altLang="en-US" sz="2000" b="0" dirty="0" smtClean="0">
-                <a:latin typeface="SimSun" panose="02010600030101010101" pitchFamily="2" charset="-122"/>
-                <a:ea typeface="SimSun" panose="02010600030101010101" pitchFamily="2" charset="-122"/>
-                <a:cs typeface="Times New Roman" panose="02020603050405020304" pitchFamily="18" charset="0"/>
-              </a:rPr>
-              <a:t>我</a:t>
             </a:r>
             <a:r>
               <a:rPr lang="zh-CN" altLang="en-US" sz="2000" b="0" dirty="0">
@@ -13765,23 +12504,23 @@
                 <a:ea typeface="SimSun" panose="02010600030101010101" pitchFamily="2" charset="-122"/>
                 <a:cs typeface="Times New Roman" panose="02020603050405020304" pitchFamily="18" charset="0"/>
               </a:rPr>
-              <a:t>们通过引导根模块来启动该应</a:t>
-            </a:r>
-            <a:r>
-              <a:rPr lang="zh-CN" altLang="en-US" sz="2000" b="0" dirty="0" smtClean="0">
+              <a:t>用模块打包发布组件与服务。然后</a:t>
+            </a:r>
+            <a:r>
+              <a:rPr lang="en-US" altLang="zh-CN" sz="2000" b="0" dirty="0">
                 <a:latin typeface="SimSun" panose="02010600030101010101" pitchFamily="2" charset="-122"/>
                 <a:ea typeface="SimSun" panose="02010600030101010101" pitchFamily="2" charset="-122"/>
                 <a:cs typeface="Times New Roman" panose="02020603050405020304" pitchFamily="18" charset="0"/>
               </a:rPr>
-              <a:t>用</a:t>
-            </a:r>
-            <a:r>
-              <a:rPr lang="zh-CN" altLang="en-US" sz="2000" b="0" dirty="0" smtClean="0">
+              <a:t>,</a:t>
+            </a:r>
+            <a:r>
+              <a:rPr lang="zh-CN" altLang="en-US" sz="2000" b="0" dirty="0">
                 <a:latin typeface="SimSun" panose="02010600030101010101" pitchFamily="2" charset="-122"/>
                 <a:ea typeface="SimSun" panose="02010600030101010101" pitchFamily="2" charset="-122"/>
                 <a:cs typeface="Times New Roman" panose="02020603050405020304" pitchFamily="18" charset="0"/>
               </a:rPr>
-              <a:t>。</a:t>
+              <a:t>我们通过引导根模块来启动该应用。</a:t>
             </a:r>
             <a:endParaRPr lang="en-US" sz="2000" b="0" dirty="0">
               <a:latin typeface="SimSun" panose="02010600030101010101" pitchFamily="2" charset="-122"/>
@@ -13824,27 +12563,7 @@
                 <a:latin typeface="Arial" pitchFamily="34" charset="0"/>
                 <a:cs typeface="Arial" pitchFamily="34" charset="0"/>
               </a:rPr>
-              <a:t>Copyright © </a:t>
-            </a:r>
-            <a:r>
-              <a:rPr lang="en-US" sz="900" dirty="0" smtClean="0">
-                <a:solidFill>
-                  <a:srgbClr val="7F7F7F"/>
-                </a:solidFill>
-                <a:latin typeface="Arial" pitchFamily="34" charset="0"/>
-                <a:cs typeface="Arial" pitchFamily="34" charset="0"/>
-              </a:rPr>
-              <a:t>2017 </a:t>
-            </a:r>
-            <a:r>
-              <a:rPr lang="en-US" sz="900" dirty="0">
-                <a:solidFill>
-                  <a:srgbClr val="7F7F7F"/>
-                </a:solidFill>
-                <a:latin typeface="Arial" pitchFamily="34" charset="0"/>
-                <a:cs typeface="Arial" pitchFamily="34" charset="0"/>
-              </a:rPr>
-              <a:t>Accenture  All rights reserved.</a:t>
+              <a:t>Copyright © 2017 Accenture  All rights reserved.</a:t>
             </a:r>
           </a:p>
         </p:txBody>
@@ -13881,7 +12600,7 @@
                 <a:cs typeface="Arial" pitchFamily="34" charset="0"/>
               </a:rPr>
               <a:pPr algn="r"/>
-              <a:t>6</a:t>
+              <a:t>5</a:t>
             </a:fld>
             <a:endParaRPr lang="en-CA" sz="900" dirty="0">
               <a:solidFill>
@@ -13915,7 +12634,7 @@
         </p:blipFill>
         <p:spPr>
           <a:xfrm>
-            <a:off x="567267" y="2440241"/>
+            <a:off x="567267" y="2473797"/>
             <a:ext cx="8373533" cy="4019774"/>
           </a:xfrm>
           <a:prstGeom prst="rect">
@@ -13929,13 +12648,303 @@
     <a:overrideClrMapping bg1="lt1" tx1="dk1" bg2="lt2" tx2="dk2" accent1="accent1" accent2="accent2" accent3="accent3" accent4="accent4" accent5="accent5" accent6="accent6" hlink="hlink" folHlink="folHlink"/>
   </p:clrMapOvr>
   <p:transition/>
-  <p:timing>
-    <p:tnLst>
-      <p:par>
-        <p:cTn id="1" dur="indefinite" restart="never" nodeType="tmRoot"/>
-      </p:par>
-    </p:tnLst>
-  </p:timing>
+</p:sld>
+</file>
+
+<file path=ppt/slides/slide7.xml><?xml version="1.0" encoding="utf-8"?>
+<p:sld xmlns:a="http://schemas.openxmlformats.org/drawingml/2006/main" xmlns:r="http://schemas.openxmlformats.org/officeDocument/2006/relationships" xmlns:p="http://schemas.openxmlformats.org/presentationml/2006/main">
+  <p:cSld>
+    <p:spTree>
+      <p:nvGrpSpPr>
+        <p:cNvPr id="1" name=""/>
+        <p:cNvGrpSpPr/>
+        <p:nvPr/>
+      </p:nvGrpSpPr>
+      <p:grpSpPr>
+        <a:xfrm>
+          <a:off x="0" y="0"/>
+          <a:ext cx="0" cy="0"/>
+          <a:chOff x="0" y="0"/>
+          <a:chExt cx="0" cy="0"/>
+        </a:xfrm>
+      </p:grpSpPr>
+      <p:pic>
+        <p:nvPicPr>
+          <p:cNvPr id="5" name="Content Placeholder 4"/>
+          <p:cNvPicPr>
+            <a:picLocks noGrp="1" noChangeAspect="1"/>
+          </p:cNvPicPr>
+          <p:nvPr>
+            <p:ph sz="quarter" idx="12"/>
+          </p:nvPr>
+        </p:nvPicPr>
+        <p:blipFill>
+          <a:blip r:embed="rId2">
+            <a:extLst>
+              <a:ext uri="{28A0092B-C50C-407E-A947-70E740481C1C}">
+                <a14:useLocalDpi xmlns:a14="http://schemas.microsoft.com/office/drawing/2010/main" val="0"/>
+              </a:ext>
+            </a:extLst>
+          </a:blip>
+          <a:stretch>
+            <a:fillRect/>
+          </a:stretch>
+        </p:blipFill>
+        <p:spPr>
+          <a:xfrm>
+            <a:off x="477735" y="1325378"/>
+            <a:ext cx="1923893" cy="1188629"/>
+          </a:xfrm>
+        </p:spPr>
+      </p:pic>
+      <p:sp>
+        <p:nvSpPr>
+          <p:cNvPr id="3" name="Title 2"/>
+          <p:cNvSpPr>
+            <a:spLocks noGrp="1"/>
+          </p:cNvSpPr>
+          <p:nvPr>
+            <p:ph type="title"/>
+          </p:nvPr>
+        </p:nvSpPr>
+        <p:spPr/>
+        <p:txBody>
+          <a:bodyPr>
+            <a:normAutofit/>
+          </a:bodyPr>
+          <a:lstStyle/>
+          <a:p>
+            <a:r>
+              <a:rPr lang="zh-CN" altLang="en-US" sz="2800" dirty="0">
+                <a:latin typeface="SimSun" panose="02010600030101010101" pitchFamily="2" charset="-122"/>
+                <a:ea typeface="SimSun" panose="02010600030101010101" pitchFamily="2" charset="-122"/>
+              </a:rPr>
+              <a:t>组件</a:t>
+            </a:r>
+            <a:endParaRPr lang="en-US" sz="2800" dirty="0">
+              <a:latin typeface="SimSun" panose="02010600030101010101" pitchFamily="2" charset="-122"/>
+              <a:ea typeface="SimSun" panose="02010600030101010101" pitchFamily="2" charset="-122"/>
+            </a:endParaRPr>
+          </a:p>
+        </p:txBody>
+      </p:sp>
+      <p:sp>
+        <p:nvSpPr>
+          <p:cNvPr id="4" name="Slide Number Placeholder 3"/>
+          <p:cNvSpPr>
+            <a:spLocks noGrp="1"/>
+          </p:cNvSpPr>
+          <p:nvPr>
+            <p:ph type="sldNum" sz="quarter" idx="4"/>
+          </p:nvPr>
+        </p:nvSpPr>
+        <p:spPr/>
+        <p:txBody>
+          <a:bodyPr/>
+          <a:lstStyle/>
+          <a:p>
+            <a:pPr fontAlgn="auto">
+              <a:spcBef>
+                <a:spcPts val="0"/>
+              </a:spcBef>
+              <a:spcAft>
+                <a:spcPts val="0"/>
+              </a:spcAft>
+              <a:defRPr/>
+            </a:pPr>
+            <a:fld id="{90CBDC3A-D49F-4631-A8C7-55D59B33E5FA}" type="slidenum">
+              <a:rPr lang="en-US" b="0" smtClean="0">
+                <a:solidFill>
+                  <a:srgbClr val="666666"/>
+                </a:solidFill>
+              </a:rPr>
+              <a:pPr fontAlgn="auto">
+                <a:spcBef>
+                  <a:spcPts val="0"/>
+                </a:spcBef>
+                <a:spcAft>
+                  <a:spcPts val="0"/>
+                </a:spcAft>
+                <a:defRPr/>
+              </a:pPr>
+              <a:t>6</a:t>
+            </a:fld>
+            <a:endParaRPr lang="en-US" b="0" dirty="0">
+              <a:solidFill>
+                <a:srgbClr val="666666"/>
+              </a:solidFill>
+            </a:endParaRPr>
+          </a:p>
+        </p:txBody>
+      </p:sp>
+      <p:sp>
+        <p:nvSpPr>
+          <p:cNvPr id="6" name="TextBox 5"/>
+          <p:cNvSpPr txBox="1"/>
+          <p:nvPr/>
+        </p:nvSpPr>
+        <p:spPr>
+          <a:xfrm>
+            <a:off x="464922" y="2782999"/>
+            <a:ext cx="8374277" cy="2462213"/>
+          </a:xfrm>
+          <a:prstGeom prst="rect">
+            <a:avLst/>
+          </a:prstGeom>
+          <a:noFill/>
+        </p:spPr>
+        <p:txBody>
+          <a:bodyPr wrap="square" rtlCol="0">
+            <a:spAutoFit/>
+          </a:bodyPr>
+          <a:lstStyle/>
+          <a:p>
+            <a:pPr marL="342900" indent="-342900">
+              <a:buFont typeface="Arial" panose="020B0604020202020204" pitchFamily="34" charset="0"/>
+              <a:buChar char="•"/>
+            </a:pPr>
+            <a:r>
+              <a:rPr lang="zh-CN" altLang="en-US" sz="2200" b="0" dirty="0">
+                <a:latin typeface="SimSun" panose="02010600030101010101" pitchFamily="2" charset="-122"/>
+                <a:ea typeface="SimSun" panose="02010600030101010101" pitchFamily="2" charset="-122"/>
+                <a:cs typeface="Times New Roman" panose="02020603050405020304" pitchFamily="18" charset="0"/>
+              </a:rPr>
+              <a:t>组件负责控制屏幕上的一小块区域，我们称之为视图</a:t>
+            </a:r>
+            <a:endParaRPr lang="en-US" altLang="zh-CN" sz="2200" b="0" dirty="0">
+              <a:latin typeface="SimSun" panose="02010600030101010101" pitchFamily="2" charset="-122"/>
+              <a:ea typeface="SimSun" panose="02010600030101010101" pitchFamily="2" charset="-122"/>
+              <a:cs typeface="Times New Roman" panose="02020603050405020304" pitchFamily="18" charset="0"/>
+            </a:endParaRPr>
+          </a:p>
+          <a:p>
+            <a:pPr marL="342900" indent="-342900">
+              <a:buFont typeface="Arial" panose="020B0604020202020204" pitchFamily="34" charset="0"/>
+              <a:buChar char="•"/>
+            </a:pPr>
+            <a:endParaRPr lang="en-US" altLang="zh-CN" sz="2200" b="0" dirty="0">
+              <a:latin typeface="SimSun" panose="02010600030101010101" pitchFamily="2" charset="-122"/>
+              <a:ea typeface="SimSun" panose="02010600030101010101" pitchFamily="2" charset="-122"/>
+              <a:cs typeface="Times New Roman" panose="02020603050405020304" pitchFamily="18" charset="0"/>
+            </a:endParaRPr>
+          </a:p>
+          <a:p>
+            <a:pPr marL="342900" indent="-342900">
+              <a:buFont typeface="Arial" panose="020B0604020202020204" pitchFamily="34" charset="0"/>
+              <a:buChar char="•"/>
+            </a:pPr>
+            <a:r>
+              <a:rPr lang="zh-CN" altLang="en-US" sz="2200" b="0" dirty="0">
+                <a:latin typeface="SimSun" panose="02010600030101010101" pitchFamily="2" charset="-122"/>
+                <a:ea typeface="SimSun" panose="02010600030101010101" pitchFamily="2" charset="-122"/>
+                <a:cs typeface="Times New Roman" panose="02020603050405020304" pitchFamily="18" charset="0"/>
+              </a:rPr>
+              <a:t>组件和模版之间的数据交互称为数据绑定</a:t>
+            </a:r>
+            <a:endParaRPr lang="en-US" altLang="zh-CN" sz="2200" b="0" dirty="0">
+              <a:latin typeface="SimSun" panose="02010600030101010101" pitchFamily="2" charset="-122"/>
+              <a:ea typeface="SimSun" panose="02010600030101010101" pitchFamily="2" charset="-122"/>
+              <a:cs typeface="Times New Roman" panose="02020603050405020304" pitchFamily="18" charset="0"/>
+            </a:endParaRPr>
+          </a:p>
+          <a:p>
+            <a:pPr marL="342900" indent="-342900">
+              <a:buFont typeface="Arial" panose="020B0604020202020204" pitchFamily="34" charset="0"/>
+              <a:buChar char="•"/>
+            </a:pPr>
+            <a:endParaRPr lang="zh-CN" altLang="en-US" sz="2200" b="0" dirty="0">
+              <a:latin typeface="SimSun" panose="02010600030101010101" pitchFamily="2" charset="-122"/>
+              <a:ea typeface="SimSun" panose="02010600030101010101" pitchFamily="2" charset="-122"/>
+              <a:cs typeface="Times New Roman" panose="02020603050405020304" pitchFamily="18" charset="0"/>
+            </a:endParaRPr>
+          </a:p>
+          <a:p>
+            <a:pPr marL="342900" indent="-342900">
+              <a:buFont typeface="Arial" panose="020B0604020202020204" pitchFamily="34" charset="0"/>
+              <a:buChar char="•"/>
+            </a:pPr>
+            <a:r>
+              <a:rPr lang="zh-CN" altLang="en-US" sz="2200" b="0" dirty="0">
+                <a:latin typeface="SimSun" panose="02010600030101010101" pitchFamily="2" charset="-122"/>
+                <a:ea typeface="SimSun" panose="02010600030101010101" pitchFamily="2" charset="-122"/>
+                <a:cs typeface="Times New Roman" panose="02020603050405020304" pitchFamily="18" charset="0"/>
+              </a:rPr>
+              <a:t>组件可层层嵌套，形成组件树，父子组件双向数据流动</a:t>
+            </a:r>
+            <a:endParaRPr lang="en-US" altLang="zh-CN" sz="2200" b="0" dirty="0">
+              <a:latin typeface="SimSun" panose="02010600030101010101" pitchFamily="2" charset="-122"/>
+              <a:ea typeface="SimSun" panose="02010600030101010101" pitchFamily="2" charset="-122"/>
+              <a:cs typeface="Times New Roman" panose="02020603050405020304" pitchFamily="18" charset="0"/>
+            </a:endParaRPr>
+          </a:p>
+          <a:p>
+            <a:pPr marL="342900" indent="-342900">
+              <a:buFont typeface="Wingdings" panose="05000000000000000000" pitchFamily="2" charset="2"/>
+              <a:buChar char="q"/>
+            </a:pPr>
+            <a:endParaRPr lang="en-US" altLang="zh-CN" sz="2200" b="0" dirty="0">
+              <a:latin typeface="SimSun" panose="02010600030101010101" pitchFamily="2" charset="-122"/>
+              <a:ea typeface="SimSun" panose="02010600030101010101" pitchFamily="2" charset="-122"/>
+              <a:cs typeface="Arial" panose="020B0604020202020204" pitchFamily="34" charset="0"/>
+            </a:endParaRPr>
+          </a:p>
+          <a:p>
+            <a:endParaRPr lang="zh-CN" altLang="en-US" sz="2200" b="0" dirty="0">
+              <a:latin typeface="SimSun" panose="02010600030101010101" pitchFamily="2" charset="-122"/>
+              <a:ea typeface="SimSun" panose="02010600030101010101" pitchFamily="2" charset="-122"/>
+              <a:cs typeface="Arial" panose="020B0604020202020204" pitchFamily="34" charset="0"/>
+            </a:endParaRPr>
+          </a:p>
+        </p:txBody>
+      </p:sp>
+      <p:sp>
+        <p:nvSpPr>
+          <p:cNvPr id="10" name="TextBox 9"/>
+          <p:cNvSpPr txBox="1"/>
+          <p:nvPr/>
+        </p:nvSpPr>
+        <p:spPr>
+          <a:xfrm>
+            <a:off x="267494" y="6570473"/>
+            <a:ext cx="3180355" cy="230832"/>
+          </a:xfrm>
+          <a:prstGeom prst="rect">
+            <a:avLst/>
+          </a:prstGeom>
+          <a:noFill/>
+        </p:spPr>
+        <p:txBody>
+          <a:bodyPr wrap="square" lIns="0">
+            <a:spAutoFit/>
+          </a:bodyPr>
+          <a:lstStyle/>
+          <a:p>
+            <a:pPr algn="ctr">
+              <a:defRPr/>
+            </a:pPr>
+            <a:r>
+              <a:rPr lang="en-US" sz="900" dirty="0">
+                <a:solidFill>
+                  <a:srgbClr val="7F7F7F"/>
+                </a:solidFill>
+                <a:latin typeface="Arial" pitchFamily="34" charset="0"/>
+                <a:cs typeface="Arial" pitchFamily="34" charset="0"/>
+              </a:rPr>
+              <a:t>Copyright © 2017 Accenture  All rights reserved.</a:t>
+            </a:r>
+          </a:p>
+        </p:txBody>
+      </p:sp>
+    </p:spTree>
+    <p:extLst>
+      <p:ext uri="{BB962C8B-B14F-4D97-AF65-F5344CB8AC3E}">
+        <p14:creationId xmlns:p14="http://schemas.microsoft.com/office/powerpoint/2010/main" val="3535509696"/>
+      </p:ext>
+    </p:extLst>
+  </p:cSld>
+  <p:clrMapOvr>
+    <a:masterClrMapping/>
+  </p:clrMapOvr>
 </p:sld>
 </file>
 
@@ -13980,8 +12989,8 @@
         </p:blipFill>
         <p:spPr>
           <a:xfrm>
-            <a:off x="452568" y="1191154"/>
-            <a:ext cx="1923893" cy="1188629"/>
+            <a:off x="397284" y="1344254"/>
+            <a:ext cx="2539682" cy="1447619"/>
           </a:xfrm>
         </p:spPr>
       </p:pic>
@@ -14007,7 +13016,7 @@
                 <a:latin typeface="SimSun" panose="02010600030101010101" pitchFamily="2" charset="-122"/>
                 <a:ea typeface="SimSun" panose="02010600030101010101" pitchFamily="2" charset="-122"/>
               </a:rPr>
-              <a:t>组件</a:t>
+              <a:t>模板</a:t>
             </a:r>
             <a:endParaRPr lang="en-US" sz="2800" dirty="0">
               <a:latin typeface="SimSun" panose="02010600030101010101" pitchFamily="2" charset="-122"/>
@@ -14067,14 +13076,14 @@
       </p:sp>
       <p:sp>
         <p:nvSpPr>
-          <p:cNvPr id="6" name="TextBox 5"/>
+          <p:cNvPr id="8" name="TextBox 7"/>
           <p:cNvSpPr txBox="1"/>
           <p:nvPr/>
         </p:nvSpPr>
         <p:spPr>
           <a:xfrm>
-            <a:off x="464922" y="2439050"/>
-            <a:ext cx="8374277" cy="2677656"/>
+            <a:off x="452568" y="2827867"/>
+            <a:ext cx="8235820" cy="2800767"/>
           </a:xfrm>
           <a:prstGeom prst="rect">
             <a:avLst/>
@@ -14092,22 +13101,36 @@
               <a:buChar char="•"/>
             </a:pPr>
             <a:r>
-              <a:rPr lang="zh-CN" altLang="en-US" sz="2400" b="0" dirty="0">
+              <a:rPr lang="en-US" altLang="zh-CN" sz="2200" b="0" dirty="0">
                 <a:latin typeface="SimSun" panose="02010600030101010101" pitchFamily="2" charset="-122"/>
                 <a:ea typeface="SimSun" panose="02010600030101010101" pitchFamily="2" charset="-122"/>
                 <a:cs typeface="Times New Roman" panose="02020603050405020304" pitchFamily="18" charset="0"/>
               </a:rPr>
-              <a:t>组件负责控制屏幕上的一小块区域，我们称之为视</a:t>
-            </a:r>
-            <a:r>
-              <a:rPr lang="zh-CN" altLang="en-US" sz="2400" b="0" dirty="0" smtClean="0">
+              <a:t>Angular</a:t>
+            </a:r>
+            <a:r>
+              <a:rPr lang="zh-CN" altLang="en-US" sz="2200" b="0" dirty="0">
                 <a:latin typeface="SimSun" panose="02010600030101010101" pitchFamily="2" charset="-122"/>
                 <a:ea typeface="SimSun" panose="02010600030101010101" pitchFamily="2" charset="-122"/>
                 <a:cs typeface="Times New Roman" panose="02020603050405020304" pitchFamily="18" charset="0"/>
               </a:rPr>
-              <a:t>图</a:t>
-            </a:r>
-            <a:endParaRPr lang="en-US" altLang="zh-CN" sz="2400" b="0" dirty="0" smtClean="0">
+              <a:t>模版基于</a:t>
+            </a:r>
+            <a:r>
+              <a:rPr lang="en-US" altLang="zh-CN" sz="2200" b="0" dirty="0">
+                <a:latin typeface="SimSun" panose="02010600030101010101" pitchFamily="2" charset="-122"/>
+                <a:ea typeface="SimSun" panose="02010600030101010101" pitchFamily="2" charset="-122"/>
+                <a:cs typeface="Times New Roman" panose="02020603050405020304" pitchFamily="18" charset="0"/>
+              </a:rPr>
+              <a:t>HTML</a:t>
+            </a:r>
+          </a:p>
+          <a:p>
+            <a:pPr marL="342900" indent="-342900">
+              <a:buFont typeface="Arial" panose="020B0604020202020204" pitchFamily="34" charset="0"/>
+              <a:buChar char="•"/>
+            </a:pPr>
+            <a:endParaRPr lang="en-US" altLang="zh-CN" sz="2200" b="0" dirty="0">
               <a:latin typeface="SimSun" panose="02010600030101010101" pitchFamily="2" charset="-122"/>
               <a:ea typeface="SimSun" panose="02010600030101010101" pitchFamily="2" charset="-122"/>
               <a:cs typeface="Times New Roman" panose="02020603050405020304" pitchFamily="18" charset="0"/>
@@ -14118,128 +13141,89 @@
               <a:buFont typeface="Arial" panose="020B0604020202020204" pitchFamily="34" charset="0"/>
               <a:buChar char="•"/>
             </a:pPr>
-            <a:endParaRPr lang="en-US" altLang="zh-CN" sz="2400" b="0" dirty="0" smtClean="0">
+            <a:r>
+              <a:rPr lang="zh-CN" altLang="en-US" sz="2200" b="0" dirty="0">
+                <a:latin typeface="SimSun" panose="02010600030101010101" pitchFamily="2" charset="-122"/>
+                <a:ea typeface="SimSun" panose="02010600030101010101" pitchFamily="2" charset="-122"/>
+                <a:cs typeface="Times New Roman" panose="02020603050405020304" pitchFamily="18" charset="0"/>
+              </a:rPr>
+              <a:t>模版有一套强大的语法体系 </a:t>
+            </a:r>
+          </a:p>
+          <a:p>
+            <a:pPr marL="800100" lvl="1" indent="-342900">
+              <a:buFont typeface="Arial" panose="020B0604020202020204" pitchFamily="34" charset="0"/>
+              <a:buChar char="•"/>
+            </a:pPr>
+            <a:r>
+              <a:rPr lang="zh-CN" altLang="en-US" sz="2200" b="0" dirty="0">
+                <a:latin typeface="SimSun" panose="02010600030101010101" pitchFamily="2" charset="-122"/>
+                <a:ea typeface="SimSun" panose="02010600030101010101" pitchFamily="2" charset="-122"/>
+                <a:cs typeface="Times New Roman" panose="02020603050405020304" pitchFamily="18" charset="0"/>
+              </a:rPr>
+              <a:t>数据绑定</a:t>
+            </a:r>
+            <a:endParaRPr lang="en-US" altLang="zh-CN" sz="2200" b="0" dirty="0">
               <a:latin typeface="SimSun" panose="02010600030101010101" pitchFamily="2" charset="-122"/>
               <a:ea typeface="SimSun" panose="02010600030101010101" pitchFamily="2" charset="-122"/>
               <a:cs typeface="Times New Roman" panose="02020603050405020304" pitchFamily="18" charset="0"/>
             </a:endParaRPr>
           </a:p>
           <a:p>
-            <a:pPr marL="342900" indent="-342900">
+            <a:pPr marL="800100" lvl="1" indent="-342900">
               <a:buFont typeface="Arial" panose="020B0604020202020204" pitchFamily="34" charset="0"/>
               <a:buChar char="•"/>
             </a:pPr>
             <a:r>
-              <a:rPr lang="zh-CN" altLang="en-US" sz="2400" b="0" dirty="0" smtClean="0">
+              <a:rPr lang="zh-CN" altLang="en-US" sz="2200" b="0" dirty="0">
                 <a:latin typeface="SimSun" panose="02010600030101010101" pitchFamily="2" charset="-122"/>
                 <a:ea typeface="SimSun" panose="02010600030101010101" pitchFamily="2" charset="-122"/>
                 <a:cs typeface="Times New Roman" panose="02020603050405020304" pitchFamily="18" charset="0"/>
               </a:rPr>
-              <a:t>组</a:t>
-            </a:r>
-            <a:r>
-              <a:rPr lang="zh-CN" altLang="en-US" sz="2400" b="0" dirty="0">
-                <a:latin typeface="SimSun" panose="02010600030101010101" pitchFamily="2" charset="-122"/>
-                <a:ea typeface="SimSun" panose="02010600030101010101" pitchFamily="2" charset="-122"/>
-                <a:cs typeface="Times New Roman" panose="02020603050405020304" pitchFamily="18" charset="0"/>
-              </a:rPr>
-              <a:t>件和模版之间的数据交</a:t>
-            </a:r>
-            <a:r>
-              <a:rPr lang="zh-CN" altLang="en-US" sz="2400" b="0" dirty="0" smtClean="0">
-                <a:latin typeface="SimSun" panose="02010600030101010101" pitchFamily="2" charset="-122"/>
-                <a:ea typeface="SimSun" panose="02010600030101010101" pitchFamily="2" charset="-122"/>
-                <a:cs typeface="Times New Roman" panose="02020603050405020304" pitchFamily="18" charset="0"/>
-              </a:rPr>
-              <a:t>互</a:t>
-            </a:r>
-            <a:r>
-              <a:rPr lang="zh-CN" altLang="en-US" sz="2400" b="0" dirty="0">
-                <a:latin typeface="SimSun" panose="02010600030101010101" pitchFamily="2" charset="-122"/>
-                <a:ea typeface="SimSun" panose="02010600030101010101" pitchFamily="2" charset="-122"/>
-                <a:cs typeface="Times New Roman" panose="02020603050405020304" pitchFamily="18" charset="0"/>
-              </a:rPr>
-              <a:t>称</a:t>
-            </a:r>
-            <a:r>
-              <a:rPr lang="zh-CN" altLang="en-US" sz="2400" b="0" dirty="0" smtClean="0">
-                <a:latin typeface="SimSun" panose="02010600030101010101" pitchFamily="2" charset="-122"/>
-                <a:ea typeface="SimSun" panose="02010600030101010101" pitchFamily="2" charset="-122"/>
-                <a:cs typeface="Times New Roman" panose="02020603050405020304" pitchFamily="18" charset="0"/>
-              </a:rPr>
-              <a:t>为</a:t>
-            </a:r>
-            <a:r>
-              <a:rPr lang="zh-CN" altLang="en-US" sz="2400" b="0" dirty="0">
-                <a:latin typeface="SimSun" panose="02010600030101010101" pitchFamily="2" charset="-122"/>
-                <a:ea typeface="SimSun" panose="02010600030101010101" pitchFamily="2" charset="-122"/>
-                <a:cs typeface="Times New Roman" panose="02020603050405020304" pitchFamily="18" charset="0"/>
-              </a:rPr>
-              <a:t>数据绑定</a:t>
-            </a:r>
-            <a:endParaRPr lang="en-US" altLang="zh-CN" sz="2400" b="0" dirty="0">
+              <a:t>管道</a:t>
+            </a:r>
+            <a:endParaRPr lang="en-US" altLang="zh-CN" sz="2200" b="0" dirty="0">
               <a:latin typeface="SimSun" panose="02010600030101010101" pitchFamily="2" charset="-122"/>
               <a:ea typeface="SimSun" panose="02010600030101010101" pitchFamily="2" charset="-122"/>
               <a:cs typeface="Times New Roman" panose="02020603050405020304" pitchFamily="18" charset="0"/>
             </a:endParaRPr>
           </a:p>
           <a:p>
-            <a:pPr marL="342900" indent="-342900">
+            <a:pPr marL="800100" lvl="1" indent="-342900">
               <a:buFont typeface="Arial" panose="020B0604020202020204" pitchFamily="34" charset="0"/>
               <a:buChar char="•"/>
             </a:pPr>
-            <a:endParaRPr lang="zh-CN" altLang="en-US" sz="2400" b="0" dirty="0">
-              <a:latin typeface="SimSun" panose="02010600030101010101" pitchFamily="2" charset="-122"/>
-              <a:ea typeface="SimSun" panose="02010600030101010101" pitchFamily="2" charset="-122"/>
-              <a:cs typeface="Times New Roman" panose="02020603050405020304" pitchFamily="18" charset="0"/>
-            </a:endParaRPr>
-          </a:p>
-          <a:p>
-            <a:pPr marL="342900" indent="-342900">
+            <a:r>
+              <a:rPr lang="zh-CN" altLang="en-US" sz="2200" b="0" dirty="0">
+                <a:latin typeface="SimSun" panose="02010600030101010101" pitchFamily="2" charset="-122"/>
+                <a:ea typeface="SimSun" panose="02010600030101010101" pitchFamily="2" charset="-122"/>
+                <a:cs typeface="Times New Roman" panose="02020603050405020304" pitchFamily="18" charset="0"/>
+              </a:rPr>
+              <a:t>自定义标签</a:t>
+            </a:r>
+          </a:p>
+          <a:p>
+            <a:pPr marL="800100" lvl="1" indent="-342900">
               <a:buFont typeface="Arial" panose="020B0604020202020204" pitchFamily="34" charset="0"/>
               <a:buChar char="•"/>
             </a:pPr>
             <a:r>
-              <a:rPr lang="zh-CN" altLang="en-US" sz="2400" b="0" dirty="0">
+              <a:rPr lang="zh-CN" altLang="en-US" sz="2200" b="0" dirty="0">
                 <a:latin typeface="SimSun" panose="02010600030101010101" pitchFamily="2" charset="-122"/>
                 <a:ea typeface="SimSun" panose="02010600030101010101" pitchFamily="2" charset="-122"/>
                 <a:cs typeface="Times New Roman" panose="02020603050405020304" pitchFamily="18" charset="0"/>
               </a:rPr>
-              <a:t>组件可层层嵌套，形成组件树，父子组件双向数据流</a:t>
-            </a:r>
-            <a:r>
-              <a:rPr lang="zh-CN" altLang="en-US" sz="2400" b="0" dirty="0" smtClean="0">
-                <a:latin typeface="SimSun" panose="02010600030101010101" pitchFamily="2" charset="-122"/>
-                <a:ea typeface="SimSun" panose="02010600030101010101" pitchFamily="2" charset="-122"/>
-                <a:cs typeface="Times New Roman" panose="02020603050405020304" pitchFamily="18" charset="0"/>
-              </a:rPr>
-              <a:t>动</a:t>
-            </a:r>
-            <a:endParaRPr lang="en-US" altLang="zh-CN" sz="2400" b="0" dirty="0" smtClean="0">
-              <a:latin typeface="SimSun" panose="02010600030101010101" pitchFamily="2" charset="-122"/>
-              <a:ea typeface="SimSun" panose="02010600030101010101" pitchFamily="2" charset="-122"/>
-              <a:cs typeface="Times New Roman" panose="02020603050405020304" pitchFamily="18" charset="0"/>
-            </a:endParaRPr>
-          </a:p>
-          <a:p>
-            <a:pPr marL="342900" indent="-342900">
-              <a:buFont typeface="Wingdings" panose="05000000000000000000" pitchFamily="2" charset="2"/>
-              <a:buChar char="q"/>
-            </a:pPr>
-            <a:endParaRPr lang="en-US" altLang="zh-CN" sz="2400" b="0" dirty="0">
-              <a:cs typeface="Arial" panose="020B0604020202020204" pitchFamily="34" charset="0"/>
-            </a:endParaRPr>
-          </a:p>
-          <a:p>
-            <a:endParaRPr lang="zh-CN" altLang="en-US" sz="2400" b="0" dirty="0">
-              <a:cs typeface="Arial" panose="020B0604020202020204" pitchFamily="34" charset="0"/>
-            </a:endParaRPr>
+              <a:t>指令</a:t>
+            </a:r>
+          </a:p>
+          <a:p>
+            <a:endParaRPr lang="en-US" sz="2200" dirty="0"/>
           </a:p>
         </p:txBody>
       </p:sp>
       <p:sp>
         <p:nvSpPr>
-          <p:cNvPr id="10" name="TextBox 9"/>
+          <p:cNvPr id="6" name="TextBox 5"/>
           <p:cNvSpPr txBox="1"/>
           <p:nvPr/>
         </p:nvSpPr>
@@ -14270,27 +13254,7 @@
                 <a:latin typeface="Arial" pitchFamily="34" charset="0"/>
                 <a:cs typeface="Arial" pitchFamily="34" charset="0"/>
               </a:rPr>
-              <a:t>Copyright © </a:t>
-            </a:r>
-            <a:r>
-              <a:rPr lang="en-US" sz="900" dirty="0" smtClean="0">
-                <a:solidFill>
-                  <a:srgbClr val="7F7F7F"/>
-                </a:solidFill>
-                <a:latin typeface="Arial" pitchFamily="34" charset="0"/>
-                <a:cs typeface="Arial" pitchFamily="34" charset="0"/>
-              </a:rPr>
-              <a:t>2017 </a:t>
-            </a:r>
-            <a:r>
-              <a:rPr lang="en-US" sz="900" dirty="0">
-                <a:solidFill>
-                  <a:srgbClr val="7F7F7F"/>
-                </a:solidFill>
-                <a:latin typeface="Arial" pitchFamily="34" charset="0"/>
-                <a:cs typeface="Arial" pitchFamily="34" charset="0"/>
-              </a:rPr>
-              <a:t>Accenture  All rights reserved.</a:t>
+              <a:t>Copyright © 2017 Accenture  All rights reserved.</a:t>
             </a:r>
           </a:p>
         </p:txBody>
@@ -14298,20 +13262,13 @@
     </p:spTree>
     <p:extLst>
       <p:ext uri="{BB962C8B-B14F-4D97-AF65-F5344CB8AC3E}">
-        <p14:creationId xmlns:p14="http://schemas.microsoft.com/office/powerpoint/2010/main" val="3535509696"/>
+        <p14:creationId xmlns:p14="http://schemas.microsoft.com/office/powerpoint/2010/main" val="743781981"/>
       </p:ext>
     </p:extLst>
   </p:cSld>
   <p:clrMapOvr>
     <a:masterClrMapping/>
   </p:clrMapOvr>
-  <p:timing>
-    <p:tnLst>
-      <p:par>
-        <p:cTn id="1" dur="indefinite" restart="never" nodeType="tmRoot"/>
-      </p:par>
-    </p:tnLst>
-  </p:timing>
 </p:sld>
 </file>
 
@@ -14356,8 +13313,8 @@
         </p:blipFill>
         <p:spPr>
           <a:xfrm>
-            <a:off x="338561" y="1210030"/>
-            <a:ext cx="2539682" cy="1447619"/>
+            <a:off x="601881" y="1237573"/>
+            <a:ext cx="1926312" cy="1785027"/>
           </a:xfrm>
         </p:spPr>
       </p:pic>
@@ -14379,11 +13336,11 @@
           <a:lstStyle/>
           <a:p>
             <a:r>
-              <a:rPr lang="zh-CN" altLang="en-US" sz="2800" dirty="0" smtClean="0">
+              <a:rPr lang="zh-CN" altLang="en-US" sz="2800" dirty="0">
                 <a:latin typeface="SimSun" panose="02010600030101010101" pitchFamily="2" charset="-122"/>
                 <a:ea typeface="SimSun" panose="02010600030101010101" pitchFamily="2" charset="-122"/>
               </a:rPr>
-              <a:t>模板</a:t>
+              <a:t>指令</a:t>
             </a:r>
             <a:endParaRPr lang="en-US" sz="2800" dirty="0">
               <a:latin typeface="SimSun" panose="02010600030101010101" pitchFamily="2" charset="-122"/>
@@ -14443,14 +13400,14 @@
       </p:sp>
       <p:sp>
         <p:nvSpPr>
-          <p:cNvPr id="8" name="TextBox 7"/>
+          <p:cNvPr id="6" name="TextBox 5"/>
           <p:cNvSpPr txBox="1"/>
           <p:nvPr/>
         </p:nvSpPr>
         <p:spPr>
           <a:xfrm>
-            <a:off x="452568" y="2827867"/>
-            <a:ext cx="8235820" cy="3170099"/>
+            <a:off x="376621" y="3128286"/>
+            <a:ext cx="8437179" cy="3477875"/>
           </a:xfrm>
           <a:prstGeom prst="rect">
             <a:avLst/>
@@ -14468,44 +13425,65 @@
               <a:buChar char="•"/>
             </a:pPr>
             <a:r>
-              <a:rPr lang="en-US" altLang="zh-CN" sz="2400" b="0" dirty="0">
+              <a:rPr lang="en-US" altLang="zh-CN" sz="2200" b="0" dirty="0">
                 <a:latin typeface="SimSun" panose="02010600030101010101" pitchFamily="2" charset="-122"/>
                 <a:ea typeface="SimSun" panose="02010600030101010101" pitchFamily="2" charset="-122"/>
                 <a:cs typeface="Times New Roman" panose="02020603050405020304" pitchFamily="18" charset="0"/>
               </a:rPr>
-              <a:t>A</a:t>
-            </a:r>
-            <a:r>
-              <a:rPr lang="en-US" altLang="zh-CN" sz="2400" b="0" dirty="0" smtClean="0">
+              <a:t>Angular </a:t>
+            </a:r>
+            <a:r>
+              <a:rPr lang="zh-CN" altLang="en-US" sz="2200" b="0" dirty="0">
                 <a:latin typeface="SimSun" panose="02010600030101010101" pitchFamily="2" charset="-122"/>
                 <a:ea typeface="SimSun" panose="02010600030101010101" pitchFamily="2" charset="-122"/>
                 <a:cs typeface="Times New Roman" panose="02020603050405020304" pitchFamily="18" charset="0"/>
               </a:rPr>
-              <a:t>ngular</a:t>
-            </a:r>
-            <a:r>
-              <a:rPr lang="zh-CN" altLang="en-US" sz="2400" b="0" dirty="0">
+              <a:t>模板是动态的。当 </a:t>
+            </a:r>
+            <a:r>
+              <a:rPr lang="en-US" altLang="zh-CN" sz="2200" b="0" dirty="0">
                 <a:latin typeface="SimSun" panose="02010600030101010101" pitchFamily="2" charset="-122"/>
                 <a:ea typeface="SimSun" panose="02010600030101010101" pitchFamily="2" charset="-122"/>
                 <a:cs typeface="Times New Roman" panose="02020603050405020304" pitchFamily="18" charset="0"/>
               </a:rPr>
-              <a:t>模版基于</a:t>
-            </a:r>
-            <a:r>
-              <a:rPr lang="en-US" altLang="zh-CN" sz="2400" b="0" dirty="0" smtClean="0">
+              <a:t>Angular </a:t>
+            </a:r>
+            <a:r>
+              <a:rPr lang="zh-CN" altLang="en-US" sz="2200" b="0" dirty="0">
                 <a:latin typeface="SimSun" panose="02010600030101010101" pitchFamily="2" charset="-122"/>
                 <a:ea typeface="SimSun" panose="02010600030101010101" pitchFamily="2" charset="-122"/>
                 <a:cs typeface="Times New Roman" panose="02020603050405020304" pitchFamily="18" charset="0"/>
               </a:rPr>
-              <a:t>HTML</a:t>
-            </a:r>
+              <a:t>渲染它们时，它会根据指令提供的操作对 </a:t>
+            </a:r>
+            <a:r>
+              <a:rPr lang="en-US" altLang="zh-CN" sz="2200" b="0" dirty="0">
+                <a:latin typeface="SimSun" panose="02010600030101010101" pitchFamily="2" charset="-122"/>
+                <a:ea typeface="SimSun" panose="02010600030101010101" pitchFamily="2" charset="-122"/>
+                <a:cs typeface="Times New Roman" panose="02020603050405020304" pitchFamily="18" charset="0"/>
+              </a:rPr>
+              <a:t>DOM </a:t>
+            </a:r>
+            <a:r>
+              <a:rPr lang="zh-CN" altLang="en-US" sz="2200" b="0" dirty="0">
+                <a:latin typeface="SimSun" panose="02010600030101010101" pitchFamily="2" charset="-122"/>
+                <a:ea typeface="SimSun" panose="02010600030101010101" pitchFamily="2" charset="-122"/>
+                <a:cs typeface="Times New Roman" panose="02020603050405020304" pitchFamily="18" charset="0"/>
+              </a:rPr>
+              <a:t>进行转换。</a:t>
+            </a:r>
+            <a:endParaRPr lang="en-US" altLang="zh-CN" sz="2200" b="0" dirty="0">
+              <a:latin typeface="SimSun" panose="02010600030101010101" pitchFamily="2" charset="-122"/>
+              <a:ea typeface="SimSun" panose="02010600030101010101" pitchFamily="2" charset="-122"/>
+              <a:cs typeface="Times New Roman" panose="02020603050405020304" pitchFamily="18" charset="0"/>
+            </a:endParaRPr>
           </a:p>
           <a:p>
             <a:pPr marL="342900" indent="-342900">
               <a:buFont typeface="Arial" panose="020B0604020202020204" pitchFamily="34" charset="0"/>
               <a:buChar char="•"/>
             </a:pPr>
-            <a:endParaRPr lang="en-US" altLang="zh-CN" sz="2400" b="0" dirty="0">
+            <a:endParaRPr lang="zh-CN" altLang="en-US" sz="2200" b="0" dirty="0">
               <a:latin typeface="SimSun" panose="02010600030101010101" pitchFamily="2" charset="-122"/>
               <a:ea typeface="SimSun" panose="02010600030101010101" pitchFamily="2" charset="-122"/>
               <a:cs typeface="Times New Roman" panose="02020603050405020304" pitchFamily="18" charset="0"/>
@@ -14517,12 +13495,90 @@
               <a:buChar char="•"/>
             </a:pPr>
             <a:r>
-              <a:rPr lang="zh-CN" altLang="en-US" sz="2400" b="0" dirty="0">
+              <a:rPr lang="zh-CN" altLang="en-US" sz="2200" b="0" dirty="0">
                 <a:latin typeface="SimSun" panose="02010600030101010101" pitchFamily="2" charset="-122"/>
                 <a:ea typeface="SimSun" panose="02010600030101010101" pitchFamily="2" charset="-122"/>
                 <a:cs typeface="Times New Roman" panose="02020603050405020304" pitchFamily="18" charset="0"/>
               </a:rPr>
-              <a:t>模版有一套强大的语法体系 </a:t>
+              <a:t>组件也是指令的一种，区别在于组件带有单独的</a:t>
+            </a:r>
+            <a:r>
+              <a:rPr lang="en-US" altLang="zh-CN" sz="2200" b="0" dirty="0">
+                <a:latin typeface="SimSun" panose="02010600030101010101" pitchFamily="2" charset="-122"/>
+                <a:ea typeface="SimSun" panose="02010600030101010101" pitchFamily="2" charset="-122"/>
+                <a:cs typeface="Times New Roman" panose="02020603050405020304" pitchFamily="18" charset="0"/>
+              </a:rPr>
+              <a:t>Template</a:t>
+            </a:r>
+            <a:r>
+              <a:rPr lang="zh-CN" altLang="en-US" sz="2200" b="0" dirty="0">
+                <a:latin typeface="SimSun" panose="02010600030101010101" pitchFamily="2" charset="-122"/>
+                <a:ea typeface="SimSun" panose="02010600030101010101" pitchFamily="2" charset="-122"/>
+                <a:cs typeface="Times New Roman" panose="02020603050405020304" pitchFamily="18" charset="0"/>
+              </a:rPr>
+              <a:t>，即</a:t>
+            </a:r>
+            <a:r>
+              <a:rPr lang="en-US" altLang="zh-CN" sz="2200" b="0" dirty="0">
+                <a:latin typeface="SimSun" panose="02010600030101010101" pitchFamily="2" charset="-122"/>
+                <a:ea typeface="SimSun" panose="02010600030101010101" pitchFamily="2" charset="-122"/>
+                <a:cs typeface="Times New Roman" panose="02020603050405020304" pitchFamily="18" charset="0"/>
+              </a:rPr>
+              <a:t>DOM</a:t>
+            </a:r>
+            <a:r>
+              <a:rPr lang="zh-CN" altLang="en-US" sz="2200" b="0" dirty="0">
+                <a:latin typeface="SimSun" panose="02010600030101010101" pitchFamily="2" charset="-122"/>
+                <a:ea typeface="SimSun" panose="02010600030101010101" pitchFamily="2" charset="-122"/>
+                <a:cs typeface="Times New Roman" panose="02020603050405020304" pitchFamily="18" charset="0"/>
+              </a:rPr>
+              <a:t>元素。而指令作用域已有的</a:t>
+            </a:r>
+            <a:r>
+              <a:rPr lang="en-US" altLang="zh-CN" sz="2200" b="0" dirty="0">
+                <a:latin typeface="SimSun" panose="02010600030101010101" pitchFamily="2" charset="-122"/>
+                <a:ea typeface="SimSun" panose="02010600030101010101" pitchFamily="2" charset="-122"/>
+                <a:cs typeface="Times New Roman" panose="02020603050405020304" pitchFamily="18" charset="0"/>
+              </a:rPr>
+              <a:t>DOM</a:t>
+            </a:r>
+            <a:r>
+              <a:rPr lang="zh-CN" altLang="en-US" sz="2200" b="0" dirty="0">
+                <a:latin typeface="SimSun" panose="02010600030101010101" pitchFamily="2" charset="-122"/>
+                <a:ea typeface="SimSun" panose="02010600030101010101" pitchFamily="2" charset="-122"/>
+                <a:cs typeface="Times New Roman" panose="02020603050405020304" pitchFamily="18" charset="0"/>
+              </a:rPr>
+              <a:t>上。</a:t>
+            </a:r>
+            <a:endParaRPr lang="en-US" altLang="zh-CN" sz="2200" b="0" dirty="0">
+              <a:latin typeface="SimSun" panose="02010600030101010101" pitchFamily="2" charset="-122"/>
+              <a:ea typeface="SimSun" panose="02010600030101010101" pitchFamily="2" charset="-122"/>
+              <a:cs typeface="Times New Roman" panose="02020603050405020304" pitchFamily="18" charset="0"/>
+            </a:endParaRPr>
+          </a:p>
+          <a:p>
+            <a:pPr marL="342900" indent="-342900">
+              <a:buFont typeface="Arial" panose="020B0604020202020204" pitchFamily="34" charset="0"/>
+              <a:buChar char="•"/>
+            </a:pPr>
+            <a:endParaRPr lang="zh-CN" altLang="en-US" sz="2200" b="0" dirty="0">
+              <a:latin typeface="SimSun" panose="02010600030101010101" pitchFamily="2" charset="-122"/>
+              <a:ea typeface="SimSun" panose="02010600030101010101" pitchFamily="2" charset="-122"/>
+              <a:cs typeface="Times New Roman" panose="02020603050405020304" pitchFamily="18" charset="0"/>
+            </a:endParaRPr>
+          </a:p>
+          <a:p>
+            <a:pPr marL="342900" indent="-342900">
+              <a:buFont typeface="Arial" panose="020B0604020202020204" pitchFamily="34" charset="0"/>
+              <a:buChar char="•"/>
+            </a:pPr>
+            <a:r>
+              <a:rPr lang="zh-CN" altLang="en-US" sz="2200" b="0" dirty="0">
+                <a:latin typeface="SimSun" panose="02010600030101010101" pitchFamily="2" charset="-122"/>
+                <a:ea typeface="SimSun" panose="02010600030101010101" pitchFamily="2" charset="-122"/>
+                <a:cs typeface="Times New Roman" panose="02020603050405020304" pitchFamily="18" charset="0"/>
+              </a:rPr>
+              <a:t>指令分为属性型指令、结构型指令 </a:t>
             </a:r>
           </a:p>
           <a:p>
@@ -14531,30 +13587,14 @@
               <a:buChar char="•"/>
             </a:pPr>
             <a:r>
-              <a:rPr lang="zh-CN" altLang="en-US" sz="2400" b="0" dirty="0" smtClean="0">
+              <a:rPr lang="zh-CN" altLang="en-US" sz="2200" b="0" dirty="0">
                 <a:latin typeface="SimSun" panose="02010600030101010101" pitchFamily="2" charset="-122"/>
                 <a:ea typeface="SimSun" panose="02010600030101010101" pitchFamily="2" charset="-122"/>
                 <a:cs typeface="Times New Roman" panose="02020603050405020304" pitchFamily="18" charset="0"/>
               </a:rPr>
-              <a:t>数</a:t>
-            </a:r>
-            <a:r>
-              <a:rPr lang="zh-CN" altLang="en-US" sz="2400" b="0" dirty="0">
-                <a:latin typeface="SimSun" panose="02010600030101010101" pitchFamily="2" charset="-122"/>
-                <a:ea typeface="SimSun" panose="02010600030101010101" pitchFamily="2" charset="-122"/>
-                <a:cs typeface="Times New Roman" panose="02020603050405020304" pitchFamily="18" charset="0"/>
-              </a:rPr>
-              <a:t>据绑</a:t>
-            </a:r>
-            <a:r>
-              <a:rPr lang="zh-CN" altLang="en-US" sz="2400" b="0" dirty="0" smtClean="0">
-                <a:latin typeface="SimSun" panose="02010600030101010101" pitchFamily="2" charset="-122"/>
-                <a:ea typeface="SimSun" panose="02010600030101010101" pitchFamily="2" charset="-122"/>
-                <a:cs typeface="Times New Roman" panose="02020603050405020304" pitchFamily="18" charset="0"/>
-              </a:rPr>
-              <a:t>定</a:t>
-            </a:r>
-            <a:endParaRPr lang="en-US" altLang="zh-CN" sz="2400" b="0" dirty="0">
+              <a:t>属性型指令：改变元素的外观或行为</a:t>
+            </a:r>
+            <a:endParaRPr lang="en-US" altLang="zh-CN" sz="2200" b="0" dirty="0">
               <a:latin typeface="SimSun" panose="02010600030101010101" pitchFamily="2" charset="-122"/>
               <a:ea typeface="SimSun" panose="02010600030101010101" pitchFamily="2" charset="-122"/>
               <a:cs typeface="Times New Roman" panose="02020603050405020304" pitchFamily="18" charset="0"/>
@@ -14566,68 +13606,43 @@
               <a:buChar char="•"/>
             </a:pPr>
             <a:r>
-              <a:rPr lang="zh-CN" altLang="en-US" sz="2400" b="0" dirty="0" smtClean="0">
+              <a:rPr lang="zh-CN" altLang="en-US" sz="2200" b="0" dirty="0">
                 <a:latin typeface="SimSun" panose="02010600030101010101" pitchFamily="2" charset="-122"/>
                 <a:ea typeface="SimSun" panose="02010600030101010101" pitchFamily="2" charset="-122"/>
                 <a:cs typeface="Times New Roman" panose="02020603050405020304" pitchFamily="18" charset="0"/>
               </a:rPr>
-              <a:t>管道</a:t>
-            </a:r>
-            <a:endParaRPr lang="en-US" altLang="zh-CN" sz="2400" b="0" dirty="0">
+              <a:t>结构型指令：添加、修改、删除</a:t>
+            </a:r>
+            <a:r>
+              <a:rPr lang="en-US" altLang="zh-CN" sz="2200" b="0" dirty="0">
+                <a:latin typeface="SimSun" panose="02010600030101010101" pitchFamily="2" charset="-122"/>
+                <a:ea typeface="SimSun" panose="02010600030101010101" pitchFamily="2" charset="-122"/>
+                <a:cs typeface="Times New Roman" panose="02020603050405020304" pitchFamily="18" charset="0"/>
+              </a:rPr>
+              <a:t>DOM</a:t>
+            </a:r>
+            <a:r>
+              <a:rPr lang="zh-CN" altLang="en-US" sz="2200" b="0" dirty="0">
+                <a:latin typeface="SimSun" panose="02010600030101010101" pitchFamily="2" charset="-122"/>
+                <a:ea typeface="SimSun" panose="02010600030101010101" pitchFamily="2" charset="-122"/>
+                <a:cs typeface="Times New Roman" panose="02020603050405020304" pitchFamily="18" charset="0"/>
+              </a:rPr>
+              <a:t>，从而改变布局</a:t>
+            </a:r>
+            <a:endParaRPr lang="en-US" altLang="zh-CN" sz="2200" b="0" dirty="0">
               <a:latin typeface="SimSun" panose="02010600030101010101" pitchFamily="2" charset="-122"/>
               <a:ea typeface="SimSun" panose="02010600030101010101" pitchFamily="2" charset="-122"/>
               <a:cs typeface="Times New Roman" panose="02020603050405020304" pitchFamily="18" charset="0"/>
             </a:endParaRPr>
           </a:p>
           <a:p>
-            <a:pPr marL="800100" lvl="1" indent="-342900">
-              <a:buFont typeface="Arial" panose="020B0604020202020204" pitchFamily="34" charset="0"/>
-              <a:buChar char="•"/>
-            </a:pPr>
-            <a:r>
-              <a:rPr lang="zh-CN" altLang="en-US" sz="2400" b="0" dirty="0">
-                <a:latin typeface="SimSun" panose="02010600030101010101" pitchFamily="2" charset="-122"/>
-                <a:ea typeface="SimSun" panose="02010600030101010101" pitchFamily="2" charset="-122"/>
-                <a:cs typeface="Times New Roman" panose="02020603050405020304" pitchFamily="18" charset="0"/>
-              </a:rPr>
-              <a:t>自定义标签</a:t>
-            </a:r>
-          </a:p>
-          <a:p>
-            <a:pPr marL="800100" lvl="1" indent="-342900">
-              <a:buFont typeface="Arial" panose="020B0604020202020204" pitchFamily="34" charset="0"/>
-              <a:buChar char="•"/>
-            </a:pPr>
-            <a:r>
-              <a:rPr lang="zh-CN" altLang="en-US" sz="2400" b="0" dirty="0">
-                <a:latin typeface="SimSun" panose="02010600030101010101" pitchFamily="2" charset="-122"/>
-                <a:ea typeface="SimSun" panose="02010600030101010101" pitchFamily="2" charset="-122"/>
-                <a:cs typeface="Times New Roman" panose="02020603050405020304" pitchFamily="18" charset="0"/>
-              </a:rPr>
-              <a:t>指</a:t>
-            </a:r>
-            <a:r>
-              <a:rPr lang="zh-CN" altLang="en-US" sz="2400" b="0" dirty="0" smtClean="0">
-                <a:latin typeface="SimSun" panose="02010600030101010101" pitchFamily="2" charset="-122"/>
-                <a:ea typeface="SimSun" panose="02010600030101010101" pitchFamily="2" charset="-122"/>
-                <a:cs typeface="Times New Roman" panose="02020603050405020304" pitchFamily="18" charset="0"/>
-              </a:rPr>
-              <a:t>令</a:t>
-            </a:r>
-            <a:endParaRPr lang="zh-CN" altLang="en-US" sz="2400" b="0" dirty="0">
-              <a:latin typeface="SimSun" panose="02010600030101010101" pitchFamily="2" charset="-122"/>
-              <a:ea typeface="SimSun" panose="02010600030101010101" pitchFamily="2" charset="-122"/>
-              <a:cs typeface="Times New Roman" panose="02020603050405020304" pitchFamily="18" charset="0"/>
-            </a:endParaRPr>
-          </a:p>
-          <a:p>
-            <a:endParaRPr lang="en-US" dirty="0"/>
+            <a:endParaRPr lang="en-US" sz="2200" dirty="0"/>
           </a:p>
         </p:txBody>
       </p:sp>
       <p:sp>
         <p:nvSpPr>
-          <p:cNvPr id="6" name="TextBox 5"/>
+          <p:cNvPr id="7" name="TextBox 6"/>
           <p:cNvSpPr txBox="1"/>
           <p:nvPr/>
         </p:nvSpPr>
@@ -14658,27 +13673,7 @@
                 <a:latin typeface="Arial" pitchFamily="34" charset="0"/>
                 <a:cs typeface="Arial" pitchFamily="34" charset="0"/>
               </a:rPr>
-              <a:t>Copyright © </a:t>
-            </a:r>
-            <a:r>
-              <a:rPr lang="en-US" sz="900" dirty="0" smtClean="0">
-                <a:solidFill>
-                  <a:srgbClr val="7F7F7F"/>
-                </a:solidFill>
-                <a:latin typeface="Arial" pitchFamily="34" charset="0"/>
-                <a:cs typeface="Arial" pitchFamily="34" charset="0"/>
-              </a:rPr>
-              <a:t>2017 </a:t>
-            </a:r>
-            <a:r>
-              <a:rPr lang="en-US" sz="900" dirty="0">
-                <a:solidFill>
-                  <a:srgbClr val="7F7F7F"/>
-                </a:solidFill>
-                <a:latin typeface="Arial" pitchFamily="34" charset="0"/>
-                <a:cs typeface="Arial" pitchFamily="34" charset="0"/>
-              </a:rPr>
-              <a:t>Accenture  All rights reserved.</a:t>
+              <a:t>Copyright © 2017 Accenture  All rights reserved.</a:t>
             </a:r>
           </a:p>
         </p:txBody>
@@ -14686,20 +13681,13 @@
     </p:spTree>
     <p:extLst>
       <p:ext uri="{BB962C8B-B14F-4D97-AF65-F5344CB8AC3E}">
-        <p14:creationId xmlns:p14="http://schemas.microsoft.com/office/powerpoint/2010/main" val="743781981"/>
+        <p14:creationId xmlns:p14="http://schemas.microsoft.com/office/powerpoint/2010/main" val="1997134921"/>
       </p:ext>
     </p:extLst>
   </p:cSld>
   <p:clrMapOvr>
     <a:masterClrMapping/>
   </p:clrMapOvr>
-  <p:timing>
-    <p:tnLst>
-      <p:par>
-        <p:cTn id="1" dur="indefinite" restart="never" nodeType="tmRoot"/>
-      </p:par>
-    </p:tnLst>
-  </p:timing>
 </p:sld>
 </file>
 
@@ -15531,6 +14519,31 @@
 </file>
 
 <file path=customXml/item1.xml><?xml version="1.0" encoding="utf-8"?>
+<?mso-contentType ?>
+<FormTemplates xmlns="http://schemas.microsoft.com/sharepoint/v3/contenttype/forms">
+  <Display>DocumentLibraryForm</Display>
+  <Edit>DocumentLibraryForm</Edit>
+  <New>DocumentLibraryForm</New>
+</FormTemplates>
+</file>
+
+<file path=customXml/item2.xml><?xml version="1.0" encoding="utf-8"?>
+<p:properties xmlns:p="http://schemas.microsoft.com/office/2006/metadata/properties" xmlns:xsi="http://www.w3.org/2001/XMLSchema-instance" xmlns:pc="http://schemas.microsoft.com/office/infopath/2007/PartnerControls">
+  <documentManagement>
+    <TemplateUrl xmlns="http://schemas.microsoft.com/sharepoint/v3" xsi:nil="true"/>
+    <_SourceUrl xmlns="http://schemas.microsoft.com/sharepoint/v3" xsi:nil="true"/>
+    <Comments0 xmlns="C6B13D8A-F6C8-4777-9906-93DFDA163C9A" xsi:nil="true"/>
+    <xd_ProgID xmlns="http://schemas.microsoft.com/sharepoint/v3" xsi:nil="true"/>
+    <test xmlns="C6B13D8A-F6C8-4777-9906-93DFDA163C9A" xsi:nil="true"/>
+    <Order xmlns="http://schemas.microsoft.com/sharepoint/v3" xsi:nil="true"/>
+    <_SharedFileIndex xmlns="http://schemas.microsoft.com/sharepoint/v3" xsi:nil="true"/>
+    <MetaInfo xmlns="http://schemas.microsoft.com/sharepoint/v3" xsi:nil="true"/>
+    <ContentTypeId xmlns="http://schemas.microsoft.com/sharepoint/v3">0x0101008A3DB1C6C8F67747990693DFDA163C9A</ContentTypeId>
+  </documentManagement>
+</p:properties>
+</file>
+
+<file path=customXml/item3.xml><?xml version="1.0" encoding="utf-8"?>
 <ct:contentTypeSchema xmlns:ct="http://schemas.microsoft.com/office/2006/metadata/contentType" xmlns:ma="http://schemas.microsoft.com/office/2006/metadata/properties/metaAttributes" ct:_="" ma:_="" ma:contentTypeName="Document" ma:contentTypeID="0x0101008A3DB1C6C8F67747990693DFDA163C9A" ma:contentTypeVersion="0" ma:contentTypeDescription="Create a new document." ma:contentTypeScope="" ma:versionID="c53e8d4c718320ba5c01db3429b48e01">
   <xsd:schema xmlns:xsd="http://www.w3.org/2001/XMLSchema" xmlns:xs="http://www.w3.org/2001/XMLSchema" xmlns:p="http://schemas.microsoft.com/office/2006/metadata/properties" xmlns:ns1="http://schemas.microsoft.com/sharepoint/v3" xmlns:ns2="C6B13D8A-F6C8-4777-9906-93DFDA163C9A" targetNamespace="http://schemas.microsoft.com/office/2006/metadata/properties" ma:root="true" ma:fieldsID="10d7d5cf4be4c05f12ebb16474ba6c35" ns1:_="" ns2:_="">
     <xsd:import namespace="http://schemas.microsoft.com/sharepoint/v3"/>
@@ -16001,32 +15014,26 @@
 </ct:contentTypeSchema>
 </file>
 
-<file path=customXml/item2.xml><?xml version="1.0" encoding="utf-8"?>
-<p:properties xmlns:p="http://schemas.microsoft.com/office/2006/metadata/properties" xmlns:xsi="http://www.w3.org/2001/XMLSchema-instance" xmlns:pc="http://schemas.microsoft.com/office/infopath/2007/PartnerControls">
-  <documentManagement>
-    <TemplateUrl xmlns="http://schemas.microsoft.com/sharepoint/v3" xsi:nil="true"/>
-    <_SourceUrl xmlns="http://schemas.microsoft.com/sharepoint/v3" xsi:nil="true"/>
-    <Comments0 xmlns="C6B13D8A-F6C8-4777-9906-93DFDA163C9A" xsi:nil="true"/>
-    <xd_ProgID xmlns="http://schemas.microsoft.com/sharepoint/v3" xsi:nil="true"/>
-    <test xmlns="C6B13D8A-F6C8-4777-9906-93DFDA163C9A" xsi:nil="true"/>
-    <Order xmlns="http://schemas.microsoft.com/sharepoint/v3" xsi:nil="true"/>
-    <_SharedFileIndex xmlns="http://schemas.microsoft.com/sharepoint/v3" xsi:nil="true"/>
-    <MetaInfo xmlns="http://schemas.microsoft.com/sharepoint/v3" xsi:nil="true"/>
-    <ContentTypeId xmlns="http://schemas.microsoft.com/sharepoint/v3">0x0101008A3DB1C6C8F67747990693DFDA163C9A</ContentTypeId>
-  </documentManagement>
-</p:properties>
+<file path=customXml/itemProps1.xml><?xml version="1.0" encoding="utf-8"?>
+<ds:datastoreItem xmlns:ds="http://schemas.openxmlformats.org/officeDocument/2006/customXml" ds:itemID="{6268566E-43AA-4A68-BD58-84AB4DF5B82A}">
+  <ds:schemaRefs>
+    <ds:schemaRef ds:uri="http://schemas.microsoft.com/sharepoint/v3/contenttype/forms"/>
+  </ds:schemaRefs>
+</ds:datastoreItem>
 </file>
 
-<file path=customXml/item3.xml><?xml version="1.0" encoding="utf-8"?>
-<?mso-contentType ?>
-<FormTemplates xmlns="http://schemas.microsoft.com/sharepoint/v3/contenttype/forms">
-  <Display>DocumentLibraryForm</Display>
-  <Edit>DocumentLibraryForm</Edit>
-  <New>DocumentLibraryForm</New>
-</FormTemplates>
+<file path=customXml/itemProps2.xml><?xml version="1.0" encoding="utf-8"?>
+<ds:datastoreItem xmlns:ds="http://schemas.openxmlformats.org/officeDocument/2006/customXml" ds:itemID="{F59E41AE-6836-4572-AAEF-EE3E09D690B6}">
+  <ds:schemaRefs>
+    <ds:schemaRef ds:uri="http://schemas.microsoft.com/office/2006/metadata/properties"/>
+    <ds:schemaRef ds:uri="http://schemas.microsoft.com/office/infopath/2007/PartnerControls"/>
+    <ds:schemaRef ds:uri="http://schemas.microsoft.com/sharepoint/v3"/>
+    <ds:schemaRef ds:uri="C6B13D8A-F6C8-4777-9906-93DFDA163C9A"/>
+  </ds:schemaRefs>
+</ds:datastoreItem>
 </file>
 
-<file path=customXml/itemProps1.xml><?xml version="1.0" encoding="utf-8"?>
+<file path=customXml/itemProps3.xml><?xml version="1.0" encoding="utf-8"?>
 <ds:datastoreItem xmlns:ds="http://schemas.openxmlformats.org/officeDocument/2006/customXml" ds:itemID="{CC4C9FB6-25E4-4D1F-A1E8-D3497EBEE75E}">
   <ds:schemaRefs>
     <ds:schemaRef ds:uri="http://schemas.microsoft.com/office/2006/metadata/contentType"/>
@@ -16043,23 +15050,4 @@
     <ds:schemaRef ds:uri="http://schemas.microsoft.com/internal/obd"/>
   </ds:schemaRefs>
 </ds:datastoreItem>
-</file>
-
-<file path=customXml/itemProps2.xml><?xml version="1.0" encoding="utf-8"?>
-<ds:datastoreItem xmlns:ds="http://schemas.openxmlformats.org/officeDocument/2006/customXml" ds:itemID="{F59E41AE-6836-4572-AAEF-EE3E09D690B6}">
-  <ds:schemaRefs>
-    <ds:schemaRef ds:uri="http://schemas.microsoft.com/office/2006/metadata/properties"/>
-    <ds:schemaRef ds:uri="http://schemas.microsoft.com/office/infopath/2007/PartnerControls"/>
-    <ds:schemaRef ds:uri="http://schemas.microsoft.com/sharepoint/v3"/>
-    <ds:schemaRef ds:uri="C6B13D8A-F6C8-4777-9906-93DFDA163C9A"/>
-  </ds:schemaRefs>
-</ds:datastoreItem>
-</file>
-
-<file path=customXml/itemProps3.xml><?xml version="1.0" encoding="utf-8"?>
-<ds:datastoreItem xmlns:ds="http://schemas.openxmlformats.org/officeDocument/2006/customXml" ds:itemID="{6268566E-43AA-4A68-BD58-84AB4DF5B82A}">
-  <ds:schemaRefs>
-    <ds:schemaRef ds:uri="http://schemas.microsoft.com/sharepoint/v3/contenttype/forms"/>
-  </ds:schemaRefs>
-</ds:datastoreItem>
 </file>
--- a/PPT/03-Accenture-FS-Angular-Framework.pptx
+++ b/PPT/03-Accenture-FS-Angular-Framework.pptx
@@ -5,31 +5,32 @@
     <p:sldMasterId id="2147483774" r:id="rId4"/>
   </p:sldMasterIdLst>
   <p:notesMasterIdLst>
-    <p:notesMasterId r:id="rId19"/>
+    <p:notesMasterId r:id="rId20"/>
   </p:notesMasterIdLst>
   <p:handoutMasterIdLst>
-    <p:handoutMasterId r:id="rId20"/>
+    <p:handoutMasterId r:id="rId21"/>
   </p:handoutMasterIdLst>
   <p:sldIdLst>
     <p:sldId id="259" r:id="rId5"/>
     <p:sldId id="439" r:id="rId6"/>
-    <p:sldId id="453" r:id="rId7"/>
-    <p:sldId id="451" r:id="rId8"/>
-    <p:sldId id="452" r:id="rId9"/>
-    <p:sldId id="379" r:id="rId10"/>
-    <p:sldId id="444" r:id="rId11"/>
-    <p:sldId id="445" r:id="rId12"/>
-    <p:sldId id="446" r:id="rId13"/>
-    <p:sldId id="447" r:id="rId14"/>
-    <p:sldId id="448" r:id="rId15"/>
-    <p:sldId id="449" r:id="rId16"/>
-    <p:sldId id="454" r:id="rId17"/>
-    <p:sldId id="388" r:id="rId18"/>
+    <p:sldId id="379" r:id="rId7"/>
+    <p:sldId id="444" r:id="rId8"/>
+    <p:sldId id="455" r:id="rId9"/>
+    <p:sldId id="445" r:id="rId10"/>
+    <p:sldId id="446" r:id="rId11"/>
+    <p:sldId id="447" r:id="rId12"/>
+    <p:sldId id="448" r:id="rId13"/>
+    <p:sldId id="449" r:id="rId14"/>
+    <p:sldId id="453" r:id="rId15"/>
+    <p:sldId id="451" r:id="rId16"/>
+    <p:sldId id="452" r:id="rId17"/>
+    <p:sldId id="454" r:id="rId18"/>
+    <p:sldId id="388" r:id="rId19"/>
   </p:sldIdLst>
   <p:sldSz cx="9144000" cy="6858000" type="screen4x3"/>
   <p:notesSz cx="7099300" cy="10234613"/>
   <p:custDataLst>
-    <p:tags r:id="rId21"/>
+    <p:tags r:id="rId22"/>
   </p:custDataLst>
   <p:defaultTextStyle>
     <a:defPPr>
@@ -2740,7 +2741,7 @@
             <a:fld id="{AB5C843C-6EED-49F6-94FB-305FAB24794A}" type="slidenum">
               <a:rPr lang="en-GB" sz="800" b="0"/>
               <a:pPr algn="r"/>
-              <a:t>5</a:t>
+              <a:t>2</a:t>
             </a:fld>
             <a:endParaRPr lang="en-GB" sz="800" b="0"/>
           </a:p>
@@ -3431,7 +3432,7 @@
             <a:fld id="{50C5752E-C29B-490E-BA18-43D3637E4506}" type="slidenum">
               <a:rPr lang="en-GB" sz="800" b="0"/>
               <a:pPr algn="r"/>
-              <a:t>13</a:t>
+              <a:t>14</a:t>
             </a:fld>
             <a:endParaRPr lang="en-GB" sz="800" b="0"/>
           </a:p>
@@ -9323,6 +9324,202 @@
       </p:grpSpPr>
       <p:sp>
         <p:nvSpPr>
+          <p:cNvPr id="2" name="Content Placeholder 1"/>
+          <p:cNvSpPr>
+            <a:spLocks noGrp="1"/>
+          </p:cNvSpPr>
+          <p:nvPr>
+            <p:ph sz="quarter" idx="12"/>
+          </p:nvPr>
+        </p:nvSpPr>
+        <p:spPr>
+          <a:xfrm>
+            <a:off x="448734" y="1447799"/>
+            <a:ext cx="8228012" cy="4995333"/>
+          </a:xfrm>
+        </p:spPr>
+        <p:txBody>
+          <a:bodyPr>
+            <a:normAutofit/>
+          </a:bodyPr>
+          <a:lstStyle/>
+          <a:p>
+            <a:r>
+              <a:rPr lang="en-US" sz="2200" dirty="0">
+                <a:latin typeface="SimSun" panose="02010600030101010101" pitchFamily="2" charset="-122"/>
+                <a:ea typeface="SimSun" panose="02010600030101010101" pitchFamily="2" charset="-122"/>
+                <a:cs typeface="Times New Roman" panose="02020603050405020304" pitchFamily="18" charset="0"/>
+              </a:rPr>
+              <a:t>Angular </a:t>
+            </a:r>
+            <a:r>
+              <a:rPr lang="ja-JP" altLang="en-US" sz="2200" dirty="0">
+                <a:latin typeface="SimSun" panose="02010600030101010101" pitchFamily="2" charset="-122"/>
+                <a:ea typeface="SimSun" panose="02010600030101010101" pitchFamily="2" charset="-122"/>
+                <a:cs typeface="Times New Roman" panose="02020603050405020304" pitchFamily="18" charset="0"/>
+              </a:rPr>
+              <a:t>应用是模块化的，并且</a:t>
+            </a:r>
+            <a:r>
+              <a:rPr lang="en-US" sz="2200" dirty="0">
+                <a:latin typeface="SimSun" panose="02010600030101010101" pitchFamily="2" charset="-122"/>
+                <a:ea typeface="SimSun" panose="02010600030101010101" pitchFamily="2" charset="-122"/>
+                <a:cs typeface="Times New Roman" panose="02020603050405020304" pitchFamily="18" charset="0"/>
+              </a:rPr>
+              <a:t>Angular</a:t>
+            </a:r>
+            <a:r>
+              <a:rPr lang="ja-JP" altLang="en-US" sz="2200" dirty="0">
+                <a:latin typeface="SimSun" panose="02010600030101010101" pitchFamily="2" charset="-122"/>
+                <a:ea typeface="SimSun" panose="02010600030101010101" pitchFamily="2" charset="-122"/>
+                <a:cs typeface="Times New Roman" panose="02020603050405020304" pitchFamily="18" charset="0"/>
+              </a:rPr>
+              <a:t>有自己的模块系统，它被称为</a:t>
+            </a:r>
+            <a:r>
+              <a:rPr lang="en-US" sz="2200" dirty="0" err="1">
+                <a:latin typeface="SimSun" panose="02010600030101010101" pitchFamily="2" charset="-122"/>
+                <a:ea typeface="SimSun" panose="02010600030101010101" pitchFamily="2" charset="-122"/>
+                <a:cs typeface="Times New Roman" panose="02020603050405020304" pitchFamily="18" charset="0"/>
+              </a:rPr>
+              <a:t>NgModules</a:t>
+            </a:r>
+            <a:r>
+              <a:rPr lang="zh-CN" altLang="en-US" sz="2200" dirty="0">
+                <a:latin typeface="SimSun" panose="02010600030101010101" pitchFamily="2" charset="-122"/>
+                <a:ea typeface="SimSun" panose="02010600030101010101" pitchFamily="2" charset="-122"/>
+                <a:cs typeface="Times New Roman" panose="02020603050405020304" pitchFamily="18" charset="0"/>
+              </a:rPr>
+              <a:t>。</a:t>
+            </a:r>
+            <a:endParaRPr lang="en-US" altLang="zh-CN" sz="2200" dirty="0">
+              <a:latin typeface="SimSun" panose="02010600030101010101" pitchFamily="2" charset="-122"/>
+              <a:ea typeface="SimSun" panose="02010600030101010101" pitchFamily="2" charset="-122"/>
+              <a:cs typeface="Times New Roman" panose="02020603050405020304" pitchFamily="18" charset="0"/>
+            </a:endParaRPr>
+          </a:p>
+          <a:p>
+            <a:r>
+              <a:rPr lang="zh-CN" altLang="en-US" sz="2200" dirty="0">
+                <a:latin typeface="SimSun" panose="02010600030101010101" pitchFamily="2" charset="-122"/>
+                <a:ea typeface="SimSun" panose="02010600030101010101" pitchFamily="2" charset="-122"/>
+                <a:cs typeface="Times New Roman" panose="02020603050405020304" pitchFamily="18" charset="0"/>
+              </a:rPr>
+              <a:t>每个</a:t>
+            </a:r>
+            <a:r>
+              <a:rPr lang="en-US" altLang="zh-CN" sz="2200" dirty="0">
+                <a:latin typeface="SimSun" panose="02010600030101010101" pitchFamily="2" charset="-122"/>
+                <a:ea typeface="SimSun" panose="02010600030101010101" pitchFamily="2" charset="-122"/>
+                <a:cs typeface="Times New Roman" panose="02020603050405020304" pitchFamily="18" charset="0"/>
+              </a:rPr>
+              <a:t>Angular</a:t>
+            </a:r>
+            <a:r>
+              <a:rPr lang="zh-CN" altLang="en-US" sz="2200" dirty="0">
+                <a:latin typeface="SimSun" panose="02010600030101010101" pitchFamily="2" charset="-122"/>
+                <a:ea typeface="SimSun" panose="02010600030101010101" pitchFamily="2" charset="-122"/>
+                <a:cs typeface="Times New Roman" panose="02020603050405020304" pitchFamily="18" charset="0"/>
+              </a:rPr>
+              <a:t>应用都有一个根模块，一般是</a:t>
+            </a:r>
+            <a:r>
+              <a:rPr lang="en-US" altLang="zh-CN" sz="2200" dirty="0" err="1">
+                <a:latin typeface="SimSun" panose="02010600030101010101" pitchFamily="2" charset="-122"/>
+                <a:ea typeface="SimSun" panose="02010600030101010101" pitchFamily="2" charset="-122"/>
+                <a:cs typeface="Times New Roman" panose="02020603050405020304" pitchFamily="18" charset="0"/>
+              </a:rPr>
+              <a:t>AppModule</a:t>
+            </a:r>
+            <a:r>
+              <a:rPr lang="zh-CN" altLang="en-US" sz="2200" dirty="0">
+                <a:latin typeface="SimSun" panose="02010600030101010101" pitchFamily="2" charset="-122"/>
+                <a:ea typeface="SimSun" panose="02010600030101010101" pitchFamily="2" charset="-122"/>
+                <a:cs typeface="Times New Roman" panose="02020603050405020304" pitchFamily="18" charset="0"/>
+              </a:rPr>
+              <a:t>，作为引用的入口。</a:t>
+            </a:r>
+            <a:endParaRPr lang="en-US" altLang="zh-CN" sz="2200" dirty="0">
+              <a:latin typeface="SimSun" panose="02010600030101010101" pitchFamily="2" charset="-122"/>
+              <a:ea typeface="SimSun" panose="02010600030101010101" pitchFamily="2" charset="-122"/>
+              <a:cs typeface="Times New Roman" panose="02020603050405020304" pitchFamily="18" charset="0"/>
+            </a:endParaRPr>
+          </a:p>
+          <a:p>
+            <a:r>
+              <a:rPr lang="zh-CN" altLang="en-US" sz="2200" dirty="0">
+                <a:latin typeface="SimSun" panose="02010600030101010101" pitchFamily="2" charset="-122"/>
+                <a:ea typeface="SimSun" panose="02010600030101010101" pitchFamily="2" charset="-122"/>
+                <a:cs typeface="Times New Roman" panose="02020603050405020304" pitchFamily="18" charset="0"/>
+              </a:rPr>
+              <a:t>根模块在一些小型应用中可能是唯一的模块，大多数应用会有很多特性模块，每个模块都是一个内聚的代码块专注于某个应用领域、工作流或紧密相关的功能。</a:t>
+            </a:r>
+          </a:p>
+          <a:p>
+            <a:r>
+              <a:rPr lang="en-US" sz="2200" dirty="0">
+                <a:latin typeface="SimSun" panose="02010600030101010101" pitchFamily="2" charset="-122"/>
+                <a:ea typeface="SimSun" panose="02010600030101010101" pitchFamily="2" charset="-122"/>
+                <a:cs typeface="Times New Roman" panose="02020603050405020304" pitchFamily="18" charset="0"/>
+              </a:rPr>
+              <a:t>Angular </a:t>
+            </a:r>
+            <a:r>
+              <a:rPr lang="ja-JP" altLang="en-US" sz="2200" dirty="0">
+                <a:latin typeface="SimSun" panose="02010600030101010101" pitchFamily="2" charset="-122"/>
+                <a:ea typeface="SimSun" panose="02010600030101010101" pitchFamily="2" charset="-122"/>
+                <a:cs typeface="Times New Roman" panose="02020603050405020304" pitchFamily="18" charset="0"/>
+              </a:rPr>
+              <a:t>模块（无论是根模块还是特性模块）都是一个带有</a:t>
+            </a:r>
+            <a:r>
+              <a:rPr lang="en-US" altLang="ja-JP" sz="2200" dirty="0">
+                <a:latin typeface="SimSun" panose="02010600030101010101" pitchFamily="2" charset="-122"/>
+                <a:ea typeface="SimSun" panose="02010600030101010101" pitchFamily="2" charset="-122"/>
+                <a:cs typeface="Times New Roman" panose="02020603050405020304" pitchFamily="18" charset="0"/>
+              </a:rPr>
+              <a:t>@</a:t>
+            </a:r>
+            <a:r>
+              <a:rPr lang="en-US" sz="2200" dirty="0" err="1">
+                <a:latin typeface="SimSun" panose="02010600030101010101" pitchFamily="2" charset="-122"/>
+                <a:ea typeface="SimSun" panose="02010600030101010101" pitchFamily="2" charset="-122"/>
+                <a:cs typeface="Times New Roman" panose="02020603050405020304" pitchFamily="18" charset="0"/>
+              </a:rPr>
+              <a:t>NgModule</a:t>
+            </a:r>
+            <a:r>
+              <a:rPr lang="ja-JP" altLang="en-US" sz="2200" dirty="0">
+                <a:latin typeface="SimSun" panose="02010600030101010101" pitchFamily="2" charset="-122"/>
+                <a:ea typeface="SimSun" panose="02010600030101010101" pitchFamily="2" charset="-122"/>
+                <a:cs typeface="Times New Roman" panose="02020603050405020304" pitchFamily="18" charset="0"/>
+              </a:rPr>
+              <a:t>装饰器的类</a:t>
+            </a:r>
+            <a:r>
+              <a:rPr lang="zh-CN" altLang="en-US" sz="2200" dirty="0">
+                <a:latin typeface="SimSun" panose="02010600030101010101" pitchFamily="2" charset="-122"/>
+                <a:ea typeface="SimSun" panose="02010600030101010101" pitchFamily="2" charset="-122"/>
+                <a:cs typeface="Times New Roman" panose="02020603050405020304" pitchFamily="18" charset="0"/>
+              </a:rPr>
+              <a:t>。</a:t>
+            </a:r>
+            <a:endParaRPr lang="en-US" sz="2200" dirty="0">
+              <a:latin typeface="SimSun" panose="02010600030101010101" pitchFamily="2" charset="-122"/>
+              <a:ea typeface="SimSun" panose="02010600030101010101" pitchFamily="2" charset="-122"/>
+              <a:cs typeface="Times New Roman" panose="02020603050405020304" pitchFamily="18" charset="0"/>
+            </a:endParaRPr>
+          </a:p>
+          <a:p>
+            <a:pPr marL="0" indent="0">
+              <a:buNone/>
+            </a:pPr>
+            <a:endParaRPr lang="en-US" sz="2400" dirty="0"/>
+          </a:p>
+        </p:txBody>
+      </p:sp>
+      <p:sp>
+        <p:nvSpPr>
           <p:cNvPr id="3" name="Title 2"/>
           <p:cNvSpPr>
             <a:spLocks noGrp="1"/>
@@ -9343,7 +9540,7 @@
                 <a:latin typeface="SimSun" panose="02010600030101010101" pitchFamily="2" charset="-122"/>
                 <a:ea typeface="SimSun" panose="02010600030101010101" pitchFamily="2" charset="-122"/>
               </a:rPr>
-              <a:t>服务</a:t>
+              <a:t>模块</a:t>
             </a:r>
             <a:endParaRPr lang="en-US" sz="2800" dirty="0">
               <a:latin typeface="SimSun" panose="02010600030101010101" pitchFamily="2" charset="-122"/>
@@ -9401,189 +9598,9 @@
           </a:p>
         </p:txBody>
       </p:sp>
-      <p:pic>
-        <p:nvPicPr>
-          <p:cNvPr id="5" name="Picture 4"/>
-          <p:cNvPicPr>
-            <a:picLocks noChangeAspect="1"/>
-          </p:cNvPicPr>
-          <p:nvPr/>
-        </p:nvPicPr>
-        <p:blipFill>
-          <a:blip r:embed="rId2">
-            <a:extLst>
-              <a:ext uri="{28A0092B-C50C-407E-A947-70E740481C1C}">
-                <a14:useLocalDpi xmlns:a14="http://schemas.microsoft.com/office/drawing/2010/main" val="0"/>
-              </a:ext>
-            </a:extLst>
-          </a:blip>
-          <a:stretch>
-            <a:fillRect/>
-          </a:stretch>
-        </p:blipFill>
-        <p:spPr>
-          <a:xfrm>
-            <a:off x="662784" y="1359014"/>
-            <a:ext cx="1533525" cy="1190625"/>
-          </a:xfrm>
-          <a:prstGeom prst="rect">
-            <a:avLst/>
-          </a:prstGeom>
-        </p:spPr>
-      </p:pic>
       <p:sp>
         <p:nvSpPr>
-          <p:cNvPr id="8" name="TextBox 7"/>
-          <p:cNvSpPr txBox="1"/>
-          <p:nvPr/>
-        </p:nvSpPr>
-        <p:spPr>
-          <a:xfrm>
-            <a:off x="452568" y="2835557"/>
-            <a:ext cx="8205261" cy="2123658"/>
-          </a:xfrm>
-          <a:prstGeom prst="rect">
-            <a:avLst/>
-          </a:prstGeom>
-          <a:noFill/>
-        </p:spPr>
-        <p:txBody>
-          <a:bodyPr wrap="square" rtlCol="0">
-            <a:spAutoFit/>
-          </a:bodyPr>
-          <a:lstStyle/>
-          <a:p>
-            <a:pPr marL="342900" indent="-342900">
-              <a:buFont typeface="Arial" panose="020B0604020202020204" pitchFamily="34" charset="0"/>
-              <a:buChar char="•"/>
-            </a:pPr>
-            <a:r>
-              <a:rPr lang="zh-CN" altLang="en-US" sz="2200" b="0" dirty="0">
-                <a:latin typeface="SimSun" panose="02010600030101010101" pitchFamily="2" charset="-122"/>
-                <a:ea typeface="SimSun" panose="02010600030101010101" pitchFamily="2" charset="-122"/>
-                <a:cs typeface="Times New Roman" panose="02020603050405020304" pitchFamily="18" charset="0"/>
-              </a:rPr>
-              <a:t>服务是一个很宽泛的定义，</a:t>
-            </a:r>
-            <a:r>
-              <a:rPr lang="ja-JP" altLang="en-US" sz="2200" b="0" dirty="0">
-                <a:latin typeface="SimSun" panose="02010600030101010101" pitchFamily="2" charset="-122"/>
-                <a:ea typeface="SimSun" panose="02010600030101010101" pitchFamily="2" charset="-122"/>
-                <a:cs typeface="Times New Roman" panose="02020603050405020304" pitchFamily="18" charset="0"/>
-              </a:rPr>
-              <a:t>只需要定义一个</a:t>
-            </a:r>
-            <a:r>
-              <a:rPr lang="en-US" sz="2200" b="0" dirty="0">
-                <a:latin typeface="SimSun" panose="02010600030101010101" pitchFamily="2" charset="-122"/>
-                <a:ea typeface="SimSun" panose="02010600030101010101" pitchFamily="2" charset="-122"/>
-                <a:cs typeface="Times New Roman" panose="02020603050405020304" pitchFamily="18" charset="0"/>
-              </a:rPr>
-              <a:t>class，</a:t>
-            </a:r>
-            <a:r>
-              <a:rPr lang="ja-JP" altLang="en-US" sz="2200" b="0" dirty="0">
-                <a:latin typeface="SimSun" panose="02010600030101010101" pitchFamily="2" charset="-122"/>
-                <a:ea typeface="SimSun" panose="02010600030101010101" pitchFamily="2" charset="-122"/>
-                <a:cs typeface="Times New Roman" panose="02020603050405020304" pitchFamily="18" charset="0"/>
-              </a:rPr>
-              <a:t>并把它</a:t>
-            </a:r>
-            <a:r>
-              <a:rPr lang="en-US" sz="2200" b="0" dirty="0">
-                <a:latin typeface="SimSun" panose="02010600030101010101" pitchFamily="2" charset="-122"/>
-                <a:ea typeface="SimSun" panose="02010600030101010101" pitchFamily="2" charset="-122"/>
-                <a:cs typeface="Times New Roman" panose="02020603050405020304" pitchFamily="18" charset="0"/>
-              </a:rPr>
-              <a:t>export</a:t>
-            </a:r>
-            <a:r>
-              <a:rPr lang="ja-JP" altLang="en-US" sz="2200" b="0" dirty="0">
-                <a:latin typeface="SimSun" panose="02010600030101010101" pitchFamily="2" charset="-122"/>
-                <a:ea typeface="SimSun" panose="02010600030101010101" pitchFamily="2" charset="-122"/>
-                <a:cs typeface="Times New Roman" panose="02020603050405020304" pitchFamily="18" charset="0"/>
-              </a:rPr>
-              <a:t>就可以</a:t>
-            </a:r>
-            <a:r>
-              <a:rPr lang="zh-CN" altLang="en-US" sz="2200" b="0" dirty="0">
-                <a:latin typeface="SimSun" panose="02010600030101010101" pitchFamily="2" charset="-122"/>
-                <a:ea typeface="SimSun" panose="02010600030101010101" pitchFamily="2" charset="-122"/>
-                <a:cs typeface="Times New Roman" panose="02020603050405020304" pitchFamily="18" charset="0"/>
-              </a:rPr>
-              <a:t>。</a:t>
-            </a:r>
-            <a:endParaRPr lang="en-US" altLang="ja-JP" sz="2200" b="0" dirty="0">
-              <a:latin typeface="SimSun" panose="02010600030101010101" pitchFamily="2" charset="-122"/>
-              <a:ea typeface="SimSun" panose="02010600030101010101" pitchFamily="2" charset="-122"/>
-              <a:cs typeface="Times New Roman" panose="02020603050405020304" pitchFamily="18" charset="0"/>
-            </a:endParaRPr>
-          </a:p>
-          <a:p>
-            <a:pPr marL="342900" indent="-342900">
-              <a:buFont typeface="Arial" panose="020B0604020202020204" pitchFamily="34" charset="0"/>
-              <a:buChar char="•"/>
-            </a:pPr>
-            <a:endParaRPr lang="en-US" altLang="ja-JP" sz="2200" b="0" dirty="0">
-              <a:latin typeface="SimSun" panose="02010600030101010101" pitchFamily="2" charset="-122"/>
-              <a:ea typeface="SimSun" panose="02010600030101010101" pitchFamily="2" charset="-122"/>
-              <a:cs typeface="Times New Roman" panose="02020603050405020304" pitchFamily="18" charset="0"/>
-            </a:endParaRPr>
-          </a:p>
-          <a:p>
-            <a:pPr marL="342900" indent="-342900">
-              <a:buFont typeface="Arial" panose="020B0604020202020204" pitchFamily="34" charset="0"/>
-              <a:buChar char="•"/>
-            </a:pPr>
-            <a:r>
-              <a:rPr lang="zh-CN" altLang="en-US" sz="2200" b="0" dirty="0">
-                <a:latin typeface="SimSun" panose="02010600030101010101" pitchFamily="2" charset="-122"/>
-                <a:ea typeface="SimSun" panose="02010600030101010101" pitchFamily="2" charset="-122"/>
-                <a:cs typeface="Times New Roman" panose="02020603050405020304" pitchFamily="18" charset="0"/>
-              </a:rPr>
-              <a:t>典型的服务是一个类，具有专注的、明确的用途。</a:t>
-            </a:r>
-            <a:endParaRPr lang="en-US" altLang="ja-JP" sz="2200" b="0" dirty="0">
-              <a:latin typeface="SimSun" panose="02010600030101010101" pitchFamily="2" charset="-122"/>
-              <a:ea typeface="SimSun" panose="02010600030101010101" pitchFamily="2" charset="-122"/>
-              <a:cs typeface="Times New Roman" panose="02020603050405020304" pitchFamily="18" charset="0"/>
-            </a:endParaRPr>
-          </a:p>
-          <a:p>
-            <a:pPr marL="342900" indent="-342900">
-              <a:buFont typeface="Arial" panose="020B0604020202020204" pitchFamily="34" charset="0"/>
-              <a:buChar char="•"/>
-            </a:pPr>
-            <a:endParaRPr lang="en-US" altLang="zh-CN" sz="2200" b="0" dirty="0">
-              <a:latin typeface="SimSun" panose="02010600030101010101" pitchFamily="2" charset="-122"/>
-              <a:ea typeface="SimSun" panose="02010600030101010101" pitchFamily="2" charset="-122"/>
-              <a:cs typeface="Times New Roman" panose="02020603050405020304" pitchFamily="18" charset="0"/>
-            </a:endParaRPr>
-          </a:p>
-          <a:p>
-            <a:pPr marL="342900" indent="-342900">
-              <a:buFont typeface="Arial" panose="020B0604020202020204" pitchFamily="34" charset="0"/>
-              <a:buChar char="•"/>
-            </a:pPr>
-            <a:r>
-              <a:rPr lang="zh-CN" altLang="en-US" sz="2200" b="0" dirty="0">
-                <a:latin typeface="SimSun" panose="02010600030101010101" pitchFamily="2" charset="-122"/>
-                <a:ea typeface="SimSun" panose="02010600030101010101" pitchFamily="2" charset="-122"/>
-                <a:cs typeface="Times New Roman" panose="02020603050405020304" pitchFamily="18" charset="0"/>
-              </a:rPr>
-              <a:t>通过依赖注入，将服务注入进组件中。</a:t>
-            </a:r>
-            <a:endParaRPr lang="en-US" sz="2200" b="0" dirty="0">
-              <a:latin typeface="SimSun" panose="02010600030101010101" pitchFamily="2" charset="-122"/>
-              <a:ea typeface="SimSun" panose="02010600030101010101" pitchFamily="2" charset="-122"/>
-              <a:cs typeface="Times New Roman" panose="02020603050405020304" pitchFamily="18" charset="0"/>
-            </a:endParaRPr>
-          </a:p>
-        </p:txBody>
-      </p:sp>
-      <p:sp>
-        <p:nvSpPr>
-          <p:cNvPr id="6" name="TextBox 5"/>
+          <p:cNvPr id="5" name="TextBox 4"/>
           <p:cNvSpPr txBox="1"/>
           <p:nvPr/>
         </p:nvSpPr>
@@ -9622,7 +9639,7 @@
     </p:spTree>
     <p:extLst>
       <p:ext uri="{BB962C8B-B14F-4D97-AF65-F5344CB8AC3E}">
-        <p14:creationId xmlns:p14="http://schemas.microsoft.com/office/powerpoint/2010/main" val="2532777584"/>
+        <p14:creationId xmlns:p14="http://schemas.microsoft.com/office/powerpoint/2010/main" val="3976932293"/>
       </p:ext>
     </p:extLst>
   </p:cSld>
@@ -9661,22 +9678,30 @@
         </p:nvSpPr>
         <p:spPr/>
         <p:txBody>
-          <a:bodyPr>
-            <a:normAutofit/>
-          </a:bodyPr>
+          <a:bodyPr/>
           <a:lstStyle/>
           <a:p>
             <a:r>
-              <a:rPr lang="zh-CN" altLang="en-US" sz="2800" dirty="0">
+              <a:rPr lang="ja-JP" altLang="en-US" dirty="0">
                 <a:latin typeface="SimSun" panose="02010600030101010101" pitchFamily="2" charset="-122"/>
                 <a:ea typeface="SimSun" panose="02010600030101010101" pitchFamily="2" charset="-122"/>
               </a:rPr>
-              <a:t>依赖注入</a:t>
-            </a:r>
-            <a:endParaRPr lang="en-US" sz="2800" dirty="0">
-              <a:latin typeface="SimSun" panose="02010600030101010101" pitchFamily="2" charset="-122"/>
-              <a:ea typeface="SimSun" panose="02010600030101010101" pitchFamily="2" charset="-122"/>
-            </a:endParaRPr>
+              <a:t>目录结构</a:t>
+            </a:r>
+            <a:r>
+              <a:rPr lang="en-US" altLang="ja-JP" dirty="0">
+                <a:latin typeface="SimSun" panose="02010600030101010101" pitchFamily="2" charset="-122"/>
+                <a:ea typeface="SimSun" panose="02010600030101010101" pitchFamily="2" charset="-122"/>
+              </a:rPr>
+              <a:t>(</a:t>
+            </a:r>
+            <a:r>
+              <a:rPr lang="en-US" dirty="0">
+                <a:latin typeface="SimSun" panose="02010600030101010101" pitchFamily="2" charset="-122"/>
+                <a:ea typeface="SimSun" panose="02010600030101010101" pitchFamily="2" charset="-122"/>
+              </a:rPr>
+              <a:t>Root)</a:t>
+            </a:r>
           </a:p>
         </p:txBody>
       </p:sp>
@@ -9729,117 +9754,9 @@
           </a:p>
         </p:txBody>
       </p:sp>
-      <p:sp>
-        <p:nvSpPr>
-          <p:cNvPr id="6" name="TextBox 5"/>
-          <p:cNvSpPr txBox="1"/>
-          <p:nvPr/>
-        </p:nvSpPr>
-        <p:spPr>
-          <a:xfrm>
-            <a:off x="452568" y="3462556"/>
-            <a:ext cx="8310432" cy="2123658"/>
-          </a:xfrm>
-          <a:prstGeom prst="rect">
-            <a:avLst/>
-          </a:prstGeom>
-          <a:noFill/>
-        </p:spPr>
-        <p:txBody>
-          <a:bodyPr wrap="square" rtlCol="0">
-            <a:spAutoFit/>
-          </a:bodyPr>
-          <a:lstStyle/>
-          <a:p>
-            <a:r>
-              <a:rPr lang="zh-CN" altLang="en-US" sz="2200" b="0" dirty="0">
-                <a:latin typeface="SimSun" panose="02010600030101010101" pitchFamily="2" charset="-122"/>
-                <a:ea typeface="SimSun" panose="02010600030101010101" pitchFamily="2" charset="-122"/>
-                <a:cs typeface="Times New Roman" panose="02020603050405020304" pitchFamily="18" charset="0"/>
-              </a:rPr>
-              <a:t>当 </a:t>
-            </a:r>
-            <a:r>
-              <a:rPr lang="en-US" altLang="zh-CN" sz="2200" b="0" dirty="0">
-                <a:latin typeface="SimSun" panose="02010600030101010101" pitchFamily="2" charset="-122"/>
-                <a:ea typeface="SimSun" panose="02010600030101010101" pitchFamily="2" charset="-122"/>
-                <a:cs typeface="Times New Roman" panose="02020603050405020304" pitchFamily="18" charset="0"/>
-              </a:rPr>
-              <a:t>Angular </a:t>
-            </a:r>
-            <a:r>
-              <a:rPr lang="zh-CN" altLang="en-US" sz="2200" b="0" dirty="0">
-                <a:latin typeface="SimSun" panose="02010600030101010101" pitchFamily="2" charset="-122"/>
-                <a:ea typeface="SimSun" panose="02010600030101010101" pitchFamily="2" charset="-122"/>
-                <a:cs typeface="Times New Roman" panose="02020603050405020304" pitchFamily="18" charset="0"/>
-              </a:rPr>
-              <a:t>创建组件时，会首先为组件所需的服务请求一个         注入器 </a:t>
-            </a:r>
-            <a:r>
-              <a:rPr lang="en-US" altLang="zh-CN" sz="2200" b="0" dirty="0">
-                <a:latin typeface="SimSun" panose="02010600030101010101" pitchFamily="2" charset="-122"/>
-                <a:ea typeface="SimSun" panose="02010600030101010101" pitchFamily="2" charset="-122"/>
-                <a:cs typeface="Times New Roman" panose="02020603050405020304" pitchFamily="18" charset="0"/>
-              </a:rPr>
-              <a:t>(injector)</a:t>
-            </a:r>
-            <a:r>
-              <a:rPr lang="zh-CN" altLang="en-US" sz="2200" b="0" dirty="0">
-                <a:latin typeface="SimSun" panose="02010600030101010101" pitchFamily="2" charset="-122"/>
-                <a:ea typeface="SimSun" panose="02010600030101010101" pitchFamily="2" charset="-122"/>
-                <a:cs typeface="Times New Roman" panose="02020603050405020304" pitchFamily="18" charset="0"/>
-              </a:rPr>
-              <a:t>。</a:t>
-            </a:r>
-            <a:endParaRPr lang="en-US" altLang="zh-CN" sz="2200" b="0" dirty="0">
-              <a:latin typeface="SimSun" panose="02010600030101010101" pitchFamily="2" charset="-122"/>
-              <a:ea typeface="SimSun" panose="02010600030101010101" pitchFamily="2" charset="-122"/>
-              <a:cs typeface="Times New Roman" panose="02020603050405020304" pitchFamily="18" charset="0"/>
-            </a:endParaRPr>
-          </a:p>
-          <a:p>
-            <a:endParaRPr lang="zh-CN" altLang="en-US" sz="2200" b="0" dirty="0">
-              <a:latin typeface="SimSun" panose="02010600030101010101" pitchFamily="2" charset="-122"/>
-              <a:ea typeface="SimSun" panose="02010600030101010101" pitchFamily="2" charset="-122"/>
-              <a:cs typeface="Times New Roman" panose="02020603050405020304" pitchFamily="18" charset="0"/>
-            </a:endParaRPr>
-          </a:p>
-          <a:p>
-            <a:r>
-              <a:rPr lang="zh-CN" altLang="en-US" sz="2200" b="0" dirty="0">
-                <a:latin typeface="SimSun" panose="02010600030101010101" pitchFamily="2" charset="-122"/>
-                <a:ea typeface="SimSun" panose="02010600030101010101" pitchFamily="2" charset="-122"/>
-                <a:cs typeface="Times New Roman" panose="02020603050405020304" pitchFamily="18" charset="0"/>
-              </a:rPr>
-              <a:t>注入器维护了一个服务实例的容器，存放着以前创建的实例。 如果所请求的服务实例不在容器中，注入器就会创建一个服务实例，并且添加到容器中，然后把这个服务返回给</a:t>
-            </a:r>
-            <a:r>
-              <a:rPr lang="en-US" altLang="zh-CN" sz="2200" b="0" dirty="0">
-                <a:latin typeface="SimSun" panose="02010600030101010101" pitchFamily="2" charset="-122"/>
-                <a:ea typeface="SimSun" panose="02010600030101010101" pitchFamily="2" charset="-122"/>
-                <a:cs typeface="Times New Roman" panose="02020603050405020304" pitchFamily="18" charset="0"/>
-              </a:rPr>
-              <a:t>Angular</a:t>
-            </a:r>
-            <a:r>
-              <a:rPr lang="zh-CN" altLang="en-US" sz="2200" b="0" dirty="0">
-                <a:latin typeface="SimSun" panose="02010600030101010101" pitchFamily="2" charset="-122"/>
-                <a:ea typeface="SimSun" panose="02010600030101010101" pitchFamily="2" charset="-122"/>
-                <a:cs typeface="Times New Roman" panose="02020603050405020304" pitchFamily="18" charset="0"/>
-              </a:rPr>
-              <a:t>。</a:t>
-            </a:r>
-            <a:endParaRPr lang="en-US" altLang="zh-CN" sz="2200" b="0" dirty="0">
-              <a:latin typeface="SimSun" panose="02010600030101010101" pitchFamily="2" charset="-122"/>
-              <a:ea typeface="SimSun" panose="02010600030101010101" pitchFamily="2" charset="-122"/>
-              <a:cs typeface="Times New Roman" panose="02020603050405020304" pitchFamily="18" charset="0"/>
-            </a:endParaRPr>
-          </a:p>
-        </p:txBody>
-      </p:sp>
       <p:pic>
         <p:nvPicPr>
-          <p:cNvPr id="8" name="Content Placeholder 7"/>
+          <p:cNvPr id="5" name="Content Placeholder 4"/>
           <p:cNvPicPr>
             <a:picLocks noGrp="1" noChangeAspect="1"/>
           </p:cNvPicPr>
@@ -9848,27 +9765,24 @@
           </p:nvPr>
         </p:nvPicPr>
         <p:blipFill>
-          <a:blip r:embed="rId2">
-            <a:extLst>
-              <a:ext uri="{28A0092B-C50C-407E-A947-70E740481C1C}">
-                <a14:useLocalDpi xmlns:a14="http://schemas.microsoft.com/office/drawing/2010/main" val="0"/>
-              </a:ext>
-            </a:extLst>
-          </a:blip>
+          <a:blip r:embed="rId2"/>
           <a:stretch>
             <a:fillRect/>
           </a:stretch>
         </p:blipFill>
         <p:spPr>
           <a:xfrm>
-            <a:off x="452568" y="1242281"/>
-            <a:ext cx="4562475" cy="2076450"/>
+            <a:off x="460376" y="1295400"/>
+            <a:ext cx="8197453" cy="4902200"/>
           </a:xfrm>
+          <a:prstGeom prst="rect">
+            <a:avLst/>
+          </a:prstGeom>
         </p:spPr>
       </p:pic>
       <p:sp>
         <p:nvSpPr>
-          <p:cNvPr id="7" name="TextBox 6"/>
+          <p:cNvPr id="6" name="TextBox 5"/>
           <p:cNvSpPr txBox="1"/>
           <p:nvPr/>
         </p:nvSpPr>
@@ -9907,7 +9821,7 @@
     </p:spTree>
     <p:extLst>
       <p:ext uri="{BB962C8B-B14F-4D97-AF65-F5344CB8AC3E}">
-        <p14:creationId xmlns:p14="http://schemas.microsoft.com/office/powerpoint/2010/main" val="3434907796"/>
+        <p14:creationId xmlns:p14="http://schemas.microsoft.com/office/powerpoint/2010/main" val="2228399646"/>
       </p:ext>
     </p:extLst>
   </p:cSld>
@@ -9936,202 +9850,6 @@
       </p:grpSpPr>
       <p:sp>
         <p:nvSpPr>
-          <p:cNvPr id="2" name="Content Placeholder 1"/>
-          <p:cNvSpPr>
-            <a:spLocks noGrp="1"/>
-          </p:cNvSpPr>
-          <p:nvPr>
-            <p:ph sz="quarter" idx="12"/>
-          </p:nvPr>
-        </p:nvSpPr>
-        <p:spPr>
-          <a:xfrm>
-            <a:off x="448734" y="1447799"/>
-            <a:ext cx="8228012" cy="4995333"/>
-          </a:xfrm>
-        </p:spPr>
-        <p:txBody>
-          <a:bodyPr>
-            <a:normAutofit/>
-          </a:bodyPr>
-          <a:lstStyle/>
-          <a:p>
-            <a:r>
-              <a:rPr lang="en-US" sz="2200" dirty="0">
-                <a:latin typeface="SimSun" panose="02010600030101010101" pitchFamily="2" charset="-122"/>
-                <a:ea typeface="SimSun" panose="02010600030101010101" pitchFamily="2" charset="-122"/>
-                <a:cs typeface="Times New Roman" panose="02020603050405020304" pitchFamily="18" charset="0"/>
-              </a:rPr>
-              <a:t>Angular </a:t>
-            </a:r>
-            <a:r>
-              <a:rPr lang="ja-JP" altLang="en-US" sz="2200" dirty="0">
-                <a:latin typeface="SimSun" panose="02010600030101010101" pitchFamily="2" charset="-122"/>
-                <a:ea typeface="SimSun" panose="02010600030101010101" pitchFamily="2" charset="-122"/>
-                <a:cs typeface="Times New Roman" panose="02020603050405020304" pitchFamily="18" charset="0"/>
-              </a:rPr>
-              <a:t>应用是模块化的，并且</a:t>
-            </a:r>
-            <a:r>
-              <a:rPr lang="en-US" sz="2200" dirty="0">
-                <a:latin typeface="SimSun" panose="02010600030101010101" pitchFamily="2" charset="-122"/>
-                <a:ea typeface="SimSun" panose="02010600030101010101" pitchFamily="2" charset="-122"/>
-                <a:cs typeface="Times New Roman" panose="02020603050405020304" pitchFamily="18" charset="0"/>
-              </a:rPr>
-              <a:t>Angular</a:t>
-            </a:r>
-            <a:r>
-              <a:rPr lang="ja-JP" altLang="en-US" sz="2200" dirty="0">
-                <a:latin typeface="SimSun" panose="02010600030101010101" pitchFamily="2" charset="-122"/>
-                <a:ea typeface="SimSun" panose="02010600030101010101" pitchFamily="2" charset="-122"/>
-                <a:cs typeface="Times New Roman" panose="02020603050405020304" pitchFamily="18" charset="0"/>
-              </a:rPr>
-              <a:t>有自己的模块系统，它被称为</a:t>
-            </a:r>
-            <a:r>
-              <a:rPr lang="en-US" sz="2200" dirty="0" err="1">
-                <a:latin typeface="SimSun" panose="02010600030101010101" pitchFamily="2" charset="-122"/>
-                <a:ea typeface="SimSun" panose="02010600030101010101" pitchFamily="2" charset="-122"/>
-                <a:cs typeface="Times New Roman" panose="02020603050405020304" pitchFamily="18" charset="0"/>
-              </a:rPr>
-              <a:t>NgModules</a:t>
-            </a:r>
-            <a:r>
-              <a:rPr lang="zh-CN" altLang="en-US" sz="2200" dirty="0">
-                <a:latin typeface="SimSun" panose="02010600030101010101" pitchFamily="2" charset="-122"/>
-                <a:ea typeface="SimSun" panose="02010600030101010101" pitchFamily="2" charset="-122"/>
-                <a:cs typeface="Times New Roman" panose="02020603050405020304" pitchFamily="18" charset="0"/>
-              </a:rPr>
-              <a:t>。</a:t>
-            </a:r>
-            <a:endParaRPr lang="en-US" altLang="zh-CN" sz="2200" dirty="0">
-              <a:latin typeface="SimSun" panose="02010600030101010101" pitchFamily="2" charset="-122"/>
-              <a:ea typeface="SimSun" panose="02010600030101010101" pitchFamily="2" charset="-122"/>
-              <a:cs typeface="Times New Roman" panose="02020603050405020304" pitchFamily="18" charset="0"/>
-            </a:endParaRPr>
-          </a:p>
-          <a:p>
-            <a:r>
-              <a:rPr lang="zh-CN" altLang="en-US" sz="2200" dirty="0">
-                <a:latin typeface="SimSun" panose="02010600030101010101" pitchFamily="2" charset="-122"/>
-                <a:ea typeface="SimSun" panose="02010600030101010101" pitchFamily="2" charset="-122"/>
-                <a:cs typeface="Times New Roman" panose="02020603050405020304" pitchFamily="18" charset="0"/>
-              </a:rPr>
-              <a:t>每个</a:t>
-            </a:r>
-            <a:r>
-              <a:rPr lang="en-US" altLang="zh-CN" sz="2200" dirty="0">
-                <a:latin typeface="SimSun" panose="02010600030101010101" pitchFamily="2" charset="-122"/>
-                <a:ea typeface="SimSun" panose="02010600030101010101" pitchFamily="2" charset="-122"/>
-                <a:cs typeface="Times New Roman" panose="02020603050405020304" pitchFamily="18" charset="0"/>
-              </a:rPr>
-              <a:t>Angular</a:t>
-            </a:r>
-            <a:r>
-              <a:rPr lang="zh-CN" altLang="en-US" sz="2200" dirty="0">
-                <a:latin typeface="SimSun" panose="02010600030101010101" pitchFamily="2" charset="-122"/>
-                <a:ea typeface="SimSun" panose="02010600030101010101" pitchFamily="2" charset="-122"/>
-                <a:cs typeface="Times New Roman" panose="02020603050405020304" pitchFamily="18" charset="0"/>
-              </a:rPr>
-              <a:t>应用都有一个根模块，一般是</a:t>
-            </a:r>
-            <a:r>
-              <a:rPr lang="en-US" altLang="zh-CN" sz="2200" dirty="0" err="1">
-                <a:latin typeface="SimSun" panose="02010600030101010101" pitchFamily="2" charset="-122"/>
-                <a:ea typeface="SimSun" panose="02010600030101010101" pitchFamily="2" charset="-122"/>
-                <a:cs typeface="Times New Roman" panose="02020603050405020304" pitchFamily="18" charset="0"/>
-              </a:rPr>
-              <a:t>AppModule</a:t>
-            </a:r>
-            <a:r>
-              <a:rPr lang="zh-CN" altLang="en-US" sz="2200" dirty="0">
-                <a:latin typeface="SimSun" panose="02010600030101010101" pitchFamily="2" charset="-122"/>
-                <a:ea typeface="SimSun" panose="02010600030101010101" pitchFamily="2" charset="-122"/>
-                <a:cs typeface="Times New Roman" panose="02020603050405020304" pitchFamily="18" charset="0"/>
-              </a:rPr>
-              <a:t>，作为引用的入口。</a:t>
-            </a:r>
-            <a:endParaRPr lang="en-US" altLang="zh-CN" sz="2200" dirty="0">
-              <a:latin typeface="SimSun" panose="02010600030101010101" pitchFamily="2" charset="-122"/>
-              <a:ea typeface="SimSun" panose="02010600030101010101" pitchFamily="2" charset="-122"/>
-              <a:cs typeface="Times New Roman" panose="02020603050405020304" pitchFamily="18" charset="0"/>
-            </a:endParaRPr>
-          </a:p>
-          <a:p>
-            <a:r>
-              <a:rPr lang="zh-CN" altLang="en-US" sz="2200" dirty="0">
-                <a:latin typeface="SimSun" panose="02010600030101010101" pitchFamily="2" charset="-122"/>
-                <a:ea typeface="SimSun" panose="02010600030101010101" pitchFamily="2" charset="-122"/>
-                <a:cs typeface="Times New Roman" panose="02020603050405020304" pitchFamily="18" charset="0"/>
-              </a:rPr>
-              <a:t>根模块在一些小型应用中可能是唯一的模块，大多数应用会有很多特性模块，每个模块都是一个内聚的代码块专注于某个应用领域、工作流或紧密相关的功能。</a:t>
-            </a:r>
-          </a:p>
-          <a:p>
-            <a:r>
-              <a:rPr lang="en-US" sz="2200" dirty="0">
-                <a:latin typeface="SimSun" panose="02010600030101010101" pitchFamily="2" charset="-122"/>
-                <a:ea typeface="SimSun" panose="02010600030101010101" pitchFamily="2" charset="-122"/>
-                <a:cs typeface="Times New Roman" panose="02020603050405020304" pitchFamily="18" charset="0"/>
-              </a:rPr>
-              <a:t>Angular </a:t>
-            </a:r>
-            <a:r>
-              <a:rPr lang="ja-JP" altLang="en-US" sz="2200" dirty="0">
-                <a:latin typeface="SimSun" panose="02010600030101010101" pitchFamily="2" charset="-122"/>
-                <a:ea typeface="SimSun" panose="02010600030101010101" pitchFamily="2" charset="-122"/>
-                <a:cs typeface="Times New Roman" panose="02020603050405020304" pitchFamily="18" charset="0"/>
-              </a:rPr>
-              <a:t>模块（无论是根模块还是特性模块）都是一个带有</a:t>
-            </a:r>
-            <a:r>
-              <a:rPr lang="en-US" altLang="ja-JP" sz="2200" dirty="0">
-                <a:latin typeface="SimSun" panose="02010600030101010101" pitchFamily="2" charset="-122"/>
-                <a:ea typeface="SimSun" panose="02010600030101010101" pitchFamily="2" charset="-122"/>
-                <a:cs typeface="Times New Roman" panose="02020603050405020304" pitchFamily="18" charset="0"/>
-              </a:rPr>
-              <a:t>@</a:t>
-            </a:r>
-            <a:r>
-              <a:rPr lang="en-US" sz="2200" dirty="0" err="1">
-                <a:latin typeface="SimSun" panose="02010600030101010101" pitchFamily="2" charset="-122"/>
-                <a:ea typeface="SimSun" panose="02010600030101010101" pitchFamily="2" charset="-122"/>
-                <a:cs typeface="Times New Roman" panose="02020603050405020304" pitchFamily="18" charset="0"/>
-              </a:rPr>
-              <a:t>NgModule</a:t>
-            </a:r>
-            <a:r>
-              <a:rPr lang="ja-JP" altLang="en-US" sz="2200" dirty="0">
-                <a:latin typeface="SimSun" panose="02010600030101010101" pitchFamily="2" charset="-122"/>
-                <a:ea typeface="SimSun" panose="02010600030101010101" pitchFamily="2" charset="-122"/>
-                <a:cs typeface="Times New Roman" panose="02020603050405020304" pitchFamily="18" charset="0"/>
-              </a:rPr>
-              <a:t>装饰器的类</a:t>
-            </a:r>
-            <a:r>
-              <a:rPr lang="zh-CN" altLang="en-US" sz="2200" dirty="0">
-                <a:latin typeface="SimSun" panose="02010600030101010101" pitchFamily="2" charset="-122"/>
-                <a:ea typeface="SimSun" panose="02010600030101010101" pitchFamily="2" charset="-122"/>
-                <a:cs typeface="Times New Roman" panose="02020603050405020304" pitchFamily="18" charset="0"/>
-              </a:rPr>
-              <a:t>。</a:t>
-            </a:r>
-            <a:endParaRPr lang="en-US" sz="2200" dirty="0">
-              <a:latin typeface="SimSun" panose="02010600030101010101" pitchFamily="2" charset="-122"/>
-              <a:ea typeface="SimSun" panose="02010600030101010101" pitchFamily="2" charset="-122"/>
-              <a:cs typeface="Times New Roman" panose="02020603050405020304" pitchFamily="18" charset="0"/>
-            </a:endParaRPr>
-          </a:p>
-          <a:p>
-            <a:pPr marL="0" indent="0">
-              <a:buNone/>
-            </a:pPr>
-            <a:endParaRPr lang="en-US" sz="2400" dirty="0"/>
-          </a:p>
-        </p:txBody>
-      </p:sp>
-      <p:sp>
-        <p:nvSpPr>
           <p:cNvPr id="3" name="Title 2"/>
           <p:cNvSpPr>
             <a:spLocks noGrp="1"/>
@@ -10142,9 +9860,7 @@
         </p:nvSpPr>
         <p:spPr/>
         <p:txBody>
-          <a:bodyPr>
-            <a:normAutofit/>
-          </a:bodyPr>
+          <a:bodyPr/>
           <a:lstStyle/>
           <a:p>
             <a:r>
@@ -10152,12 +9868,30 @@
                 <a:latin typeface="SimSun" panose="02010600030101010101" pitchFamily="2" charset="-122"/>
                 <a:ea typeface="SimSun" panose="02010600030101010101" pitchFamily="2" charset="-122"/>
               </a:rPr>
-              <a:t>模块</a:t>
-            </a:r>
-            <a:endParaRPr lang="en-US" sz="2800" dirty="0">
-              <a:latin typeface="SimSun" panose="02010600030101010101" pitchFamily="2" charset="-122"/>
-              <a:ea typeface="SimSun" panose="02010600030101010101" pitchFamily="2" charset="-122"/>
-            </a:endParaRPr>
+              <a:t>目录结构</a:t>
+            </a:r>
+            <a:r>
+              <a:rPr lang="en-US" altLang="zh-CN" sz="2800" dirty="0">
+                <a:latin typeface="SimSun" panose="02010600030101010101" pitchFamily="2" charset="-122"/>
+                <a:ea typeface="SimSun" panose="02010600030101010101" pitchFamily="2" charset="-122"/>
+              </a:rPr>
+              <a:t>(</a:t>
+            </a:r>
+            <a:r>
+              <a:rPr lang="en-US" altLang="zh-CN" sz="2800" dirty="0" err="1">
+                <a:latin typeface="SimSun" panose="02010600030101010101" pitchFamily="2" charset="-122"/>
+                <a:ea typeface="SimSun" panose="02010600030101010101" pitchFamily="2" charset="-122"/>
+              </a:rPr>
+              <a:t>Src</a:t>
+            </a:r>
+            <a:r>
+              <a:rPr lang="en-US" altLang="zh-CN" sz="2800" dirty="0">
+                <a:latin typeface="SimSun" panose="02010600030101010101" pitchFamily="2" charset="-122"/>
+                <a:ea typeface="SimSun" panose="02010600030101010101" pitchFamily="2" charset="-122"/>
+              </a:rPr>
+              <a:t>)</a:t>
+            </a:r>
+            <a:endParaRPr lang="en-US" dirty="0"/>
           </a:p>
         </p:txBody>
       </p:sp>
@@ -10201,6 +9935,411 @@
                 <a:defRPr/>
               </a:pPr>
               <a:t>11</a:t>
+            </a:fld>
+            <a:endParaRPr lang="en-US" b="0" dirty="0">
+              <a:solidFill>
+                <a:srgbClr val="666666"/>
+              </a:solidFill>
+            </a:endParaRPr>
+          </a:p>
+        </p:txBody>
+      </p:sp>
+      <p:sp>
+        <p:nvSpPr>
+          <p:cNvPr id="6" name="Content Placeholder 5"/>
+          <p:cNvSpPr>
+            <a:spLocks noGrp="1"/>
+          </p:cNvSpPr>
+          <p:nvPr>
+            <p:ph sz="quarter" idx="12"/>
+          </p:nvPr>
+        </p:nvSpPr>
+        <p:spPr>
+          <a:xfrm>
+            <a:off x="448734" y="1264179"/>
+            <a:ext cx="8228012" cy="5178954"/>
+          </a:xfrm>
+        </p:spPr>
+        <p:txBody>
+          <a:bodyPr/>
+          <a:lstStyle/>
+          <a:p>
+            <a:endParaRPr lang="en-US" dirty="0"/>
+          </a:p>
+        </p:txBody>
+      </p:sp>
+      <p:pic>
+        <p:nvPicPr>
+          <p:cNvPr id="7" name="Picture 6"/>
+          <p:cNvPicPr>
+            <a:picLocks noChangeAspect="1"/>
+          </p:cNvPicPr>
+          <p:nvPr/>
+        </p:nvPicPr>
+        <p:blipFill>
+          <a:blip r:embed="rId2"/>
+          <a:stretch>
+            <a:fillRect/>
+          </a:stretch>
+        </p:blipFill>
+        <p:spPr>
+          <a:xfrm>
+            <a:off x="448735" y="1264179"/>
+            <a:ext cx="8149982" cy="5178954"/>
+          </a:xfrm>
+          <a:prstGeom prst="rect">
+            <a:avLst/>
+          </a:prstGeom>
+        </p:spPr>
+      </p:pic>
+      <p:sp>
+        <p:nvSpPr>
+          <p:cNvPr id="8" name="TextBox 7"/>
+          <p:cNvSpPr txBox="1"/>
+          <p:nvPr/>
+        </p:nvSpPr>
+        <p:spPr>
+          <a:xfrm>
+            <a:off x="267494" y="6570473"/>
+            <a:ext cx="3180355" cy="230832"/>
+          </a:xfrm>
+          <a:prstGeom prst="rect">
+            <a:avLst/>
+          </a:prstGeom>
+          <a:noFill/>
+        </p:spPr>
+        <p:txBody>
+          <a:bodyPr wrap="square" lIns="0">
+            <a:spAutoFit/>
+          </a:bodyPr>
+          <a:lstStyle/>
+          <a:p>
+            <a:pPr algn="ctr">
+              <a:defRPr/>
+            </a:pPr>
+            <a:r>
+              <a:rPr lang="en-US" sz="900" dirty="0">
+                <a:solidFill>
+                  <a:srgbClr val="7F7F7F"/>
+                </a:solidFill>
+                <a:latin typeface="Arial" pitchFamily="34" charset="0"/>
+                <a:cs typeface="Arial" pitchFamily="34" charset="0"/>
+              </a:rPr>
+              <a:t>Copyright © 2017 Accenture  All rights reserved.</a:t>
+            </a:r>
+          </a:p>
+        </p:txBody>
+      </p:sp>
+    </p:spTree>
+    <p:extLst>
+      <p:ext uri="{BB962C8B-B14F-4D97-AF65-F5344CB8AC3E}">
+        <p14:creationId xmlns:p14="http://schemas.microsoft.com/office/powerpoint/2010/main" val="3723299805"/>
+      </p:ext>
+    </p:extLst>
+  </p:cSld>
+  <p:clrMapOvr>
+    <a:masterClrMapping/>
+  </p:clrMapOvr>
+</p:sld>
+</file>
+
+<file path=ppt/slides/slide13.xml><?xml version="1.0" encoding="utf-8"?>
+<p:sld xmlns:a="http://schemas.openxmlformats.org/drawingml/2006/main" xmlns:r="http://schemas.openxmlformats.org/officeDocument/2006/relationships" xmlns:p="http://schemas.openxmlformats.org/presentationml/2006/main">
+  <p:cSld>
+    <p:spTree>
+      <p:nvGrpSpPr>
+        <p:cNvPr id="1" name=""/>
+        <p:cNvGrpSpPr/>
+        <p:nvPr/>
+      </p:nvGrpSpPr>
+      <p:grpSpPr>
+        <a:xfrm>
+          <a:off x="0" y="0"/>
+          <a:ext cx="0" cy="0"/>
+          <a:chOff x="0" y="0"/>
+          <a:chExt cx="0" cy="0"/>
+        </a:xfrm>
+      </p:grpSpPr>
+      <p:sp>
+        <p:nvSpPr>
+          <p:cNvPr id="2" name="Content Placeholder 1"/>
+          <p:cNvSpPr>
+            <a:spLocks noGrp="1"/>
+          </p:cNvSpPr>
+          <p:nvPr>
+            <p:ph sz="quarter" idx="12"/>
+          </p:nvPr>
+        </p:nvSpPr>
+        <p:spPr>
+          <a:xfrm>
+            <a:off x="448734" y="1359014"/>
+            <a:ext cx="8695266" cy="5243510"/>
+          </a:xfrm>
+        </p:spPr>
+        <p:txBody>
+          <a:bodyPr>
+            <a:normAutofit/>
+          </a:bodyPr>
+          <a:lstStyle/>
+          <a:p>
+            <a:r>
+              <a:rPr lang="zh-CN" altLang="en-US" sz="2200" dirty="0">
+                <a:latin typeface="SimSun" panose="02010600030101010101" pitchFamily="2" charset="-122"/>
+                <a:ea typeface="SimSun" panose="02010600030101010101" pitchFamily="2" charset="-122"/>
+              </a:rPr>
+              <a:t>运行下列</a:t>
+            </a:r>
+            <a:r>
+              <a:rPr lang="en-US" altLang="zh-CN" sz="2200" dirty="0">
+                <a:latin typeface="SimSun" panose="02010600030101010101" pitchFamily="2" charset="-122"/>
+                <a:ea typeface="SimSun" panose="02010600030101010101" pitchFamily="2" charset="-122"/>
+              </a:rPr>
+              <a:t>CLI</a:t>
+            </a:r>
+            <a:r>
+              <a:rPr lang="zh-CN" altLang="en-US" sz="2200" dirty="0">
+                <a:latin typeface="SimSun" panose="02010600030101010101" pitchFamily="2" charset="-122"/>
+                <a:ea typeface="SimSun" panose="02010600030101010101" pitchFamily="2" charset="-122"/>
+              </a:rPr>
+              <a:t>命令来启动应用：</a:t>
+            </a:r>
+            <a:r>
+              <a:rPr lang="en-US" altLang="zh-CN" sz="2200" dirty="0">
+                <a:latin typeface="SimSun" panose="02010600030101010101" pitchFamily="2" charset="-122"/>
+                <a:ea typeface="SimSun" panose="02010600030101010101" pitchFamily="2" charset="-122"/>
+              </a:rPr>
+              <a:t>ng serve</a:t>
+            </a:r>
+          </a:p>
+          <a:p>
+            <a:r>
+              <a:rPr lang="zh-CN" altLang="en-US" sz="2200" dirty="0">
+                <a:latin typeface="SimSun" panose="02010600030101010101" pitchFamily="2" charset="-122"/>
+                <a:ea typeface="SimSun" panose="02010600030101010101" pitchFamily="2" charset="-122"/>
+              </a:rPr>
+              <a:t>大体启动过程如下：</a:t>
+            </a:r>
+            <a:endParaRPr lang="en-US" altLang="zh-CN" sz="2200" dirty="0">
+              <a:latin typeface="SimSun" panose="02010600030101010101" pitchFamily="2" charset="-122"/>
+              <a:ea typeface="SimSun" panose="02010600030101010101" pitchFamily="2" charset="-122"/>
+            </a:endParaRPr>
+          </a:p>
+          <a:p>
+            <a:r>
+              <a:rPr lang="en-US" sz="2200" dirty="0">
+                <a:latin typeface="SimSun" panose="02010600030101010101" pitchFamily="2" charset="-122"/>
+                <a:ea typeface="SimSun" panose="02010600030101010101" pitchFamily="2" charset="-122"/>
+              </a:rPr>
+              <a:t>Angular-</a:t>
+            </a:r>
+            <a:r>
+              <a:rPr lang="en-US" sz="2200" dirty="0" err="1">
+                <a:latin typeface="SimSun" panose="02010600030101010101" pitchFamily="2" charset="-122"/>
+                <a:ea typeface="SimSun" panose="02010600030101010101" pitchFamily="2" charset="-122"/>
+              </a:rPr>
+              <a:t>cli.json</a:t>
+            </a:r>
+            <a:r>
+              <a:rPr lang="zh-CN" altLang="en-US" sz="2200" dirty="0">
+                <a:latin typeface="SimSun" panose="02010600030101010101" pitchFamily="2" charset="-122"/>
+                <a:ea typeface="SimSun" panose="02010600030101010101" pitchFamily="2" charset="-122"/>
+              </a:rPr>
+              <a:t>指定一个</a:t>
+            </a:r>
+            <a:r>
+              <a:rPr lang="en-US" altLang="zh-CN" sz="2200" dirty="0">
+                <a:latin typeface="SimSun" panose="02010600030101010101" pitchFamily="2" charset="-122"/>
+                <a:ea typeface="SimSun" panose="02010600030101010101" pitchFamily="2" charset="-122"/>
+              </a:rPr>
+              <a:t>”main”</a:t>
+            </a:r>
+            <a:r>
+              <a:rPr lang="zh-CN" altLang="en-US" sz="2200" dirty="0">
+                <a:latin typeface="SimSun" panose="02010600030101010101" pitchFamily="2" charset="-122"/>
+                <a:ea typeface="SimSun" panose="02010600030101010101" pitchFamily="2" charset="-122"/>
+              </a:rPr>
+              <a:t>文件，这里是</a:t>
+            </a:r>
+            <a:r>
+              <a:rPr lang="en-US" altLang="zh-CN" sz="2200" dirty="0" err="1">
+                <a:latin typeface="SimSun" panose="02010600030101010101" pitchFamily="2" charset="-122"/>
+                <a:ea typeface="SimSun" panose="02010600030101010101" pitchFamily="2" charset="-122"/>
+              </a:rPr>
+              <a:t>main.ts</a:t>
+            </a:r>
+            <a:r>
+              <a:rPr lang="en-US" altLang="zh-CN" sz="2200" dirty="0">
+                <a:latin typeface="SimSun" panose="02010600030101010101" pitchFamily="2" charset="-122"/>
+                <a:ea typeface="SimSun" panose="02010600030101010101" pitchFamily="2" charset="-122"/>
+              </a:rPr>
+              <a:t>;</a:t>
+            </a:r>
+          </a:p>
+          <a:p>
+            <a:r>
+              <a:rPr lang="en-US" sz="2200" dirty="0" err="1">
+                <a:latin typeface="SimSun" panose="02010600030101010101" pitchFamily="2" charset="-122"/>
+                <a:ea typeface="SimSun" panose="02010600030101010101" pitchFamily="2" charset="-122"/>
+              </a:rPr>
+              <a:t>Main.ts</a:t>
+            </a:r>
+            <a:r>
+              <a:rPr lang="zh-CN" altLang="en-US" sz="2200" dirty="0">
+                <a:latin typeface="SimSun" panose="02010600030101010101" pitchFamily="2" charset="-122"/>
+                <a:ea typeface="SimSun" panose="02010600030101010101" pitchFamily="2" charset="-122"/>
+              </a:rPr>
+              <a:t>是应用的入口点，并且会引导我们的应用；</a:t>
+            </a:r>
+            <a:endParaRPr lang="en-US" altLang="zh-CN" sz="2200" dirty="0">
+              <a:latin typeface="SimSun" panose="02010600030101010101" pitchFamily="2" charset="-122"/>
+              <a:ea typeface="SimSun" panose="02010600030101010101" pitchFamily="2" charset="-122"/>
+            </a:endParaRPr>
+          </a:p>
+          <a:p>
+            <a:r>
+              <a:rPr lang="zh-CN" altLang="en-US" sz="2200" dirty="0">
+                <a:latin typeface="SimSun" panose="02010600030101010101" pitchFamily="2" charset="-122"/>
+                <a:ea typeface="SimSun" panose="02010600030101010101" pitchFamily="2" charset="-122"/>
+              </a:rPr>
+              <a:t>引导过程会引导一个</a:t>
+            </a:r>
+            <a:r>
+              <a:rPr lang="en-US" altLang="zh-CN" sz="2200" dirty="0" err="1">
+                <a:latin typeface="SimSun" panose="02010600030101010101" pitchFamily="2" charset="-122"/>
+                <a:ea typeface="SimSun" panose="02010600030101010101" pitchFamily="2" charset="-122"/>
+              </a:rPr>
+              <a:t>AppMudule</a:t>
+            </a:r>
+            <a:r>
+              <a:rPr lang="en-US" altLang="zh-CN" sz="2200" dirty="0">
+                <a:latin typeface="SimSun" panose="02010600030101010101" pitchFamily="2" charset="-122"/>
+                <a:ea typeface="SimSun" panose="02010600030101010101" pitchFamily="2" charset="-122"/>
+              </a:rPr>
+              <a:t>;</a:t>
+            </a:r>
+          </a:p>
+          <a:p>
+            <a:r>
+              <a:rPr lang="en-US" sz="2200" dirty="0" err="1">
+                <a:latin typeface="SimSun" panose="02010600030101010101" pitchFamily="2" charset="-122"/>
+                <a:ea typeface="SimSun" panose="02010600030101010101" pitchFamily="2" charset="-122"/>
+              </a:rPr>
+              <a:t>AppMudule</a:t>
+            </a:r>
+            <a:r>
+              <a:rPr lang="zh-CN" altLang="en-US" sz="2200" dirty="0">
+                <a:latin typeface="SimSun" panose="02010600030101010101" pitchFamily="2" charset="-122"/>
+                <a:ea typeface="SimSun" panose="02010600030101010101" pitchFamily="2" charset="-122"/>
+              </a:rPr>
+              <a:t>指定了将哪个组件用作顶层组件，这里是</a:t>
+            </a:r>
+            <a:r>
+              <a:rPr lang="en-US" altLang="zh-CN" sz="2200" dirty="0" err="1">
+                <a:latin typeface="SimSun" panose="02010600030101010101" pitchFamily="2" charset="-122"/>
+                <a:ea typeface="SimSun" panose="02010600030101010101" pitchFamily="2" charset="-122"/>
+              </a:rPr>
+              <a:t>AppComponent</a:t>
+            </a:r>
+            <a:r>
+              <a:rPr lang="zh-CN" altLang="en-US" sz="2200" dirty="0">
+                <a:latin typeface="SimSun" panose="02010600030101010101" pitchFamily="2" charset="-122"/>
+                <a:ea typeface="SimSun" panose="02010600030101010101" pitchFamily="2" charset="-122"/>
+              </a:rPr>
+              <a:t>；</a:t>
+            </a:r>
+            <a:endParaRPr lang="en-US" altLang="zh-CN" sz="2200" dirty="0">
+              <a:latin typeface="SimSun" panose="02010600030101010101" pitchFamily="2" charset="-122"/>
+              <a:ea typeface="SimSun" panose="02010600030101010101" pitchFamily="2" charset="-122"/>
+            </a:endParaRPr>
+          </a:p>
+          <a:p>
+            <a:r>
+              <a:rPr lang="en-US" altLang="zh-CN" sz="2200" dirty="0" err="1">
+                <a:latin typeface="SimSun" panose="02010600030101010101" pitchFamily="2" charset="-122"/>
+                <a:ea typeface="SimSun" panose="02010600030101010101" pitchFamily="2" charset="-122"/>
+              </a:rPr>
+              <a:t>AppComponent</a:t>
+            </a:r>
+            <a:r>
+              <a:rPr lang="zh-CN" altLang="en-US" sz="2200" dirty="0">
+                <a:latin typeface="SimSun" panose="02010600030101010101" pitchFamily="2" charset="-122"/>
+                <a:ea typeface="SimSun" panose="02010600030101010101" pitchFamily="2" charset="-122"/>
+              </a:rPr>
+              <a:t>的模板中展示内容</a:t>
+            </a:r>
+            <a:endParaRPr lang="en-US" sz="2200" dirty="0">
+              <a:latin typeface="SimSun" panose="02010600030101010101" pitchFamily="2" charset="-122"/>
+              <a:ea typeface="SimSun" panose="02010600030101010101" pitchFamily="2" charset="-122"/>
+            </a:endParaRPr>
+          </a:p>
+        </p:txBody>
+      </p:sp>
+      <p:sp>
+        <p:nvSpPr>
+          <p:cNvPr id="3" name="Title 2"/>
+          <p:cNvSpPr>
+            <a:spLocks noGrp="1"/>
+          </p:cNvSpPr>
+          <p:nvPr>
+            <p:ph type="title"/>
+          </p:nvPr>
+        </p:nvSpPr>
+        <p:spPr/>
+        <p:txBody>
+          <a:bodyPr/>
+          <a:lstStyle/>
+          <a:p>
+            <a:r>
+              <a:rPr lang="zh-CN" altLang="en-US" sz="2800" dirty="0">
+                <a:latin typeface="SimSun" panose="02010600030101010101" pitchFamily="2" charset="-122"/>
+                <a:ea typeface="SimSun" panose="02010600030101010101" pitchFamily="2" charset="-122"/>
+              </a:rPr>
+              <a:t>启动过程</a:t>
+            </a:r>
+            <a:endParaRPr lang="en-US" dirty="0"/>
+          </a:p>
+        </p:txBody>
+      </p:sp>
+      <p:sp>
+        <p:nvSpPr>
+          <p:cNvPr id="4" name="Slide Number Placeholder 3"/>
+          <p:cNvSpPr>
+            <a:spLocks noGrp="1"/>
+          </p:cNvSpPr>
+          <p:nvPr>
+            <p:ph type="sldNum" sz="quarter" idx="4"/>
+          </p:nvPr>
+        </p:nvSpPr>
+        <p:spPr/>
+        <p:txBody>
+          <a:bodyPr/>
+          <a:lstStyle/>
+          <a:p>
+            <a:pPr fontAlgn="auto">
+              <a:spcBef>
+                <a:spcPts val="0"/>
+              </a:spcBef>
+              <a:spcAft>
+                <a:spcPts val="0"/>
+              </a:spcAft>
+              <a:defRPr/>
+            </a:pPr>
+            <a:fld id="{90CBDC3A-D49F-4631-A8C7-55D59B33E5FA}" type="slidenum">
+              <a:rPr lang="en-US" b="0" smtClean="0">
+                <a:solidFill>
+                  <a:srgbClr val="666666"/>
+                </a:solidFill>
+              </a:rPr>
+              <a:pPr fontAlgn="auto">
+                <a:spcBef>
+                  <a:spcPts val="0"/>
+                </a:spcBef>
+                <a:spcAft>
+                  <a:spcPts val="0"/>
+                </a:spcAft>
+                <a:defRPr/>
+              </a:pPr>
+              <a:t>12</a:t>
             </a:fld>
             <a:endParaRPr lang="en-US" b="0" dirty="0">
               <a:solidFill>
@@ -10251,7 +10390,7 @@
     </p:spTree>
     <p:extLst>
       <p:ext uri="{BB962C8B-B14F-4D97-AF65-F5344CB8AC3E}">
-        <p14:creationId xmlns:p14="http://schemas.microsoft.com/office/powerpoint/2010/main" val="3976932293"/>
+        <p14:creationId xmlns:p14="http://schemas.microsoft.com/office/powerpoint/2010/main" val="3568155170"/>
       </p:ext>
     </p:extLst>
   </p:cSld>
@@ -10261,7 +10400,7 @@
 </p:sld>
 </file>
 
-<file path=ppt/slides/slide13.xml><?xml version="1.0" encoding="utf-8"?>
+<file path=ppt/slides/slide14.xml><?xml version="1.0" encoding="utf-8"?>
 <p:sld xmlns:a="http://schemas.openxmlformats.org/drawingml/2006/main" xmlns:r="http://schemas.openxmlformats.org/officeDocument/2006/relationships" xmlns:p="http://schemas.openxmlformats.org/presentationml/2006/main">
   <p:cSld>
     <p:spTree>
@@ -10348,7 +10487,7 @@
                 </a:spcAft>
                 <a:defRPr/>
               </a:pPr>
-              <a:t>12</a:t>
+              <a:t>13</a:t>
             </a:fld>
             <a:endParaRPr lang="en-US" b="0" dirty="0">
               <a:solidFill>
@@ -10425,14 +10564,14 @@
                 <a:gridCol w="2912004">
                   <a:extLst>
                     <a:ext uri="{9D8B030D-6E8A-4147-A177-3AD203B41FA5}">
-                      <a16:colId xmlns:a16="http://schemas.microsoft.com/office/drawing/2014/main" val="20000"/>
+                      <a16:colId xmlns:a16="http://schemas.microsoft.com/office/drawing/2014/main" xmlns="" val="20000"/>
                     </a:ext>
                   </a:extLst>
                 </a:gridCol>
                 <a:gridCol w="5316009">
                   <a:extLst>
                     <a:ext uri="{9D8B030D-6E8A-4147-A177-3AD203B41FA5}">
-                      <a16:colId xmlns:a16="http://schemas.microsoft.com/office/drawing/2014/main" val="20001"/>
+                      <a16:colId xmlns:a16="http://schemas.microsoft.com/office/drawing/2014/main" xmlns="" val="20001"/>
                     </a:ext>
                   </a:extLst>
                 </a:gridCol>
@@ -10480,7 +10619,7 @@
                 </a:tc>
                 <a:extLst>
                   <a:ext uri="{0D108BD9-81ED-4DB2-BD59-A6C34878D82A}">
-                    <a16:rowId xmlns:a16="http://schemas.microsoft.com/office/drawing/2014/main" val="10000"/>
+                    <a16:rowId xmlns:a16="http://schemas.microsoft.com/office/drawing/2014/main" xmlns="" val="10000"/>
                   </a:ext>
                 </a:extLst>
               </a:tr>
@@ -10546,7 +10685,7 @@
                 </a:tc>
                 <a:extLst>
                   <a:ext uri="{0D108BD9-81ED-4DB2-BD59-A6C34878D82A}">
-                    <a16:rowId xmlns:a16="http://schemas.microsoft.com/office/drawing/2014/main" val="10002"/>
+                    <a16:rowId xmlns:a16="http://schemas.microsoft.com/office/drawing/2014/main" xmlns="" val="10002"/>
                   </a:ext>
                 </a:extLst>
               </a:tr>
@@ -10567,7 +10706,7 @@
 </p:sld>
 </file>
 
-<file path=ppt/slides/slide14.xml><?xml version="1.0" encoding="utf-8"?>
+<file path=ppt/slides/slide15.xml><?xml version="1.0" encoding="utf-8"?>
 <p:sld xmlns:a="http://schemas.openxmlformats.org/drawingml/2006/main" xmlns:r="http://schemas.openxmlformats.org/officeDocument/2006/relationships" xmlns:p="http://schemas.openxmlformats.org/presentationml/2006/main">
   <p:cSld>
     <p:spTree>
@@ -10800,7 +10939,7 @@
                 <a:cs typeface="Arial" pitchFamily="34" charset="0"/>
               </a:rPr>
               <a:pPr algn="r"/>
-              <a:t>13</a:t>
+              <a:t>14</a:t>
             </a:fld>
             <a:endParaRPr lang="en-CA" sz="900" dirty="0">
               <a:solidFill>
@@ -10876,7 +11015,7 @@
           <p:nvPr>
             <p:extLst>
               <p:ext uri="{D42A27DB-BD31-4B8C-83A1-F6EECF244321}">
-                <p14:modId xmlns:p14="http://schemas.microsoft.com/office/powerpoint/2010/main" val="4115759216"/>
+                <p14:modId xmlns:p14="http://schemas.microsoft.com/office/powerpoint/2010/main" val="1537395297"/>
               </p:ext>
             </p:extLst>
           </p:nvPr>
@@ -10893,7 +11032,7 @@
                 <a:gridCol w="7853892">
                   <a:extLst>
                     <a:ext uri="{9D8B030D-6E8A-4147-A177-3AD203B41FA5}">
-                      <a16:colId xmlns:a16="http://schemas.microsoft.com/office/drawing/2014/main" val="20000"/>
+                      <a16:colId xmlns:a16="http://schemas.microsoft.com/office/drawing/2014/main" xmlns="" val="20000"/>
                     </a:ext>
                   </a:extLst>
                 </a:gridCol>
@@ -10921,7 +11060,7 @@
                         <a:tabLst/>
                       </a:pPr>
                       <a:r>
-                        <a:rPr kumimoji="0" lang="zh-CN" altLang="en-US" sz="2200" b="0" i="0" u="none" strike="noStrike" kern="1200" cap="none" normalizeH="0" baseline="0" dirty="0">
+                        <a:rPr kumimoji="0" lang="zh-CN" altLang="en-US" sz="2200" b="0" i="0" u="none" strike="noStrike" kern="1200" cap="none" normalizeH="0" baseline="0" dirty="0" smtClean="0">
                           <a:ln>
                             <a:noFill/>
                           </a:ln>
@@ -10933,38 +11072,8 @@
                           <a:ea typeface="SimSun" panose="02010600030101010101" pitchFamily="2" charset="-122"/>
                           <a:cs typeface="+mn-cs"/>
                         </a:rPr>
-                        <a:t>目录结构</a:t>
+                        <a:t>概</a:t>
                       </a:r>
-                      <a:endParaRPr kumimoji="0" lang="en-US" altLang="zh-CN" sz="2200" b="0" i="0" u="none" strike="noStrike" kern="1200" cap="none" normalizeH="0" baseline="0" dirty="0">
-                        <a:ln>
-                          <a:noFill/>
-                        </a:ln>
-                        <a:solidFill>
-                          <a:srgbClr val="000000"/>
-                        </a:solidFill>
-                        <a:effectLst/>
-                        <a:latin typeface="SimSun" panose="02010600030101010101" pitchFamily="2" charset="-122"/>
-                        <a:ea typeface="SimSun" panose="02010600030101010101" pitchFamily="2" charset="-122"/>
-                        <a:cs typeface="+mn-cs"/>
-                      </a:endParaRPr>
-                    </a:p>
-                    <a:p>
-                      <a:pPr marL="342900" marR="0" lvl="0" indent="-342900" algn="l" defTabSz="914400" rtl="0" eaLnBrk="1" fontAlgn="base" latinLnBrk="0" hangingPunct="1">
-                        <a:lnSpc>
-                          <a:spcPct val="100000"/>
-                        </a:lnSpc>
-                        <a:spcBef>
-                          <a:spcPts val="1000"/>
-                        </a:spcBef>
-                        <a:spcAft>
-                          <a:spcPct val="0"/>
-                        </a:spcAft>
-                        <a:buClrTx/>
-                        <a:buSzTx/>
-                        <a:buFont typeface="Arial" panose="020B0604020202020204" pitchFamily="34" charset="0"/>
-                        <a:buChar char="•"/>
-                        <a:tabLst/>
-                      </a:pPr>
                       <a:r>
                         <a:rPr kumimoji="0" lang="zh-CN" altLang="en-US" sz="2200" b="0" i="0" u="none" strike="noStrike" kern="1200" cap="none" normalizeH="0" baseline="0" dirty="0">
                           <a:ln>
@@ -10978,52 +11087,7 @@
                           <a:ea typeface="SimSun" panose="02010600030101010101" pitchFamily="2" charset="-122"/>
                           <a:cs typeface="+mn-cs"/>
                         </a:rPr>
-                        <a:t>启动过程</a:t>
-                      </a:r>
-                      <a:endParaRPr kumimoji="0" lang="en-US" altLang="zh-CN" sz="2200" b="0" i="0" u="none" strike="noStrike" kern="1200" cap="none" normalizeH="0" baseline="0" dirty="0">
-                        <a:ln>
-                          <a:noFill/>
-                        </a:ln>
-                        <a:solidFill>
-                          <a:srgbClr val="000000"/>
-                        </a:solidFill>
-                        <a:effectLst/>
-                        <a:latin typeface="SimSun" panose="02010600030101010101" pitchFamily="2" charset="-122"/>
-                        <a:ea typeface="SimSun" panose="02010600030101010101" pitchFamily="2" charset="-122"/>
-                        <a:cs typeface="+mn-cs"/>
-                      </a:endParaRPr>
-                    </a:p>
-                    <a:p>
-                      <a:pPr marL="342900" marR="0" lvl="0" indent="-342900" algn="l" defTabSz="914400" rtl="0" eaLnBrk="1" fontAlgn="base" latinLnBrk="0" hangingPunct="1">
-                        <a:lnSpc>
-                          <a:spcPct val="100000"/>
-                        </a:lnSpc>
-                        <a:spcBef>
-                          <a:spcPts val="1000"/>
-                        </a:spcBef>
-                        <a:spcAft>
-                          <a:spcPct val="0"/>
-                        </a:spcAft>
-                        <a:buClrTx/>
-                        <a:buSzTx/>
-                        <a:buFont typeface="Arial" panose="020B0604020202020204" pitchFamily="34" charset="0"/>
-                        <a:buChar char="•"/>
-                        <a:tabLst/>
-                      </a:pPr>
-                      <a:r>
-                        <a:rPr kumimoji="0" lang="zh-CN" altLang="en-US" sz="2200" b="0" i="0" u="none" strike="noStrike" kern="1200" cap="none" normalizeH="0" baseline="0" dirty="0">
-                          <a:ln>
-                            <a:noFill/>
-                          </a:ln>
-                          <a:solidFill>
-                            <a:srgbClr val="000000"/>
-                          </a:solidFill>
-                          <a:effectLst/>
-                          <a:latin typeface="SimSun" panose="02010600030101010101" pitchFamily="2" charset="-122"/>
-                          <a:ea typeface="SimSun" panose="02010600030101010101" pitchFamily="2" charset="-122"/>
-                          <a:cs typeface="+mn-cs"/>
-                        </a:rPr>
-                        <a:t>概述</a:t>
+                        <a:t>述</a:t>
                       </a:r>
                       <a:endParaRPr kumimoji="0" lang="en-US" altLang="zh-CN" sz="2200" b="0" i="0" u="none" strike="noStrike" kern="1200" cap="none" normalizeH="0" baseline="0" dirty="0">
                         <a:ln>
@@ -11257,7 +11321,112 @@
                           <a:ea typeface="SimSun" panose="02010600030101010101" pitchFamily="2" charset="-122"/>
                           <a:cs typeface="+mn-cs"/>
                         </a:rPr>
-                        <a:t>模块</a:t>
+                        <a:t>模</a:t>
+                      </a:r>
+                      <a:r>
+                        <a:rPr kumimoji="0" lang="zh-CN" altLang="en-US" sz="2200" b="0" i="0" u="none" strike="noStrike" kern="1200" cap="none" normalizeH="0" baseline="0" dirty="0" smtClean="0">
+                          <a:ln>
+                            <a:noFill/>
+                          </a:ln>
+                          <a:solidFill>
+                            <a:srgbClr val="000000"/>
+                          </a:solidFill>
+                          <a:effectLst/>
+                          <a:latin typeface="SimSun" panose="02010600030101010101" pitchFamily="2" charset="-122"/>
+                          <a:ea typeface="SimSun" panose="02010600030101010101" pitchFamily="2" charset="-122"/>
+                          <a:cs typeface="+mn-cs"/>
+                        </a:rPr>
+                        <a:t>块</a:t>
+                      </a:r>
+                      <a:endParaRPr kumimoji="0" lang="en-US" altLang="zh-CN" sz="2200" b="0" i="0" u="none" strike="noStrike" kern="1200" cap="none" normalizeH="0" baseline="0" dirty="0" smtClean="0">
+                        <a:ln>
+                          <a:noFill/>
+                        </a:ln>
+                        <a:solidFill>
+                          <a:srgbClr val="000000"/>
+                        </a:solidFill>
+                        <a:effectLst/>
+                        <a:latin typeface="SimSun" panose="02010600030101010101" pitchFamily="2" charset="-122"/>
+                        <a:ea typeface="SimSun" panose="02010600030101010101" pitchFamily="2" charset="-122"/>
+                        <a:cs typeface="+mn-cs"/>
+                      </a:endParaRPr>
+                    </a:p>
+                    <a:p>
+                      <a:pPr marL="342900" marR="0" lvl="0" indent="-342900" algn="l" defTabSz="914400" rtl="0" eaLnBrk="1" fontAlgn="base" latinLnBrk="0" hangingPunct="1">
+                        <a:lnSpc>
+                          <a:spcPct val="100000"/>
+                        </a:lnSpc>
+                        <a:spcBef>
+                          <a:spcPts val="1000"/>
+                        </a:spcBef>
+                        <a:spcAft>
+                          <a:spcPct val="0"/>
+                        </a:spcAft>
+                        <a:buClrTx/>
+                        <a:buSzTx/>
+                        <a:buFont typeface="Arial" panose="020B0604020202020204" pitchFamily="34" charset="0"/>
+                        <a:buChar char="•"/>
+                        <a:tabLst/>
+                      </a:pPr>
+                      <a:r>
+                        <a:rPr kumimoji="0" lang="zh-CN" altLang="en-US" sz="2200" b="0" i="0" u="none" strike="noStrike" kern="1200" cap="none" normalizeH="0" baseline="0" dirty="0" smtClean="0">
+                          <a:ln>
+                            <a:noFill/>
+                          </a:ln>
+                          <a:solidFill>
+                            <a:srgbClr val="000000"/>
+                          </a:solidFill>
+                          <a:effectLst/>
+                          <a:latin typeface="SimSun" panose="02010600030101010101" pitchFamily="2" charset="-122"/>
+                          <a:ea typeface="SimSun" panose="02010600030101010101" pitchFamily="2" charset="-122"/>
+                          <a:cs typeface="+mn-cs"/>
+                        </a:rPr>
+                        <a:t>目录结构</a:t>
+                      </a:r>
+                      <a:endParaRPr kumimoji="0" lang="en-US" altLang="zh-CN" sz="2200" b="0" i="0" u="none" strike="noStrike" kern="1200" cap="none" normalizeH="0" baseline="0" dirty="0" smtClean="0">
+                        <a:ln>
+                          <a:noFill/>
+                        </a:ln>
+                        <a:solidFill>
+                          <a:srgbClr val="000000"/>
+                        </a:solidFill>
+                        <a:effectLst/>
+                        <a:latin typeface="SimSun" panose="02010600030101010101" pitchFamily="2" charset="-122"/>
+                        <a:ea typeface="SimSun" panose="02010600030101010101" pitchFamily="2" charset="-122"/>
+                        <a:cs typeface="+mn-cs"/>
+                      </a:endParaRPr>
+                    </a:p>
+                    <a:p>
+                      <a:pPr marL="342900" marR="0" lvl="0" indent="-342900" algn="l" defTabSz="914400" rtl="0" eaLnBrk="1" fontAlgn="base" latinLnBrk="0" hangingPunct="1">
+                        <a:lnSpc>
+                          <a:spcPct val="100000"/>
+                        </a:lnSpc>
+                        <a:spcBef>
+                          <a:spcPts val="1000"/>
+                        </a:spcBef>
+                        <a:spcAft>
+                          <a:spcPct val="0"/>
+                        </a:spcAft>
+                        <a:buClrTx/>
+                        <a:buSzTx/>
+                        <a:buFont typeface="Arial" panose="020B0604020202020204" pitchFamily="34" charset="0"/>
+                        <a:buChar char="•"/>
+                        <a:tabLst/>
+                      </a:pPr>
+                      <a:r>
+                        <a:rPr kumimoji="0" lang="zh-CN" altLang="en-US" sz="2200" b="0" i="0" u="none" strike="noStrike" kern="1200" cap="none" normalizeH="0" baseline="0" dirty="0" smtClean="0">
+                          <a:ln>
+                            <a:noFill/>
+                          </a:ln>
+                          <a:solidFill>
+                            <a:srgbClr val="000000"/>
+                          </a:solidFill>
+                          <a:effectLst/>
+                          <a:latin typeface="SimSun" panose="02010600030101010101" pitchFamily="2" charset="-122"/>
+                          <a:ea typeface="SimSun" panose="02010600030101010101" pitchFamily="2" charset="-122"/>
+                          <a:cs typeface="+mn-cs"/>
+                        </a:rPr>
+                        <a:t>启动过程</a:t>
                       </a:r>
                       <a:endParaRPr kumimoji="0" lang="en-US" altLang="zh-CN" sz="2200" b="0" i="0" u="none" strike="noStrike" kern="1200" cap="none" normalizeH="0" baseline="0" dirty="0">
                         <a:ln>
@@ -11342,7 +11511,7 @@
                 </a:tc>
                 <a:extLst>
                   <a:ext uri="{0D108BD9-81ED-4DB2-BD59-A6C34878D82A}">
-                    <a16:rowId xmlns:a16="http://schemas.microsoft.com/office/drawing/2014/main" val="10000"/>
+                    <a16:rowId xmlns:a16="http://schemas.microsoft.com/office/drawing/2014/main" xmlns="" val="10000"/>
                   </a:ext>
                 </a:extLst>
               </a:tr>
@@ -11387,7 +11556,7 @@
                 </a:tc>
                 <a:extLst>
                   <a:ext uri="{0D108BD9-81ED-4DB2-BD59-A6C34878D82A}">
-                    <a16:rowId xmlns:a16="http://schemas.microsoft.com/office/drawing/2014/main" val="10001"/>
+                    <a16:rowId xmlns:a16="http://schemas.microsoft.com/office/drawing/2014/main" xmlns="" val="10001"/>
                   </a:ext>
                 </a:extLst>
               </a:tr>
@@ -11424,7 +11593,7 @@
                 </a:tc>
                 <a:extLst>
                   <a:ext uri="{0D108BD9-81ED-4DB2-BD59-A6C34878D82A}">
-                    <a16:rowId xmlns:a16="http://schemas.microsoft.com/office/drawing/2014/main" val="10002"/>
+                    <a16:rowId xmlns:a16="http://schemas.microsoft.com/office/drawing/2014/main" xmlns="" val="10002"/>
                   </a:ext>
                 </a:extLst>
               </a:tr>
@@ -11461,7 +11630,7 @@
                 </a:tc>
                 <a:extLst>
                   <a:ext uri="{0D108BD9-81ED-4DB2-BD59-A6C34878D82A}">
-                    <a16:rowId xmlns:a16="http://schemas.microsoft.com/office/drawing/2014/main" val="10003"/>
+                    <a16:rowId xmlns:a16="http://schemas.microsoft.com/office/drawing/2014/main" xmlns="" val="10003"/>
                   </a:ext>
                 </a:extLst>
               </a:tr>
@@ -11565,757 +11734,6 @@
 </file>
 
 <file path=ppt/slides/slide3.xml><?xml version="1.0" encoding="utf-8"?>
-<p:sld xmlns:a="http://schemas.openxmlformats.org/drawingml/2006/main" xmlns:r="http://schemas.openxmlformats.org/officeDocument/2006/relationships" xmlns:p="http://schemas.openxmlformats.org/presentationml/2006/main">
-  <p:cSld>
-    <p:spTree>
-      <p:nvGrpSpPr>
-        <p:cNvPr id="1" name=""/>
-        <p:cNvGrpSpPr/>
-        <p:nvPr/>
-      </p:nvGrpSpPr>
-      <p:grpSpPr>
-        <a:xfrm>
-          <a:off x="0" y="0"/>
-          <a:ext cx="0" cy="0"/>
-          <a:chOff x="0" y="0"/>
-          <a:chExt cx="0" cy="0"/>
-        </a:xfrm>
-      </p:grpSpPr>
-      <p:sp>
-        <p:nvSpPr>
-          <p:cNvPr id="3" name="Title 2"/>
-          <p:cNvSpPr>
-            <a:spLocks noGrp="1"/>
-          </p:cNvSpPr>
-          <p:nvPr>
-            <p:ph type="title"/>
-          </p:nvPr>
-        </p:nvSpPr>
-        <p:spPr/>
-        <p:txBody>
-          <a:bodyPr/>
-          <a:lstStyle/>
-          <a:p>
-            <a:r>
-              <a:rPr lang="ja-JP" altLang="en-US" dirty="0">
-                <a:latin typeface="SimSun" panose="02010600030101010101" pitchFamily="2" charset="-122"/>
-                <a:ea typeface="SimSun" panose="02010600030101010101" pitchFamily="2" charset="-122"/>
-              </a:rPr>
-              <a:t>目录结构</a:t>
-            </a:r>
-            <a:r>
-              <a:rPr lang="en-US" altLang="ja-JP" dirty="0">
-                <a:latin typeface="SimSun" panose="02010600030101010101" pitchFamily="2" charset="-122"/>
-                <a:ea typeface="SimSun" panose="02010600030101010101" pitchFamily="2" charset="-122"/>
-              </a:rPr>
-              <a:t>(</a:t>
-            </a:r>
-            <a:r>
-              <a:rPr lang="en-US" dirty="0">
-                <a:latin typeface="SimSun" panose="02010600030101010101" pitchFamily="2" charset="-122"/>
-                <a:ea typeface="SimSun" panose="02010600030101010101" pitchFamily="2" charset="-122"/>
-              </a:rPr>
-              <a:t>Root)</a:t>
-            </a:r>
-          </a:p>
-        </p:txBody>
-      </p:sp>
-      <p:sp>
-        <p:nvSpPr>
-          <p:cNvPr id="4" name="Slide Number Placeholder 3"/>
-          <p:cNvSpPr>
-            <a:spLocks noGrp="1"/>
-          </p:cNvSpPr>
-          <p:nvPr>
-            <p:ph type="sldNum" sz="quarter" idx="4"/>
-          </p:nvPr>
-        </p:nvSpPr>
-        <p:spPr/>
-        <p:txBody>
-          <a:bodyPr/>
-          <a:lstStyle/>
-          <a:p>
-            <a:pPr fontAlgn="auto">
-              <a:spcBef>
-                <a:spcPts val="0"/>
-              </a:spcBef>
-              <a:spcAft>
-                <a:spcPts val="0"/>
-              </a:spcAft>
-              <a:defRPr/>
-            </a:pPr>
-            <a:fld id="{90CBDC3A-D49F-4631-A8C7-55D59B33E5FA}" type="slidenum">
-              <a:rPr lang="en-US" b="0" smtClean="0">
-                <a:solidFill>
-                  <a:srgbClr val="666666"/>
-                </a:solidFill>
-              </a:rPr>
-              <a:pPr fontAlgn="auto">
-                <a:spcBef>
-                  <a:spcPts val="0"/>
-                </a:spcBef>
-                <a:spcAft>
-                  <a:spcPts val="0"/>
-                </a:spcAft>
-                <a:defRPr/>
-              </a:pPr>
-              <a:t>2</a:t>
-            </a:fld>
-            <a:endParaRPr lang="en-US" b="0" dirty="0">
-              <a:solidFill>
-                <a:srgbClr val="666666"/>
-              </a:solidFill>
-            </a:endParaRPr>
-          </a:p>
-        </p:txBody>
-      </p:sp>
-      <p:pic>
-        <p:nvPicPr>
-          <p:cNvPr id="5" name="Content Placeholder 4"/>
-          <p:cNvPicPr>
-            <a:picLocks noGrp="1" noChangeAspect="1"/>
-          </p:cNvPicPr>
-          <p:nvPr>
-            <p:ph sz="quarter" idx="12"/>
-          </p:nvPr>
-        </p:nvPicPr>
-        <p:blipFill>
-          <a:blip r:embed="rId2"/>
-          <a:stretch>
-            <a:fillRect/>
-          </a:stretch>
-        </p:blipFill>
-        <p:spPr>
-          <a:xfrm>
-            <a:off x="460376" y="1295400"/>
-            <a:ext cx="8197453" cy="4902200"/>
-          </a:xfrm>
-          <a:prstGeom prst="rect">
-            <a:avLst/>
-          </a:prstGeom>
-        </p:spPr>
-      </p:pic>
-      <p:sp>
-        <p:nvSpPr>
-          <p:cNvPr id="6" name="TextBox 5"/>
-          <p:cNvSpPr txBox="1"/>
-          <p:nvPr/>
-        </p:nvSpPr>
-        <p:spPr>
-          <a:xfrm>
-            <a:off x="267494" y="6570473"/>
-            <a:ext cx="3180355" cy="230832"/>
-          </a:xfrm>
-          <a:prstGeom prst="rect">
-            <a:avLst/>
-          </a:prstGeom>
-          <a:noFill/>
-        </p:spPr>
-        <p:txBody>
-          <a:bodyPr wrap="square" lIns="0">
-            <a:spAutoFit/>
-          </a:bodyPr>
-          <a:lstStyle/>
-          <a:p>
-            <a:pPr algn="ctr">
-              <a:defRPr/>
-            </a:pPr>
-            <a:r>
-              <a:rPr lang="en-US" sz="900" dirty="0">
-                <a:solidFill>
-                  <a:srgbClr val="7F7F7F"/>
-                </a:solidFill>
-                <a:latin typeface="Arial" pitchFamily="34" charset="0"/>
-                <a:cs typeface="Arial" pitchFamily="34" charset="0"/>
-              </a:rPr>
-              <a:t>Copyright © 2017 Accenture  All rights reserved.</a:t>
-            </a:r>
-          </a:p>
-        </p:txBody>
-      </p:sp>
-    </p:spTree>
-    <p:extLst>
-      <p:ext uri="{BB962C8B-B14F-4D97-AF65-F5344CB8AC3E}">
-        <p14:creationId xmlns:p14="http://schemas.microsoft.com/office/powerpoint/2010/main" val="2228399646"/>
-      </p:ext>
-    </p:extLst>
-  </p:cSld>
-  <p:clrMapOvr>
-    <a:masterClrMapping/>
-  </p:clrMapOvr>
-</p:sld>
-</file>
-
-<file path=ppt/slides/slide4.xml><?xml version="1.0" encoding="utf-8"?>
-<p:sld xmlns:a="http://schemas.openxmlformats.org/drawingml/2006/main" xmlns:r="http://schemas.openxmlformats.org/officeDocument/2006/relationships" xmlns:p="http://schemas.openxmlformats.org/presentationml/2006/main">
-  <p:cSld>
-    <p:spTree>
-      <p:nvGrpSpPr>
-        <p:cNvPr id="1" name=""/>
-        <p:cNvGrpSpPr/>
-        <p:nvPr/>
-      </p:nvGrpSpPr>
-      <p:grpSpPr>
-        <a:xfrm>
-          <a:off x="0" y="0"/>
-          <a:ext cx="0" cy="0"/>
-          <a:chOff x="0" y="0"/>
-          <a:chExt cx="0" cy="0"/>
-        </a:xfrm>
-      </p:grpSpPr>
-      <p:sp>
-        <p:nvSpPr>
-          <p:cNvPr id="3" name="Title 2"/>
-          <p:cNvSpPr>
-            <a:spLocks noGrp="1"/>
-          </p:cNvSpPr>
-          <p:nvPr>
-            <p:ph type="title"/>
-          </p:nvPr>
-        </p:nvSpPr>
-        <p:spPr/>
-        <p:txBody>
-          <a:bodyPr/>
-          <a:lstStyle/>
-          <a:p>
-            <a:r>
-              <a:rPr lang="zh-CN" altLang="en-US" sz="2800" dirty="0">
-                <a:latin typeface="SimSun" panose="02010600030101010101" pitchFamily="2" charset="-122"/>
-                <a:ea typeface="SimSun" panose="02010600030101010101" pitchFamily="2" charset="-122"/>
-              </a:rPr>
-              <a:t>目录结构</a:t>
-            </a:r>
-            <a:r>
-              <a:rPr lang="en-US" altLang="zh-CN" sz="2800" dirty="0">
-                <a:latin typeface="SimSun" panose="02010600030101010101" pitchFamily="2" charset="-122"/>
-                <a:ea typeface="SimSun" panose="02010600030101010101" pitchFamily="2" charset="-122"/>
-              </a:rPr>
-              <a:t>(</a:t>
-            </a:r>
-            <a:r>
-              <a:rPr lang="en-US" altLang="zh-CN" sz="2800" dirty="0" err="1">
-                <a:latin typeface="SimSun" panose="02010600030101010101" pitchFamily="2" charset="-122"/>
-                <a:ea typeface="SimSun" panose="02010600030101010101" pitchFamily="2" charset="-122"/>
-              </a:rPr>
-              <a:t>Src</a:t>
-            </a:r>
-            <a:r>
-              <a:rPr lang="en-US" altLang="zh-CN" sz="2800" dirty="0">
-                <a:latin typeface="SimSun" panose="02010600030101010101" pitchFamily="2" charset="-122"/>
-                <a:ea typeface="SimSun" panose="02010600030101010101" pitchFamily="2" charset="-122"/>
-              </a:rPr>
-              <a:t>)</a:t>
-            </a:r>
-            <a:endParaRPr lang="en-US" dirty="0"/>
-          </a:p>
-        </p:txBody>
-      </p:sp>
-      <p:sp>
-        <p:nvSpPr>
-          <p:cNvPr id="4" name="Slide Number Placeholder 3"/>
-          <p:cNvSpPr>
-            <a:spLocks noGrp="1"/>
-          </p:cNvSpPr>
-          <p:nvPr>
-            <p:ph type="sldNum" sz="quarter" idx="4"/>
-          </p:nvPr>
-        </p:nvSpPr>
-        <p:spPr/>
-        <p:txBody>
-          <a:bodyPr/>
-          <a:lstStyle/>
-          <a:p>
-            <a:pPr fontAlgn="auto">
-              <a:spcBef>
-                <a:spcPts val="0"/>
-              </a:spcBef>
-              <a:spcAft>
-                <a:spcPts val="0"/>
-              </a:spcAft>
-              <a:defRPr/>
-            </a:pPr>
-            <a:fld id="{90CBDC3A-D49F-4631-A8C7-55D59B33E5FA}" type="slidenum">
-              <a:rPr lang="en-US" b="0" smtClean="0">
-                <a:solidFill>
-                  <a:srgbClr val="666666"/>
-                </a:solidFill>
-              </a:rPr>
-              <a:pPr fontAlgn="auto">
-                <a:spcBef>
-                  <a:spcPts val="0"/>
-                </a:spcBef>
-                <a:spcAft>
-                  <a:spcPts val="0"/>
-                </a:spcAft>
-                <a:defRPr/>
-              </a:pPr>
-              <a:t>3</a:t>
-            </a:fld>
-            <a:endParaRPr lang="en-US" b="0" dirty="0">
-              <a:solidFill>
-                <a:srgbClr val="666666"/>
-              </a:solidFill>
-            </a:endParaRPr>
-          </a:p>
-        </p:txBody>
-      </p:sp>
-      <p:sp>
-        <p:nvSpPr>
-          <p:cNvPr id="6" name="Content Placeholder 5"/>
-          <p:cNvSpPr>
-            <a:spLocks noGrp="1"/>
-          </p:cNvSpPr>
-          <p:nvPr>
-            <p:ph sz="quarter" idx="12"/>
-          </p:nvPr>
-        </p:nvSpPr>
-        <p:spPr>
-          <a:xfrm>
-            <a:off x="448734" y="1264179"/>
-            <a:ext cx="8228012" cy="5178954"/>
-          </a:xfrm>
-        </p:spPr>
-        <p:txBody>
-          <a:bodyPr/>
-          <a:lstStyle/>
-          <a:p>
-            <a:endParaRPr lang="en-US" dirty="0"/>
-          </a:p>
-        </p:txBody>
-      </p:sp>
-      <p:pic>
-        <p:nvPicPr>
-          <p:cNvPr id="7" name="Picture 6"/>
-          <p:cNvPicPr>
-            <a:picLocks noChangeAspect="1"/>
-          </p:cNvPicPr>
-          <p:nvPr/>
-        </p:nvPicPr>
-        <p:blipFill>
-          <a:blip r:embed="rId2"/>
-          <a:stretch>
-            <a:fillRect/>
-          </a:stretch>
-        </p:blipFill>
-        <p:spPr>
-          <a:xfrm>
-            <a:off x="448735" y="1264179"/>
-            <a:ext cx="8149982" cy="5178954"/>
-          </a:xfrm>
-          <a:prstGeom prst="rect">
-            <a:avLst/>
-          </a:prstGeom>
-        </p:spPr>
-      </p:pic>
-      <p:sp>
-        <p:nvSpPr>
-          <p:cNvPr id="8" name="TextBox 7"/>
-          <p:cNvSpPr txBox="1"/>
-          <p:nvPr/>
-        </p:nvSpPr>
-        <p:spPr>
-          <a:xfrm>
-            <a:off x="267494" y="6570473"/>
-            <a:ext cx="3180355" cy="230832"/>
-          </a:xfrm>
-          <a:prstGeom prst="rect">
-            <a:avLst/>
-          </a:prstGeom>
-          <a:noFill/>
-        </p:spPr>
-        <p:txBody>
-          <a:bodyPr wrap="square" lIns="0">
-            <a:spAutoFit/>
-          </a:bodyPr>
-          <a:lstStyle/>
-          <a:p>
-            <a:pPr algn="ctr">
-              <a:defRPr/>
-            </a:pPr>
-            <a:r>
-              <a:rPr lang="en-US" sz="900" dirty="0">
-                <a:solidFill>
-                  <a:srgbClr val="7F7F7F"/>
-                </a:solidFill>
-                <a:latin typeface="Arial" pitchFamily="34" charset="0"/>
-                <a:cs typeface="Arial" pitchFamily="34" charset="0"/>
-              </a:rPr>
-              <a:t>Copyright © 2017 Accenture  All rights reserved.</a:t>
-            </a:r>
-          </a:p>
-        </p:txBody>
-      </p:sp>
-    </p:spTree>
-    <p:extLst>
-      <p:ext uri="{BB962C8B-B14F-4D97-AF65-F5344CB8AC3E}">
-        <p14:creationId xmlns:p14="http://schemas.microsoft.com/office/powerpoint/2010/main" val="3723299805"/>
-      </p:ext>
-    </p:extLst>
-  </p:cSld>
-  <p:clrMapOvr>
-    <a:masterClrMapping/>
-  </p:clrMapOvr>
-</p:sld>
-</file>
-
-<file path=ppt/slides/slide5.xml><?xml version="1.0" encoding="utf-8"?>
-<p:sld xmlns:a="http://schemas.openxmlformats.org/drawingml/2006/main" xmlns:r="http://schemas.openxmlformats.org/officeDocument/2006/relationships" xmlns:p="http://schemas.openxmlformats.org/presentationml/2006/main">
-  <p:cSld>
-    <p:spTree>
-      <p:nvGrpSpPr>
-        <p:cNvPr id="1" name=""/>
-        <p:cNvGrpSpPr/>
-        <p:nvPr/>
-      </p:nvGrpSpPr>
-      <p:grpSpPr>
-        <a:xfrm>
-          <a:off x="0" y="0"/>
-          <a:ext cx="0" cy="0"/>
-          <a:chOff x="0" y="0"/>
-          <a:chExt cx="0" cy="0"/>
-        </a:xfrm>
-      </p:grpSpPr>
-      <p:sp>
-        <p:nvSpPr>
-          <p:cNvPr id="2" name="Content Placeholder 1"/>
-          <p:cNvSpPr>
-            <a:spLocks noGrp="1"/>
-          </p:cNvSpPr>
-          <p:nvPr>
-            <p:ph sz="quarter" idx="12"/>
-          </p:nvPr>
-        </p:nvSpPr>
-        <p:spPr>
-          <a:xfrm>
-            <a:off x="448734" y="1359014"/>
-            <a:ext cx="8695266" cy="5243510"/>
-          </a:xfrm>
-        </p:spPr>
-        <p:txBody>
-          <a:bodyPr>
-            <a:normAutofit/>
-          </a:bodyPr>
-          <a:lstStyle/>
-          <a:p>
-            <a:r>
-              <a:rPr lang="zh-CN" altLang="en-US" sz="2200" dirty="0">
-                <a:latin typeface="SimSun" panose="02010600030101010101" pitchFamily="2" charset="-122"/>
-                <a:ea typeface="SimSun" panose="02010600030101010101" pitchFamily="2" charset="-122"/>
-              </a:rPr>
-              <a:t>运行下列</a:t>
-            </a:r>
-            <a:r>
-              <a:rPr lang="en-US" altLang="zh-CN" sz="2200" dirty="0">
-                <a:latin typeface="SimSun" panose="02010600030101010101" pitchFamily="2" charset="-122"/>
-                <a:ea typeface="SimSun" panose="02010600030101010101" pitchFamily="2" charset="-122"/>
-              </a:rPr>
-              <a:t>CLI</a:t>
-            </a:r>
-            <a:r>
-              <a:rPr lang="zh-CN" altLang="en-US" sz="2200" dirty="0">
-                <a:latin typeface="SimSun" panose="02010600030101010101" pitchFamily="2" charset="-122"/>
-                <a:ea typeface="SimSun" panose="02010600030101010101" pitchFamily="2" charset="-122"/>
-              </a:rPr>
-              <a:t>命令来启动应用：</a:t>
-            </a:r>
-            <a:r>
-              <a:rPr lang="en-US" altLang="zh-CN" sz="2200" dirty="0">
-                <a:latin typeface="SimSun" panose="02010600030101010101" pitchFamily="2" charset="-122"/>
-                <a:ea typeface="SimSun" panose="02010600030101010101" pitchFamily="2" charset="-122"/>
-              </a:rPr>
-              <a:t>ng serve</a:t>
-            </a:r>
-          </a:p>
-          <a:p>
-            <a:r>
-              <a:rPr lang="zh-CN" altLang="en-US" sz="2200" dirty="0">
-                <a:latin typeface="SimSun" panose="02010600030101010101" pitchFamily="2" charset="-122"/>
-                <a:ea typeface="SimSun" panose="02010600030101010101" pitchFamily="2" charset="-122"/>
-              </a:rPr>
-              <a:t>大体启动过程如下：</a:t>
-            </a:r>
-            <a:endParaRPr lang="en-US" altLang="zh-CN" sz="2200" dirty="0">
-              <a:latin typeface="SimSun" panose="02010600030101010101" pitchFamily="2" charset="-122"/>
-              <a:ea typeface="SimSun" panose="02010600030101010101" pitchFamily="2" charset="-122"/>
-            </a:endParaRPr>
-          </a:p>
-          <a:p>
-            <a:r>
-              <a:rPr lang="en-US" sz="2200" dirty="0">
-                <a:latin typeface="SimSun" panose="02010600030101010101" pitchFamily="2" charset="-122"/>
-                <a:ea typeface="SimSun" panose="02010600030101010101" pitchFamily="2" charset="-122"/>
-              </a:rPr>
-              <a:t>Angular-</a:t>
-            </a:r>
-            <a:r>
-              <a:rPr lang="en-US" sz="2200" dirty="0" err="1">
-                <a:latin typeface="SimSun" panose="02010600030101010101" pitchFamily="2" charset="-122"/>
-                <a:ea typeface="SimSun" panose="02010600030101010101" pitchFamily="2" charset="-122"/>
-              </a:rPr>
-              <a:t>cli.json</a:t>
-            </a:r>
-            <a:r>
-              <a:rPr lang="zh-CN" altLang="en-US" sz="2200" dirty="0">
-                <a:latin typeface="SimSun" panose="02010600030101010101" pitchFamily="2" charset="-122"/>
-                <a:ea typeface="SimSun" panose="02010600030101010101" pitchFamily="2" charset="-122"/>
-              </a:rPr>
-              <a:t>指定一个</a:t>
-            </a:r>
-            <a:r>
-              <a:rPr lang="en-US" altLang="zh-CN" sz="2200" dirty="0">
-                <a:latin typeface="SimSun" panose="02010600030101010101" pitchFamily="2" charset="-122"/>
-                <a:ea typeface="SimSun" panose="02010600030101010101" pitchFamily="2" charset="-122"/>
-              </a:rPr>
-              <a:t>”main”</a:t>
-            </a:r>
-            <a:r>
-              <a:rPr lang="zh-CN" altLang="en-US" sz="2200" dirty="0">
-                <a:latin typeface="SimSun" panose="02010600030101010101" pitchFamily="2" charset="-122"/>
-                <a:ea typeface="SimSun" panose="02010600030101010101" pitchFamily="2" charset="-122"/>
-              </a:rPr>
-              <a:t>文件，这里是</a:t>
-            </a:r>
-            <a:r>
-              <a:rPr lang="en-US" altLang="zh-CN" sz="2200" dirty="0" err="1">
-                <a:latin typeface="SimSun" panose="02010600030101010101" pitchFamily="2" charset="-122"/>
-                <a:ea typeface="SimSun" panose="02010600030101010101" pitchFamily="2" charset="-122"/>
-              </a:rPr>
-              <a:t>main.ts</a:t>
-            </a:r>
-            <a:r>
-              <a:rPr lang="en-US" altLang="zh-CN" sz="2200" dirty="0">
-                <a:latin typeface="SimSun" panose="02010600030101010101" pitchFamily="2" charset="-122"/>
-                <a:ea typeface="SimSun" panose="02010600030101010101" pitchFamily="2" charset="-122"/>
-              </a:rPr>
-              <a:t>;</a:t>
-            </a:r>
-          </a:p>
-          <a:p>
-            <a:r>
-              <a:rPr lang="en-US" sz="2200" dirty="0" err="1">
-                <a:latin typeface="SimSun" panose="02010600030101010101" pitchFamily="2" charset="-122"/>
-                <a:ea typeface="SimSun" panose="02010600030101010101" pitchFamily="2" charset="-122"/>
-              </a:rPr>
-              <a:t>Main.ts</a:t>
-            </a:r>
-            <a:r>
-              <a:rPr lang="zh-CN" altLang="en-US" sz="2200" dirty="0">
-                <a:latin typeface="SimSun" panose="02010600030101010101" pitchFamily="2" charset="-122"/>
-                <a:ea typeface="SimSun" panose="02010600030101010101" pitchFamily="2" charset="-122"/>
-              </a:rPr>
-              <a:t>是应用的入口点，并且会引导我们的应用；</a:t>
-            </a:r>
-            <a:endParaRPr lang="en-US" altLang="zh-CN" sz="2200" dirty="0">
-              <a:latin typeface="SimSun" panose="02010600030101010101" pitchFamily="2" charset="-122"/>
-              <a:ea typeface="SimSun" panose="02010600030101010101" pitchFamily="2" charset="-122"/>
-            </a:endParaRPr>
-          </a:p>
-          <a:p>
-            <a:r>
-              <a:rPr lang="zh-CN" altLang="en-US" sz="2200" dirty="0">
-                <a:latin typeface="SimSun" panose="02010600030101010101" pitchFamily="2" charset="-122"/>
-                <a:ea typeface="SimSun" panose="02010600030101010101" pitchFamily="2" charset="-122"/>
-              </a:rPr>
-              <a:t>引导过程会引导一个</a:t>
-            </a:r>
-            <a:r>
-              <a:rPr lang="en-US" altLang="zh-CN" sz="2200" dirty="0" err="1">
-                <a:latin typeface="SimSun" panose="02010600030101010101" pitchFamily="2" charset="-122"/>
-                <a:ea typeface="SimSun" panose="02010600030101010101" pitchFamily="2" charset="-122"/>
-              </a:rPr>
-              <a:t>AppMudule</a:t>
-            </a:r>
-            <a:r>
-              <a:rPr lang="en-US" altLang="zh-CN" sz="2200" dirty="0">
-                <a:latin typeface="SimSun" panose="02010600030101010101" pitchFamily="2" charset="-122"/>
-                <a:ea typeface="SimSun" panose="02010600030101010101" pitchFamily="2" charset="-122"/>
-              </a:rPr>
-              <a:t>;</a:t>
-            </a:r>
-          </a:p>
-          <a:p>
-            <a:r>
-              <a:rPr lang="en-US" sz="2200" dirty="0" err="1">
-                <a:latin typeface="SimSun" panose="02010600030101010101" pitchFamily="2" charset="-122"/>
-                <a:ea typeface="SimSun" panose="02010600030101010101" pitchFamily="2" charset="-122"/>
-              </a:rPr>
-              <a:t>AppMudule</a:t>
-            </a:r>
-            <a:r>
-              <a:rPr lang="zh-CN" altLang="en-US" sz="2200" dirty="0">
-                <a:latin typeface="SimSun" panose="02010600030101010101" pitchFamily="2" charset="-122"/>
-                <a:ea typeface="SimSun" panose="02010600030101010101" pitchFamily="2" charset="-122"/>
-              </a:rPr>
-              <a:t>指定了将哪个组件用作顶层组件，这里是</a:t>
-            </a:r>
-            <a:r>
-              <a:rPr lang="en-US" altLang="zh-CN" sz="2200" dirty="0" err="1">
-                <a:latin typeface="SimSun" panose="02010600030101010101" pitchFamily="2" charset="-122"/>
-                <a:ea typeface="SimSun" panose="02010600030101010101" pitchFamily="2" charset="-122"/>
-              </a:rPr>
-              <a:t>AppComponent</a:t>
-            </a:r>
-            <a:r>
-              <a:rPr lang="zh-CN" altLang="en-US" sz="2200" dirty="0">
-                <a:latin typeface="SimSun" panose="02010600030101010101" pitchFamily="2" charset="-122"/>
-                <a:ea typeface="SimSun" panose="02010600030101010101" pitchFamily="2" charset="-122"/>
-              </a:rPr>
-              <a:t>；</a:t>
-            </a:r>
-            <a:endParaRPr lang="en-US" altLang="zh-CN" sz="2200" dirty="0">
-              <a:latin typeface="SimSun" panose="02010600030101010101" pitchFamily="2" charset="-122"/>
-              <a:ea typeface="SimSun" panose="02010600030101010101" pitchFamily="2" charset="-122"/>
-            </a:endParaRPr>
-          </a:p>
-          <a:p>
-            <a:r>
-              <a:rPr lang="en-US" altLang="zh-CN" sz="2200" dirty="0" err="1">
-                <a:latin typeface="SimSun" panose="02010600030101010101" pitchFamily="2" charset="-122"/>
-                <a:ea typeface="SimSun" panose="02010600030101010101" pitchFamily="2" charset="-122"/>
-              </a:rPr>
-              <a:t>AppComponent</a:t>
-            </a:r>
-            <a:r>
-              <a:rPr lang="zh-CN" altLang="en-US" sz="2200" dirty="0">
-                <a:latin typeface="SimSun" panose="02010600030101010101" pitchFamily="2" charset="-122"/>
-                <a:ea typeface="SimSun" panose="02010600030101010101" pitchFamily="2" charset="-122"/>
-              </a:rPr>
-              <a:t>的模板中展示内容</a:t>
-            </a:r>
-            <a:endParaRPr lang="en-US" sz="2200" dirty="0">
-              <a:latin typeface="SimSun" panose="02010600030101010101" pitchFamily="2" charset="-122"/>
-              <a:ea typeface="SimSun" panose="02010600030101010101" pitchFamily="2" charset="-122"/>
-            </a:endParaRPr>
-          </a:p>
-        </p:txBody>
-      </p:sp>
-      <p:sp>
-        <p:nvSpPr>
-          <p:cNvPr id="3" name="Title 2"/>
-          <p:cNvSpPr>
-            <a:spLocks noGrp="1"/>
-          </p:cNvSpPr>
-          <p:nvPr>
-            <p:ph type="title"/>
-          </p:nvPr>
-        </p:nvSpPr>
-        <p:spPr/>
-        <p:txBody>
-          <a:bodyPr/>
-          <a:lstStyle/>
-          <a:p>
-            <a:r>
-              <a:rPr lang="zh-CN" altLang="en-US" sz="2800" dirty="0">
-                <a:latin typeface="SimSun" panose="02010600030101010101" pitchFamily="2" charset="-122"/>
-                <a:ea typeface="SimSun" panose="02010600030101010101" pitchFamily="2" charset="-122"/>
-              </a:rPr>
-              <a:t>启动过程</a:t>
-            </a:r>
-            <a:endParaRPr lang="en-US" dirty="0"/>
-          </a:p>
-        </p:txBody>
-      </p:sp>
-      <p:sp>
-        <p:nvSpPr>
-          <p:cNvPr id="4" name="Slide Number Placeholder 3"/>
-          <p:cNvSpPr>
-            <a:spLocks noGrp="1"/>
-          </p:cNvSpPr>
-          <p:nvPr>
-            <p:ph type="sldNum" sz="quarter" idx="4"/>
-          </p:nvPr>
-        </p:nvSpPr>
-        <p:spPr/>
-        <p:txBody>
-          <a:bodyPr/>
-          <a:lstStyle/>
-          <a:p>
-            <a:pPr fontAlgn="auto">
-              <a:spcBef>
-                <a:spcPts val="0"/>
-              </a:spcBef>
-              <a:spcAft>
-                <a:spcPts val="0"/>
-              </a:spcAft>
-              <a:defRPr/>
-            </a:pPr>
-            <a:fld id="{90CBDC3A-D49F-4631-A8C7-55D59B33E5FA}" type="slidenum">
-              <a:rPr lang="en-US" b="0" smtClean="0">
-                <a:solidFill>
-                  <a:srgbClr val="666666"/>
-                </a:solidFill>
-              </a:rPr>
-              <a:pPr fontAlgn="auto">
-                <a:spcBef>
-                  <a:spcPts val="0"/>
-                </a:spcBef>
-                <a:spcAft>
-                  <a:spcPts val="0"/>
-                </a:spcAft>
-                <a:defRPr/>
-              </a:pPr>
-              <a:t>4</a:t>
-            </a:fld>
-            <a:endParaRPr lang="en-US" b="0" dirty="0">
-              <a:solidFill>
-                <a:srgbClr val="666666"/>
-              </a:solidFill>
-            </a:endParaRPr>
-          </a:p>
-        </p:txBody>
-      </p:sp>
-      <p:sp>
-        <p:nvSpPr>
-          <p:cNvPr id="5" name="TextBox 4"/>
-          <p:cNvSpPr txBox="1"/>
-          <p:nvPr/>
-        </p:nvSpPr>
-        <p:spPr>
-          <a:xfrm>
-            <a:off x="267494" y="6570473"/>
-            <a:ext cx="3180355" cy="230832"/>
-          </a:xfrm>
-          <a:prstGeom prst="rect">
-            <a:avLst/>
-          </a:prstGeom>
-          <a:noFill/>
-        </p:spPr>
-        <p:txBody>
-          <a:bodyPr wrap="square" lIns="0">
-            <a:spAutoFit/>
-          </a:bodyPr>
-          <a:lstStyle/>
-          <a:p>
-            <a:pPr algn="ctr">
-              <a:defRPr/>
-            </a:pPr>
-            <a:r>
-              <a:rPr lang="en-US" sz="900" dirty="0">
-                <a:solidFill>
-                  <a:srgbClr val="7F7F7F"/>
-                </a:solidFill>
-                <a:latin typeface="Arial" pitchFamily="34" charset="0"/>
-                <a:cs typeface="Arial" pitchFamily="34" charset="0"/>
-              </a:rPr>
-              <a:t>Copyright © 2017 Accenture  All rights reserved.</a:t>
-            </a:r>
-          </a:p>
-        </p:txBody>
-      </p:sp>
-    </p:spTree>
-    <p:extLst>
-      <p:ext uri="{BB962C8B-B14F-4D97-AF65-F5344CB8AC3E}">
-        <p14:creationId xmlns:p14="http://schemas.microsoft.com/office/powerpoint/2010/main" val="3568155170"/>
-      </p:ext>
-    </p:extLst>
-  </p:cSld>
-  <p:clrMapOvr>
-    <a:masterClrMapping/>
-  </p:clrMapOvr>
-</p:sld>
-</file>
-
-<file path=ppt/slides/slide6.xml><?xml version="1.0" encoding="utf-8"?>
 <p:sld xmlns:a="http://schemas.openxmlformats.org/drawingml/2006/main" xmlns:r="http://schemas.openxmlformats.org/officeDocument/2006/relationships" xmlns:p="http://schemas.openxmlformats.org/presentationml/2006/main">
   <p:cSld>
     <p:spTree>
@@ -12600,7 +12018,7 @@
                 <a:cs typeface="Arial" pitchFamily="34" charset="0"/>
               </a:rPr>
               <a:pPr algn="r"/>
-              <a:t>5</a:t>
+              <a:t>2</a:t>
             </a:fld>
             <a:endParaRPr lang="en-CA" sz="900" dirty="0">
               <a:solidFill>
@@ -12651,7 +12069,7 @@
 </p:sld>
 </file>
 
-<file path=ppt/slides/slide7.xml><?xml version="1.0" encoding="utf-8"?>
+<file path=ppt/slides/slide4.xml><?xml version="1.0" encoding="utf-8"?>
 <p:sld xmlns:a="http://schemas.openxmlformats.org/drawingml/2006/main" xmlns:r="http://schemas.openxmlformats.org/officeDocument/2006/relationships" xmlns:p="http://schemas.openxmlformats.org/presentationml/2006/main">
   <p:cSld>
     <p:spTree>
@@ -12767,7 +12185,7 @@
                 </a:spcAft>
                 <a:defRPr/>
               </a:pPr>
-              <a:t>6</a:t>
+              <a:t>3</a:t>
             </a:fld>
             <a:endParaRPr lang="en-US" b="0" dirty="0">
               <a:solidFill>
@@ -12948,7 +12366,328 @@
 </p:sld>
 </file>
 
-<file path=ppt/slides/slide8.xml><?xml version="1.0" encoding="utf-8"?>
+<file path=ppt/slides/slide5.xml><?xml version="1.0" encoding="utf-8"?>
+<p:sld xmlns:a="http://schemas.openxmlformats.org/drawingml/2006/main" xmlns:r="http://schemas.openxmlformats.org/officeDocument/2006/relationships" xmlns:p="http://schemas.openxmlformats.org/presentationml/2006/main">
+  <p:cSld>
+    <p:spTree>
+      <p:nvGrpSpPr>
+        <p:cNvPr id="1" name=""/>
+        <p:cNvGrpSpPr/>
+        <p:nvPr/>
+      </p:nvGrpSpPr>
+      <p:grpSpPr>
+        <a:xfrm>
+          <a:off x="0" y="0"/>
+          <a:ext cx="0" cy="0"/>
+          <a:chOff x="0" y="0"/>
+          <a:chExt cx="0" cy="0"/>
+        </a:xfrm>
+      </p:grpSpPr>
+      <p:pic>
+        <p:nvPicPr>
+          <p:cNvPr id="5" name="Content Placeholder 4"/>
+          <p:cNvPicPr>
+            <a:picLocks noGrp="1" noChangeAspect="1"/>
+          </p:cNvPicPr>
+          <p:nvPr>
+            <p:ph sz="quarter" idx="12"/>
+          </p:nvPr>
+        </p:nvPicPr>
+        <p:blipFill>
+          <a:blip r:embed="rId2">
+            <a:extLst>
+              <a:ext uri="{28A0092B-C50C-407E-A947-70E740481C1C}">
+                <a14:useLocalDpi xmlns:a14="http://schemas.microsoft.com/office/drawing/2010/main" val="0"/>
+              </a:ext>
+            </a:extLst>
+          </a:blip>
+          <a:stretch>
+            <a:fillRect/>
+          </a:stretch>
+        </p:blipFill>
+        <p:spPr>
+          <a:xfrm>
+            <a:off x="367901" y="1369010"/>
+            <a:ext cx="2777157" cy="2449453"/>
+          </a:xfrm>
+        </p:spPr>
+      </p:pic>
+      <p:sp>
+        <p:nvSpPr>
+          <p:cNvPr id="3" name="Title 2"/>
+          <p:cNvSpPr>
+            <a:spLocks noGrp="1"/>
+          </p:cNvSpPr>
+          <p:nvPr>
+            <p:ph type="title"/>
+          </p:nvPr>
+        </p:nvSpPr>
+        <p:spPr/>
+        <p:txBody>
+          <a:bodyPr>
+            <a:normAutofit/>
+          </a:bodyPr>
+          <a:lstStyle/>
+          <a:p>
+            <a:r>
+              <a:rPr lang="zh-CN" altLang="en-US" sz="2800" dirty="0" smtClean="0">
+                <a:latin typeface="SimSun" panose="02010600030101010101" pitchFamily="2" charset="-122"/>
+                <a:ea typeface="SimSun" panose="02010600030101010101" pitchFamily="2" charset="-122"/>
+              </a:rPr>
+              <a:t>数据绑定</a:t>
+            </a:r>
+            <a:endParaRPr lang="en-US" sz="2800" dirty="0">
+              <a:latin typeface="SimSun" panose="02010600030101010101" pitchFamily="2" charset="-122"/>
+              <a:ea typeface="SimSun" panose="02010600030101010101" pitchFamily="2" charset="-122"/>
+            </a:endParaRPr>
+          </a:p>
+        </p:txBody>
+      </p:sp>
+      <p:sp>
+        <p:nvSpPr>
+          <p:cNvPr id="4" name="Slide Number Placeholder 3"/>
+          <p:cNvSpPr>
+            <a:spLocks noGrp="1"/>
+          </p:cNvSpPr>
+          <p:nvPr>
+            <p:ph type="sldNum" sz="quarter" idx="4"/>
+          </p:nvPr>
+        </p:nvSpPr>
+        <p:spPr/>
+        <p:txBody>
+          <a:bodyPr/>
+          <a:lstStyle/>
+          <a:p>
+            <a:pPr fontAlgn="auto">
+              <a:spcBef>
+                <a:spcPts val="0"/>
+              </a:spcBef>
+              <a:spcAft>
+                <a:spcPts val="0"/>
+              </a:spcAft>
+              <a:defRPr/>
+            </a:pPr>
+            <a:fld id="{90CBDC3A-D49F-4631-A8C7-55D59B33E5FA}" type="slidenum">
+              <a:rPr lang="en-US" b="0" smtClean="0">
+                <a:solidFill>
+                  <a:srgbClr val="666666"/>
+                </a:solidFill>
+              </a:rPr>
+              <a:pPr fontAlgn="auto">
+                <a:spcBef>
+                  <a:spcPts val="0"/>
+                </a:spcBef>
+                <a:spcAft>
+                  <a:spcPts val="0"/>
+                </a:spcAft>
+                <a:defRPr/>
+              </a:pPr>
+              <a:t>4</a:t>
+            </a:fld>
+            <a:endParaRPr lang="en-US" b="0" dirty="0">
+              <a:solidFill>
+                <a:srgbClr val="666666"/>
+              </a:solidFill>
+            </a:endParaRPr>
+          </a:p>
+        </p:txBody>
+      </p:sp>
+      <p:sp>
+        <p:nvSpPr>
+          <p:cNvPr id="6" name="Rounded Rectangle 5"/>
+          <p:cNvSpPr/>
+          <p:nvPr/>
+        </p:nvSpPr>
+        <p:spPr>
+          <a:xfrm>
+            <a:off x="3268044" y="1277169"/>
+            <a:ext cx="5875956" cy="2633133"/>
+          </a:xfrm>
+          <a:prstGeom prst="roundRect">
+            <a:avLst/>
+          </a:prstGeom>
+          <a:ln>
+            <a:noFill/>
+          </a:ln>
+        </p:spPr>
+        <p:style>
+          <a:lnRef idx="2">
+            <a:schemeClr val="accent1">
+              <a:shade val="50000"/>
+            </a:schemeClr>
+          </a:lnRef>
+          <a:fillRef idx="1">
+            <a:schemeClr val="accent1"/>
+          </a:fillRef>
+          <a:effectRef idx="0">
+            <a:schemeClr val="accent1"/>
+          </a:effectRef>
+          <a:fontRef idx="minor">
+            <a:schemeClr val="lt1"/>
+          </a:fontRef>
+        </p:style>
+        <p:txBody>
+          <a:bodyPr rtlCol="0" anchor="ctr"/>
+          <a:lstStyle/>
+          <a:p>
+            <a:r>
+              <a:rPr lang="en-US" altLang="zh-CN" sz="1800" dirty="0" smtClean="0">
+                <a:latin typeface="SimSun" panose="02010600030101010101" pitchFamily="2" charset="-122"/>
+                <a:ea typeface="SimSun" panose="02010600030101010101" pitchFamily="2" charset="-122"/>
+              </a:rPr>
+              <a:t>DOM</a:t>
+            </a:r>
+            <a:r>
+              <a:rPr lang="zh-CN" altLang="en-US" sz="1800" dirty="0" smtClean="0">
+                <a:latin typeface="SimSun" panose="02010600030101010101" pitchFamily="2" charset="-122"/>
+                <a:ea typeface="SimSun" panose="02010600030101010101" pitchFamily="2" charset="-122"/>
+              </a:rPr>
+              <a:t>例子：</a:t>
+            </a:r>
+            <a:endParaRPr lang="en-US" altLang="zh-CN" sz="1800" dirty="0" smtClean="0">
+              <a:latin typeface="SimSun" panose="02010600030101010101" pitchFamily="2" charset="-122"/>
+              <a:ea typeface="SimSun" panose="02010600030101010101" pitchFamily="2" charset="-122"/>
+            </a:endParaRPr>
+          </a:p>
+          <a:p>
+            <a:r>
+              <a:rPr lang="en-US" sz="1800" dirty="0" smtClean="0">
+                <a:ea typeface="SimSun" panose="02010600030101010101" pitchFamily="2" charset="-122"/>
+              </a:rPr>
+              <a:t>&lt;</a:t>
+            </a:r>
+            <a:r>
+              <a:rPr lang="en-US" sz="1800" dirty="0">
+                <a:ea typeface="SimSun" panose="02010600030101010101" pitchFamily="2" charset="-122"/>
+              </a:rPr>
+              <a:t>li&gt;{{hero.name}}&lt;/li</a:t>
+            </a:r>
+            <a:r>
+              <a:rPr lang="en-US" sz="1800" dirty="0" smtClean="0">
+                <a:ea typeface="SimSun" panose="02010600030101010101" pitchFamily="2" charset="-122"/>
+              </a:rPr>
+              <a:t>&gt;</a:t>
+            </a:r>
+          </a:p>
+          <a:p>
+            <a:endParaRPr lang="en-US" sz="1800" dirty="0" smtClean="0">
+              <a:ea typeface="SimSun" panose="02010600030101010101" pitchFamily="2" charset="-122"/>
+            </a:endParaRPr>
+          </a:p>
+          <a:p>
+            <a:r>
+              <a:rPr lang="en-US" sz="1800" dirty="0" smtClean="0">
+                <a:ea typeface="SimSun" panose="02010600030101010101" pitchFamily="2" charset="-122"/>
+              </a:rPr>
+              <a:t>&lt;</a:t>
+            </a:r>
+            <a:r>
+              <a:rPr lang="en-US" sz="1800" dirty="0">
+                <a:ea typeface="SimSun" panose="02010600030101010101" pitchFamily="2" charset="-122"/>
+              </a:rPr>
+              <a:t>hero-detail [hero]="</a:t>
+            </a:r>
+            <a:r>
+              <a:rPr lang="en-US" sz="1800" dirty="0" err="1">
+                <a:ea typeface="SimSun" panose="02010600030101010101" pitchFamily="2" charset="-122"/>
+              </a:rPr>
+              <a:t>selectedHero</a:t>
+            </a:r>
+            <a:r>
+              <a:rPr lang="en-US" sz="1800" dirty="0">
+                <a:ea typeface="SimSun" panose="02010600030101010101" pitchFamily="2" charset="-122"/>
+              </a:rPr>
+              <a:t>"&gt;&lt;/hero-detail&gt;</a:t>
+            </a:r>
+          </a:p>
+          <a:p>
+            <a:endParaRPr lang="en-US" sz="1800" dirty="0" smtClean="0">
+              <a:ea typeface="SimSun" panose="02010600030101010101" pitchFamily="2" charset="-122"/>
+            </a:endParaRPr>
+          </a:p>
+          <a:p>
+            <a:r>
+              <a:rPr lang="en-US" sz="1800" dirty="0" smtClean="0">
+                <a:ea typeface="SimSun" panose="02010600030101010101" pitchFamily="2" charset="-122"/>
+              </a:rPr>
+              <a:t>&lt;</a:t>
+            </a:r>
+            <a:r>
+              <a:rPr lang="en-US" sz="1800" dirty="0">
+                <a:ea typeface="SimSun" panose="02010600030101010101" pitchFamily="2" charset="-122"/>
+              </a:rPr>
+              <a:t>li (click)="</a:t>
+            </a:r>
+            <a:r>
+              <a:rPr lang="en-US" sz="1800" dirty="0" err="1">
+                <a:ea typeface="SimSun" panose="02010600030101010101" pitchFamily="2" charset="-122"/>
+              </a:rPr>
+              <a:t>selectHero</a:t>
+            </a:r>
+            <a:r>
+              <a:rPr lang="en-US" sz="1800" dirty="0">
+                <a:ea typeface="SimSun" panose="02010600030101010101" pitchFamily="2" charset="-122"/>
+              </a:rPr>
+              <a:t>(hero)"&gt;&lt;/li</a:t>
+            </a:r>
+            <a:r>
+              <a:rPr lang="en-US" sz="1800" dirty="0" smtClean="0">
+                <a:ea typeface="SimSun" panose="02010600030101010101" pitchFamily="2" charset="-122"/>
+              </a:rPr>
+              <a:t>&gt;</a:t>
+            </a:r>
+          </a:p>
+          <a:p>
+            <a:endParaRPr lang="en-US" sz="1800" dirty="0">
+              <a:ea typeface="SimSun" panose="02010600030101010101" pitchFamily="2" charset="-122"/>
+            </a:endParaRPr>
+          </a:p>
+          <a:p>
+            <a:r>
+              <a:rPr lang="en-US" sz="1800" dirty="0">
+                <a:ea typeface="SimSun" panose="02010600030101010101" pitchFamily="2" charset="-122"/>
+              </a:rPr>
+              <a:t>&lt;input [(</a:t>
+            </a:r>
+            <a:r>
+              <a:rPr lang="en-US" sz="1800" dirty="0" err="1">
+                <a:ea typeface="SimSun" panose="02010600030101010101" pitchFamily="2" charset="-122"/>
+              </a:rPr>
+              <a:t>ngModel</a:t>
+            </a:r>
+            <a:r>
+              <a:rPr lang="en-US" sz="1800" dirty="0">
+                <a:ea typeface="SimSun" panose="02010600030101010101" pitchFamily="2" charset="-122"/>
+              </a:rPr>
+              <a:t>)]="hero.name"&gt;</a:t>
+            </a:r>
+            <a:endParaRPr lang="en-US" sz="1800" dirty="0">
+              <a:ea typeface="SimSun" panose="02010600030101010101" pitchFamily="2" charset="-122"/>
+            </a:endParaRPr>
+          </a:p>
+        </p:txBody>
+      </p:sp>
+    </p:spTree>
+    <p:extLst>
+      <p:ext uri="{BB962C8B-B14F-4D97-AF65-F5344CB8AC3E}">
+        <p14:creationId xmlns:p14="http://schemas.microsoft.com/office/powerpoint/2010/main" val="2838010112"/>
+      </p:ext>
+    </p:extLst>
+  </p:cSld>
+  <p:clrMapOvr>
+    <a:masterClrMapping/>
+  </p:clrMapOvr>
+  <p:timing>
+    <p:tnLst>
+      <p:par>
+        <p:cTn id="1" dur="indefinite" restart="never" nodeType="tmRoot"/>
+      </p:par>
+    </p:tnLst>
+  </p:timing>
+</p:sld>
+</file>
+
+<file path=ppt/slides/slide6.xml><?xml version="1.0" encoding="utf-8"?>
 <p:sld xmlns:a="http://schemas.openxmlformats.org/drawingml/2006/main" xmlns:r="http://schemas.openxmlformats.org/officeDocument/2006/relationships" xmlns:p="http://schemas.openxmlformats.org/presentationml/2006/main">
   <p:cSld>
     <p:spTree>
@@ -13064,7 +12803,7 @@
                 </a:spcAft>
                 <a:defRPr/>
               </a:pPr>
-              <a:t>7</a:t>
+              <a:t>5</a:t>
             </a:fld>
             <a:endParaRPr lang="en-US" b="0" dirty="0">
               <a:solidFill>
@@ -13269,10 +13008,17 @@
   <p:clrMapOvr>
     <a:masterClrMapping/>
   </p:clrMapOvr>
+  <p:timing>
+    <p:tnLst>
+      <p:par>
+        <p:cTn id="1" dur="indefinite" restart="never" nodeType="tmRoot"/>
+      </p:par>
+    </p:tnLst>
+  </p:timing>
 </p:sld>
 </file>
 
-<file path=ppt/slides/slide9.xml><?xml version="1.0" encoding="utf-8"?>
+<file path=ppt/slides/slide7.xml><?xml version="1.0" encoding="utf-8"?>
 <p:sld xmlns:a="http://schemas.openxmlformats.org/drawingml/2006/main" xmlns:r="http://schemas.openxmlformats.org/officeDocument/2006/relationships" xmlns:p="http://schemas.openxmlformats.org/presentationml/2006/main">
   <p:cSld>
     <p:spTree>
@@ -13388,7 +13134,7 @@
                 </a:spcAft>
                 <a:defRPr/>
               </a:pPr>
-              <a:t>8</a:t>
+              <a:t>6</a:t>
             </a:fld>
             <a:endParaRPr lang="en-US" b="0" dirty="0">
               <a:solidFill>
@@ -13532,7 +13278,23 @@
                 <a:ea typeface="SimSun" panose="02010600030101010101" pitchFamily="2" charset="-122"/>
                 <a:cs typeface="Times New Roman" panose="02020603050405020304" pitchFamily="18" charset="0"/>
               </a:rPr>
-              <a:t>元素。而指令作用域已有的</a:t>
+              <a:t>元素。而指令作</a:t>
+            </a:r>
+            <a:r>
+              <a:rPr lang="zh-CN" altLang="en-US" sz="2200" b="0" dirty="0" smtClean="0">
+                <a:latin typeface="SimSun" panose="02010600030101010101" pitchFamily="2" charset="-122"/>
+                <a:ea typeface="SimSun" panose="02010600030101010101" pitchFamily="2" charset="-122"/>
+                <a:cs typeface="Times New Roman" panose="02020603050405020304" pitchFamily="18" charset="0"/>
+              </a:rPr>
+              <a:t>用于已</a:t>
+            </a:r>
+            <a:r>
+              <a:rPr lang="zh-CN" altLang="en-US" sz="2200" b="0" dirty="0">
+                <a:latin typeface="SimSun" panose="02010600030101010101" pitchFamily="2" charset="-122"/>
+                <a:ea typeface="SimSun" panose="02010600030101010101" pitchFamily="2" charset="-122"/>
+                <a:cs typeface="Times New Roman" panose="02020603050405020304" pitchFamily="18" charset="0"/>
+              </a:rPr>
+              <a:t>有的</a:t>
             </a:r>
             <a:r>
               <a:rPr lang="en-US" altLang="zh-CN" sz="2200" b="0" dirty="0">
@@ -13682,6 +13444,619 @@
     <p:extLst>
       <p:ext uri="{BB962C8B-B14F-4D97-AF65-F5344CB8AC3E}">
         <p14:creationId xmlns:p14="http://schemas.microsoft.com/office/powerpoint/2010/main" val="1997134921"/>
+      </p:ext>
+    </p:extLst>
+  </p:cSld>
+  <p:clrMapOvr>
+    <a:masterClrMapping/>
+  </p:clrMapOvr>
+</p:sld>
+</file>
+
+<file path=ppt/slides/slide8.xml><?xml version="1.0" encoding="utf-8"?>
+<p:sld xmlns:a="http://schemas.openxmlformats.org/drawingml/2006/main" xmlns:r="http://schemas.openxmlformats.org/officeDocument/2006/relationships" xmlns:p="http://schemas.openxmlformats.org/presentationml/2006/main">
+  <p:cSld>
+    <p:spTree>
+      <p:nvGrpSpPr>
+        <p:cNvPr id="1" name=""/>
+        <p:cNvGrpSpPr/>
+        <p:nvPr/>
+      </p:nvGrpSpPr>
+      <p:grpSpPr>
+        <a:xfrm>
+          <a:off x="0" y="0"/>
+          <a:ext cx="0" cy="0"/>
+          <a:chOff x="0" y="0"/>
+          <a:chExt cx="0" cy="0"/>
+        </a:xfrm>
+      </p:grpSpPr>
+      <p:sp>
+        <p:nvSpPr>
+          <p:cNvPr id="3" name="Title 2"/>
+          <p:cNvSpPr>
+            <a:spLocks noGrp="1"/>
+          </p:cNvSpPr>
+          <p:nvPr>
+            <p:ph type="title"/>
+          </p:nvPr>
+        </p:nvSpPr>
+        <p:spPr/>
+        <p:txBody>
+          <a:bodyPr>
+            <a:normAutofit/>
+          </a:bodyPr>
+          <a:lstStyle/>
+          <a:p>
+            <a:r>
+              <a:rPr lang="zh-CN" altLang="en-US" sz="2800" dirty="0">
+                <a:latin typeface="SimSun" panose="02010600030101010101" pitchFamily="2" charset="-122"/>
+                <a:ea typeface="SimSun" panose="02010600030101010101" pitchFamily="2" charset="-122"/>
+              </a:rPr>
+              <a:t>服务</a:t>
+            </a:r>
+            <a:endParaRPr lang="en-US" sz="2800" dirty="0">
+              <a:latin typeface="SimSun" panose="02010600030101010101" pitchFamily="2" charset="-122"/>
+              <a:ea typeface="SimSun" panose="02010600030101010101" pitchFamily="2" charset="-122"/>
+            </a:endParaRPr>
+          </a:p>
+        </p:txBody>
+      </p:sp>
+      <p:sp>
+        <p:nvSpPr>
+          <p:cNvPr id="4" name="Slide Number Placeholder 3"/>
+          <p:cNvSpPr>
+            <a:spLocks noGrp="1"/>
+          </p:cNvSpPr>
+          <p:nvPr>
+            <p:ph type="sldNum" sz="quarter" idx="4"/>
+          </p:nvPr>
+        </p:nvSpPr>
+        <p:spPr/>
+        <p:txBody>
+          <a:bodyPr/>
+          <a:lstStyle/>
+          <a:p>
+            <a:pPr fontAlgn="auto">
+              <a:spcBef>
+                <a:spcPts val="0"/>
+              </a:spcBef>
+              <a:spcAft>
+                <a:spcPts val="0"/>
+              </a:spcAft>
+              <a:defRPr/>
+            </a:pPr>
+            <a:fld id="{90CBDC3A-D49F-4631-A8C7-55D59B33E5FA}" type="slidenum">
+              <a:rPr lang="en-US" b="0" smtClean="0">
+                <a:solidFill>
+                  <a:srgbClr val="666666"/>
+                </a:solidFill>
+              </a:rPr>
+              <a:pPr fontAlgn="auto">
+                <a:spcBef>
+                  <a:spcPts val="0"/>
+                </a:spcBef>
+                <a:spcAft>
+                  <a:spcPts val="0"/>
+                </a:spcAft>
+                <a:defRPr/>
+              </a:pPr>
+              <a:t>7</a:t>
+            </a:fld>
+            <a:endParaRPr lang="en-US" b="0" dirty="0">
+              <a:solidFill>
+                <a:srgbClr val="666666"/>
+              </a:solidFill>
+            </a:endParaRPr>
+          </a:p>
+        </p:txBody>
+      </p:sp>
+      <p:pic>
+        <p:nvPicPr>
+          <p:cNvPr id="5" name="Picture 4"/>
+          <p:cNvPicPr>
+            <a:picLocks noChangeAspect="1"/>
+          </p:cNvPicPr>
+          <p:nvPr/>
+        </p:nvPicPr>
+        <p:blipFill>
+          <a:blip r:embed="rId2">
+            <a:extLst>
+              <a:ext uri="{28A0092B-C50C-407E-A947-70E740481C1C}">
+                <a14:useLocalDpi xmlns:a14="http://schemas.microsoft.com/office/drawing/2010/main" val="0"/>
+              </a:ext>
+            </a:extLst>
+          </a:blip>
+          <a:stretch>
+            <a:fillRect/>
+          </a:stretch>
+        </p:blipFill>
+        <p:spPr>
+          <a:xfrm>
+            <a:off x="662784" y="1359014"/>
+            <a:ext cx="1533525" cy="1190625"/>
+          </a:xfrm>
+          <a:prstGeom prst="rect">
+            <a:avLst/>
+          </a:prstGeom>
+        </p:spPr>
+      </p:pic>
+      <p:sp>
+        <p:nvSpPr>
+          <p:cNvPr id="8" name="TextBox 7"/>
+          <p:cNvSpPr txBox="1"/>
+          <p:nvPr/>
+        </p:nvSpPr>
+        <p:spPr>
+          <a:xfrm>
+            <a:off x="452568" y="2835557"/>
+            <a:ext cx="8205261" cy="2123658"/>
+          </a:xfrm>
+          <a:prstGeom prst="rect">
+            <a:avLst/>
+          </a:prstGeom>
+          <a:noFill/>
+        </p:spPr>
+        <p:txBody>
+          <a:bodyPr wrap="square" rtlCol="0">
+            <a:spAutoFit/>
+          </a:bodyPr>
+          <a:lstStyle/>
+          <a:p>
+            <a:pPr marL="342900" indent="-342900">
+              <a:buFont typeface="Arial" panose="020B0604020202020204" pitchFamily="34" charset="0"/>
+              <a:buChar char="•"/>
+            </a:pPr>
+            <a:r>
+              <a:rPr lang="zh-CN" altLang="en-US" sz="2200" b="0" dirty="0">
+                <a:latin typeface="SimSun" panose="02010600030101010101" pitchFamily="2" charset="-122"/>
+                <a:ea typeface="SimSun" panose="02010600030101010101" pitchFamily="2" charset="-122"/>
+                <a:cs typeface="Times New Roman" panose="02020603050405020304" pitchFamily="18" charset="0"/>
+              </a:rPr>
+              <a:t>服务是一个很宽泛的定义，</a:t>
+            </a:r>
+            <a:r>
+              <a:rPr lang="ja-JP" altLang="en-US" sz="2200" b="0" dirty="0">
+                <a:latin typeface="SimSun" panose="02010600030101010101" pitchFamily="2" charset="-122"/>
+                <a:ea typeface="SimSun" panose="02010600030101010101" pitchFamily="2" charset="-122"/>
+                <a:cs typeface="Times New Roman" panose="02020603050405020304" pitchFamily="18" charset="0"/>
+              </a:rPr>
+              <a:t>只需要定义一个</a:t>
+            </a:r>
+            <a:r>
+              <a:rPr lang="en-US" sz="2200" b="0" dirty="0">
+                <a:latin typeface="SimSun" panose="02010600030101010101" pitchFamily="2" charset="-122"/>
+                <a:ea typeface="SimSun" panose="02010600030101010101" pitchFamily="2" charset="-122"/>
+                <a:cs typeface="Times New Roman" panose="02020603050405020304" pitchFamily="18" charset="0"/>
+              </a:rPr>
+              <a:t>class，</a:t>
+            </a:r>
+            <a:r>
+              <a:rPr lang="ja-JP" altLang="en-US" sz="2200" b="0" dirty="0">
+                <a:latin typeface="SimSun" panose="02010600030101010101" pitchFamily="2" charset="-122"/>
+                <a:ea typeface="SimSun" panose="02010600030101010101" pitchFamily="2" charset="-122"/>
+                <a:cs typeface="Times New Roman" panose="02020603050405020304" pitchFamily="18" charset="0"/>
+              </a:rPr>
+              <a:t>并把它</a:t>
+            </a:r>
+            <a:r>
+              <a:rPr lang="en-US" sz="2200" b="0" dirty="0">
+                <a:latin typeface="SimSun" panose="02010600030101010101" pitchFamily="2" charset="-122"/>
+                <a:ea typeface="SimSun" panose="02010600030101010101" pitchFamily="2" charset="-122"/>
+                <a:cs typeface="Times New Roman" panose="02020603050405020304" pitchFamily="18" charset="0"/>
+              </a:rPr>
+              <a:t>export</a:t>
+            </a:r>
+            <a:r>
+              <a:rPr lang="ja-JP" altLang="en-US" sz="2200" b="0" dirty="0">
+                <a:latin typeface="SimSun" panose="02010600030101010101" pitchFamily="2" charset="-122"/>
+                <a:ea typeface="SimSun" panose="02010600030101010101" pitchFamily="2" charset="-122"/>
+                <a:cs typeface="Times New Roman" panose="02020603050405020304" pitchFamily="18" charset="0"/>
+              </a:rPr>
+              <a:t>就可以</a:t>
+            </a:r>
+            <a:r>
+              <a:rPr lang="zh-CN" altLang="en-US" sz="2200" b="0" dirty="0">
+                <a:latin typeface="SimSun" panose="02010600030101010101" pitchFamily="2" charset="-122"/>
+                <a:ea typeface="SimSun" panose="02010600030101010101" pitchFamily="2" charset="-122"/>
+                <a:cs typeface="Times New Roman" panose="02020603050405020304" pitchFamily="18" charset="0"/>
+              </a:rPr>
+              <a:t>。</a:t>
+            </a:r>
+            <a:endParaRPr lang="en-US" altLang="ja-JP" sz="2200" b="0" dirty="0">
+              <a:latin typeface="SimSun" panose="02010600030101010101" pitchFamily="2" charset="-122"/>
+              <a:ea typeface="SimSun" panose="02010600030101010101" pitchFamily="2" charset="-122"/>
+              <a:cs typeface="Times New Roman" panose="02020603050405020304" pitchFamily="18" charset="0"/>
+            </a:endParaRPr>
+          </a:p>
+          <a:p>
+            <a:pPr marL="342900" indent="-342900">
+              <a:buFont typeface="Arial" panose="020B0604020202020204" pitchFamily="34" charset="0"/>
+              <a:buChar char="•"/>
+            </a:pPr>
+            <a:endParaRPr lang="en-US" altLang="ja-JP" sz="2200" b="0" dirty="0">
+              <a:latin typeface="SimSun" panose="02010600030101010101" pitchFamily="2" charset="-122"/>
+              <a:ea typeface="SimSun" panose="02010600030101010101" pitchFamily="2" charset="-122"/>
+              <a:cs typeface="Times New Roman" panose="02020603050405020304" pitchFamily="18" charset="0"/>
+            </a:endParaRPr>
+          </a:p>
+          <a:p>
+            <a:pPr marL="342900" indent="-342900">
+              <a:buFont typeface="Arial" panose="020B0604020202020204" pitchFamily="34" charset="0"/>
+              <a:buChar char="•"/>
+            </a:pPr>
+            <a:r>
+              <a:rPr lang="zh-CN" altLang="en-US" sz="2200" b="0" dirty="0">
+                <a:latin typeface="SimSun" panose="02010600030101010101" pitchFamily="2" charset="-122"/>
+                <a:ea typeface="SimSun" panose="02010600030101010101" pitchFamily="2" charset="-122"/>
+                <a:cs typeface="Times New Roman" panose="02020603050405020304" pitchFamily="18" charset="0"/>
+              </a:rPr>
+              <a:t>典型的服务是一个类，具有专注的、明确的用途。</a:t>
+            </a:r>
+            <a:endParaRPr lang="en-US" altLang="ja-JP" sz="2200" b="0" dirty="0">
+              <a:latin typeface="SimSun" panose="02010600030101010101" pitchFamily="2" charset="-122"/>
+              <a:ea typeface="SimSun" panose="02010600030101010101" pitchFamily="2" charset="-122"/>
+              <a:cs typeface="Times New Roman" panose="02020603050405020304" pitchFamily="18" charset="0"/>
+            </a:endParaRPr>
+          </a:p>
+          <a:p>
+            <a:pPr marL="342900" indent="-342900">
+              <a:buFont typeface="Arial" panose="020B0604020202020204" pitchFamily="34" charset="0"/>
+              <a:buChar char="•"/>
+            </a:pPr>
+            <a:endParaRPr lang="en-US" altLang="zh-CN" sz="2200" b="0" dirty="0">
+              <a:latin typeface="SimSun" panose="02010600030101010101" pitchFamily="2" charset="-122"/>
+              <a:ea typeface="SimSun" panose="02010600030101010101" pitchFamily="2" charset="-122"/>
+              <a:cs typeface="Times New Roman" panose="02020603050405020304" pitchFamily="18" charset="0"/>
+            </a:endParaRPr>
+          </a:p>
+          <a:p>
+            <a:pPr marL="342900" indent="-342900">
+              <a:buFont typeface="Arial" panose="020B0604020202020204" pitchFamily="34" charset="0"/>
+              <a:buChar char="•"/>
+            </a:pPr>
+            <a:r>
+              <a:rPr lang="zh-CN" altLang="en-US" sz="2200" b="0" dirty="0">
+                <a:latin typeface="SimSun" panose="02010600030101010101" pitchFamily="2" charset="-122"/>
+                <a:ea typeface="SimSun" panose="02010600030101010101" pitchFamily="2" charset="-122"/>
+                <a:cs typeface="Times New Roman" panose="02020603050405020304" pitchFamily="18" charset="0"/>
+              </a:rPr>
+              <a:t>通过依赖注入，将服务注入进组件中。</a:t>
+            </a:r>
+            <a:endParaRPr lang="en-US" sz="2200" b="0" dirty="0">
+              <a:latin typeface="SimSun" panose="02010600030101010101" pitchFamily="2" charset="-122"/>
+              <a:ea typeface="SimSun" panose="02010600030101010101" pitchFamily="2" charset="-122"/>
+              <a:cs typeface="Times New Roman" panose="02020603050405020304" pitchFamily="18" charset="0"/>
+            </a:endParaRPr>
+          </a:p>
+        </p:txBody>
+      </p:sp>
+      <p:sp>
+        <p:nvSpPr>
+          <p:cNvPr id="6" name="TextBox 5"/>
+          <p:cNvSpPr txBox="1"/>
+          <p:nvPr/>
+        </p:nvSpPr>
+        <p:spPr>
+          <a:xfrm>
+            <a:off x="267494" y="6570473"/>
+            <a:ext cx="3180355" cy="230832"/>
+          </a:xfrm>
+          <a:prstGeom prst="rect">
+            <a:avLst/>
+          </a:prstGeom>
+          <a:noFill/>
+        </p:spPr>
+        <p:txBody>
+          <a:bodyPr wrap="square" lIns="0">
+            <a:spAutoFit/>
+          </a:bodyPr>
+          <a:lstStyle/>
+          <a:p>
+            <a:pPr algn="ctr">
+              <a:defRPr/>
+            </a:pPr>
+            <a:r>
+              <a:rPr lang="en-US" sz="900" dirty="0">
+                <a:solidFill>
+                  <a:srgbClr val="7F7F7F"/>
+                </a:solidFill>
+                <a:latin typeface="Arial" pitchFamily="34" charset="0"/>
+                <a:cs typeface="Arial" pitchFamily="34" charset="0"/>
+              </a:rPr>
+              <a:t>Copyright © 2017 Accenture  All rights reserved.</a:t>
+            </a:r>
+          </a:p>
+        </p:txBody>
+      </p:sp>
+    </p:spTree>
+    <p:extLst>
+      <p:ext uri="{BB962C8B-B14F-4D97-AF65-F5344CB8AC3E}">
+        <p14:creationId xmlns:p14="http://schemas.microsoft.com/office/powerpoint/2010/main" val="2532777584"/>
+      </p:ext>
+    </p:extLst>
+  </p:cSld>
+  <p:clrMapOvr>
+    <a:masterClrMapping/>
+  </p:clrMapOvr>
+</p:sld>
+</file>
+
+<file path=ppt/slides/slide9.xml><?xml version="1.0" encoding="utf-8"?>
+<p:sld xmlns:a="http://schemas.openxmlformats.org/drawingml/2006/main" xmlns:r="http://schemas.openxmlformats.org/officeDocument/2006/relationships" xmlns:p="http://schemas.openxmlformats.org/presentationml/2006/main">
+  <p:cSld>
+    <p:spTree>
+      <p:nvGrpSpPr>
+        <p:cNvPr id="1" name=""/>
+        <p:cNvGrpSpPr/>
+        <p:nvPr/>
+      </p:nvGrpSpPr>
+      <p:grpSpPr>
+        <a:xfrm>
+          <a:off x="0" y="0"/>
+          <a:ext cx="0" cy="0"/>
+          <a:chOff x="0" y="0"/>
+          <a:chExt cx="0" cy="0"/>
+        </a:xfrm>
+      </p:grpSpPr>
+      <p:sp>
+        <p:nvSpPr>
+          <p:cNvPr id="3" name="Title 2"/>
+          <p:cNvSpPr>
+            <a:spLocks noGrp="1"/>
+          </p:cNvSpPr>
+          <p:nvPr>
+            <p:ph type="title"/>
+          </p:nvPr>
+        </p:nvSpPr>
+        <p:spPr/>
+        <p:txBody>
+          <a:bodyPr>
+            <a:normAutofit/>
+          </a:bodyPr>
+          <a:lstStyle/>
+          <a:p>
+            <a:r>
+              <a:rPr lang="zh-CN" altLang="en-US" sz="2800" dirty="0">
+                <a:latin typeface="SimSun" panose="02010600030101010101" pitchFamily="2" charset="-122"/>
+                <a:ea typeface="SimSun" panose="02010600030101010101" pitchFamily="2" charset="-122"/>
+              </a:rPr>
+              <a:t>依赖注入</a:t>
+            </a:r>
+            <a:endParaRPr lang="en-US" sz="2800" dirty="0">
+              <a:latin typeface="SimSun" panose="02010600030101010101" pitchFamily="2" charset="-122"/>
+              <a:ea typeface="SimSun" panose="02010600030101010101" pitchFamily="2" charset="-122"/>
+            </a:endParaRPr>
+          </a:p>
+        </p:txBody>
+      </p:sp>
+      <p:sp>
+        <p:nvSpPr>
+          <p:cNvPr id="4" name="Slide Number Placeholder 3"/>
+          <p:cNvSpPr>
+            <a:spLocks noGrp="1"/>
+          </p:cNvSpPr>
+          <p:nvPr>
+            <p:ph type="sldNum" sz="quarter" idx="4"/>
+          </p:nvPr>
+        </p:nvSpPr>
+        <p:spPr/>
+        <p:txBody>
+          <a:bodyPr/>
+          <a:lstStyle/>
+          <a:p>
+            <a:pPr fontAlgn="auto">
+              <a:spcBef>
+                <a:spcPts val="0"/>
+              </a:spcBef>
+              <a:spcAft>
+                <a:spcPts val="0"/>
+              </a:spcAft>
+              <a:defRPr/>
+            </a:pPr>
+            <a:fld id="{90CBDC3A-D49F-4631-A8C7-55D59B33E5FA}" type="slidenum">
+              <a:rPr lang="en-US" b="0" smtClean="0">
+                <a:solidFill>
+                  <a:srgbClr val="666666"/>
+                </a:solidFill>
+              </a:rPr>
+              <a:pPr fontAlgn="auto">
+                <a:spcBef>
+                  <a:spcPts val="0"/>
+                </a:spcBef>
+                <a:spcAft>
+                  <a:spcPts val="0"/>
+                </a:spcAft>
+                <a:defRPr/>
+              </a:pPr>
+              <a:t>8</a:t>
+            </a:fld>
+            <a:endParaRPr lang="en-US" b="0" dirty="0">
+              <a:solidFill>
+                <a:srgbClr val="666666"/>
+              </a:solidFill>
+            </a:endParaRPr>
+          </a:p>
+        </p:txBody>
+      </p:sp>
+      <p:sp>
+        <p:nvSpPr>
+          <p:cNvPr id="6" name="TextBox 5"/>
+          <p:cNvSpPr txBox="1"/>
+          <p:nvPr/>
+        </p:nvSpPr>
+        <p:spPr>
+          <a:xfrm>
+            <a:off x="452568" y="3462556"/>
+            <a:ext cx="8310432" cy="2123658"/>
+          </a:xfrm>
+          <a:prstGeom prst="rect">
+            <a:avLst/>
+          </a:prstGeom>
+          <a:noFill/>
+        </p:spPr>
+        <p:txBody>
+          <a:bodyPr wrap="square" rtlCol="0">
+            <a:spAutoFit/>
+          </a:bodyPr>
+          <a:lstStyle/>
+          <a:p>
+            <a:r>
+              <a:rPr lang="zh-CN" altLang="en-US" sz="2200" b="0" dirty="0">
+                <a:latin typeface="SimSun" panose="02010600030101010101" pitchFamily="2" charset="-122"/>
+                <a:ea typeface="SimSun" panose="02010600030101010101" pitchFamily="2" charset="-122"/>
+                <a:cs typeface="Times New Roman" panose="02020603050405020304" pitchFamily="18" charset="0"/>
+              </a:rPr>
+              <a:t>当 </a:t>
+            </a:r>
+            <a:r>
+              <a:rPr lang="en-US" altLang="zh-CN" sz="2200" b="0" dirty="0">
+                <a:latin typeface="SimSun" panose="02010600030101010101" pitchFamily="2" charset="-122"/>
+                <a:ea typeface="SimSun" panose="02010600030101010101" pitchFamily="2" charset="-122"/>
+                <a:cs typeface="Times New Roman" panose="02020603050405020304" pitchFamily="18" charset="0"/>
+              </a:rPr>
+              <a:t>Angular </a:t>
+            </a:r>
+            <a:r>
+              <a:rPr lang="zh-CN" altLang="en-US" sz="2200" b="0" dirty="0">
+                <a:latin typeface="SimSun" panose="02010600030101010101" pitchFamily="2" charset="-122"/>
+                <a:ea typeface="SimSun" panose="02010600030101010101" pitchFamily="2" charset="-122"/>
+                <a:cs typeface="Times New Roman" panose="02020603050405020304" pitchFamily="18" charset="0"/>
+              </a:rPr>
+              <a:t>创建组件时，会首先为组件所需的服务请求一个         注入器 </a:t>
+            </a:r>
+            <a:r>
+              <a:rPr lang="en-US" altLang="zh-CN" sz="2200" b="0" dirty="0">
+                <a:latin typeface="SimSun" panose="02010600030101010101" pitchFamily="2" charset="-122"/>
+                <a:ea typeface="SimSun" panose="02010600030101010101" pitchFamily="2" charset="-122"/>
+                <a:cs typeface="Times New Roman" panose="02020603050405020304" pitchFamily="18" charset="0"/>
+              </a:rPr>
+              <a:t>(injector)</a:t>
+            </a:r>
+            <a:r>
+              <a:rPr lang="zh-CN" altLang="en-US" sz="2200" b="0" dirty="0">
+                <a:latin typeface="SimSun" panose="02010600030101010101" pitchFamily="2" charset="-122"/>
+                <a:ea typeface="SimSun" panose="02010600030101010101" pitchFamily="2" charset="-122"/>
+                <a:cs typeface="Times New Roman" panose="02020603050405020304" pitchFamily="18" charset="0"/>
+              </a:rPr>
+              <a:t>。</a:t>
+            </a:r>
+            <a:endParaRPr lang="en-US" altLang="zh-CN" sz="2200" b="0" dirty="0">
+              <a:latin typeface="SimSun" panose="02010600030101010101" pitchFamily="2" charset="-122"/>
+              <a:ea typeface="SimSun" panose="02010600030101010101" pitchFamily="2" charset="-122"/>
+              <a:cs typeface="Times New Roman" panose="02020603050405020304" pitchFamily="18" charset="0"/>
+            </a:endParaRPr>
+          </a:p>
+          <a:p>
+            <a:endParaRPr lang="zh-CN" altLang="en-US" sz="2200" b="0" dirty="0">
+              <a:latin typeface="SimSun" panose="02010600030101010101" pitchFamily="2" charset="-122"/>
+              <a:ea typeface="SimSun" panose="02010600030101010101" pitchFamily="2" charset="-122"/>
+              <a:cs typeface="Times New Roman" panose="02020603050405020304" pitchFamily="18" charset="0"/>
+            </a:endParaRPr>
+          </a:p>
+          <a:p>
+            <a:r>
+              <a:rPr lang="zh-CN" altLang="en-US" sz="2200" b="0" dirty="0">
+                <a:latin typeface="SimSun" panose="02010600030101010101" pitchFamily="2" charset="-122"/>
+                <a:ea typeface="SimSun" panose="02010600030101010101" pitchFamily="2" charset="-122"/>
+                <a:cs typeface="Times New Roman" panose="02020603050405020304" pitchFamily="18" charset="0"/>
+              </a:rPr>
+              <a:t>注入器维护了一个服务实例的容器，存放着以前创建的实例。 如果所请求的服务实例不在容器中，注入器就会创建一个服务实例，并且添加到容器中，然后把这个服务返回给</a:t>
+            </a:r>
+            <a:r>
+              <a:rPr lang="en-US" altLang="zh-CN" sz="2200" b="0" dirty="0">
+                <a:latin typeface="SimSun" panose="02010600030101010101" pitchFamily="2" charset="-122"/>
+                <a:ea typeface="SimSun" panose="02010600030101010101" pitchFamily="2" charset="-122"/>
+                <a:cs typeface="Times New Roman" panose="02020603050405020304" pitchFamily="18" charset="0"/>
+              </a:rPr>
+              <a:t>Angular</a:t>
+            </a:r>
+            <a:r>
+              <a:rPr lang="zh-CN" altLang="en-US" sz="2200" b="0" dirty="0">
+                <a:latin typeface="SimSun" panose="02010600030101010101" pitchFamily="2" charset="-122"/>
+                <a:ea typeface="SimSun" panose="02010600030101010101" pitchFamily="2" charset="-122"/>
+                <a:cs typeface="Times New Roman" panose="02020603050405020304" pitchFamily="18" charset="0"/>
+              </a:rPr>
+              <a:t>。</a:t>
+            </a:r>
+            <a:endParaRPr lang="en-US" altLang="zh-CN" sz="2200" b="0" dirty="0">
+              <a:latin typeface="SimSun" panose="02010600030101010101" pitchFamily="2" charset="-122"/>
+              <a:ea typeface="SimSun" panose="02010600030101010101" pitchFamily="2" charset="-122"/>
+              <a:cs typeface="Times New Roman" panose="02020603050405020304" pitchFamily="18" charset="0"/>
+            </a:endParaRPr>
+          </a:p>
+        </p:txBody>
+      </p:sp>
+      <p:pic>
+        <p:nvPicPr>
+          <p:cNvPr id="8" name="Content Placeholder 7"/>
+          <p:cNvPicPr>
+            <a:picLocks noGrp="1" noChangeAspect="1"/>
+          </p:cNvPicPr>
+          <p:nvPr>
+            <p:ph sz="quarter" idx="12"/>
+          </p:nvPr>
+        </p:nvPicPr>
+        <p:blipFill>
+          <a:blip r:embed="rId2">
+            <a:extLst>
+              <a:ext uri="{28A0092B-C50C-407E-A947-70E740481C1C}">
+                <a14:useLocalDpi xmlns:a14="http://schemas.microsoft.com/office/drawing/2010/main" val="0"/>
+              </a:ext>
+            </a:extLst>
+          </a:blip>
+          <a:stretch>
+            <a:fillRect/>
+          </a:stretch>
+        </p:blipFill>
+        <p:spPr>
+          <a:xfrm>
+            <a:off x="452568" y="1242281"/>
+            <a:ext cx="4562475" cy="2076450"/>
+          </a:xfrm>
+        </p:spPr>
+      </p:pic>
+      <p:sp>
+        <p:nvSpPr>
+          <p:cNvPr id="7" name="TextBox 6"/>
+          <p:cNvSpPr txBox="1"/>
+          <p:nvPr/>
+        </p:nvSpPr>
+        <p:spPr>
+          <a:xfrm>
+            <a:off x="267494" y="6570473"/>
+            <a:ext cx="3180355" cy="230832"/>
+          </a:xfrm>
+          <a:prstGeom prst="rect">
+            <a:avLst/>
+          </a:prstGeom>
+          <a:noFill/>
+        </p:spPr>
+        <p:txBody>
+          <a:bodyPr wrap="square" lIns="0">
+            <a:spAutoFit/>
+          </a:bodyPr>
+          <a:lstStyle/>
+          <a:p>
+            <a:pPr algn="ctr">
+              <a:defRPr/>
+            </a:pPr>
+            <a:r>
+              <a:rPr lang="en-US" sz="900" dirty="0">
+                <a:solidFill>
+                  <a:srgbClr val="7F7F7F"/>
+                </a:solidFill>
+                <a:latin typeface="Arial" pitchFamily="34" charset="0"/>
+                <a:cs typeface="Arial" pitchFamily="34" charset="0"/>
+              </a:rPr>
+              <a:t>Copyright © 2017 Accenture  All rights reserved.</a:t>
+            </a:r>
+          </a:p>
+        </p:txBody>
+      </p:sp>
+    </p:spTree>
+    <p:extLst>
+      <p:ext uri="{BB962C8B-B14F-4D97-AF65-F5344CB8AC3E}">
+        <p14:creationId xmlns:p14="http://schemas.microsoft.com/office/powerpoint/2010/main" val="3434907796"/>
       </p:ext>
     </p:extLst>
   </p:cSld>
@@ -14519,31 +14894,6 @@
 </file>
 
 <file path=customXml/item1.xml><?xml version="1.0" encoding="utf-8"?>
-<?mso-contentType ?>
-<FormTemplates xmlns="http://schemas.microsoft.com/sharepoint/v3/contenttype/forms">
-  <Display>DocumentLibraryForm</Display>
-  <Edit>DocumentLibraryForm</Edit>
-  <New>DocumentLibraryForm</New>
-</FormTemplates>
-</file>
-
-<file path=customXml/item2.xml><?xml version="1.0" encoding="utf-8"?>
-<p:properties xmlns:p="http://schemas.microsoft.com/office/2006/metadata/properties" xmlns:xsi="http://www.w3.org/2001/XMLSchema-instance" xmlns:pc="http://schemas.microsoft.com/office/infopath/2007/PartnerControls">
-  <documentManagement>
-    <TemplateUrl xmlns="http://schemas.microsoft.com/sharepoint/v3" xsi:nil="true"/>
-    <_SourceUrl xmlns="http://schemas.microsoft.com/sharepoint/v3" xsi:nil="true"/>
-    <Comments0 xmlns="C6B13D8A-F6C8-4777-9906-93DFDA163C9A" xsi:nil="true"/>
-    <xd_ProgID xmlns="http://schemas.microsoft.com/sharepoint/v3" xsi:nil="true"/>
-    <test xmlns="C6B13D8A-F6C8-4777-9906-93DFDA163C9A" xsi:nil="true"/>
-    <Order xmlns="http://schemas.microsoft.com/sharepoint/v3" xsi:nil="true"/>
-    <_SharedFileIndex xmlns="http://schemas.microsoft.com/sharepoint/v3" xsi:nil="true"/>
-    <MetaInfo xmlns="http://schemas.microsoft.com/sharepoint/v3" xsi:nil="true"/>
-    <ContentTypeId xmlns="http://schemas.microsoft.com/sharepoint/v3">0x0101008A3DB1C6C8F67747990693DFDA163C9A</ContentTypeId>
-  </documentManagement>
-</p:properties>
-</file>
-
-<file path=customXml/item3.xml><?xml version="1.0" encoding="utf-8"?>
 <ct:contentTypeSchema xmlns:ct="http://schemas.microsoft.com/office/2006/metadata/contentType" xmlns:ma="http://schemas.microsoft.com/office/2006/metadata/properties/metaAttributes" ct:_="" ma:_="" ma:contentTypeName="Document" ma:contentTypeID="0x0101008A3DB1C6C8F67747990693DFDA163C9A" ma:contentTypeVersion="0" ma:contentTypeDescription="Create a new document." ma:contentTypeScope="" ma:versionID="c53e8d4c718320ba5c01db3429b48e01">
   <xsd:schema xmlns:xsd="http://www.w3.org/2001/XMLSchema" xmlns:xs="http://www.w3.org/2001/XMLSchema" xmlns:p="http://schemas.microsoft.com/office/2006/metadata/properties" xmlns:ns1="http://schemas.microsoft.com/sharepoint/v3" xmlns:ns2="C6B13D8A-F6C8-4777-9906-93DFDA163C9A" targetNamespace="http://schemas.microsoft.com/office/2006/metadata/properties" ma:root="true" ma:fieldsID="10d7d5cf4be4c05f12ebb16474ba6c35" ns1:_="" ns2:_="">
     <xsd:import namespace="http://schemas.microsoft.com/sharepoint/v3"/>
@@ -15014,10 +15364,46 @@
 </ct:contentTypeSchema>
 </file>
 
+<file path=customXml/item2.xml><?xml version="1.0" encoding="utf-8"?>
+<p:properties xmlns:p="http://schemas.microsoft.com/office/2006/metadata/properties" xmlns:xsi="http://www.w3.org/2001/XMLSchema-instance" xmlns:pc="http://schemas.microsoft.com/office/infopath/2007/PartnerControls">
+  <documentManagement>
+    <TemplateUrl xmlns="http://schemas.microsoft.com/sharepoint/v3" xsi:nil="true"/>
+    <_SourceUrl xmlns="http://schemas.microsoft.com/sharepoint/v3" xsi:nil="true"/>
+    <Comments0 xmlns="C6B13D8A-F6C8-4777-9906-93DFDA163C9A" xsi:nil="true"/>
+    <xd_ProgID xmlns="http://schemas.microsoft.com/sharepoint/v3" xsi:nil="true"/>
+    <test xmlns="C6B13D8A-F6C8-4777-9906-93DFDA163C9A" xsi:nil="true"/>
+    <Order xmlns="http://schemas.microsoft.com/sharepoint/v3" xsi:nil="true"/>
+    <_SharedFileIndex xmlns="http://schemas.microsoft.com/sharepoint/v3" xsi:nil="true"/>
+    <MetaInfo xmlns="http://schemas.microsoft.com/sharepoint/v3" xsi:nil="true"/>
+    <ContentTypeId xmlns="http://schemas.microsoft.com/sharepoint/v3">0x0101008A3DB1C6C8F67747990693DFDA163C9A</ContentTypeId>
+  </documentManagement>
+</p:properties>
+</file>
+
+<file path=customXml/item3.xml><?xml version="1.0" encoding="utf-8"?>
+<?mso-contentType ?>
+<FormTemplates xmlns="http://schemas.microsoft.com/sharepoint/v3/contenttype/forms">
+  <Display>DocumentLibraryForm</Display>
+  <Edit>DocumentLibraryForm</Edit>
+  <New>DocumentLibraryForm</New>
+</FormTemplates>
+</file>
+
 <file path=customXml/itemProps1.xml><?xml version="1.0" encoding="utf-8"?>
-<ds:datastoreItem xmlns:ds="http://schemas.openxmlformats.org/officeDocument/2006/customXml" ds:itemID="{6268566E-43AA-4A68-BD58-84AB4DF5B82A}">
+<ds:datastoreItem xmlns:ds="http://schemas.openxmlformats.org/officeDocument/2006/customXml" ds:itemID="{CC4C9FB6-25E4-4D1F-A1E8-D3497EBEE75E}">
   <ds:schemaRefs>
-    <ds:schemaRef ds:uri="http://schemas.microsoft.com/sharepoint/v3/contenttype/forms"/>
+    <ds:schemaRef ds:uri="http://schemas.microsoft.com/office/2006/metadata/contentType"/>
+    <ds:schemaRef ds:uri="http://schemas.microsoft.com/office/2006/metadata/properties/metaAttributes"/>
+    <ds:schemaRef ds:uri="http://www.w3.org/2001/XMLSchema"/>
+    <ds:schemaRef ds:uri="http://schemas.microsoft.com/office/2006/metadata/properties"/>
+    <ds:schemaRef ds:uri="http://schemas.microsoft.com/sharepoint/v3"/>
+    <ds:schemaRef ds:uri="C6B13D8A-F6C8-4777-9906-93DFDA163C9A"/>
+    <ds:schemaRef ds:uri="http://schemas.microsoft.com/office/2006/documentManagement/types"/>
+    <ds:schemaRef ds:uri="http://schemas.microsoft.com/office/infopath/2007/PartnerControls"/>
+    <ds:schemaRef ds:uri="http://schemas.openxmlformats.org/package/2006/metadata/core-properties"/>
+    <ds:schemaRef ds:uri="http://purl.org/dc/elements/1.1/"/>
+    <ds:schemaRef ds:uri="http://purl.org/dc/terms/"/>
+    <ds:schemaRef ds:uri="http://schemas.microsoft.com/internal/obd"/>
   </ds:schemaRefs>
 </ds:datastoreItem>
 </file>
@@ -15034,20 +15420,9 @@
 </file>
 
 <file path=customXml/itemProps3.xml><?xml version="1.0" encoding="utf-8"?>
-<ds:datastoreItem xmlns:ds="http://schemas.openxmlformats.org/officeDocument/2006/customXml" ds:itemID="{CC4C9FB6-25E4-4D1F-A1E8-D3497EBEE75E}">
+<ds:datastoreItem xmlns:ds="http://schemas.openxmlformats.org/officeDocument/2006/customXml" ds:itemID="{6268566E-43AA-4A68-BD58-84AB4DF5B82A}">
   <ds:schemaRefs>
-    <ds:schemaRef ds:uri="http://schemas.microsoft.com/office/2006/metadata/contentType"/>
-    <ds:schemaRef ds:uri="http://schemas.microsoft.com/office/2006/metadata/properties/metaAttributes"/>
-    <ds:schemaRef ds:uri="http://www.w3.org/2001/XMLSchema"/>
-    <ds:schemaRef ds:uri="http://schemas.microsoft.com/office/2006/metadata/properties"/>
-    <ds:schemaRef ds:uri="http://schemas.microsoft.com/sharepoint/v3"/>
-    <ds:schemaRef ds:uri="C6B13D8A-F6C8-4777-9906-93DFDA163C9A"/>
-    <ds:schemaRef ds:uri="http://schemas.microsoft.com/office/2006/documentManagement/types"/>
-    <ds:schemaRef ds:uri="http://schemas.microsoft.com/office/infopath/2007/PartnerControls"/>
-    <ds:schemaRef ds:uri="http://schemas.openxmlformats.org/package/2006/metadata/core-properties"/>
-    <ds:schemaRef ds:uri="http://purl.org/dc/elements/1.1/"/>
-    <ds:schemaRef ds:uri="http://purl.org/dc/terms/"/>
-    <ds:schemaRef ds:uri="http://schemas.microsoft.com/internal/obd"/>
+    <ds:schemaRef ds:uri="http://schemas.microsoft.com/sharepoint/v3/contenttype/forms"/>
   </ds:schemaRefs>
 </ds:datastoreItem>
 </file>
--- a/PPT/03-Accenture-FS-Angular-Framework.pptx
+++ b/PPT/03-Accenture-FS-Angular-Framework.pptx
@@ -5,10 +5,10 @@
     <p:sldMasterId id="2147483774" r:id="rId4"/>
   </p:sldMasterIdLst>
   <p:notesMasterIdLst>
-    <p:notesMasterId r:id="rId20"/>
+    <p:notesMasterId r:id="rId25"/>
   </p:notesMasterIdLst>
   <p:handoutMasterIdLst>
-    <p:handoutMasterId r:id="rId21"/>
+    <p:handoutMasterId r:id="rId26"/>
   </p:handoutMasterIdLst>
   <p:sldIdLst>
     <p:sldId id="259" r:id="rId5"/>
@@ -24,13 +24,18 @@
     <p:sldId id="453" r:id="rId15"/>
     <p:sldId id="451" r:id="rId16"/>
     <p:sldId id="452" r:id="rId17"/>
-    <p:sldId id="454" r:id="rId18"/>
-    <p:sldId id="388" r:id="rId19"/>
+    <p:sldId id="456" r:id="rId18"/>
+    <p:sldId id="457" r:id="rId19"/>
+    <p:sldId id="458" r:id="rId20"/>
+    <p:sldId id="459" r:id="rId21"/>
+    <p:sldId id="460" r:id="rId22"/>
+    <p:sldId id="454" r:id="rId23"/>
+    <p:sldId id="388" r:id="rId24"/>
   </p:sldIdLst>
   <p:sldSz cx="9144000" cy="6858000" type="screen4x3"/>
   <p:notesSz cx="7099300" cy="10234613"/>
   <p:custDataLst>
-    <p:tags r:id="rId22"/>
+    <p:tags r:id="rId27"/>
   </p:custDataLst>
   <p:defaultTextStyle>
     <a:defPPr>
@@ -3432,7 +3437,7 @@
             <a:fld id="{50C5752E-C29B-490E-BA18-43D3637E4506}" type="slidenum">
               <a:rPr lang="en-GB" sz="800" b="0"/>
               <a:pPr algn="r"/>
-              <a:t>14</a:t>
+              <a:t>19</a:t>
             </a:fld>
             <a:endParaRPr lang="en-GB" sz="800" b="0"/>
           </a:p>
@@ -9345,12 +9350,20 @@
           <a:lstStyle/>
           <a:p>
             <a:r>
-              <a:rPr lang="en-US" sz="2200" dirty="0">
+              <a:rPr lang="en-US" sz="2200" dirty="0" smtClean="0">
                 <a:latin typeface="SimSun" panose="02010600030101010101" pitchFamily="2" charset="-122"/>
                 <a:ea typeface="SimSun" panose="02010600030101010101" pitchFamily="2" charset="-122"/>
                 <a:cs typeface="Times New Roman" panose="02020603050405020304" pitchFamily="18" charset="0"/>
               </a:rPr>
-              <a:t>Angular </a:t>
+              <a:t>Angular</a:t>
+            </a:r>
+            <a:r>
+              <a:rPr lang="ja-JP" altLang="en-US" sz="2200" dirty="0" smtClean="0">
+                <a:latin typeface="SimSun" panose="02010600030101010101" pitchFamily="2" charset="-122"/>
+                <a:ea typeface="SimSun" panose="02010600030101010101" pitchFamily="2" charset="-122"/>
+                <a:cs typeface="Times New Roman" panose="02020603050405020304" pitchFamily="18" charset="0"/>
+              </a:rPr>
+              <a:t>应</a:t>
             </a:r>
             <a:r>
               <a:rPr lang="ja-JP" altLang="en-US" sz="2200" dirty="0">
@@ -9358,7 +9371,7 @@
                 <a:ea typeface="SimSun" panose="02010600030101010101" pitchFamily="2" charset="-122"/>
                 <a:cs typeface="Times New Roman" panose="02020603050405020304" pitchFamily="18" charset="0"/>
               </a:rPr>
-              <a:t>应用是模块化的，并且</a:t>
+              <a:t>用是模块化的，并且</a:t>
             </a:r>
             <a:r>
               <a:rPr lang="en-US" sz="2200" dirty="0">
@@ -9457,12 +9470,20 @@
           </a:p>
           <a:p>
             <a:r>
-              <a:rPr lang="en-US" sz="2200" dirty="0">
+              <a:rPr lang="en-US" sz="2200" dirty="0" smtClean="0">
                 <a:latin typeface="SimSun" panose="02010600030101010101" pitchFamily="2" charset="-122"/>
                 <a:ea typeface="SimSun" panose="02010600030101010101" pitchFamily="2" charset="-122"/>
                 <a:cs typeface="Times New Roman" panose="02020603050405020304" pitchFamily="18" charset="0"/>
               </a:rPr>
-              <a:t>Angular </a:t>
+              <a:t>Angular</a:t>
+            </a:r>
+            <a:r>
+              <a:rPr lang="ja-JP" altLang="en-US" sz="2200" dirty="0" smtClean="0">
+                <a:latin typeface="SimSun" panose="02010600030101010101" pitchFamily="2" charset="-122"/>
+                <a:ea typeface="SimSun" panose="02010600030101010101" pitchFamily="2" charset="-122"/>
+                <a:cs typeface="Times New Roman" panose="02020603050405020304" pitchFamily="18" charset="0"/>
+              </a:rPr>
+              <a:t>模</a:t>
             </a:r>
             <a:r>
               <a:rPr lang="ja-JP" altLang="en-US" sz="2200" dirty="0">
@@ -9470,7 +9491,7 @@
                 <a:ea typeface="SimSun" panose="02010600030101010101" pitchFamily="2" charset="-122"/>
                 <a:cs typeface="Times New Roman" panose="02020603050405020304" pitchFamily="18" charset="0"/>
               </a:rPr>
-              <a:t>模块（无论是根模块还是特性模块）都是一个带有</a:t>
+              <a:t>块（无论是根模块还是特性模块）都是一个带有</a:t>
             </a:r>
             <a:r>
               <a:rPr lang="en-US" altLang="ja-JP" sz="2200" dirty="0">
@@ -10419,6 +10440,139 @@
       </p:grpSpPr>
       <p:sp>
         <p:nvSpPr>
+          <p:cNvPr id="2" name="Content Placeholder 1"/>
+          <p:cNvSpPr>
+            <a:spLocks noGrp="1"/>
+          </p:cNvSpPr>
+          <p:nvPr>
+            <p:ph sz="quarter" idx="12"/>
+          </p:nvPr>
+        </p:nvSpPr>
+        <p:spPr/>
+        <p:txBody>
+          <a:bodyPr>
+            <a:normAutofit/>
+          </a:bodyPr>
+          <a:lstStyle/>
+          <a:p>
+            <a:r>
+              <a:rPr lang="zh-CN" altLang="en-US" sz="2200" dirty="0" smtClean="0">
+                <a:latin typeface="SimSun" panose="02010600030101010101" pitchFamily="2" charset="-122"/>
+                <a:ea typeface="SimSun" panose="02010600030101010101" pitchFamily="2" charset="-122"/>
+              </a:rPr>
+              <a:t>每个</a:t>
+            </a:r>
+            <a:r>
+              <a:rPr lang="en-US" altLang="zh-CN" sz="2200" dirty="0" smtClean="0">
+                <a:latin typeface="SimSun" panose="02010600030101010101" pitchFamily="2" charset="-122"/>
+                <a:ea typeface="SimSun" panose="02010600030101010101" pitchFamily="2" charset="-122"/>
+              </a:rPr>
+              <a:t>Angular</a:t>
+            </a:r>
+            <a:r>
+              <a:rPr lang="zh-CN" altLang="en-US" sz="2200" dirty="0" smtClean="0">
+                <a:latin typeface="SimSun" panose="02010600030101010101" pitchFamily="2" charset="-122"/>
+                <a:ea typeface="SimSun" panose="02010600030101010101" pitchFamily="2" charset="-122"/>
+              </a:rPr>
+              <a:t>应</a:t>
+            </a:r>
+            <a:r>
+              <a:rPr lang="zh-CN" altLang="en-US" sz="2200" dirty="0">
+                <a:latin typeface="SimSun" panose="02010600030101010101" pitchFamily="2" charset="-122"/>
+                <a:ea typeface="SimSun" panose="02010600030101010101" pitchFamily="2" charset="-122"/>
+              </a:rPr>
+              <a:t>用程序在运行前，都需要经历一个编译的阶段</a:t>
+            </a:r>
+            <a:r>
+              <a:rPr lang="zh-CN" altLang="en-US" sz="2200" dirty="0" smtClean="0">
+                <a:latin typeface="SimSun" panose="02010600030101010101" pitchFamily="2" charset="-122"/>
+                <a:ea typeface="SimSun" panose="02010600030101010101" pitchFamily="2" charset="-122"/>
+              </a:rPr>
+              <a:t>。</a:t>
+            </a:r>
+            <a:endParaRPr lang="en-US" altLang="zh-CN" sz="2200" dirty="0" smtClean="0">
+              <a:latin typeface="SimSun" panose="02010600030101010101" pitchFamily="2" charset="-122"/>
+              <a:ea typeface="SimSun" panose="02010600030101010101" pitchFamily="2" charset="-122"/>
+            </a:endParaRPr>
+          </a:p>
+          <a:p>
+            <a:r>
+              <a:rPr lang="ja-JP" altLang="en-US" sz="2200" dirty="0" smtClean="0">
+                <a:latin typeface="SimSun" panose="02010600030101010101" pitchFamily="2" charset="-122"/>
+                <a:ea typeface="SimSun" panose="02010600030101010101" pitchFamily="2" charset="-122"/>
+              </a:rPr>
+              <a:t>在</a:t>
+            </a:r>
+            <a:r>
+              <a:rPr lang="en-US" sz="2200" dirty="0" smtClean="0">
+                <a:latin typeface="SimSun" panose="02010600030101010101" pitchFamily="2" charset="-122"/>
+                <a:ea typeface="SimSun" panose="02010600030101010101" pitchFamily="2" charset="-122"/>
+              </a:rPr>
+              <a:t>Angular4</a:t>
+            </a:r>
+            <a:r>
+              <a:rPr lang="ja-JP" altLang="en-US" sz="2200" dirty="0" smtClean="0">
+                <a:latin typeface="SimSun" panose="02010600030101010101" pitchFamily="2" charset="-122"/>
+                <a:ea typeface="SimSun" panose="02010600030101010101" pitchFamily="2" charset="-122"/>
+              </a:rPr>
+              <a:t>中</a:t>
+            </a:r>
+            <a:r>
+              <a:rPr lang="ja-JP" altLang="en-US" sz="2200" dirty="0">
+                <a:latin typeface="SimSun" panose="02010600030101010101" pitchFamily="2" charset="-122"/>
+                <a:ea typeface="SimSun" panose="02010600030101010101" pitchFamily="2" charset="-122"/>
+              </a:rPr>
+              <a:t>有两种编译模式</a:t>
+            </a:r>
+            <a:r>
+              <a:rPr lang="ja-JP" altLang="en-US" sz="2200" dirty="0" smtClean="0">
+                <a:latin typeface="SimSun" panose="02010600030101010101" pitchFamily="2" charset="-122"/>
+                <a:ea typeface="SimSun" panose="02010600030101010101" pitchFamily="2" charset="-122"/>
+              </a:rPr>
+              <a:t>：</a:t>
+            </a:r>
+            <a:endParaRPr lang="ja-JP" altLang="en-US" sz="2200" dirty="0">
+              <a:latin typeface="SimSun" panose="02010600030101010101" pitchFamily="2" charset="-122"/>
+              <a:ea typeface="SimSun" panose="02010600030101010101" pitchFamily="2" charset="-122"/>
+            </a:endParaRPr>
+          </a:p>
+          <a:p>
+            <a:pPr lvl="1">
+              <a:buFont typeface="Wingdings" panose="05000000000000000000" pitchFamily="2" charset="2"/>
+              <a:buChar char="v"/>
+            </a:pPr>
+            <a:r>
+              <a:rPr lang="en-US" sz="2000" dirty="0">
+                <a:latin typeface="SimSun" panose="02010600030101010101" pitchFamily="2" charset="-122"/>
+                <a:ea typeface="SimSun" panose="02010600030101010101" pitchFamily="2" charset="-122"/>
+              </a:rPr>
+              <a:t>JIT - Just-In-Time</a:t>
+            </a:r>
+          </a:p>
+          <a:p>
+            <a:pPr lvl="1">
+              <a:buFont typeface="Wingdings" panose="05000000000000000000" pitchFamily="2" charset="2"/>
+              <a:buChar char="v"/>
+            </a:pPr>
+            <a:r>
+              <a:rPr lang="en-US" sz="2000" dirty="0">
+                <a:latin typeface="SimSun" panose="02010600030101010101" pitchFamily="2" charset="-122"/>
+                <a:ea typeface="SimSun" panose="02010600030101010101" pitchFamily="2" charset="-122"/>
+              </a:rPr>
+              <a:t>AOT - </a:t>
+            </a:r>
+            <a:r>
+              <a:rPr lang="en-US" sz="2000" dirty="0" smtClean="0">
+                <a:latin typeface="SimSun" panose="02010600030101010101" pitchFamily="2" charset="-122"/>
+                <a:ea typeface="SimSun" panose="02010600030101010101" pitchFamily="2" charset="-122"/>
+              </a:rPr>
+              <a:t>Ahead-Of-Time</a:t>
+            </a:r>
+          </a:p>
+        </p:txBody>
+      </p:sp>
+      <p:sp>
+        <p:nvSpPr>
           <p:cNvPr id="3" name="Title 2"/>
           <p:cNvSpPr>
             <a:spLocks noGrp="1"/>
@@ -10435,13 +10589,13 @@
           <a:lstStyle/>
           <a:p>
             <a:r>
-              <a:rPr lang="zh-CN" altLang="en-US" sz="2800" b="0" dirty="0">
-                <a:latin typeface="SimSun" panose="02010600030101010101" pitchFamily="2" charset="-122"/>
-                <a:ea typeface="SimSun" panose="02010600030101010101" pitchFamily="2" charset="-122"/>
-              </a:rPr>
-              <a:t>作业与练习</a:t>
-            </a:r>
-            <a:endParaRPr lang="en-US" sz="2800" b="0" dirty="0">
+              <a:rPr lang="en-US" sz="2800" dirty="0" smtClean="0">
+                <a:latin typeface="SimSun" panose="02010600030101010101" pitchFamily="2" charset="-122"/>
+                <a:ea typeface="SimSun" panose="02010600030101010101" pitchFamily="2" charset="-122"/>
+              </a:rPr>
+              <a:t>JIT VS AOT</a:t>
+            </a:r>
+            <a:endParaRPr lang="en-US" sz="2800" dirty="0">
               <a:latin typeface="SimSun" panose="02010600030101010101" pitchFamily="2" charset="-122"/>
               <a:ea typeface="SimSun" panose="02010600030101010101" pitchFamily="2" charset="-122"/>
             </a:endParaRPr>
@@ -10488,6 +10642,1986 @@
                 <a:defRPr/>
               </a:pPr>
               <a:t>13</a:t>
+            </a:fld>
+            <a:endParaRPr lang="en-US" b="0" dirty="0">
+              <a:solidFill>
+                <a:srgbClr val="666666"/>
+              </a:solidFill>
+            </a:endParaRPr>
+          </a:p>
+        </p:txBody>
+      </p:sp>
+    </p:spTree>
+    <p:extLst>
+      <p:ext uri="{BB962C8B-B14F-4D97-AF65-F5344CB8AC3E}">
+        <p14:creationId xmlns:p14="http://schemas.microsoft.com/office/powerpoint/2010/main" val="359426339"/>
+      </p:ext>
+    </p:extLst>
+  </p:cSld>
+  <p:clrMapOvr>
+    <a:masterClrMapping/>
+  </p:clrMapOvr>
+</p:sld>
+</file>
+
+<file path=ppt/slides/slide15.xml><?xml version="1.0" encoding="utf-8"?>
+<p:sld xmlns:a="http://schemas.openxmlformats.org/drawingml/2006/main" xmlns:r="http://schemas.openxmlformats.org/officeDocument/2006/relationships" xmlns:p="http://schemas.openxmlformats.org/presentationml/2006/main">
+  <p:cSld>
+    <p:spTree>
+      <p:nvGrpSpPr>
+        <p:cNvPr id="1" name=""/>
+        <p:cNvGrpSpPr/>
+        <p:nvPr/>
+      </p:nvGrpSpPr>
+      <p:grpSpPr>
+        <a:xfrm>
+          <a:off x="0" y="0"/>
+          <a:ext cx="0" cy="0"/>
+          <a:chOff x="0" y="0"/>
+          <a:chExt cx="0" cy="0"/>
+        </a:xfrm>
+      </p:grpSpPr>
+      <p:sp>
+        <p:nvSpPr>
+          <p:cNvPr id="2" name="Content Placeholder 1"/>
+          <p:cNvSpPr>
+            <a:spLocks noGrp="1"/>
+          </p:cNvSpPr>
+          <p:nvPr>
+            <p:ph sz="quarter" idx="12"/>
+          </p:nvPr>
+        </p:nvSpPr>
+        <p:spPr/>
+        <p:txBody>
+          <a:bodyPr>
+            <a:noAutofit/>
+          </a:bodyPr>
+          <a:lstStyle/>
+          <a:p>
+            <a:pPr marL="225425" lvl="1" indent="0">
+              <a:buNone/>
+            </a:pPr>
+            <a:r>
+              <a:rPr lang="en-US" altLang="zh-CN" sz="2200" dirty="0" smtClean="0">
+                <a:latin typeface="SimSun" panose="02010600030101010101" pitchFamily="2" charset="-122"/>
+                <a:ea typeface="SimSun" panose="02010600030101010101" pitchFamily="2" charset="-122"/>
+              </a:rPr>
+              <a:t>Just-in-Time</a:t>
+            </a:r>
+            <a:r>
+              <a:rPr lang="zh-CN" altLang="en-US" sz="2200" dirty="0" smtClean="0">
+                <a:latin typeface="SimSun" panose="02010600030101010101" pitchFamily="2" charset="-122"/>
+                <a:ea typeface="SimSun" panose="02010600030101010101" pitchFamily="2" charset="-122"/>
+              </a:rPr>
+              <a:t>编</a:t>
+            </a:r>
+            <a:r>
+              <a:rPr lang="zh-CN" altLang="en-US" sz="2200" dirty="0">
+                <a:latin typeface="SimSun" panose="02010600030101010101" pitchFamily="2" charset="-122"/>
+                <a:ea typeface="SimSun" panose="02010600030101010101" pitchFamily="2" charset="-122"/>
+              </a:rPr>
+              <a:t>译模式开</a:t>
+            </a:r>
+            <a:r>
+              <a:rPr lang="zh-CN" altLang="en-US" sz="2200" dirty="0" smtClean="0">
+                <a:latin typeface="SimSun" panose="02010600030101010101" pitchFamily="2" charset="-122"/>
+                <a:ea typeface="SimSun" panose="02010600030101010101" pitchFamily="2" charset="-122"/>
+              </a:rPr>
+              <a:t>发，应用流程</a:t>
+            </a:r>
+            <a:r>
+              <a:rPr lang="en-US" altLang="zh-CN" sz="2200" dirty="0" smtClean="0">
+                <a:latin typeface="SimSun" panose="02010600030101010101" pitchFamily="2" charset="-122"/>
+                <a:ea typeface="SimSun" panose="02010600030101010101" pitchFamily="2" charset="-122"/>
+              </a:rPr>
+              <a:t>:</a:t>
+            </a:r>
+            <a:endParaRPr lang="zh-CN" altLang="en-US" sz="2200" dirty="0">
+              <a:latin typeface="SimSun" panose="02010600030101010101" pitchFamily="2" charset="-122"/>
+              <a:ea typeface="SimSun" panose="02010600030101010101" pitchFamily="2" charset="-122"/>
+            </a:endParaRPr>
+          </a:p>
+          <a:p>
+            <a:pPr lvl="1">
+              <a:buFont typeface="Arial" panose="020B0604020202020204" pitchFamily="34" charset="0"/>
+              <a:buChar char="•"/>
+            </a:pPr>
+            <a:r>
+              <a:rPr lang="zh-CN" altLang="en-US" sz="2200" dirty="0">
+                <a:latin typeface="SimSun" panose="02010600030101010101" pitchFamily="2" charset="-122"/>
+                <a:ea typeface="SimSun" panose="02010600030101010101" pitchFamily="2" charset="-122"/>
+              </a:rPr>
+              <a:t>使</a:t>
+            </a:r>
+            <a:r>
+              <a:rPr lang="zh-CN" altLang="en-US" sz="2200" dirty="0" smtClean="0">
+                <a:latin typeface="SimSun" panose="02010600030101010101" pitchFamily="2" charset="-122"/>
+                <a:ea typeface="SimSun" panose="02010600030101010101" pitchFamily="2" charset="-122"/>
+              </a:rPr>
+              <a:t>用</a:t>
+            </a:r>
+            <a:r>
+              <a:rPr lang="en-US" altLang="zh-CN" sz="2200" dirty="0" err="1" smtClean="0">
+                <a:latin typeface="SimSun" panose="02010600030101010101" pitchFamily="2" charset="-122"/>
+                <a:ea typeface="SimSun" panose="02010600030101010101" pitchFamily="2" charset="-122"/>
+              </a:rPr>
+              <a:t>TypeScript</a:t>
+            </a:r>
+            <a:r>
+              <a:rPr lang="zh-CN" altLang="en-US" sz="2200" dirty="0" smtClean="0">
+                <a:latin typeface="SimSun" panose="02010600030101010101" pitchFamily="2" charset="-122"/>
+                <a:ea typeface="SimSun" panose="02010600030101010101" pitchFamily="2" charset="-122"/>
+              </a:rPr>
+              <a:t>开发</a:t>
+            </a:r>
+            <a:r>
+              <a:rPr lang="en-US" altLang="zh-CN" sz="2200" dirty="0" smtClean="0">
+                <a:latin typeface="SimSun" panose="02010600030101010101" pitchFamily="2" charset="-122"/>
+                <a:ea typeface="SimSun" panose="02010600030101010101" pitchFamily="2" charset="-122"/>
+              </a:rPr>
+              <a:t>Angular</a:t>
+            </a:r>
+            <a:r>
+              <a:rPr lang="zh-CN" altLang="en-US" sz="2200" dirty="0" smtClean="0">
+                <a:latin typeface="SimSun" panose="02010600030101010101" pitchFamily="2" charset="-122"/>
+                <a:ea typeface="SimSun" panose="02010600030101010101" pitchFamily="2" charset="-122"/>
+              </a:rPr>
+              <a:t>应用运行</a:t>
+            </a:r>
+            <a:r>
+              <a:rPr lang="en-US" altLang="zh-CN" sz="2200" dirty="0" err="1" smtClean="0">
+                <a:latin typeface="SimSun" panose="02010600030101010101" pitchFamily="2" charset="-122"/>
+                <a:ea typeface="SimSun" panose="02010600030101010101" pitchFamily="2" charset="-122"/>
+              </a:rPr>
+              <a:t>tsc</a:t>
+            </a:r>
+            <a:r>
+              <a:rPr lang="zh-CN" altLang="en-US" sz="2200" dirty="0" smtClean="0">
+                <a:latin typeface="SimSun" panose="02010600030101010101" pitchFamily="2" charset="-122"/>
+                <a:ea typeface="SimSun" panose="02010600030101010101" pitchFamily="2" charset="-122"/>
+              </a:rPr>
+              <a:t>编译</a:t>
+            </a:r>
+            <a:r>
+              <a:rPr lang="en-US" altLang="zh-CN" sz="2200" dirty="0" err="1" smtClean="0">
+                <a:latin typeface="SimSun" panose="02010600030101010101" pitchFamily="2" charset="-122"/>
+                <a:ea typeface="SimSun" panose="02010600030101010101" pitchFamily="2" charset="-122"/>
+              </a:rPr>
+              <a:t>TypeScript</a:t>
+            </a:r>
+            <a:r>
+              <a:rPr lang="en-US" altLang="zh-CN" sz="2200" dirty="0" smtClean="0">
+                <a:latin typeface="SimSun" panose="02010600030101010101" pitchFamily="2" charset="-122"/>
+                <a:ea typeface="SimSun" panose="02010600030101010101" pitchFamily="2" charset="-122"/>
+              </a:rPr>
+              <a:t> </a:t>
+            </a:r>
+            <a:r>
+              <a:rPr lang="zh-CN" altLang="en-US" sz="2200" dirty="0">
+                <a:latin typeface="SimSun" panose="02010600030101010101" pitchFamily="2" charset="-122"/>
+                <a:ea typeface="SimSun" panose="02010600030101010101" pitchFamily="2" charset="-122"/>
+              </a:rPr>
+              <a:t>代码</a:t>
+            </a:r>
+          </a:p>
+          <a:p>
+            <a:pPr lvl="1">
+              <a:buFont typeface="Arial" panose="020B0604020202020204" pitchFamily="34" charset="0"/>
+              <a:buChar char="•"/>
+            </a:pPr>
+            <a:r>
+              <a:rPr lang="zh-CN" altLang="en-US" sz="2200" dirty="0">
+                <a:latin typeface="SimSun" panose="02010600030101010101" pitchFamily="2" charset="-122"/>
+                <a:ea typeface="SimSun" panose="02010600030101010101" pitchFamily="2" charset="-122"/>
+              </a:rPr>
+              <a:t>使</a:t>
+            </a:r>
+            <a:r>
+              <a:rPr lang="zh-CN" altLang="en-US" sz="2200" dirty="0" smtClean="0">
+                <a:latin typeface="SimSun" panose="02010600030101010101" pitchFamily="2" charset="-122"/>
+                <a:ea typeface="SimSun" panose="02010600030101010101" pitchFamily="2" charset="-122"/>
+              </a:rPr>
+              <a:t>用</a:t>
+            </a:r>
+            <a:r>
+              <a:rPr lang="en-US" altLang="zh-CN" sz="2200" dirty="0" err="1" smtClean="0">
+                <a:latin typeface="SimSun" panose="02010600030101010101" pitchFamily="2" charset="-122"/>
+                <a:ea typeface="SimSun" panose="02010600030101010101" pitchFamily="2" charset="-122"/>
+              </a:rPr>
+              <a:t>Webpack</a:t>
+            </a:r>
+            <a:r>
+              <a:rPr lang="zh-CN" altLang="en-US" sz="2200" dirty="0" smtClean="0">
+                <a:latin typeface="SimSun" panose="02010600030101010101" pitchFamily="2" charset="-122"/>
+                <a:ea typeface="SimSun" panose="02010600030101010101" pitchFamily="2" charset="-122"/>
+              </a:rPr>
+              <a:t>或</a:t>
+            </a:r>
+            <a:r>
+              <a:rPr lang="en-US" altLang="zh-CN" sz="2200" dirty="0" smtClean="0">
+                <a:latin typeface="SimSun" panose="02010600030101010101" pitchFamily="2" charset="-122"/>
+                <a:ea typeface="SimSun" panose="02010600030101010101" pitchFamily="2" charset="-122"/>
+              </a:rPr>
+              <a:t>Gulp</a:t>
+            </a:r>
+            <a:r>
+              <a:rPr lang="zh-CN" altLang="en-US" sz="2200" dirty="0" smtClean="0">
+                <a:latin typeface="SimSun" panose="02010600030101010101" pitchFamily="2" charset="-122"/>
+                <a:ea typeface="SimSun" panose="02010600030101010101" pitchFamily="2" charset="-122"/>
+              </a:rPr>
+              <a:t>等</a:t>
+            </a:r>
+            <a:r>
+              <a:rPr lang="zh-CN" altLang="en-US" sz="2200" dirty="0">
+                <a:latin typeface="SimSun" panose="02010600030101010101" pitchFamily="2" charset="-122"/>
+                <a:ea typeface="SimSun" panose="02010600030101010101" pitchFamily="2" charset="-122"/>
+              </a:rPr>
+              <a:t>其他工具构建项</a:t>
+            </a:r>
+            <a:r>
+              <a:rPr lang="zh-CN" altLang="en-US" sz="2200" dirty="0" smtClean="0">
+                <a:latin typeface="SimSun" panose="02010600030101010101" pitchFamily="2" charset="-122"/>
+                <a:ea typeface="SimSun" panose="02010600030101010101" pitchFamily="2" charset="-122"/>
+              </a:rPr>
+              <a:t>目</a:t>
+            </a:r>
+            <a:endParaRPr lang="zh-CN" altLang="en-US" sz="2200" dirty="0">
+              <a:latin typeface="SimSun" panose="02010600030101010101" pitchFamily="2" charset="-122"/>
+              <a:ea typeface="SimSun" panose="02010600030101010101" pitchFamily="2" charset="-122"/>
+            </a:endParaRPr>
+          </a:p>
+          <a:p>
+            <a:pPr lvl="1">
+              <a:buFont typeface="Arial" panose="020B0604020202020204" pitchFamily="34" charset="0"/>
+              <a:buChar char="•"/>
+            </a:pPr>
+            <a:r>
+              <a:rPr lang="zh-CN" altLang="en-US" sz="2200" dirty="0">
+                <a:latin typeface="SimSun" panose="02010600030101010101" pitchFamily="2" charset="-122"/>
+                <a:ea typeface="SimSun" panose="02010600030101010101" pitchFamily="2" charset="-122"/>
+              </a:rPr>
+              <a:t>部署应用</a:t>
+            </a:r>
+          </a:p>
+          <a:p>
+            <a:pPr lvl="1">
+              <a:buFont typeface="Arial" panose="020B0604020202020204" pitchFamily="34" charset="0"/>
+              <a:buChar char="•"/>
+            </a:pPr>
+            <a:r>
+              <a:rPr lang="zh-CN" altLang="en-US" sz="2200" dirty="0" smtClean="0">
+                <a:latin typeface="SimSun" panose="02010600030101010101" pitchFamily="2" charset="-122"/>
+                <a:ea typeface="SimSun" panose="02010600030101010101" pitchFamily="2" charset="-122"/>
+              </a:rPr>
+              <a:t>浏</a:t>
+            </a:r>
+            <a:r>
+              <a:rPr lang="zh-CN" altLang="en-US" sz="2200" dirty="0">
+                <a:latin typeface="SimSun" panose="02010600030101010101" pitchFamily="2" charset="-122"/>
+                <a:ea typeface="SimSun" panose="02010600030101010101" pitchFamily="2" charset="-122"/>
+              </a:rPr>
+              <a:t>览器访</a:t>
+            </a:r>
+            <a:r>
+              <a:rPr lang="zh-CN" altLang="en-US" sz="2200" dirty="0" smtClean="0">
+                <a:latin typeface="SimSun" panose="02010600030101010101" pitchFamily="2" charset="-122"/>
+                <a:ea typeface="SimSun" panose="02010600030101010101" pitchFamily="2" charset="-122"/>
+              </a:rPr>
+              <a:t>问应用</a:t>
+            </a:r>
+            <a:endParaRPr lang="zh-CN" altLang="en-US" sz="2200" dirty="0">
+              <a:latin typeface="SimSun" panose="02010600030101010101" pitchFamily="2" charset="-122"/>
+              <a:ea typeface="SimSun" panose="02010600030101010101" pitchFamily="2" charset="-122"/>
+            </a:endParaRPr>
+          </a:p>
+          <a:p>
+            <a:pPr lvl="1">
+              <a:buFont typeface="Arial" panose="020B0604020202020204" pitchFamily="34" charset="0"/>
+              <a:buChar char="•"/>
+            </a:pPr>
+            <a:r>
+              <a:rPr lang="zh-CN" altLang="en-US" sz="2200" dirty="0">
+                <a:latin typeface="SimSun" panose="02010600030101010101" pitchFamily="2" charset="-122"/>
+                <a:ea typeface="SimSun" panose="02010600030101010101" pitchFamily="2" charset="-122"/>
+              </a:rPr>
+              <a:t>下载应用相关的资源，</a:t>
+            </a:r>
+            <a:r>
+              <a:rPr lang="zh-CN" altLang="en-US" sz="2200" dirty="0" smtClean="0">
+                <a:latin typeface="SimSun" panose="02010600030101010101" pitchFamily="2" charset="-122"/>
+                <a:ea typeface="SimSun" panose="02010600030101010101" pitchFamily="2" charset="-122"/>
+              </a:rPr>
+              <a:t>如</a:t>
+            </a:r>
+            <a:r>
+              <a:rPr lang="en-US" altLang="zh-CN" sz="2200" dirty="0" smtClean="0">
+                <a:latin typeface="SimSun" panose="02010600030101010101" pitchFamily="2" charset="-122"/>
+                <a:ea typeface="SimSun" panose="02010600030101010101" pitchFamily="2" charset="-122"/>
+              </a:rPr>
+              <a:t>JavaScript</a:t>
+            </a:r>
+            <a:r>
+              <a:rPr lang="zh-CN" altLang="en-US" sz="2200" dirty="0" smtClean="0">
+                <a:latin typeface="SimSun" panose="02010600030101010101" pitchFamily="2" charset="-122"/>
+                <a:ea typeface="SimSun" panose="02010600030101010101" pitchFamily="2" charset="-122"/>
+              </a:rPr>
+              <a:t>文</a:t>
+            </a:r>
+            <a:r>
+              <a:rPr lang="zh-CN" altLang="en-US" sz="2200" dirty="0">
+                <a:latin typeface="SimSun" panose="02010600030101010101" pitchFamily="2" charset="-122"/>
+                <a:ea typeface="SimSun" panose="02010600030101010101" pitchFamily="2" charset="-122"/>
+              </a:rPr>
+              <a:t>件、图片、样式资源</a:t>
+            </a:r>
+          </a:p>
+          <a:p>
+            <a:pPr lvl="1">
+              <a:buFont typeface="Arial" panose="020B0604020202020204" pitchFamily="34" charset="0"/>
+              <a:buChar char="•"/>
+            </a:pPr>
+            <a:r>
+              <a:rPr lang="en-US" altLang="zh-CN" sz="2200" dirty="0" smtClean="0">
+                <a:latin typeface="SimSun" panose="02010600030101010101" pitchFamily="2" charset="-122"/>
+                <a:ea typeface="SimSun" panose="02010600030101010101" pitchFamily="2" charset="-122"/>
+              </a:rPr>
+              <a:t>Angular</a:t>
+            </a:r>
+            <a:r>
+              <a:rPr lang="zh-CN" altLang="en-US" sz="2200" dirty="0" smtClean="0">
+                <a:latin typeface="SimSun" panose="02010600030101010101" pitchFamily="2" charset="-122"/>
+                <a:ea typeface="SimSun" panose="02010600030101010101" pitchFamily="2" charset="-122"/>
+              </a:rPr>
+              <a:t>启</a:t>
+            </a:r>
+            <a:r>
+              <a:rPr lang="zh-CN" altLang="en-US" sz="2200" dirty="0">
+                <a:latin typeface="SimSun" panose="02010600030101010101" pitchFamily="2" charset="-122"/>
+                <a:ea typeface="SimSun" panose="02010600030101010101" pitchFamily="2" charset="-122"/>
+              </a:rPr>
+              <a:t>动</a:t>
+            </a:r>
+          </a:p>
+          <a:p>
+            <a:pPr lvl="1">
+              <a:buFont typeface="Arial" panose="020B0604020202020204" pitchFamily="34" charset="0"/>
+              <a:buChar char="•"/>
+            </a:pPr>
+            <a:r>
+              <a:rPr lang="en-US" altLang="zh-CN" sz="2200" dirty="0" smtClean="0">
+                <a:latin typeface="SimSun" panose="02010600030101010101" pitchFamily="2" charset="-122"/>
+                <a:ea typeface="SimSun" panose="02010600030101010101" pitchFamily="2" charset="-122"/>
+              </a:rPr>
+              <a:t>Angular</a:t>
+            </a:r>
+            <a:r>
+              <a:rPr lang="zh-CN" altLang="en-US" sz="2200" dirty="0" smtClean="0">
+                <a:latin typeface="SimSun" panose="02010600030101010101" pitchFamily="2" charset="-122"/>
+                <a:ea typeface="SimSun" panose="02010600030101010101" pitchFamily="2" charset="-122"/>
+              </a:rPr>
+              <a:t>进入</a:t>
+            </a:r>
+            <a:r>
+              <a:rPr lang="en-US" altLang="zh-CN" sz="2200" dirty="0" smtClean="0">
+                <a:latin typeface="SimSun" panose="02010600030101010101" pitchFamily="2" charset="-122"/>
+                <a:ea typeface="SimSun" panose="02010600030101010101" pitchFamily="2" charset="-122"/>
+              </a:rPr>
+              <a:t>JIT</a:t>
+            </a:r>
+            <a:r>
+              <a:rPr lang="zh-CN" altLang="en-US" sz="2200" dirty="0" smtClean="0">
+                <a:latin typeface="SimSun" panose="02010600030101010101" pitchFamily="2" charset="-122"/>
+                <a:ea typeface="SimSun" panose="02010600030101010101" pitchFamily="2" charset="-122"/>
+              </a:rPr>
+              <a:t>编</a:t>
+            </a:r>
+            <a:r>
+              <a:rPr lang="zh-CN" altLang="en-US" sz="2200" dirty="0">
+                <a:latin typeface="SimSun" panose="02010600030101010101" pitchFamily="2" charset="-122"/>
+                <a:ea typeface="SimSun" panose="02010600030101010101" pitchFamily="2" charset="-122"/>
+              </a:rPr>
+              <a:t>译模式，开始编译我们应用中的指令或组件，生成相应</a:t>
+            </a:r>
+            <a:r>
+              <a:rPr lang="zh-CN" altLang="en-US" sz="2200" dirty="0" smtClean="0">
+                <a:latin typeface="SimSun" panose="02010600030101010101" pitchFamily="2" charset="-122"/>
+                <a:ea typeface="SimSun" panose="02010600030101010101" pitchFamily="2" charset="-122"/>
+              </a:rPr>
+              <a:t>的</a:t>
+            </a:r>
+            <a:r>
+              <a:rPr lang="en-US" altLang="zh-CN" sz="2200" dirty="0" smtClean="0">
+                <a:latin typeface="SimSun" panose="02010600030101010101" pitchFamily="2" charset="-122"/>
+                <a:ea typeface="SimSun" panose="02010600030101010101" pitchFamily="2" charset="-122"/>
+              </a:rPr>
+              <a:t>JavaScript</a:t>
+            </a:r>
+            <a:r>
+              <a:rPr lang="zh-CN" altLang="en-US" sz="2200" dirty="0" smtClean="0">
+                <a:latin typeface="SimSun" panose="02010600030101010101" pitchFamily="2" charset="-122"/>
+                <a:ea typeface="SimSun" panose="02010600030101010101" pitchFamily="2" charset="-122"/>
+              </a:rPr>
+              <a:t>代</a:t>
+            </a:r>
+            <a:r>
+              <a:rPr lang="zh-CN" altLang="en-US" sz="2200" dirty="0">
+                <a:latin typeface="SimSun" panose="02010600030101010101" pitchFamily="2" charset="-122"/>
+                <a:ea typeface="SimSun" panose="02010600030101010101" pitchFamily="2" charset="-122"/>
+              </a:rPr>
+              <a:t>码</a:t>
+            </a:r>
+          </a:p>
+          <a:p>
+            <a:pPr lvl="1">
+              <a:buFont typeface="Arial" panose="020B0604020202020204" pitchFamily="34" charset="0"/>
+              <a:buChar char="•"/>
+            </a:pPr>
+            <a:r>
+              <a:rPr lang="zh-CN" altLang="en-US" sz="2200" dirty="0">
+                <a:latin typeface="SimSun" panose="02010600030101010101" pitchFamily="2" charset="-122"/>
+                <a:ea typeface="SimSun" panose="02010600030101010101" pitchFamily="2" charset="-122"/>
+              </a:rPr>
+              <a:t>应用完成渲染</a:t>
+            </a:r>
+            <a:endParaRPr lang="en-US" sz="2200" dirty="0"/>
+          </a:p>
+        </p:txBody>
+      </p:sp>
+      <p:sp>
+        <p:nvSpPr>
+          <p:cNvPr id="3" name="Title 2"/>
+          <p:cNvSpPr>
+            <a:spLocks noGrp="1"/>
+          </p:cNvSpPr>
+          <p:nvPr>
+            <p:ph type="title"/>
+          </p:nvPr>
+        </p:nvSpPr>
+        <p:spPr/>
+        <p:txBody>
+          <a:bodyPr>
+            <a:normAutofit/>
+          </a:bodyPr>
+          <a:lstStyle/>
+          <a:p>
+            <a:r>
+              <a:rPr lang="en-US" sz="2800" dirty="0" smtClean="0">
+                <a:latin typeface="SimSun" panose="02010600030101010101" pitchFamily="2" charset="-122"/>
+                <a:ea typeface="SimSun" panose="02010600030101010101" pitchFamily="2" charset="-122"/>
+              </a:rPr>
+              <a:t>JIT</a:t>
+            </a:r>
+            <a:endParaRPr lang="en-US" sz="2800" dirty="0">
+              <a:latin typeface="SimSun" panose="02010600030101010101" pitchFamily="2" charset="-122"/>
+              <a:ea typeface="SimSun" panose="02010600030101010101" pitchFamily="2" charset="-122"/>
+            </a:endParaRPr>
+          </a:p>
+        </p:txBody>
+      </p:sp>
+      <p:sp>
+        <p:nvSpPr>
+          <p:cNvPr id="4" name="Slide Number Placeholder 3"/>
+          <p:cNvSpPr>
+            <a:spLocks noGrp="1"/>
+          </p:cNvSpPr>
+          <p:nvPr>
+            <p:ph type="sldNum" sz="quarter" idx="4"/>
+          </p:nvPr>
+        </p:nvSpPr>
+        <p:spPr/>
+        <p:txBody>
+          <a:bodyPr/>
+          <a:lstStyle/>
+          <a:p>
+            <a:pPr fontAlgn="auto">
+              <a:spcBef>
+                <a:spcPts val="0"/>
+              </a:spcBef>
+              <a:spcAft>
+                <a:spcPts val="0"/>
+              </a:spcAft>
+              <a:defRPr/>
+            </a:pPr>
+            <a:fld id="{90CBDC3A-D49F-4631-A8C7-55D59B33E5FA}" type="slidenum">
+              <a:rPr lang="en-US" b="0" smtClean="0">
+                <a:solidFill>
+                  <a:srgbClr val="666666"/>
+                </a:solidFill>
+              </a:rPr>
+              <a:pPr fontAlgn="auto">
+                <a:spcBef>
+                  <a:spcPts val="0"/>
+                </a:spcBef>
+                <a:spcAft>
+                  <a:spcPts val="0"/>
+                </a:spcAft>
+                <a:defRPr/>
+              </a:pPr>
+              <a:t>14</a:t>
+            </a:fld>
+            <a:endParaRPr lang="en-US" b="0" dirty="0">
+              <a:solidFill>
+                <a:srgbClr val="666666"/>
+              </a:solidFill>
+            </a:endParaRPr>
+          </a:p>
+        </p:txBody>
+      </p:sp>
+    </p:spTree>
+    <p:extLst>
+      <p:ext uri="{BB962C8B-B14F-4D97-AF65-F5344CB8AC3E}">
+        <p14:creationId xmlns:p14="http://schemas.microsoft.com/office/powerpoint/2010/main" val="4000770304"/>
+      </p:ext>
+    </p:extLst>
+  </p:cSld>
+  <p:clrMapOvr>
+    <a:masterClrMapping/>
+  </p:clrMapOvr>
+</p:sld>
+</file>
+
+<file path=ppt/slides/slide16.xml><?xml version="1.0" encoding="utf-8"?>
+<p:sld xmlns:a="http://schemas.openxmlformats.org/drawingml/2006/main" xmlns:r="http://schemas.openxmlformats.org/officeDocument/2006/relationships" xmlns:p="http://schemas.openxmlformats.org/presentationml/2006/main">
+  <p:cSld>
+    <p:spTree>
+      <p:nvGrpSpPr>
+        <p:cNvPr id="1" name=""/>
+        <p:cNvGrpSpPr/>
+        <p:nvPr/>
+      </p:nvGrpSpPr>
+      <p:grpSpPr>
+        <a:xfrm>
+          <a:off x="0" y="0"/>
+          <a:ext cx="0" cy="0"/>
+          <a:chOff x="0" y="0"/>
+          <a:chExt cx="0" cy="0"/>
+        </a:xfrm>
+      </p:grpSpPr>
+      <p:sp>
+        <p:nvSpPr>
+          <p:cNvPr id="2" name="Content Placeholder 1"/>
+          <p:cNvSpPr>
+            <a:spLocks noGrp="1"/>
+          </p:cNvSpPr>
+          <p:nvPr>
+            <p:ph sz="quarter" idx="12"/>
+          </p:nvPr>
+        </p:nvSpPr>
+        <p:spPr/>
+        <p:txBody>
+          <a:bodyPr>
+            <a:normAutofit fontScale="92500"/>
+          </a:bodyPr>
+          <a:lstStyle/>
+          <a:p>
+            <a:pPr marL="0" indent="0">
+              <a:buNone/>
+            </a:pPr>
+            <a:r>
+              <a:rPr lang="en-US" altLang="zh-CN" dirty="0">
+                <a:latin typeface="SimSun" panose="02010600030101010101" pitchFamily="2" charset="-122"/>
+                <a:ea typeface="SimSun" panose="02010600030101010101" pitchFamily="2" charset="-122"/>
+              </a:rPr>
+              <a:t>Ahead-Of-Time </a:t>
+            </a:r>
+            <a:r>
+              <a:rPr lang="zh-CN" altLang="en-US" dirty="0">
+                <a:latin typeface="SimSun" panose="02010600030101010101" pitchFamily="2" charset="-122"/>
+                <a:ea typeface="SimSun" panose="02010600030101010101" pitchFamily="2" charset="-122"/>
+              </a:rPr>
+              <a:t>编译模式开</a:t>
+            </a:r>
+            <a:r>
+              <a:rPr lang="zh-CN" altLang="en-US" dirty="0" smtClean="0">
+                <a:latin typeface="SimSun" panose="02010600030101010101" pitchFamily="2" charset="-122"/>
+                <a:ea typeface="SimSun" panose="02010600030101010101" pitchFamily="2" charset="-122"/>
+              </a:rPr>
+              <a:t>发，应用流程</a:t>
+            </a:r>
+            <a:r>
+              <a:rPr lang="en-US" altLang="zh-CN" dirty="0" smtClean="0">
+                <a:latin typeface="SimSun" panose="02010600030101010101" pitchFamily="2" charset="-122"/>
+                <a:ea typeface="SimSun" panose="02010600030101010101" pitchFamily="2" charset="-122"/>
+              </a:rPr>
+              <a:t>:</a:t>
+            </a:r>
+            <a:endParaRPr lang="zh-CN" altLang="en-US" dirty="0">
+              <a:latin typeface="SimSun" panose="02010600030101010101" pitchFamily="2" charset="-122"/>
+              <a:ea typeface="SimSun" panose="02010600030101010101" pitchFamily="2" charset="-122"/>
+            </a:endParaRPr>
+          </a:p>
+          <a:p>
+            <a:r>
+              <a:rPr lang="zh-CN" altLang="en-US" dirty="0">
+                <a:latin typeface="SimSun" panose="02010600030101010101" pitchFamily="2" charset="-122"/>
+                <a:ea typeface="SimSun" panose="02010600030101010101" pitchFamily="2" charset="-122"/>
+              </a:rPr>
+              <a:t>使</a:t>
+            </a:r>
+            <a:r>
+              <a:rPr lang="zh-CN" altLang="en-US" dirty="0" smtClean="0">
+                <a:latin typeface="SimSun" panose="02010600030101010101" pitchFamily="2" charset="-122"/>
+                <a:ea typeface="SimSun" panose="02010600030101010101" pitchFamily="2" charset="-122"/>
+              </a:rPr>
+              <a:t>用</a:t>
+            </a:r>
+            <a:r>
+              <a:rPr lang="en-US" altLang="zh-CN" dirty="0" err="1" smtClean="0">
+                <a:latin typeface="SimSun" panose="02010600030101010101" pitchFamily="2" charset="-122"/>
+                <a:ea typeface="SimSun" panose="02010600030101010101" pitchFamily="2" charset="-122"/>
+              </a:rPr>
+              <a:t>TypeScript</a:t>
+            </a:r>
+            <a:r>
+              <a:rPr lang="zh-CN" altLang="en-US" dirty="0" smtClean="0">
+                <a:latin typeface="SimSun" panose="02010600030101010101" pitchFamily="2" charset="-122"/>
+                <a:ea typeface="SimSun" panose="02010600030101010101" pitchFamily="2" charset="-122"/>
+              </a:rPr>
+              <a:t>开发</a:t>
+            </a:r>
+            <a:r>
+              <a:rPr lang="en-US" altLang="zh-CN" dirty="0" smtClean="0">
+                <a:latin typeface="SimSun" panose="02010600030101010101" pitchFamily="2" charset="-122"/>
+                <a:ea typeface="SimSun" panose="02010600030101010101" pitchFamily="2" charset="-122"/>
+              </a:rPr>
+              <a:t>Angular</a:t>
+            </a:r>
+            <a:r>
+              <a:rPr lang="zh-CN" altLang="en-US" dirty="0" smtClean="0">
+                <a:latin typeface="SimSun" panose="02010600030101010101" pitchFamily="2" charset="-122"/>
+                <a:ea typeface="SimSun" panose="02010600030101010101" pitchFamily="2" charset="-122"/>
+              </a:rPr>
+              <a:t>应</a:t>
+            </a:r>
+            <a:r>
+              <a:rPr lang="zh-CN" altLang="en-US" dirty="0">
+                <a:latin typeface="SimSun" panose="02010600030101010101" pitchFamily="2" charset="-122"/>
+                <a:ea typeface="SimSun" panose="02010600030101010101" pitchFamily="2" charset="-122"/>
+              </a:rPr>
+              <a:t>用</a:t>
+            </a:r>
+          </a:p>
+          <a:p>
+            <a:r>
+              <a:rPr lang="zh-CN" altLang="en-US" dirty="0">
+                <a:latin typeface="SimSun" panose="02010600030101010101" pitchFamily="2" charset="-122"/>
+                <a:ea typeface="SimSun" panose="02010600030101010101" pitchFamily="2" charset="-122"/>
+              </a:rPr>
+              <a:t>运</a:t>
+            </a:r>
+            <a:r>
+              <a:rPr lang="zh-CN" altLang="en-US" dirty="0" smtClean="0">
+                <a:latin typeface="SimSun" panose="02010600030101010101" pitchFamily="2" charset="-122"/>
+                <a:ea typeface="SimSun" panose="02010600030101010101" pitchFamily="2" charset="-122"/>
+              </a:rPr>
+              <a:t>行</a:t>
+            </a:r>
+            <a:r>
+              <a:rPr lang="en-US" altLang="zh-CN" dirty="0" err="1" smtClean="0">
+                <a:latin typeface="SimSun" panose="02010600030101010101" pitchFamily="2" charset="-122"/>
+                <a:ea typeface="SimSun" panose="02010600030101010101" pitchFamily="2" charset="-122"/>
+              </a:rPr>
+              <a:t>ngc</a:t>
+            </a:r>
+            <a:r>
+              <a:rPr lang="zh-CN" altLang="en-US" dirty="0" smtClean="0">
+                <a:latin typeface="SimSun" panose="02010600030101010101" pitchFamily="2" charset="-122"/>
+                <a:ea typeface="SimSun" panose="02010600030101010101" pitchFamily="2" charset="-122"/>
+              </a:rPr>
+              <a:t>编</a:t>
+            </a:r>
+            <a:r>
+              <a:rPr lang="zh-CN" altLang="en-US" dirty="0">
+                <a:latin typeface="SimSun" panose="02010600030101010101" pitchFamily="2" charset="-122"/>
+                <a:ea typeface="SimSun" panose="02010600030101010101" pitchFamily="2" charset="-122"/>
+              </a:rPr>
+              <a:t>译应用程序</a:t>
+            </a:r>
+          </a:p>
+          <a:p>
+            <a:pPr lvl="1">
+              <a:buFont typeface="Wingdings" panose="05000000000000000000" pitchFamily="2" charset="2"/>
+              <a:buChar char="v"/>
+            </a:pPr>
+            <a:r>
+              <a:rPr lang="zh-CN" altLang="en-US" sz="2600" dirty="0">
+                <a:latin typeface="SimSun" panose="02010600030101010101" pitchFamily="2" charset="-122"/>
+                <a:ea typeface="SimSun" panose="02010600030101010101" pitchFamily="2" charset="-122"/>
+              </a:rPr>
+              <a:t>使</a:t>
+            </a:r>
+            <a:r>
+              <a:rPr lang="zh-CN" altLang="en-US" sz="2600" dirty="0" smtClean="0">
+                <a:latin typeface="SimSun" panose="02010600030101010101" pitchFamily="2" charset="-122"/>
+                <a:ea typeface="SimSun" panose="02010600030101010101" pitchFamily="2" charset="-122"/>
+              </a:rPr>
+              <a:t>用</a:t>
+            </a:r>
+            <a:r>
+              <a:rPr lang="en-US" altLang="zh-CN" sz="2600" dirty="0" smtClean="0">
+                <a:latin typeface="SimSun" panose="02010600030101010101" pitchFamily="2" charset="-122"/>
+                <a:ea typeface="SimSun" panose="02010600030101010101" pitchFamily="2" charset="-122"/>
+              </a:rPr>
+              <a:t>Angular Compiler</a:t>
+            </a:r>
+            <a:r>
+              <a:rPr lang="zh-CN" altLang="en-US" sz="2600" dirty="0" smtClean="0">
+                <a:latin typeface="SimSun" panose="02010600030101010101" pitchFamily="2" charset="-122"/>
+                <a:ea typeface="SimSun" panose="02010600030101010101" pitchFamily="2" charset="-122"/>
+              </a:rPr>
+              <a:t>编</a:t>
+            </a:r>
+            <a:r>
+              <a:rPr lang="zh-CN" altLang="en-US" sz="2600" dirty="0">
+                <a:latin typeface="SimSun" panose="02010600030101010101" pitchFamily="2" charset="-122"/>
+                <a:ea typeface="SimSun" panose="02010600030101010101" pitchFamily="2" charset="-122"/>
+              </a:rPr>
+              <a:t>译模板</a:t>
+            </a:r>
+            <a:r>
+              <a:rPr lang="zh-CN" altLang="en-US" sz="2600" dirty="0" smtClean="0">
+                <a:latin typeface="SimSun" panose="02010600030101010101" pitchFamily="2" charset="-122"/>
+                <a:ea typeface="SimSun" panose="02010600030101010101" pitchFamily="2" charset="-122"/>
+              </a:rPr>
+              <a:t>，输出</a:t>
+            </a:r>
+            <a:r>
+              <a:rPr lang="en-US" altLang="zh-CN" sz="2600" dirty="0" err="1" smtClean="0">
+                <a:latin typeface="SimSun" panose="02010600030101010101" pitchFamily="2" charset="-122"/>
+                <a:ea typeface="SimSun" panose="02010600030101010101" pitchFamily="2" charset="-122"/>
+              </a:rPr>
+              <a:t>TypeScript</a:t>
+            </a:r>
+            <a:r>
+              <a:rPr lang="zh-CN" altLang="en-US" sz="2600" dirty="0" smtClean="0">
+                <a:latin typeface="SimSun" panose="02010600030101010101" pitchFamily="2" charset="-122"/>
+                <a:ea typeface="SimSun" panose="02010600030101010101" pitchFamily="2" charset="-122"/>
+              </a:rPr>
+              <a:t>代</a:t>
+            </a:r>
+            <a:r>
+              <a:rPr lang="zh-CN" altLang="en-US" sz="2600" dirty="0">
+                <a:latin typeface="SimSun" panose="02010600030101010101" pitchFamily="2" charset="-122"/>
+                <a:ea typeface="SimSun" panose="02010600030101010101" pitchFamily="2" charset="-122"/>
+              </a:rPr>
+              <a:t>码</a:t>
+            </a:r>
+          </a:p>
+          <a:p>
+            <a:pPr lvl="1">
+              <a:buFont typeface="Wingdings" panose="05000000000000000000" pitchFamily="2" charset="2"/>
+              <a:buChar char="v"/>
+            </a:pPr>
+            <a:r>
+              <a:rPr lang="zh-CN" altLang="en-US" sz="2600" dirty="0">
+                <a:latin typeface="SimSun" panose="02010600030101010101" pitchFamily="2" charset="-122"/>
+                <a:ea typeface="SimSun" panose="02010600030101010101" pitchFamily="2" charset="-122"/>
+              </a:rPr>
+              <a:t>运</a:t>
+            </a:r>
+            <a:r>
+              <a:rPr lang="zh-CN" altLang="en-US" sz="2600" dirty="0" smtClean="0">
+                <a:latin typeface="SimSun" panose="02010600030101010101" pitchFamily="2" charset="-122"/>
+                <a:ea typeface="SimSun" panose="02010600030101010101" pitchFamily="2" charset="-122"/>
+              </a:rPr>
+              <a:t>行</a:t>
+            </a:r>
+            <a:r>
+              <a:rPr lang="en-US" altLang="zh-CN" sz="2600" dirty="0" err="1" smtClean="0">
+                <a:latin typeface="SimSun" panose="02010600030101010101" pitchFamily="2" charset="-122"/>
+                <a:ea typeface="SimSun" panose="02010600030101010101" pitchFamily="2" charset="-122"/>
+              </a:rPr>
+              <a:t>tsc</a:t>
+            </a:r>
+            <a:r>
+              <a:rPr lang="zh-CN" altLang="en-US" sz="2600" dirty="0" smtClean="0">
+                <a:latin typeface="SimSun" panose="02010600030101010101" pitchFamily="2" charset="-122"/>
+                <a:ea typeface="SimSun" panose="02010600030101010101" pitchFamily="2" charset="-122"/>
+              </a:rPr>
+              <a:t>编译</a:t>
+            </a:r>
+            <a:r>
+              <a:rPr lang="en-US" altLang="zh-CN" sz="2600" dirty="0" err="1" smtClean="0">
+                <a:latin typeface="SimSun" panose="02010600030101010101" pitchFamily="2" charset="-122"/>
+                <a:ea typeface="SimSun" panose="02010600030101010101" pitchFamily="2" charset="-122"/>
+              </a:rPr>
+              <a:t>TypeScript</a:t>
+            </a:r>
+            <a:r>
+              <a:rPr lang="zh-CN" altLang="en-US" sz="2600" dirty="0" smtClean="0">
+                <a:latin typeface="SimSun" panose="02010600030101010101" pitchFamily="2" charset="-122"/>
+                <a:ea typeface="SimSun" panose="02010600030101010101" pitchFamily="2" charset="-122"/>
+              </a:rPr>
+              <a:t>代</a:t>
+            </a:r>
+            <a:r>
+              <a:rPr lang="zh-CN" altLang="en-US" sz="2600" dirty="0">
+                <a:latin typeface="SimSun" panose="02010600030101010101" pitchFamily="2" charset="-122"/>
+                <a:ea typeface="SimSun" panose="02010600030101010101" pitchFamily="2" charset="-122"/>
+              </a:rPr>
+              <a:t>码</a:t>
+            </a:r>
+          </a:p>
+          <a:p>
+            <a:r>
+              <a:rPr lang="zh-CN" altLang="en-US" dirty="0">
+                <a:latin typeface="SimSun" panose="02010600030101010101" pitchFamily="2" charset="-122"/>
+                <a:ea typeface="SimSun" panose="02010600030101010101" pitchFamily="2" charset="-122"/>
+              </a:rPr>
+              <a:t>使</a:t>
+            </a:r>
+            <a:r>
+              <a:rPr lang="zh-CN" altLang="en-US" dirty="0" smtClean="0">
+                <a:latin typeface="SimSun" panose="02010600030101010101" pitchFamily="2" charset="-122"/>
+                <a:ea typeface="SimSun" panose="02010600030101010101" pitchFamily="2" charset="-122"/>
+              </a:rPr>
+              <a:t>用</a:t>
+            </a:r>
+            <a:r>
+              <a:rPr lang="en-US" altLang="zh-CN" dirty="0" err="1" smtClean="0">
+                <a:latin typeface="SimSun" panose="02010600030101010101" pitchFamily="2" charset="-122"/>
+                <a:ea typeface="SimSun" panose="02010600030101010101" pitchFamily="2" charset="-122"/>
+              </a:rPr>
+              <a:t>Webpack</a:t>
+            </a:r>
+            <a:r>
+              <a:rPr lang="zh-CN" altLang="en-US" dirty="0" smtClean="0">
+                <a:latin typeface="SimSun" panose="02010600030101010101" pitchFamily="2" charset="-122"/>
+                <a:ea typeface="SimSun" panose="02010600030101010101" pitchFamily="2" charset="-122"/>
+              </a:rPr>
+              <a:t>或</a:t>
+            </a:r>
+            <a:r>
+              <a:rPr lang="en-US" altLang="zh-CN" dirty="0" smtClean="0">
+                <a:latin typeface="SimSun" panose="02010600030101010101" pitchFamily="2" charset="-122"/>
+                <a:ea typeface="SimSun" panose="02010600030101010101" pitchFamily="2" charset="-122"/>
+              </a:rPr>
+              <a:t>Gulp</a:t>
+            </a:r>
+            <a:r>
+              <a:rPr lang="zh-CN" altLang="en-US" dirty="0" smtClean="0">
+                <a:latin typeface="SimSun" panose="02010600030101010101" pitchFamily="2" charset="-122"/>
+                <a:ea typeface="SimSun" panose="02010600030101010101" pitchFamily="2" charset="-122"/>
+              </a:rPr>
+              <a:t>等</a:t>
+            </a:r>
+            <a:r>
+              <a:rPr lang="zh-CN" altLang="en-US" dirty="0">
+                <a:latin typeface="SimSun" panose="02010600030101010101" pitchFamily="2" charset="-122"/>
+                <a:ea typeface="SimSun" panose="02010600030101010101" pitchFamily="2" charset="-122"/>
+              </a:rPr>
+              <a:t>其他工具构建项</a:t>
+            </a:r>
+            <a:r>
+              <a:rPr lang="zh-CN" altLang="en-US" dirty="0" smtClean="0">
+                <a:latin typeface="SimSun" panose="02010600030101010101" pitchFamily="2" charset="-122"/>
+                <a:ea typeface="SimSun" panose="02010600030101010101" pitchFamily="2" charset="-122"/>
+              </a:rPr>
+              <a:t>目</a:t>
+            </a:r>
+            <a:endParaRPr lang="en-US" altLang="zh-CN" dirty="0" smtClean="0">
+              <a:latin typeface="SimSun" panose="02010600030101010101" pitchFamily="2" charset="-122"/>
+              <a:ea typeface="SimSun" panose="02010600030101010101" pitchFamily="2" charset="-122"/>
+            </a:endParaRPr>
+          </a:p>
+          <a:p>
+            <a:r>
+              <a:rPr lang="zh-CN" altLang="en-US" dirty="0" smtClean="0">
+                <a:latin typeface="SimSun" panose="02010600030101010101" pitchFamily="2" charset="-122"/>
+                <a:ea typeface="SimSun" panose="02010600030101010101" pitchFamily="2" charset="-122"/>
+              </a:rPr>
+              <a:t>应</a:t>
+            </a:r>
+            <a:r>
+              <a:rPr lang="zh-CN" altLang="en-US" dirty="0">
+                <a:latin typeface="SimSun" panose="02010600030101010101" pitchFamily="2" charset="-122"/>
+                <a:ea typeface="SimSun" panose="02010600030101010101" pitchFamily="2" charset="-122"/>
+              </a:rPr>
+              <a:t>用部署后，相比</a:t>
+            </a:r>
+            <a:r>
+              <a:rPr lang="zh-CN" altLang="en-US" dirty="0" smtClean="0">
+                <a:latin typeface="SimSun" panose="02010600030101010101" pitchFamily="2" charset="-122"/>
+                <a:ea typeface="SimSun" panose="02010600030101010101" pitchFamily="2" charset="-122"/>
+              </a:rPr>
+              <a:t>于</a:t>
+            </a:r>
+            <a:r>
+              <a:rPr lang="en-US" altLang="zh-CN" dirty="0" smtClean="0">
+                <a:latin typeface="SimSun" panose="02010600030101010101" pitchFamily="2" charset="-122"/>
+                <a:ea typeface="SimSun" panose="02010600030101010101" pitchFamily="2" charset="-122"/>
+              </a:rPr>
+              <a:t>JIT</a:t>
+            </a:r>
+            <a:r>
+              <a:rPr lang="zh-CN" altLang="en-US" dirty="0" smtClean="0">
+                <a:latin typeface="SimSun" panose="02010600030101010101" pitchFamily="2" charset="-122"/>
+                <a:ea typeface="SimSun" panose="02010600030101010101" pitchFamily="2" charset="-122"/>
+              </a:rPr>
+              <a:t>编</a:t>
+            </a:r>
+            <a:r>
+              <a:rPr lang="zh-CN" altLang="en-US" dirty="0">
+                <a:latin typeface="SimSun" panose="02010600030101010101" pitchFamily="2" charset="-122"/>
+                <a:ea typeface="SimSun" panose="02010600030101010101" pitchFamily="2" charset="-122"/>
+              </a:rPr>
+              <a:t>译模式，</a:t>
+            </a:r>
+            <a:r>
+              <a:rPr lang="zh-CN" altLang="en-US" dirty="0" smtClean="0">
+                <a:latin typeface="SimSun" panose="02010600030101010101" pitchFamily="2" charset="-122"/>
+                <a:ea typeface="SimSun" panose="02010600030101010101" pitchFamily="2" charset="-122"/>
+              </a:rPr>
+              <a:t>在</a:t>
+            </a:r>
+            <a:r>
+              <a:rPr lang="en-US" altLang="zh-CN" dirty="0" smtClean="0">
+                <a:latin typeface="SimSun" panose="02010600030101010101" pitchFamily="2" charset="-122"/>
+                <a:ea typeface="SimSun" panose="02010600030101010101" pitchFamily="2" charset="-122"/>
+              </a:rPr>
+              <a:t>AOT</a:t>
+            </a:r>
+            <a:r>
+              <a:rPr lang="zh-CN" altLang="en-US" dirty="0" smtClean="0">
+                <a:latin typeface="SimSun" panose="02010600030101010101" pitchFamily="2" charset="-122"/>
+                <a:ea typeface="SimSun" panose="02010600030101010101" pitchFamily="2" charset="-122"/>
+              </a:rPr>
+              <a:t>模</a:t>
+            </a:r>
+            <a:r>
+              <a:rPr lang="zh-CN" altLang="en-US" dirty="0">
+                <a:latin typeface="SimSun" panose="02010600030101010101" pitchFamily="2" charset="-122"/>
+                <a:ea typeface="SimSun" panose="02010600030101010101" pitchFamily="2" charset="-122"/>
+              </a:rPr>
+              <a:t>式下用户访问我们的应用，只需经历以下步骤：</a:t>
+            </a:r>
+          </a:p>
+          <a:p>
+            <a:r>
+              <a:rPr lang="zh-CN" altLang="en-US" dirty="0">
+                <a:latin typeface="SimSun" panose="02010600030101010101" pitchFamily="2" charset="-122"/>
+                <a:ea typeface="SimSun" panose="02010600030101010101" pitchFamily="2" charset="-122"/>
+              </a:rPr>
+              <a:t>下载应用相关的资源，</a:t>
+            </a:r>
+            <a:r>
+              <a:rPr lang="zh-CN" altLang="en-US" dirty="0" smtClean="0">
+                <a:latin typeface="SimSun" panose="02010600030101010101" pitchFamily="2" charset="-122"/>
+                <a:ea typeface="SimSun" panose="02010600030101010101" pitchFamily="2" charset="-122"/>
+              </a:rPr>
+              <a:t>如</a:t>
+            </a:r>
+            <a:r>
+              <a:rPr lang="en-US" altLang="zh-CN" dirty="0" smtClean="0">
+                <a:latin typeface="SimSun" panose="02010600030101010101" pitchFamily="2" charset="-122"/>
+                <a:ea typeface="SimSun" panose="02010600030101010101" pitchFamily="2" charset="-122"/>
+              </a:rPr>
+              <a:t>JavaScript</a:t>
+            </a:r>
+            <a:r>
+              <a:rPr lang="zh-CN" altLang="en-US" dirty="0" smtClean="0">
+                <a:latin typeface="SimSun" panose="02010600030101010101" pitchFamily="2" charset="-122"/>
+                <a:ea typeface="SimSun" panose="02010600030101010101" pitchFamily="2" charset="-122"/>
+              </a:rPr>
+              <a:t>文</a:t>
+            </a:r>
+            <a:r>
+              <a:rPr lang="zh-CN" altLang="en-US" dirty="0">
+                <a:latin typeface="SimSun" panose="02010600030101010101" pitchFamily="2" charset="-122"/>
+                <a:ea typeface="SimSun" panose="02010600030101010101" pitchFamily="2" charset="-122"/>
+              </a:rPr>
+              <a:t>件、图片、样式资源</a:t>
+            </a:r>
+          </a:p>
+          <a:p>
+            <a:r>
+              <a:rPr lang="en-US" altLang="zh-CN" dirty="0" smtClean="0">
+                <a:latin typeface="SimSun" panose="02010600030101010101" pitchFamily="2" charset="-122"/>
+                <a:ea typeface="SimSun" panose="02010600030101010101" pitchFamily="2" charset="-122"/>
+              </a:rPr>
+              <a:t>Angular</a:t>
+            </a:r>
+            <a:r>
+              <a:rPr lang="zh-CN" altLang="en-US" dirty="0" smtClean="0">
+                <a:latin typeface="SimSun" panose="02010600030101010101" pitchFamily="2" charset="-122"/>
+                <a:ea typeface="SimSun" panose="02010600030101010101" pitchFamily="2" charset="-122"/>
+              </a:rPr>
+              <a:t>启</a:t>
+            </a:r>
+            <a:r>
+              <a:rPr lang="zh-CN" altLang="en-US" dirty="0">
+                <a:latin typeface="SimSun" panose="02010600030101010101" pitchFamily="2" charset="-122"/>
+                <a:ea typeface="SimSun" panose="02010600030101010101" pitchFamily="2" charset="-122"/>
+              </a:rPr>
+              <a:t>动</a:t>
+            </a:r>
+          </a:p>
+          <a:p>
+            <a:r>
+              <a:rPr lang="zh-CN" altLang="en-US" dirty="0">
+                <a:latin typeface="SimSun" panose="02010600030101010101" pitchFamily="2" charset="-122"/>
+                <a:ea typeface="SimSun" panose="02010600030101010101" pitchFamily="2" charset="-122"/>
+              </a:rPr>
+              <a:t>应用完成渲染</a:t>
+            </a:r>
+          </a:p>
+          <a:p>
+            <a:endParaRPr lang="en-US" dirty="0"/>
+          </a:p>
+        </p:txBody>
+      </p:sp>
+      <p:sp>
+        <p:nvSpPr>
+          <p:cNvPr id="3" name="Title 2"/>
+          <p:cNvSpPr>
+            <a:spLocks noGrp="1"/>
+          </p:cNvSpPr>
+          <p:nvPr>
+            <p:ph type="title"/>
+          </p:nvPr>
+        </p:nvSpPr>
+        <p:spPr/>
+        <p:txBody>
+          <a:bodyPr>
+            <a:normAutofit/>
+          </a:bodyPr>
+          <a:lstStyle/>
+          <a:p>
+            <a:r>
+              <a:rPr lang="en-US" sz="2800" dirty="0" smtClean="0">
+                <a:latin typeface="SimSun" panose="02010600030101010101" pitchFamily="2" charset="-122"/>
+                <a:ea typeface="SimSun" panose="02010600030101010101" pitchFamily="2" charset="-122"/>
+              </a:rPr>
+              <a:t>AOT</a:t>
+            </a:r>
+            <a:endParaRPr lang="en-US" sz="2800" dirty="0">
+              <a:latin typeface="SimSun" panose="02010600030101010101" pitchFamily="2" charset="-122"/>
+              <a:ea typeface="SimSun" panose="02010600030101010101" pitchFamily="2" charset="-122"/>
+            </a:endParaRPr>
+          </a:p>
+        </p:txBody>
+      </p:sp>
+      <p:sp>
+        <p:nvSpPr>
+          <p:cNvPr id="4" name="Slide Number Placeholder 3"/>
+          <p:cNvSpPr>
+            <a:spLocks noGrp="1"/>
+          </p:cNvSpPr>
+          <p:nvPr>
+            <p:ph type="sldNum" sz="quarter" idx="4"/>
+          </p:nvPr>
+        </p:nvSpPr>
+        <p:spPr/>
+        <p:txBody>
+          <a:bodyPr/>
+          <a:lstStyle/>
+          <a:p>
+            <a:pPr fontAlgn="auto">
+              <a:spcBef>
+                <a:spcPts val="0"/>
+              </a:spcBef>
+              <a:spcAft>
+                <a:spcPts val="0"/>
+              </a:spcAft>
+              <a:defRPr/>
+            </a:pPr>
+            <a:fld id="{90CBDC3A-D49F-4631-A8C7-55D59B33E5FA}" type="slidenum">
+              <a:rPr lang="en-US" b="0" smtClean="0">
+                <a:solidFill>
+                  <a:srgbClr val="666666"/>
+                </a:solidFill>
+              </a:rPr>
+              <a:pPr fontAlgn="auto">
+                <a:spcBef>
+                  <a:spcPts val="0"/>
+                </a:spcBef>
+                <a:spcAft>
+                  <a:spcPts val="0"/>
+                </a:spcAft>
+                <a:defRPr/>
+              </a:pPr>
+              <a:t>15</a:t>
+            </a:fld>
+            <a:endParaRPr lang="en-US" b="0" dirty="0">
+              <a:solidFill>
+                <a:srgbClr val="666666"/>
+              </a:solidFill>
+            </a:endParaRPr>
+          </a:p>
+        </p:txBody>
+      </p:sp>
+    </p:spTree>
+    <p:extLst>
+      <p:ext uri="{BB962C8B-B14F-4D97-AF65-F5344CB8AC3E}">
+        <p14:creationId xmlns:p14="http://schemas.microsoft.com/office/powerpoint/2010/main" val="725431238"/>
+      </p:ext>
+    </p:extLst>
+  </p:cSld>
+  <p:clrMapOvr>
+    <a:masterClrMapping/>
+  </p:clrMapOvr>
+</p:sld>
+</file>
+
+<file path=ppt/slides/slide17.xml><?xml version="1.0" encoding="utf-8"?>
+<p:sld xmlns:a="http://schemas.openxmlformats.org/drawingml/2006/main" xmlns:r="http://schemas.openxmlformats.org/officeDocument/2006/relationships" xmlns:p="http://schemas.openxmlformats.org/presentationml/2006/main">
+  <p:cSld>
+    <p:spTree>
+      <p:nvGrpSpPr>
+        <p:cNvPr id="1" name=""/>
+        <p:cNvGrpSpPr/>
+        <p:nvPr/>
+      </p:nvGrpSpPr>
+      <p:grpSpPr>
+        <a:xfrm>
+          <a:off x="0" y="0"/>
+          <a:ext cx="0" cy="0"/>
+          <a:chOff x="0" y="0"/>
+          <a:chExt cx="0" cy="0"/>
+        </a:xfrm>
+      </p:grpSpPr>
+      <p:pic>
+        <p:nvPicPr>
+          <p:cNvPr id="5" name="Content Placeholder 4"/>
+          <p:cNvPicPr>
+            <a:picLocks noGrp="1" noChangeAspect="1"/>
+          </p:cNvPicPr>
+          <p:nvPr>
+            <p:ph sz="quarter" idx="12"/>
+          </p:nvPr>
+        </p:nvPicPr>
+        <p:blipFill>
+          <a:blip r:embed="rId2">
+            <a:extLst>
+              <a:ext uri="{28A0092B-C50C-407E-A947-70E740481C1C}">
+                <a14:useLocalDpi xmlns:a14="http://schemas.microsoft.com/office/drawing/2010/main" val="0"/>
+              </a:ext>
+            </a:extLst>
+          </a:blip>
+          <a:stretch>
+            <a:fillRect/>
+          </a:stretch>
+        </p:blipFill>
+        <p:spPr>
+          <a:xfrm>
+            <a:off x="452568" y="1200151"/>
+            <a:ext cx="3552165" cy="5259916"/>
+          </a:xfrm>
+        </p:spPr>
+      </p:pic>
+      <p:sp>
+        <p:nvSpPr>
+          <p:cNvPr id="3" name="Title 2"/>
+          <p:cNvSpPr>
+            <a:spLocks noGrp="1"/>
+          </p:cNvSpPr>
+          <p:nvPr>
+            <p:ph type="title"/>
+          </p:nvPr>
+        </p:nvSpPr>
+        <p:spPr/>
+        <p:txBody>
+          <a:bodyPr>
+            <a:normAutofit/>
+          </a:bodyPr>
+          <a:lstStyle/>
+          <a:p>
+            <a:r>
+              <a:rPr lang="en-US" sz="2800" dirty="0" smtClean="0">
+                <a:latin typeface="SimSun" panose="02010600030101010101" pitchFamily="2" charset="-122"/>
+                <a:ea typeface="SimSun" panose="02010600030101010101" pitchFamily="2" charset="-122"/>
+              </a:rPr>
+              <a:t>JIT VS AOT</a:t>
+            </a:r>
+            <a:endParaRPr lang="en-US" sz="2800" dirty="0">
+              <a:latin typeface="SimSun" panose="02010600030101010101" pitchFamily="2" charset="-122"/>
+              <a:ea typeface="SimSun" panose="02010600030101010101" pitchFamily="2" charset="-122"/>
+            </a:endParaRPr>
+          </a:p>
+        </p:txBody>
+      </p:sp>
+      <p:sp>
+        <p:nvSpPr>
+          <p:cNvPr id="4" name="Slide Number Placeholder 3"/>
+          <p:cNvSpPr>
+            <a:spLocks noGrp="1"/>
+          </p:cNvSpPr>
+          <p:nvPr>
+            <p:ph type="sldNum" sz="quarter" idx="4"/>
+          </p:nvPr>
+        </p:nvSpPr>
+        <p:spPr/>
+        <p:txBody>
+          <a:bodyPr/>
+          <a:lstStyle/>
+          <a:p>
+            <a:pPr fontAlgn="auto">
+              <a:spcBef>
+                <a:spcPts val="0"/>
+              </a:spcBef>
+              <a:spcAft>
+                <a:spcPts val="0"/>
+              </a:spcAft>
+              <a:defRPr/>
+            </a:pPr>
+            <a:fld id="{90CBDC3A-D49F-4631-A8C7-55D59B33E5FA}" type="slidenum">
+              <a:rPr lang="en-US" b="0" smtClean="0">
+                <a:solidFill>
+                  <a:srgbClr val="666666"/>
+                </a:solidFill>
+              </a:rPr>
+              <a:pPr fontAlgn="auto">
+                <a:spcBef>
+                  <a:spcPts val="0"/>
+                </a:spcBef>
+                <a:spcAft>
+                  <a:spcPts val="0"/>
+                </a:spcAft>
+                <a:defRPr/>
+              </a:pPr>
+              <a:t>16</a:t>
+            </a:fld>
+            <a:endParaRPr lang="en-US" b="0" dirty="0">
+              <a:solidFill>
+                <a:srgbClr val="666666"/>
+              </a:solidFill>
+            </a:endParaRPr>
+          </a:p>
+        </p:txBody>
+      </p:sp>
+      <p:pic>
+        <p:nvPicPr>
+          <p:cNvPr id="2" name="Picture 1"/>
+          <p:cNvPicPr>
+            <a:picLocks noChangeAspect="1"/>
+          </p:cNvPicPr>
+          <p:nvPr/>
+        </p:nvPicPr>
+        <p:blipFill>
+          <a:blip r:embed="rId3">
+            <a:extLst>
+              <a:ext uri="{28A0092B-C50C-407E-A947-70E740481C1C}">
+                <a14:useLocalDpi xmlns:a14="http://schemas.microsoft.com/office/drawing/2010/main" val="0"/>
+              </a:ext>
+            </a:extLst>
+          </a:blip>
+          <a:stretch>
+            <a:fillRect/>
+          </a:stretch>
+        </p:blipFill>
+        <p:spPr>
+          <a:xfrm>
+            <a:off x="5393267" y="1200151"/>
+            <a:ext cx="3750733" cy="5259916"/>
+          </a:xfrm>
+          <a:prstGeom prst="rect">
+            <a:avLst/>
+          </a:prstGeom>
+        </p:spPr>
+      </p:pic>
+    </p:spTree>
+    <p:extLst>
+      <p:ext uri="{BB962C8B-B14F-4D97-AF65-F5344CB8AC3E}">
+        <p14:creationId xmlns:p14="http://schemas.microsoft.com/office/powerpoint/2010/main" val="4223509906"/>
+      </p:ext>
+    </p:extLst>
+  </p:cSld>
+  <p:clrMapOvr>
+    <a:masterClrMapping/>
+  </p:clrMapOvr>
+</p:sld>
+</file>
+
+<file path=ppt/slides/slide18.xml><?xml version="1.0" encoding="utf-8"?>
+<p:sld xmlns:a="http://schemas.openxmlformats.org/drawingml/2006/main" xmlns:r="http://schemas.openxmlformats.org/officeDocument/2006/relationships" xmlns:p="http://schemas.openxmlformats.org/presentationml/2006/main">
+  <p:cSld>
+    <p:spTree>
+      <p:nvGrpSpPr>
+        <p:cNvPr id="1" name=""/>
+        <p:cNvGrpSpPr/>
+        <p:nvPr/>
+      </p:nvGrpSpPr>
+      <p:grpSpPr>
+        <a:xfrm>
+          <a:off x="0" y="0"/>
+          <a:ext cx="0" cy="0"/>
+          <a:chOff x="0" y="0"/>
+          <a:chExt cx="0" cy="0"/>
+        </a:xfrm>
+      </p:grpSpPr>
+      <p:graphicFrame>
+        <p:nvGraphicFramePr>
+          <p:cNvPr id="5" name="Content Placeholder 4"/>
+          <p:cNvGraphicFramePr>
+            <a:graphicFrameLocks noGrp="1"/>
+          </p:cNvGraphicFramePr>
+          <p:nvPr>
+            <p:ph sz="quarter" idx="12"/>
+            <p:extLst>
+              <p:ext uri="{D42A27DB-BD31-4B8C-83A1-F6EECF244321}">
+                <p14:modId xmlns:p14="http://schemas.microsoft.com/office/powerpoint/2010/main" val="3532654901"/>
+              </p:ext>
+            </p:extLst>
+          </p:nvPr>
+        </p:nvGraphicFramePr>
+        <p:xfrm>
+          <a:off x="449263" y="1200150"/>
+          <a:ext cx="8228013" cy="2225040"/>
+        </p:xfrm>
+        <a:graphic>
+          <a:graphicData uri="http://schemas.openxmlformats.org/drawingml/2006/table">
+            <a:tbl>
+              <a:tblPr firstRow="1" bandRow="1">
+                <a:tableStyleId>{5C22544A-7EE6-4342-B048-85BDC9FD1C3A}</a:tableStyleId>
+              </a:tblPr>
+              <a:tblGrid>
+                <a:gridCol w="2742671"/>
+                <a:gridCol w="2742671"/>
+                <a:gridCol w="2742671"/>
+              </a:tblGrid>
+              <a:tr h="370840">
+                <a:tc>
+                  <a:txBody>
+                    <a:bodyPr/>
+                    <a:lstStyle/>
+                    <a:p>
+                      <a:pPr algn="l" latinLnBrk="0"/>
+                      <a:r>
+                        <a:rPr lang="ja-JP" altLang="en-US" dirty="0">
+                          <a:effectLst/>
+                        </a:rPr>
+                        <a:t>特性</a:t>
+                      </a:r>
+                    </a:p>
+                  </a:txBody>
+                  <a:tcPr marL="76200" marR="76200" marT="47625" marB="47625" anchor="ctr"/>
+                </a:tc>
+                <a:tc>
+                  <a:txBody>
+                    <a:bodyPr/>
+                    <a:lstStyle/>
+                    <a:p>
+                      <a:r>
+                        <a:rPr lang="en-US" dirty="0" smtClean="0"/>
+                        <a:t>JIT</a:t>
+                      </a:r>
+                      <a:endParaRPr lang="en-US" dirty="0"/>
+                    </a:p>
+                  </a:txBody>
+                  <a:tcPr/>
+                </a:tc>
+                <a:tc>
+                  <a:txBody>
+                    <a:bodyPr/>
+                    <a:lstStyle/>
+                    <a:p>
+                      <a:r>
+                        <a:rPr lang="en-US" dirty="0" smtClean="0"/>
+                        <a:t>AOT</a:t>
+                      </a:r>
+                      <a:endParaRPr lang="en-US" dirty="0"/>
+                    </a:p>
+                  </a:txBody>
+                  <a:tcPr/>
+                </a:tc>
+              </a:tr>
+              <a:tr h="370840">
+                <a:tc>
+                  <a:txBody>
+                    <a:bodyPr/>
+                    <a:lstStyle/>
+                    <a:p>
+                      <a:r>
+                        <a:rPr lang="ja-JP" altLang="en-US" sz="1800" b="0" i="0" kern="1200" dirty="0" smtClean="0">
+                          <a:solidFill>
+                            <a:schemeClr val="dk1"/>
+                          </a:solidFill>
+                          <a:effectLst/>
+                          <a:latin typeface="+mn-lt"/>
+                          <a:ea typeface="+mn-ea"/>
+                          <a:cs typeface="+mn-cs"/>
+                        </a:rPr>
+                        <a:t>编译平台</a:t>
+                      </a:r>
+                      <a:endParaRPr lang="en-US" dirty="0"/>
+                    </a:p>
+                  </a:txBody>
+                  <a:tcPr/>
+                </a:tc>
+                <a:tc>
+                  <a:txBody>
+                    <a:bodyPr/>
+                    <a:lstStyle/>
+                    <a:p>
+                      <a:r>
+                        <a:rPr lang="en-US" sz="1800" b="0" i="0" kern="1200" dirty="0" smtClean="0">
+                          <a:solidFill>
+                            <a:schemeClr val="dk1"/>
+                          </a:solidFill>
+                          <a:effectLst/>
+                          <a:latin typeface="+mn-lt"/>
+                          <a:ea typeface="+mn-ea"/>
+                          <a:cs typeface="+mn-cs"/>
+                        </a:rPr>
+                        <a:t>(Browser) </a:t>
+                      </a:r>
+                      <a:r>
+                        <a:rPr lang="ja-JP" altLang="en-US" sz="1800" b="0" i="0" kern="1200" dirty="0" smtClean="0">
+                          <a:solidFill>
+                            <a:schemeClr val="dk1"/>
+                          </a:solidFill>
+                          <a:effectLst/>
+                          <a:latin typeface="+mn-lt"/>
+                          <a:ea typeface="+mn-ea"/>
+                          <a:cs typeface="+mn-cs"/>
+                        </a:rPr>
+                        <a:t>浏览器</a:t>
+                      </a:r>
+                      <a:endParaRPr lang="en-US" dirty="0"/>
+                    </a:p>
+                  </a:txBody>
+                  <a:tcPr/>
+                </a:tc>
+                <a:tc>
+                  <a:txBody>
+                    <a:bodyPr/>
+                    <a:lstStyle/>
+                    <a:p>
+                      <a:r>
+                        <a:rPr lang="en-US" sz="1800" b="0" i="0" kern="1200" dirty="0" smtClean="0">
+                          <a:solidFill>
+                            <a:schemeClr val="dk1"/>
+                          </a:solidFill>
+                          <a:effectLst/>
+                          <a:latin typeface="+mn-lt"/>
+                          <a:ea typeface="+mn-ea"/>
+                          <a:cs typeface="+mn-cs"/>
+                        </a:rPr>
+                        <a:t>(Server) </a:t>
+                      </a:r>
+                      <a:r>
+                        <a:rPr lang="ja-JP" altLang="en-US" sz="1800" b="0" i="0" kern="1200" dirty="0" smtClean="0">
+                          <a:solidFill>
+                            <a:schemeClr val="dk1"/>
+                          </a:solidFill>
+                          <a:effectLst/>
+                          <a:latin typeface="+mn-lt"/>
+                          <a:ea typeface="+mn-ea"/>
+                          <a:cs typeface="+mn-cs"/>
+                        </a:rPr>
+                        <a:t>服务器</a:t>
+                      </a:r>
+                      <a:endParaRPr lang="en-US" dirty="0"/>
+                    </a:p>
+                  </a:txBody>
+                  <a:tcPr/>
+                </a:tc>
+              </a:tr>
+              <a:tr h="370840">
+                <a:tc>
+                  <a:txBody>
+                    <a:bodyPr/>
+                    <a:lstStyle/>
+                    <a:p>
+                      <a:r>
+                        <a:rPr lang="ja-JP" altLang="en-US" sz="1800" b="0" i="0" kern="1200" dirty="0" smtClean="0">
+                          <a:solidFill>
+                            <a:schemeClr val="dk1"/>
+                          </a:solidFill>
+                          <a:effectLst/>
+                          <a:latin typeface="+mn-lt"/>
+                          <a:ea typeface="+mn-ea"/>
+                          <a:cs typeface="+mn-cs"/>
+                        </a:rPr>
+                        <a:t>编译时机</a:t>
+                      </a:r>
+                      <a:endParaRPr lang="en-US" dirty="0"/>
+                    </a:p>
+                  </a:txBody>
+                  <a:tcPr/>
+                </a:tc>
+                <a:tc>
+                  <a:txBody>
+                    <a:bodyPr/>
+                    <a:lstStyle/>
+                    <a:p>
+                      <a:r>
+                        <a:rPr lang="en-US" sz="1800" b="0" i="0" kern="1200" dirty="0" smtClean="0">
+                          <a:solidFill>
+                            <a:schemeClr val="dk1"/>
+                          </a:solidFill>
+                          <a:effectLst/>
+                          <a:latin typeface="+mn-lt"/>
+                          <a:ea typeface="+mn-ea"/>
+                          <a:cs typeface="+mn-cs"/>
+                        </a:rPr>
+                        <a:t>Runtime (</a:t>
+                      </a:r>
+                      <a:r>
+                        <a:rPr lang="ja-JP" altLang="en-US" sz="1800" b="0" i="0" kern="1200" dirty="0" smtClean="0">
+                          <a:solidFill>
+                            <a:schemeClr val="dk1"/>
+                          </a:solidFill>
+                          <a:effectLst/>
+                          <a:latin typeface="+mn-lt"/>
+                          <a:ea typeface="+mn-ea"/>
+                          <a:cs typeface="+mn-cs"/>
+                        </a:rPr>
+                        <a:t>运行时</a:t>
+                      </a:r>
+                      <a:r>
+                        <a:rPr lang="en-US" altLang="ja-JP" sz="1800" b="0" i="0" kern="1200" dirty="0" smtClean="0">
+                          <a:solidFill>
+                            <a:schemeClr val="dk1"/>
+                          </a:solidFill>
+                          <a:effectLst/>
+                          <a:latin typeface="+mn-lt"/>
+                          <a:ea typeface="+mn-ea"/>
+                          <a:cs typeface="+mn-cs"/>
+                        </a:rPr>
+                        <a:t>)</a:t>
+                      </a:r>
+                      <a:endParaRPr lang="en-US" dirty="0"/>
+                    </a:p>
+                  </a:txBody>
+                  <a:tcPr/>
+                </a:tc>
+                <a:tc>
+                  <a:txBody>
+                    <a:bodyPr/>
+                    <a:lstStyle/>
+                    <a:p>
+                      <a:r>
+                        <a:rPr lang="en-US" sz="1800" b="0" i="0" kern="1200" dirty="0" smtClean="0">
+                          <a:solidFill>
+                            <a:schemeClr val="dk1"/>
+                          </a:solidFill>
+                          <a:effectLst/>
+                          <a:latin typeface="+mn-lt"/>
+                          <a:ea typeface="+mn-ea"/>
+                          <a:cs typeface="+mn-cs"/>
+                        </a:rPr>
+                        <a:t>Build (</a:t>
+                      </a:r>
+                      <a:r>
+                        <a:rPr lang="ja-JP" altLang="en-US" sz="1800" b="0" i="0" kern="1200" dirty="0" smtClean="0">
+                          <a:solidFill>
+                            <a:schemeClr val="dk1"/>
+                          </a:solidFill>
+                          <a:effectLst/>
+                          <a:latin typeface="+mn-lt"/>
+                          <a:ea typeface="+mn-ea"/>
+                          <a:cs typeface="+mn-cs"/>
+                        </a:rPr>
+                        <a:t>构建阶段</a:t>
+                      </a:r>
+                      <a:r>
+                        <a:rPr lang="en-US" altLang="ja-JP" sz="1800" b="0" i="0" kern="1200" dirty="0" smtClean="0">
+                          <a:solidFill>
+                            <a:schemeClr val="dk1"/>
+                          </a:solidFill>
+                          <a:effectLst/>
+                          <a:latin typeface="+mn-lt"/>
+                          <a:ea typeface="+mn-ea"/>
+                          <a:cs typeface="+mn-cs"/>
+                        </a:rPr>
+                        <a:t>)</a:t>
+                      </a:r>
+                      <a:endParaRPr lang="en-US" dirty="0"/>
+                    </a:p>
+                  </a:txBody>
+                  <a:tcPr/>
+                </a:tc>
+              </a:tr>
+              <a:tr h="370840">
+                <a:tc>
+                  <a:txBody>
+                    <a:bodyPr/>
+                    <a:lstStyle/>
+                    <a:p>
+                      <a:r>
+                        <a:rPr lang="ja-JP" altLang="en-US" sz="1800" b="0" i="0" kern="1200" dirty="0" smtClean="0">
+                          <a:solidFill>
+                            <a:schemeClr val="dk1"/>
+                          </a:solidFill>
+                          <a:effectLst/>
+                          <a:latin typeface="+mn-lt"/>
+                          <a:ea typeface="+mn-ea"/>
+                          <a:cs typeface="+mn-cs"/>
+                        </a:rPr>
+                        <a:t>包大小</a:t>
+                      </a:r>
+                      <a:endParaRPr lang="en-US" dirty="0"/>
+                    </a:p>
+                  </a:txBody>
+                  <a:tcPr/>
+                </a:tc>
+                <a:tc>
+                  <a:txBody>
+                    <a:bodyPr/>
+                    <a:lstStyle/>
+                    <a:p>
+                      <a:r>
+                        <a:rPr lang="ja-JP" altLang="en-US" sz="1800" b="0" i="0" kern="1200" dirty="0" smtClean="0">
+                          <a:solidFill>
+                            <a:schemeClr val="dk1"/>
+                          </a:solidFill>
+                          <a:effectLst/>
+                          <a:latin typeface="+mn-lt"/>
+                          <a:ea typeface="+mn-ea"/>
+                          <a:cs typeface="+mn-cs"/>
+                        </a:rPr>
+                        <a:t>较大</a:t>
+                      </a:r>
+                      <a:endParaRPr lang="en-US" dirty="0"/>
+                    </a:p>
+                  </a:txBody>
+                  <a:tcPr/>
+                </a:tc>
+                <a:tc>
+                  <a:txBody>
+                    <a:bodyPr/>
+                    <a:lstStyle/>
+                    <a:p>
+                      <a:r>
+                        <a:rPr lang="ja-JP" altLang="en-US" sz="1800" b="0" i="0" kern="1200" dirty="0" smtClean="0">
+                          <a:solidFill>
+                            <a:schemeClr val="dk1"/>
+                          </a:solidFill>
+                          <a:effectLst/>
+                          <a:latin typeface="+mn-lt"/>
+                          <a:ea typeface="+mn-ea"/>
+                          <a:cs typeface="+mn-cs"/>
+                        </a:rPr>
+                        <a:t>较小</a:t>
+                      </a:r>
+                      <a:endParaRPr lang="en-US" dirty="0"/>
+                    </a:p>
+                  </a:txBody>
+                  <a:tcPr/>
+                </a:tc>
+              </a:tr>
+              <a:tr h="370840">
+                <a:tc>
+                  <a:txBody>
+                    <a:bodyPr/>
+                    <a:lstStyle/>
+                    <a:p>
+                      <a:r>
+                        <a:rPr lang="ja-JP" altLang="en-US" sz="1800" b="0" i="0" kern="1200" dirty="0" smtClean="0">
+                          <a:solidFill>
+                            <a:schemeClr val="dk1"/>
+                          </a:solidFill>
+                          <a:effectLst/>
+                          <a:latin typeface="+mn-lt"/>
+                          <a:ea typeface="+mn-ea"/>
+                          <a:cs typeface="+mn-cs"/>
+                        </a:rPr>
+                        <a:t>执行性能</a:t>
+                      </a:r>
+                      <a:endParaRPr lang="en-US" dirty="0"/>
+                    </a:p>
+                  </a:txBody>
+                  <a:tcPr/>
+                </a:tc>
+                <a:tc>
+                  <a:txBody>
+                    <a:bodyPr/>
+                    <a:lstStyle/>
+                    <a:p>
+                      <a:r>
+                        <a:rPr lang="en-US" sz="1800" b="0" i="0" kern="1200" dirty="0" smtClean="0">
+                          <a:solidFill>
+                            <a:schemeClr val="dk1"/>
+                          </a:solidFill>
+                          <a:effectLst/>
+                          <a:latin typeface="+mn-lt"/>
+                          <a:ea typeface="+mn-ea"/>
+                          <a:cs typeface="+mn-cs"/>
+                        </a:rPr>
+                        <a:t>-</a:t>
+                      </a:r>
+                      <a:endParaRPr lang="en-US" dirty="0"/>
+                    </a:p>
+                  </a:txBody>
+                  <a:tcPr/>
+                </a:tc>
+                <a:tc>
+                  <a:txBody>
+                    <a:bodyPr/>
+                    <a:lstStyle/>
+                    <a:p>
+                      <a:r>
+                        <a:rPr lang="ja-JP" altLang="en-US" sz="1800" b="0" i="0" kern="1200" dirty="0" smtClean="0">
+                          <a:solidFill>
+                            <a:schemeClr val="dk1"/>
+                          </a:solidFill>
+                          <a:effectLst/>
+                          <a:latin typeface="+mn-lt"/>
+                          <a:ea typeface="+mn-ea"/>
+                          <a:cs typeface="+mn-cs"/>
+                        </a:rPr>
+                        <a:t>更好</a:t>
+                      </a:r>
+                      <a:endParaRPr lang="en-US" dirty="0"/>
+                    </a:p>
+                  </a:txBody>
+                  <a:tcPr/>
+                </a:tc>
+              </a:tr>
+              <a:tr h="370840">
+                <a:tc>
+                  <a:txBody>
+                    <a:bodyPr/>
+                    <a:lstStyle/>
+                    <a:p>
+                      <a:r>
+                        <a:rPr lang="ja-JP" altLang="en-US" sz="1800" b="0" i="0" kern="1200" dirty="0" smtClean="0">
+                          <a:solidFill>
+                            <a:schemeClr val="dk1"/>
+                          </a:solidFill>
+                          <a:effectLst/>
+                          <a:latin typeface="+mn-lt"/>
+                          <a:ea typeface="+mn-ea"/>
+                          <a:cs typeface="+mn-cs"/>
+                        </a:rPr>
+                        <a:t>启动时间</a:t>
+                      </a:r>
+                      <a:endParaRPr lang="en-US" dirty="0"/>
+                    </a:p>
+                  </a:txBody>
+                  <a:tcPr/>
+                </a:tc>
+                <a:tc>
+                  <a:txBody>
+                    <a:bodyPr/>
+                    <a:lstStyle/>
+                    <a:p>
+                      <a:r>
+                        <a:rPr lang="en-US" sz="1800" b="0" i="0" kern="1200" dirty="0" smtClean="0">
+                          <a:solidFill>
+                            <a:schemeClr val="dk1"/>
+                          </a:solidFill>
+                          <a:effectLst/>
+                          <a:latin typeface="+mn-lt"/>
+                          <a:ea typeface="+mn-ea"/>
+                          <a:cs typeface="+mn-cs"/>
+                        </a:rPr>
+                        <a:t>-</a:t>
+                      </a:r>
+                      <a:endParaRPr lang="en-US" dirty="0"/>
+                    </a:p>
+                  </a:txBody>
+                  <a:tcPr/>
+                </a:tc>
+                <a:tc>
+                  <a:txBody>
+                    <a:bodyPr/>
+                    <a:lstStyle/>
+                    <a:p>
+                      <a:r>
+                        <a:rPr lang="ja-JP" altLang="en-US" sz="1800" b="0" i="0" kern="1200" dirty="0" smtClean="0">
+                          <a:solidFill>
+                            <a:schemeClr val="dk1"/>
+                          </a:solidFill>
+                          <a:effectLst/>
+                          <a:latin typeface="+mn-lt"/>
+                          <a:ea typeface="+mn-ea"/>
+                          <a:cs typeface="+mn-cs"/>
+                        </a:rPr>
+                        <a:t>更短</a:t>
+                      </a:r>
+                      <a:endParaRPr lang="en-US" dirty="0"/>
+                    </a:p>
+                  </a:txBody>
+                  <a:tcPr/>
+                </a:tc>
+              </a:tr>
+            </a:tbl>
+          </a:graphicData>
+        </a:graphic>
+      </p:graphicFrame>
+      <p:sp>
+        <p:nvSpPr>
+          <p:cNvPr id="3" name="Title 2"/>
+          <p:cNvSpPr>
+            <a:spLocks noGrp="1"/>
+          </p:cNvSpPr>
+          <p:nvPr>
+            <p:ph type="title"/>
+          </p:nvPr>
+        </p:nvSpPr>
+        <p:spPr/>
+        <p:txBody>
+          <a:bodyPr>
+            <a:normAutofit/>
+          </a:bodyPr>
+          <a:lstStyle/>
+          <a:p>
+            <a:r>
+              <a:rPr lang="en-US" sz="2800" dirty="0" smtClean="0">
+                <a:latin typeface="SimSun" panose="02010600030101010101" pitchFamily="2" charset="-122"/>
+                <a:ea typeface="SimSun" panose="02010600030101010101" pitchFamily="2" charset="-122"/>
+              </a:rPr>
+              <a:t>JIT VS AOT</a:t>
+            </a:r>
+            <a:endParaRPr lang="en-US" sz="2800" dirty="0">
+              <a:latin typeface="SimSun" panose="02010600030101010101" pitchFamily="2" charset="-122"/>
+              <a:ea typeface="SimSun" panose="02010600030101010101" pitchFamily="2" charset="-122"/>
+            </a:endParaRPr>
+          </a:p>
+        </p:txBody>
+      </p:sp>
+      <p:sp>
+        <p:nvSpPr>
+          <p:cNvPr id="4" name="Slide Number Placeholder 3"/>
+          <p:cNvSpPr>
+            <a:spLocks noGrp="1"/>
+          </p:cNvSpPr>
+          <p:nvPr>
+            <p:ph type="sldNum" sz="quarter" idx="4"/>
+          </p:nvPr>
+        </p:nvSpPr>
+        <p:spPr/>
+        <p:txBody>
+          <a:bodyPr/>
+          <a:lstStyle/>
+          <a:p>
+            <a:pPr fontAlgn="auto">
+              <a:spcBef>
+                <a:spcPts val="0"/>
+              </a:spcBef>
+              <a:spcAft>
+                <a:spcPts val="0"/>
+              </a:spcAft>
+              <a:defRPr/>
+            </a:pPr>
+            <a:fld id="{90CBDC3A-D49F-4631-A8C7-55D59B33E5FA}" type="slidenum">
+              <a:rPr lang="en-US" b="0" smtClean="0">
+                <a:solidFill>
+                  <a:srgbClr val="666666"/>
+                </a:solidFill>
+              </a:rPr>
+              <a:pPr fontAlgn="auto">
+                <a:spcBef>
+                  <a:spcPts val="0"/>
+                </a:spcBef>
+                <a:spcAft>
+                  <a:spcPts val="0"/>
+                </a:spcAft>
+                <a:defRPr/>
+              </a:pPr>
+              <a:t>17</a:t>
+            </a:fld>
+            <a:endParaRPr lang="en-US" b="0" dirty="0">
+              <a:solidFill>
+                <a:srgbClr val="666666"/>
+              </a:solidFill>
+            </a:endParaRPr>
+          </a:p>
+        </p:txBody>
+      </p:sp>
+    </p:spTree>
+    <p:extLst>
+      <p:ext uri="{BB962C8B-B14F-4D97-AF65-F5344CB8AC3E}">
+        <p14:creationId xmlns:p14="http://schemas.microsoft.com/office/powerpoint/2010/main" val="214050059"/>
+      </p:ext>
+    </p:extLst>
+  </p:cSld>
+  <p:clrMapOvr>
+    <a:masterClrMapping/>
+  </p:clrMapOvr>
+</p:sld>
+</file>
+
+<file path=ppt/slides/slide19.xml><?xml version="1.0" encoding="utf-8"?>
+<p:sld xmlns:a="http://schemas.openxmlformats.org/drawingml/2006/main" xmlns:r="http://schemas.openxmlformats.org/officeDocument/2006/relationships" xmlns:p="http://schemas.openxmlformats.org/presentationml/2006/main">
+  <p:cSld>
+    <p:spTree>
+      <p:nvGrpSpPr>
+        <p:cNvPr id="1" name=""/>
+        <p:cNvGrpSpPr/>
+        <p:nvPr/>
+      </p:nvGrpSpPr>
+      <p:grpSpPr>
+        <a:xfrm>
+          <a:off x="0" y="0"/>
+          <a:ext cx="0" cy="0"/>
+          <a:chOff x="0" y="0"/>
+          <a:chExt cx="0" cy="0"/>
+        </a:xfrm>
+      </p:grpSpPr>
+      <p:sp>
+        <p:nvSpPr>
+          <p:cNvPr id="3" name="Title 2"/>
+          <p:cNvSpPr>
+            <a:spLocks noGrp="1"/>
+          </p:cNvSpPr>
+          <p:nvPr>
+            <p:ph type="title"/>
+          </p:nvPr>
+        </p:nvSpPr>
+        <p:spPr/>
+        <p:txBody>
+          <a:bodyPr>
+            <a:normAutofit/>
+          </a:bodyPr>
+          <a:lstStyle/>
+          <a:p>
+            <a:r>
+              <a:rPr lang="zh-CN" altLang="en-US" sz="2800" b="0" dirty="0">
+                <a:latin typeface="SimSun" panose="02010600030101010101" pitchFamily="2" charset="-122"/>
+                <a:ea typeface="SimSun" panose="02010600030101010101" pitchFamily="2" charset="-122"/>
+              </a:rPr>
+              <a:t>作业与练习</a:t>
+            </a:r>
+            <a:endParaRPr lang="en-US" sz="2800" b="0" dirty="0">
+              <a:latin typeface="SimSun" panose="02010600030101010101" pitchFamily="2" charset="-122"/>
+              <a:ea typeface="SimSun" panose="02010600030101010101" pitchFamily="2" charset="-122"/>
+            </a:endParaRPr>
+          </a:p>
+        </p:txBody>
+      </p:sp>
+      <p:sp>
+        <p:nvSpPr>
+          <p:cNvPr id="4" name="Slide Number Placeholder 3"/>
+          <p:cNvSpPr>
+            <a:spLocks noGrp="1"/>
+          </p:cNvSpPr>
+          <p:nvPr>
+            <p:ph type="sldNum" sz="quarter" idx="4"/>
+          </p:nvPr>
+        </p:nvSpPr>
+        <p:spPr/>
+        <p:txBody>
+          <a:bodyPr/>
+          <a:lstStyle/>
+          <a:p>
+            <a:pPr fontAlgn="auto">
+              <a:spcBef>
+                <a:spcPts val="0"/>
+              </a:spcBef>
+              <a:spcAft>
+                <a:spcPts val="0"/>
+              </a:spcAft>
+              <a:defRPr/>
+            </a:pPr>
+            <a:fld id="{90CBDC3A-D49F-4631-A8C7-55D59B33E5FA}" type="slidenum">
+              <a:rPr lang="en-US" b="0" smtClean="0">
+                <a:solidFill>
+                  <a:srgbClr val="666666"/>
+                </a:solidFill>
+              </a:rPr>
+              <a:pPr fontAlgn="auto">
+                <a:spcBef>
+                  <a:spcPts val="0"/>
+                </a:spcBef>
+                <a:spcAft>
+                  <a:spcPts val="0"/>
+                </a:spcAft>
+                <a:defRPr/>
+              </a:pPr>
+              <a:t>18</a:t>
             </a:fld>
             <a:endParaRPr lang="en-US" b="0" dirty="0">
               <a:solidFill>
@@ -10564,14 +12698,14 @@
                 <a:gridCol w="2912004">
                   <a:extLst>
                     <a:ext uri="{9D8B030D-6E8A-4147-A177-3AD203B41FA5}">
-                      <a16:colId xmlns:a16="http://schemas.microsoft.com/office/drawing/2014/main" xmlns="" val="20000"/>
+                      <a16:colId xmlns="" xmlns:a16="http://schemas.microsoft.com/office/drawing/2014/main" val="20000"/>
                     </a:ext>
                   </a:extLst>
                 </a:gridCol>
                 <a:gridCol w="5316009">
                   <a:extLst>
                     <a:ext uri="{9D8B030D-6E8A-4147-A177-3AD203B41FA5}">
-                      <a16:colId xmlns:a16="http://schemas.microsoft.com/office/drawing/2014/main" xmlns="" val="20001"/>
+                      <a16:colId xmlns="" xmlns:a16="http://schemas.microsoft.com/office/drawing/2014/main" val="20001"/>
                     </a:ext>
                   </a:extLst>
                 </a:gridCol>
@@ -10619,7 +12753,7 @@
                 </a:tc>
                 <a:extLst>
                   <a:ext uri="{0D108BD9-81ED-4DB2-BD59-A6C34878D82A}">
-                    <a16:rowId xmlns:a16="http://schemas.microsoft.com/office/drawing/2014/main" xmlns="" val="10000"/>
+                    <a16:rowId xmlns="" xmlns:a16="http://schemas.microsoft.com/office/drawing/2014/main" val="10000"/>
                   </a:ext>
                 </a:extLst>
               </a:tr>
@@ -10685,7 +12819,7 @@
                 </a:tc>
                 <a:extLst>
                   <a:ext uri="{0D108BD9-81ED-4DB2-BD59-A6C34878D82A}">
-                    <a16:rowId xmlns:a16="http://schemas.microsoft.com/office/drawing/2014/main" xmlns="" val="10002"/>
+                    <a16:rowId xmlns="" xmlns:a16="http://schemas.microsoft.com/office/drawing/2014/main" val="10002"/>
                   </a:ext>
                 </a:extLst>
               </a:tr>
@@ -10699,259 +12833,6 @@
         <p14:creationId xmlns:p14="http://schemas.microsoft.com/office/powerpoint/2010/main" val="394275118"/>
       </p:ext>
     </p:extLst>
-  </p:cSld>
-  <p:clrMapOvr>
-    <a:masterClrMapping/>
-  </p:clrMapOvr>
-</p:sld>
-</file>
-
-<file path=ppt/slides/slide15.xml><?xml version="1.0" encoding="utf-8"?>
-<p:sld xmlns:a="http://schemas.openxmlformats.org/drawingml/2006/main" xmlns:r="http://schemas.openxmlformats.org/officeDocument/2006/relationships" xmlns:p="http://schemas.openxmlformats.org/presentationml/2006/main">
-  <p:cSld>
-    <p:spTree>
-      <p:nvGrpSpPr>
-        <p:cNvPr id="1" name=""/>
-        <p:cNvGrpSpPr/>
-        <p:nvPr/>
-      </p:nvGrpSpPr>
-      <p:grpSpPr>
-        <a:xfrm>
-          <a:off x="0" y="0"/>
-          <a:ext cx="0" cy="0"/>
-          <a:chOff x="0" y="0"/>
-          <a:chExt cx="0" cy="0"/>
-        </a:xfrm>
-      </p:grpSpPr>
-      <p:sp>
-        <p:nvSpPr>
-          <p:cNvPr id="3" name="Content Placeholder 2"/>
-          <p:cNvSpPr>
-            <a:spLocks noGrp="1"/>
-          </p:cNvSpPr>
-          <p:nvPr>
-            <p:ph sz="quarter" idx="12"/>
-          </p:nvPr>
-        </p:nvSpPr>
-        <p:spPr bwMode="gray">
-          <a:ln w="12700">
-            <a:miter lim="800000"/>
-            <a:headEnd/>
-            <a:tailEnd/>
-          </a:ln>
-        </p:spPr>
-        <p:txBody>
-          <a:bodyPr lIns="90488" tIns="44450" rIns="90488" bIns="44450" anchor="ctr">
-            <a:scene3d>
-              <a:camera prst="orthographicFront">
-                <a:rot lat="0" lon="0" rev="0"/>
-              </a:camera>
-              <a:lightRig rig="contrasting" dir="t">
-                <a:rot lat="0" lon="0" rev="4500000"/>
-              </a:lightRig>
-            </a:scene3d>
-            <a:sp3d contourW="6350" prstMaterial="metal">
-              <a:contourClr>
-                <a:schemeClr val="accent1">
-                  <a:shade val="75000"/>
-                </a:schemeClr>
-              </a:contourClr>
-            </a:sp3d>
-          </a:bodyPr>
-          <a:lstStyle/>
-          <a:p>
-            <a:pPr marL="176213" indent="-176213" algn="ctr" eaLnBrk="1" hangingPunct="1">
-              <a:lnSpc>
-                <a:spcPct val="90000"/>
-              </a:lnSpc>
-              <a:spcBef>
-                <a:spcPct val="40000"/>
-              </a:spcBef>
-              <a:buClr>
-                <a:schemeClr val="tx1"/>
-              </a:buClr>
-              <a:buFontTx/>
-              <a:buNone/>
-              <a:defRPr/>
-            </a:pPr>
-            <a:r>
-              <a:rPr lang="en-US" sz="7200" b="1" cap="all" dirty="0">
-                <a:ln w="0">
-                  <a:solidFill>
-                    <a:schemeClr val="accent6">
-                      <a:lumMod val="75000"/>
-                    </a:schemeClr>
-                  </a:solidFill>
-                </a:ln>
-                <a:solidFill>
-                  <a:srgbClr val="CCFF33"/>
-                </a:solidFill>
-                <a:effectLst>
-                  <a:reflection blurRad="6350" stA="55000" endA="300" endPos="45500" dir="5400000" sy="-100000" algn="bl" rotWithShape="0"/>
-                </a:effectLst>
-              </a:rPr>
-              <a:t>Q &amp; A</a:t>
-            </a:r>
-          </a:p>
-        </p:txBody>
-      </p:sp>
-      <p:sp>
-        <p:nvSpPr>
-          <p:cNvPr id="22531" name="Rectangle 2"/>
-          <p:cNvSpPr>
-            <a:spLocks noChangeArrowheads="1"/>
-          </p:cNvSpPr>
-          <p:nvPr/>
-        </p:nvSpPr>
-        <p:spPr bwMode="gray">
-          <a:xfrm>
-            <a:off x="356457" y="647151"/>
-            <a:ext cx="8380413" cy="492443"/>
-          </a:xfrm>
-          <a:prstGeom prst="rect">
-            <a:avLst/>
-          </a:prstGeom>
-          <a:noFill/>
-          <a:ln>
-            <a:noFill/>
-          </a:ln>
-          <a:extLst>
-            <a:ext uri="{909E8E84-426E-40DD-AFC4-6F175D3DCCD1}">
-              <a14:hiddenFill xmlns:a14="http://schemas.microsoft.com/office/drawing/2010/main">
-                <a:solidFill>
-                  <a:srgbClr val="FFFFFF"/>
-                </a:solidFill>
-              </a14:hiddenFill>
-            </a:ext>
-            <a:ext uri="{91240B29-F687-4F45-9708-019B960494DF}">
-              <a14:hiddenLine xmlns:a14="http://schemas.microsoft.com/office/drawing/2010/main" w="9525" algn="ctr">
-                <a:solidFill>
-                  <a:srgbClr val="000000"/>
-                </a:solidFill>
-                <a:miter lim="800000"/>
-                <a:headEnd/>
-                <a:tailEnd/>
-              </a14:hiddenLine>
-            </a:ext>
-          </a:extLst>
-        </p:spPr>
-        <p:txBody>
-          <a:bodyPr anchor="b">
-            <a:spAutoFit/>
-          </a:bodyPr>
-          <a:lstStyle/>
-          <a:p>
-            <a:pPr marL="58738" indent="-58738" eaLnBrk="0" hangingPunct="0"/>
-            <a:r>
-              <a:rPr lang="en-US" sz="2600" dirty="0"/>
-              <a:t>Questions &amp; Answers</a:t>
-            </a:r>
-          </a:p>
-        </p:txBody>
-      </p:sp>
-      <p:sp>
-        <p:nvSpPr>
-          <p:cNvPr id="4" name="TextBox 3"/>
-          <p:cNvSpPr txBox="1"/>
-          <p:nvPr/>
-        </p:nvSpPr>
-        <p:spPr>
-          <a:xfrm>
-            <a:off x="267494" y="6570473"/>
-            <a:ext cx="3180355" cy="230832"/>
-          </a:xfrm>
-          <a:prstGeom prst="rect">
-            <a:avLst/>
-          </a:prstGeom>
-          <a:noFill/>
-        </p:spPr>
-        <p:txBody>
-          <a:bodyPr wrap="square" lIns="0">
-            <a:spAutoFit/>
-          </a:bodyPr>
-          <a:lstStyle/>
-          <a:p>
-            <a:pPr algn="ctr">
-              <a:defRPr/>
-            </a:pPr>
-            <a:r>
-              <a:rPr lang="en-US" sz="900" dirty="0">
-                <a:solidFill>
-                  <a:srgbClr val="7F7F7F"/>
-                </a:solidFill>
-                <a:latin typeface="Arial" pitchFamily="34" charset="0"/>
-                <a:cs typeface="Arial" pitchFamily="34" charset="0"/>
-              </a:rPr>
-              <a:t>Copyright © 201</a:t>
-            </a:r>
-            <a:r>
-              <a:rPr lang="en-US" altLang="zh-CN" sz="900" dirty="0">
-                <a:solidFill>
-                  <a:srgbClr val="7F7F7F"/>
-                </a:solidFill>
-                <a:latin typeface="Arial" pitchFamily="34" charset="0"/>
-                <a:cs typeface="Arial" pitchFamily="34" charset="0"/>
-              </a:rPr>
-              <a:t>7</a:t>
-            </a:r>
-            <a:r>
-              <a:rPr lang="en-US" sz="900" dirty="0">
-                <a:solidFill>
-                  <a:srgbClr val="7F7F7F"/>
-                </a:solidFill>
-                <a:latin typeface="Arial" pitchFamily="34" charset="0"/>
-                <a:cs typeface="Arial" pitchFamily="34" charset="0"/>
-              </a:rPr>
-              <a:t> Accenture  All rights reserved.</a:t>
-            </a:r>
-          </a:p>
-        </p:txBody>
-      </p:sp>
-      <p:sp>
-        <p:nvSpPr>
-          <p:cNvPr id="5" name="TextBox 4"/>
-          <p:cNvSpPr txBox="1"/>
-          <p:nvPr/>
-        </p:nvSpPr>
-        <p:spPr>
-          <a:xfrm>
-            <a:off x="8144698" y="6562940"/>
-            <a:ext cx="536400" cy="244800"/>
-          </a:xfrm>
-          <a:prstGeom prst="rect">
-            <a:avLst/>
-          </a:prstGeom>
-          <a:noFill/>
-        </p:spPr>
-        <p:txBody>
-          <a:bodyPr wrap="square" lIns="0" tIns="0" rIns="0" bIns="0" rtlCol="0" anchor="ctr" anchorCtr="0">
-            <a:noAutofit/>
-          </a:bodyPr>
-          <a:lstStyle/>
-          <a:p>
-            <a:pPr algn="r"/>
-            <a:fld id="{597A8DCA-8F96-49CD-B4D5-7AC92F955860}" type="slidenum">
-              <a:rPr lang="en-CA" sz="900" smtClean="0">
-                <a:solidFill>
-                  <a:srgbClr val="7F7F7F"/>
-                </a:solidFill>
-                <a:latin typeface="Arial" pitchFamily="34" charset="0"/>
-                <a:cs typeface="Arial" pitchFamily="34" charset="0"/>
-              </a:rPr>
-              <a:pPr algn="r"/>
-              <a:t>14</a:t>
-            </a:fld>
-            <a:endParaRPr lang="en-CA" sz="900" dirty="0">
-              <a:solidFill>
-                <a:srgbClr val="7F7F7F"/>
-              </a:solidFill>
-              <a:latin typeface="Arial" pitchFamily="34" charset="0"/>
-              <a:cs typeface="Arial" pitchFamily="34" charset="0"/>
-            </a:endParaRPr>
-          </a:p>
-        </p:txBody>
-      </p:sp>
-    </p:spTree>
   </p:cSld>
   <p:clrMapOvr>
     <a:masterClrMapping/>
@@ -11015,7 +12896,7 @@
           <p:nvPr>
             <p:extLst>
               <p:ext uri="{D42A27DB-BD31-4B8C-83A1-F6EECF244321}">
-                <p14:modId xmlns:p14="http://schemas.microsoft.com/office/powerpoint/2010/main" val="1537395297"/>
+                <p14:modId xmlns:p14="http://schemas.microsoft.com/office/powerpoint/2010/main" val="4097816020"/>
               </p:ext>
             </p:extLst>
           </p:nvPr>
@@ -11032,7 +12913,7 @@
                 <a:gridCol w="7853892">
                   <a:extLst>
                     <a:ext uri="{9D8B030D-6E8A-4147-A177-3AD203B41FA5}">
-                      <a16:colId xmlns:a16="http://schemas.microsoft.com/office/drawing/2014/main" xmlns="" val="20000"/>
+                      <a16:colId xmlns="" xmlns:a16="http://schemas.microsoft.com/office/drawing/2014/main" val="20000"/>
                     </a:ext>
                   </a:extLst>
                 </a:gridCol>
@@ -11428,6 +13309,51 @@
                         </a:rPr>
                         <a:t>启动过程</a:t>
                       </a:r>
+                      <a:endParaRPr kumimoji="0" lang="en-US" altLang="zh-CN" sz="2200" b="0" i="0" u="none" strike="noStrike" kern="1200" cap="none" normalizeH="0" baseline="0" dirty="0" smtClean="0">
+                        <a:ln>
+                          <a:noFill/>
+                        </a:ln>
+                        <a:solidFill>
+                          <a:srgbClr val="000000"/>
+                        </a:solidFill>
+                        <a:effectLst/>
+                        <a:latin typeface="SimSun" panose="02010600030101010101" pitchFamily="2" charset="-122"/>
+                        <a:ea typeface="SimSun" panose="02010600030101010101" pitchFamily="2" charset="-122"/>
+                        <a:cs typeface="+mn-cs"/>
+                      </a:endParaRPr>
+                    </a:p>
+                    <a:p>
+                      <a:pPr marL="342900" marR="0" lvl="0" indent="-342900" algn="l" defTabSz="914400" rtl="0" eaLnBrk="1" fontAlgn="base" latinLnBrk="0" hangingPunct="1">
+                        <a:lnSpc>
+                          <a:spcPct val="100000"/>
+                        </a:lnSpc>
+                        <a:spcBef>
+                          <a:spcPts val="1000"/>
+                        </a:spcBef>
+                        <a:spcAft>
+                          <a:spcPct val="0"/>
+                        </a:spcAft>
+                        <a:buClrTx/>
+                        <a:buSzTx/>
+                        <a:buFont typeface="Arial" panose="020B0604020202020204" pitchFamily="34" charset="0"/>
+                        <a:buChar char="•"/>
+                        <a:tabLst/>
+                      </a:pPr>
+                      <a:r>
+                        <a:rPr kumimoji="0" lang="en-US" altLang="zh-CN" sz="2200" b="0" i="0" u="none" strike="noStrike" kern="1200" cap="none" normalizeH="0" baseline="0" smtClean="0">
+                          <a:ln>
+                            <a:noFill/>
+                          </a:ln>
+                          <a:solidFill>
+                            <a:srgbClr val="000000"/>
+                          </a:solidFill>
+                          <a:effectLst/>
+                          <a:latin typeface="SimSun" panose="02010600030101010101" pitchFamily="2" charset="-122"/>
+                          <a:ea typeface="SimSun" panose="02010600030101010101" pitchFamily="2" charset="-122"/>
+                          <a:cs typeface="+mn-cs"/>
+                        </a:rPr>
+                        <a:t>JIT VS AOT</a:t>
+                      </a:r>
                       <a:endParaRPr kumimoji="0" lang="en-US" altLang="zh-CN" sz="2200" b="0" i="0" u="none" strike="noStrike" kern="1200" cap="none" normalizeH="0" baseline="0" dirty="0">
                         <a:ln>
                           <a:noFill/>
@@ -11511,7 +13437,7 @@
                 </a:tc>
                 <a:extLst>
                   <a:ext uri="{0D108BD9-81ED-4DB2-BD59-A6C34878D82A}">
-                    <a16:rowId xmlns:a16="http://schemas.microsoft.com/office/drawing/2014/main" xmlns="" val="10000"/>
+                    <a16:rowId xmlns="" xmlns:a16="http://schemas.microsoft.com/office/drawing/2014/main" val="10000"/>
                   </a:ext>
                 </a:extLst>
               </a:tr>
@@ -11556,7 +13482,7 @@
                 </a:tc>
                 <a:extLst>
                   <a:ext uri="{0D108BD9-81ED-4DB2-BD59-A6C34878D82A}">
-                    <a16:rowId xmlns:a16="http://schemas.microsoft.com/office/drawing/2014/main" xmlns="" val="10001"/>
+                    <a16:rowId xmlns="" xmlns:a16="http://schemas.microsoft.com/office/drawing/2014/main" val="10001"/>
                   </a:ext>
                 </a:extLst>
               </a:tr>
@@ -11593,7 +13519,7 @@
                 </a:tc>
                 <a:extLst>
                   <a:ext uri="{0D108BD9-81ED-4DB2-BD59-A6C34878D82A}">
-                    <a16:rowId xmlns:a16="http://schemas.microsoft.com/office/drawing/2014/main" xmlns="" val="10002"/>
+                    <a16:rowId xmlns="" xmlns:a16="http://schemas.microsoft.com/office/drawing/2014/main" val="10002"/>
                   </a:ext>
                 </a:extLst>
               </a:tr>
@@ -11630,7 +13556,7 @@
                 </a:tc>
                 <a:extLst>
                   <a:ext uri="{0D108BD9-81ED-4DB2-BD59-A6C34878D82A}">
-                    <a16:rowId xmlns:a16="http://schemas.microsoft.com/office/drawing/2014/main" xmlns="" val="10003"/>
+                    <a16:rowId xmlns="" xmlns:a16="http://schemas.microsoft.com/office/drawing/2014/main" val="10003"/>
                   </a:ext>
                 </a:extLst>
               </a:tr>
@@ -11726,6 +13652,259 @@
         <p14:creationId xmlns:p14="http://schemas.microsoft.com/office/powerpoint/2010/main" val="3465072658"/>
       </p:ext>
     </p:extLst>
+  </p:cSld>
+  <p:clrMapOvr>
+    <a:masterClrMapping/>
+  </p:clrMapOvr>
+</p:sld>
+</file>
+
+<file path=ppt/slides/slide20.xml><?xml version="1.0" encoding="utf-8"?>
+<p:sld xmlns:a="http://schemas.openxmlformats.org/drawingml/2006/main" xmlns:r="http://schemas.openxmlformats.org/officeDocument/2006/relationships" xmlns:p="http://schemas.openxmlformats.org/presentationml/2006/main">
+  <p:cSld>
+    <p:spTree>
+      <p:nvGrpSpPr>
+        <p:cNvPr id="1" name=""/>
+        <p:cNvGrpSpPr/>
+        <p:nvPr/>
+      </p:nvGrpSpPr>
+      <p:grpSpPr>
+        <a:xfrm>
+          <a:off x="0" y="0"/>
+          <a:ext cx="0" cy="0"/>
+          <a:chOff x="0" y="0"/>
+          <a:chExt cx="0" cy="0"/>
+        </a:xfrm>
+      </p:grpSpPr>
+      <p:sp>
+        <p:nvSpPr>
+          <p:cNvPr id="3" name="Content Placeholder 2"/>
+          <p:cNvSpPr>
+            <a:spLocks noGrp="1"/>
+          </p:cNvSpPr>
+          <p:nvPr>
+            <p:ph sz="quarter" idx="12"/>
+          </p:nvPr>
+        </p:nvSpPr>
+        <p:spPr bwMode="gray">
+          <a:ln w="12700">
+            <a:miter lim="800000"/>
+            <a:headEnd/>
+            <a:tailEnd/>
+          </a:ln>
+        </p:spPr>
+        <p:txBody>
+          <a:bodyPr lIns="90488" tIns="44450" rIns="90488" bIns="44450" anchor="ctr">
+            <a:scene3d>
+              <a:camera prst="orthographicFront">
+                <a:rot lat="0" lon="0" rev="0"/>
+              </a:camera>
+              <a:lightRig rig="contrasting" dir="t">
+                <a:rot lat="0" lon="0" rev="4500000"/>
+              </a:lightRig>
+            </a:scene3d>
+            <a:sp3d contourW="6350" prstMaterial="metal">
+              <a:contourClr>
+                <a:schemeClr val="accent1">
+                  <a:shade val="75000"/>
+                </a:schemeClr>
+              </a:contourClr>
+            </a:sp3d>
+          </a:bodyPr>
+          <a:lstStyle/>
+          <a:p>
+            <a:pPr marL="176213" indent="-176213" algn="ctr" eaLnBrk="1" hangingPunct="1">
+              <a:lnSpc>
+                <a:spcPct val="90000"/>
+              </a:lnSpc>
+              <a:spcBef>
+                <a:spcPct val="40000"/>
+              </a:spcBef>
+              <a:buClr>
+                <a:schemeClr val="tx1"/>
+              </a:buClr>
+              <a:buFontTx/>
+              <a:buNone/>
+              <a:defRPr/>
+            </a:pPr>
+            <a:r>
+              <a:rPr lang="en-US" sz="7200" b="1" cap="all" dirty="0">
+                <a:ln w="0">
+                  <a:solidFill>
+                    <a:schemeClr val="accent6">
+                      <a:lumMod val="75000"/>
+                    </a:schemeClr>
+                  </a:solidFill>
+                </a:ln>
+                <a:solidFill>
+                  <a:srgbClr val="CCFF33"/>
+                </a:solidFill>
+                <a:effectLst>
+                  <a:reflection blurRad="6350" stA="55000" endA="300" endPos="45500" dir="5400000" sy="-100000" algn="bl" rotWithShape="0"/>
+                </a:effectLst>
+              </a:rPr>
+              <a:t>Q &amp; A</a:t>
+            </a:r>
+          </a:p>
+        </p:txBody>
+      </p:sp>
+      <p:sp>
+        <p:nvSpPr>
+          <p:cNvPr id="22531" name="Rectangle 2"/>
+          <p:cNvSpPr>
+            <a:spLocks noChangeArrowheads="1"/>
+          </p:cNvSpPr>
+          <p:nvPr/>
+        </p:nvSpPr>
+        <p:spPr bwMode="gray">
+          <a:xfrm>
+            <a:off x="356457" y="647151"/>
+            <a:ext cx="8380413" cy="492443"/>
+          </a:xfrm>
+          <a:prstGeom prst="rect">
+            <a:avLst/>
+          </a:prstGeom>
+          <a:noFill/>
+          <a:ln>
+            <a:noFill/>
+          </a:ln>
+          <a:extLst>
+            <a:ext uri="{909E8E84-426E-40DD-AFC4-6F175D3DCCD1}">
+              <a14:hiddenFill xmlns:a14="http://schemas.microsoft.com/office/drawing/2010/main">
+                <a:solidFill>
+                  <a:srgbClr val="FFFFFF"/>
+                </a:solidFill>
+              </a14:hiddenFill>
+            </a:ext>
+            <a:ext uri="{91240B29-F687-4F45-9708-019B960494DF}">
+              <a14:hiddenLine xmlns:a14="http://schemas.microsoft.com/office/drawing/2010/main" w="9525" algn="ctr">
+                <a:solidFill>
+                  <a:srgbClr val="000000"/>
+                </a:solidFill>
+                <a:miter lim="800000"/>
+                <a:headEnd/>
+                <a:tailEnd/>
+              </a14:hiddenLine>
+            </a:ext>
+          </a:extLst>
+        </p:spPr>
+        <p:txBody>
+          <a:bodyPr anchor="b">
+            <a:spAutoFit/>
+          </a:bodyPr>
+          <a:lstStyle/>
+          <a:p>
+            <a:pPr marL="58738" indent="-58738" eaLnBrk="0" hangingPunct="0"/>
+            <a:r>
+              <a:rPr lang="en-US" sz="2600" dirty="0"/>
+              <a:t>Questions &amp; Answers</a:t>
+            </a:r>
+          </a:p>
+        </p:txBody>
+      </p:sp>
+      <p:sp>
+        <p:nvSpPr>
+          <p:cNvPr id="4" name="TextBox 3"/>
+          <p:cNvSpPr txBox="1"/>
+          <p:nvPr/>
+        </p:nvSpPr>
+        <p:spPr>
+          <a:xfrm>
+            <a:off x="267494" y="6570473"/>
+            <a:ext cx="3180355" cy="230832"/>
+          </a:xfrm>
+          <a:prstGeom prst="rect">
+            <a:avLst/>
+          </a:prstGeom>
+          <a:noFill/>
+        </p:spPr>
+        <p:txBody>
+          <a:bodyPr wrap="square" lIns="0">
+            <a:spAutoFit/>
+          </a:bodyPr>
+          <a:lstStyle/>
+          <a:p>
+            <a:pPr algn="ctr">
+              <a:defRPr/>
+            </a:pPr>
+            <a:r>
+              <a:rPr lang="en-US" sz="900" dirty="0">
+                <a:solidFill>
+                  <a:srgbClr val="7F7F7F"/>
+                </a:solidFill>
+                <a:latin typeface="Arial" pitchFamily="34" charset="0"/>
+                <a:cs typeface="Arial" pitchFamily="34" charset="0"/>
+              </a:rPr>
+              <a:t>Copyright © 201</a:t>
+            </a:r>
+            <a:r>
+              <a:rPr lang="en-US" altLang="zh-CN" sz="900" dirty="0">
+                <a:solidFill>
+                  <a:srgbClr val="7F7F7F"/>
+                </a:solidFill>
+                <a:latin typeface="Arial" pitchFamily="34" charset="0"/>
+                <a:cs typeface="Arial" pitchFamily="34" charset="0"/>
+              </a:rPr>
+              <a:t>7</a:t>
+            </a:r>
+            <a:r>
+              <a:rPr lang="en-US" sz="900" dirty="0">
+                <a:solidFill>
+                  <a:srgbClr val="7F7F7F"/>
+                </a:solidFill>
+                <a:latin typeface="Arial" pitchFamily="34" charset="0"/>
+                <a:cs typeface="Arial" pitchFamily="34" charset="0"/>
+              </a:rPr>
+              <a:t> Accenture  All rights reserved.</a:t>
+            </a:r>
+          </a:p>
+        </p:txBody>
+      </p:sp>
+      <p:sp>
+        <p:nvSpPr>
+          <p:cNvPr id="5" name="TextBox 4"/>
+          <p:cNvSpPr txBox="1"/>
+          <p:nvPr/>
+        </p:nvSpPr>
+        <p:spPr>
+          <a:xfrm>
+            <a:off x="8144698" y="6562940"/>
+            <a:ext cx="536400" cy="244800"/>
+          </a:xfrm>
+          <a:prstGeom prst="rect">
+            <a:avLst/>
+          </a:prstGeom>
+          <a:noFill/>
+        </p:spPr>
+        <p:txBody>
+          <a:bodyPr wrap="square" lIns="0" tIns="0" rIns="0" bIns="0" rtlCol="0" anchor="ctr" anchorCtr="0">
+            <a:noAutofit/>
+          </a:bodyPr>
+          <a:lstStyle/>
+          <a:p>
+            <a:pPr algn="r"/>
+            <a:fld id="{597A8DCA-8F96-49CD-B4D5-7AC92F955860}" type="slidenum">
+              <a:rPr lang="en-CA" sz="900" smtClean="0">
+                <a:solidFill>
+                  <a:srgbClr val="7F7F7F"/>
+                </a:solidFill>
+                <a:latin typeface="Arial" pitchFamily="34" charset="0"/>
+                <a:cs typeface="Arial" pitchFamily="34" charset="0"/>
+              </a:rPr>
+              <a:pPr algn="r"/>
+              <a:t>19</a:t>
+            </a:fld>
+            <a:endParaRPr lang="en-CA" sz="900" dirty="0">
+              <a:solidFill>
+                <a:srgbClr val="7F7F7F"/>
+              </a:solidFill>
+              <a:latin typeface="Arial" pitchFamily="34" charset="0"/>
+              <a:cs typeface="Arial" pitchFamily="34" charset="0"/>
+            </a:endParaRPr>
+          </a:p>
+        </p:txBody>
+      </p:sp>
+    </p:spTree>
   </p:cSld>
   <p:clrMapOvr>
     <a:masterClrMapping/>
@@ -11829,12 +14008,20 @@
               <a:t>我们是这样写 </a:t>
             </a:r>
             <a:r>
-              <a:rPr lang="en-US" altLang="zh-CN" sz="2000" b="0" dirty="0">
+              <a:rPr lang="en-US" altLang="zh-CN" sz="2000" b="0" dirty="0" smtClean="0">
                 <a:latin typeface="SimSun" panose="02010600030101010101" pitchFamily="2" charset="-122"/>
                 <a:ea typeface="SimSun" panose="02010600030101010101" pitchFamily="2" charset="-122"/>
                 <a:cs typeface="Times New Roman" panose="02020603050405020304" pitchFamily="18" charset="0"/>
               </a:rPr>
-              <a:t>Angular </a:t>
+              <a:t>Angular</a:t>
+            </a:r>
+            <a:r>
+              <a:rPr lang="zh-CN" altLang="en-US" sz="2000" b="0" dirty="0" smtClean="0">
+                <a:latin typeface="SimSun" panose="02010600030101010101" pitchFamily="2" charset="-122"/>
+                <a:ea typeface="SimSun" panose="02010600030101010101" pitchFamily="2" charset="-122"/>
+                <a:cs typeface="Times New Roman" panose="02020603050405020304" pitchFamily="18" charset="0"/>
+              </a:rPr>
+              <a:t>应</a:t>
             </a:r>
             <a:r>
               <a:rPr lang="zh-CN" altLang="en-US" sz="2000" b="0" dirty="0">
@@ -11842,7 +14029,7 @@
                 <a:ea typeface="SimSun" panose="02010600030101010101" pitchFamily="2" charset="-122"/>
                 <a:cs typeface="Times New Roman" panose="02020603050405020304" pitchFamily="18" charset="0"/>
               </a:rPr>
-              <a:t>应用的</a:t>
+              <a:t>用的</a:t>
             </a:r>
             <a:r>
               <a:rPr lang="en-US" altLang="zh-CN" sz="2000" b="0" dirty="0">
@@ -12661,9 +14848,6 @@
               </a:rPr>
               <a:t>)]="hero.name"&gt;</a:t>
             </a:r>
-            <a:endParaRPr lang="en-US" sz="1800" dirty="0">
-              <a:ea typeface="SimSun" panose="02010600030101010101" pitchFamily="2" charset="-122"/>
-            </a:endParaRPr>
           </a:p>
         </p:txBody>
       </p:sp>
@@ -13171,12 +15355,20 @@
               <a:buChar char="•"/>
             </a:pPr>
             <a:r>
-              <a:rPr lang="en-US" altLang="zh-CN" sz="2200" b="0" dirty="0">
+              <a:rPr lang="en-US" altLang="zh-CN" sz="2200" b="0" dirty="0" smtClean="0">
                 <a:latin typeface="SimSun" panose="02010600030101010101" pitchFamily="2" charset="-122"/>
                 <a:ea typeface="SimSun" panose="02010600030101010101" pitchFamily="2" charset="-122"/>
                 <a:cs typeface="Times New Roman" panose="02020603050405020304" pitchFamily="18" charset="0"/>
               </a:rPr>
-              <a:t>Angular </a:t>
+              <a:t>Angular</a:t>
+            </a:r>
+            <a:r>
+              <a:rPr lang="zh-CN" altLang="en-US" sz="2200" b="0" dirty="0" smtClean="0">
+                <a:latin typeface="SimSun" panose="02010600030101010101" pitchFamily="2" charset="-122"/>
+                <a:ea typeface="SimSun" panose="02010600030101010101" pitchFamily="2" charset="-122"/>
+                <a:cs typeface="Times New Roman" panose="02020603050405020304" pitchFamily="18" charset="0"/>
+              </a:rPr>
+              <a:t>模</a:t>
             </a:r>
             <a:r>
               <a:rPr lang="zh-CN" altLang="en-US" sz="2200" b="0" dirty="0">
@@ -13184,15 +15376,31 @@
                 <a:ea typeface="SimSun" panose="02010600030101010101" pitchFamily="2" charset="-122"/>
                 <a:cs typeface="Times New Roman" panose="02020603050405020304" pitchFamily="18" charset="0"/>
               </a:rPr>
-              <a:t>模板是动态的。当 </a:t>
-            </a:r>
-            <a:r>
-              <a:rPr lang="en-US" altLang="zh-CN" sz="2200" b="0" dirty="0">
+              <a:t>板是动态的。</a:t>
+            </a:r>
+            <a:r>
+              <a:rPr lang="zh-CN" altLang="en-US" sz="2200" b="0" dirty="0" smtClean="0">
                 <a:latin typeface="SimSun" panose="02010600030101010101" pitchFamily="2" charset="-122"/>
                 <a:ea typeface="SimSun" panose="02010600030101010101" pitchFamily="2" charset="-122"/>
                 <a:cs typeface="Times New Roman" panose="02020603050405020304" pitchFamily="18" charset="0"/>
               </a:rPr>
-              <a:t>Angular </a:t>
+              <a:t>当</a:t>
+            </a:r>
+            <a:r>
+              <a:rPr lang="en-US" altLang="zh-CN" sz="2200" b="0" dirty="0" smtClean="0">
+                <a:latin typeface="SimSun" panose="02010600030101010101" pitchFamily="2" charset="-122"/>
+                <a:ea typeface="SimSun" panose="02010600030101010101" pitchFamily="2" charset="-122"/>
+                <a:cs typeface="Times New Roman" panose="02020603050405020304" pitchFamily="18" charset="0"/>
+              </a:rPr>
+              <a:t>Angular</a:t>
+            </a:r>
+            <a:r>
+              <a:rPr lang="zh-CN" altLang="en-US" sz="2200" b="0" dirty="0" smtClean="0">
+                <a:latin typeface="SimSun" panose="02010600030101010101" pitchFamily="2" charset="-122"/>
+                <a:ea typeface="SimSun" panose="02010600030101010101" pitchFamily="2" charset="-122"/>
+                <a:cs typeface="Times New Roman" panose="02020603050405020304" pitchFamily="18" charset="0"/>
+              </a:rPr>
+              <a:t>渲</a:t>
             </a:r>
             <a:r>
               <a:rPr lang="zh-CN" altLang="en-US" sz="2200" b="0" dirty="0">
@@ -13200,15 +15408,31 @@
                 <a:ea typeface="SimSun" panose="02010600030101010101" pitchFamily="2" charset="-122"/>
                 <a:cs typeface="Times New Roman" panose="02020603050405020304" pitchFamily="18" charset="0"/>
               </a:rPr>
-              <a:t>渲染它们时，它会根据指令提供的操作对 </a:t>
-            </a:r>
-            <a:r>
-              <a:rPr lang="en-US" altLang="zh-CN" sz="2200" b="0" dirty="0">
+              <a:t>染它们时，它会根据指令提供的操作</a:t>
+            </a:r>
+            <a:r>
+              <a:rPr lang="zh-CN" altLang="en-US" sz="2200" b="0" dirty="0" smtClean="0">
                 <a:latin typeface="SimSun" panose="02010600030101010101" pitchFamily="2" charset="-122"/>
                 <a:ea typeface="SimSun" panose="02010600030101010101" pitchFamily="2" charset="-122"/>
                 <a:cs typeface="Times New Roman" panose="02020603050405020304" pitchFamily="18" charset="0"/>
               </a:rPr>
-              <a:t>DOM </a:t>
+              <a:t>对</a:t>
+            </a:r>
+            <a:r>
+              <a:rPr lang="en-US" altLang="zh-CN" sz="2200" b="0" dirty="0" smtClean="0">
+                <a:latin typeface="SimSun" panose="02010600030101010101" pitchFamily="2" charset="-122"/>
+                <a:ea typeface="SimSun" panose="02010600030101010101" pitchFamily="2" charset="-122"/>
+                <a:cs typeface="Times New Roman" panose="02020603050405020304" pitchFamily="18" charset="0"/>
+              </a:rPr>
+              <a:t>DOM</a:t>
+            </a:r>
+            <a:r>
+              <a:rPr lang="zh-CN" altLang="en-US" sz="2200" b="0" dirty="0" smtClean="0">
+                <a:latin typeface="SimSun" panose="02010600030101010101" pitchFamily="2" charset="-122"/>
+                <a:ea typeface="SimSun" panose="02010600030101010101" pitchFamily="2" charset="-122"/>
+                <a:cs typeface="Times New Roman" panose="02020603050405020304" pitchFamily="18" charset="0"/>
+              </a:rPr>
+              <a:t>进</a:t>
             </a:r>
             <a:r>
               <a:rPr lang="zh-CN" altLang="en-US" sz="2200" b="0" dirty="0">
@@ -13216,7 +15440,7 @@
                 <a:ea typeface="SimSun" panose="02010600030101010101" pitchFamily="2" charset="-122"/>
                 <a:cs typeface="Times New Roman" panose="02020603050405020304" pitchFamily="18" charset="0"/>
               </a:rPr>
-              <a:t>进行转换。</a:t>
+              <a:t>行转换。</a:t>
             </a:r>
             <a:endParaRPr lang="en-US" altLang="zh-CN" sz="2200" b="0" dirty="0">
               <a:latin typeface="SimSun" panose="02010600030101010101" pitchFamily="2" charset="-122"/>
@@ -13901,28 +16125,36 @@
           <a:lstStyle/>
           <a:p>
             <a:r>
+              <a:rPr lang="zh-CN" altLang="en-US" sz="2200" b="0" dirty="0" smtClean="0">
+                <a:latin typeface="SimSun" panose="02010600030101010101" pitchFamily="2" charset="-122"/>
+                <a:ea typeface="SimSun" panose="02010600030101010101" pitchFamily="2" charset="-122"/>
+                <a:cs typeface="Times New Roman" panose="02020603050405020304" pitchFamily="18" charset="0"/>
+              </a:rPr>
+              <a:t>当</a:t>
+            </a:r>
+            <a:r>
+              <a:rPr lang="en-US" altLang="zh-CN" sz="2200" b="0" dirty="0" smtClean="0">
+                <a:latin typeface="SimSun" panose="02010600030101010101" pitchFamily="2" charset="-122"/>
+                <a:ea typeface="SimSun" panose="02010600030101010101" pitchFamily="2" charset="-122"/>
+                <a:cs typeface="Times New Roman" panose="02020603050405020304" pitchFamily="18" charset="0"/>
+              </a:rPr>
+              <a:t>Angular</a:t>
+            </a:r>
+            <a:r>
+              <a:rPr lang="zh-CN" altLang="en-US" sz="2200" b="0" dirty="0" smtClean="0">
+                <a:latin typeface="SimSun" panose="02010600030101010101" pitchFamily="2" charset="-122"/>
+                <a:ea typeface="SimSun" panose="02010600030101010101" pitchFamily="2" charset="-122"/>
+                <a:cs typeface="Times New Roman" panose="02020603050405020304" pitchFamily="18" charset="0"/>
+              </a:rPr>
+              <a:t>创</a:t>
+            </a:r>
+            <a:r>
               <a:rPr lang="zh-CN" altLang="en-US" sz="2200" b="0" dirty="0">
                 <a:latin typeface="SimSun" panose="02010600030101010101" pitchFamily="2" charset="-122"/>
                 <a:ea typeface="SimSun" panose="02010600030101010101" pitchFamily="2" charset="-122"/>
                 <a:cs typeface="Times New Roman" panose="02020603050405020304" pitchFamily="18" charset="0"/>
               </a:rPr>
-              <a:t>当 </a:t>
-            </a:r>
-            <a:r>
-              <a:rPr lang="en-US" altLang="zh-CN" sz="2200" b="0" dirty="0">
-                <a:latin typeface="SimSun" panose="02010600030101010101" pitchFamily="2" charset="-122"/>
-                <a:ea typeface="SimSun" panose="02010600030101010101" pitchFamily="2" charset="-122"/>
-                <a:cs typeface="Times New Roman" panose="02020603050405020304" pitchFamily="18" charset="0"/>
-              </a:rPr>
-              <a:t>Angular </a:t>
-            </a:r>
-            <a:r>
-              <a:rPr lang="zh-CN" altLang="en-US" sz="2200" b="0" dirty="0">
-                <a:latin typeface="SimSun" panose="02010600030101010101" pitchFamily="2" charset="-122"/>
-                <a:ea typeface="SimSun" panose="02010600030101010101" pitchFamily="2" charset="-122"/>
-                <a:cs typeface="Times New Roman" panose="02020603050405020304" pitchFamily="18" charset="0"/>
-              </a:rPr>
-              <a:t>创建组件时，会首先为组件所需的服务请求一个         注入器 </a:t>
+              <a:t>建组件时，会首先为组件所需的服务请求一个         注入器 </a:t>
             </a:r>
             <a:r>
               <a:rPr lang="en-US" altLang="zh-CN" sz="2200" b="0" dirty="0">
@@ -14894,6 +17126,31 @@
 </file>
 
 <file path=customXml/item1.xml><?xml version="1.0" encoding="utf-8"?>
+<?mso-contentType ?>
+<FormTemplates xmlns="http://schemas.microsoft.com/sharepoint/v3/contenttype/forms">
+  <Display>DocumentLibraryForm</Display>
+  <Edit>DocumentLibraryForm</Edit>
+  <New>DocumentLibraryForm</New>
+</FormTemplates>
+</file>
+
+<file path=customXml/item2.xml><?xml version="1.0" encoding="utf-8"?>
+<p:properties xmlns:p="http://schemas.microsoft.com/office/2006/metadata/properties" xmlns:xsi="http://www.w3.org/2001/XMLSchema-instance" xmlns:pc="http://schemas.microsoft.com/office/infopath/2007/PartnerControls">
+  <documentManagement>
+    <TemplateUrl xmlns="http://schemas.microsoft.com/sharepoint/v3" xsi:nil="true"/>
+    <_SourceUrl xmlns="http://schemas.microsoft.com/sharepoint/v3" xsi:nil="true"/>
+    <Comments0 xmlns="C6B13D8A-F6C8-4777-9906-93DFDA163C9A" xsi:nil="true"/>
+    <xd_ProgID xmlns="http://schemas.microsoft.com/sharepoint/v3" xsi:nil="true"/>
+    <test xmlns="C6B13D8A-F6C8-4777-9906-93DFDA163C9A" xsi:nil="true"/>
+    <Order xmlns="http://schemas.microsoft.com/sharepoint/v3" xsi:nil="true"/>
+    <_SharedFileIndex xmlns="http://schemas.microsoft.com/sharepoint/v3" xsi:nil="true"/>
+    <MetaInfo xmlns="http://schemas.microsoft.com/sharepoint/v3" xsi:nil="true"/>
+    <ContentTypeId xmlns="http://schemas.microsoft.com/sharepoint/v3">0x0101008A3DB1C6C8F67747990693DFDA163C9A</ContentTypeId>
+  </documentManagement>
+</p:properties>
+</file>
+
+<file path=customXml/item3.xml><?xml version="1.0" encoding="utf-8"?>
 <ct:contentTypeSchema xmlns:ct="http://schemas.microsoft.com/office/2006/metadata/contentType" xmlns:ma="http://schemas.microsoft.com/office/2006/metadata/properties/metaAttributes" ct:_="" ma:_="" ma:contentTypeName="Document" ma:contentTypeID="0x0101008A3DB1C6C8F67747990693DFDA163C9A" ma:contentTypeVersion="0" ma:contentTypeDescription="Create a new document." ma:contentTypeScope="" ma:versionID="c53e8d4c718320ba5c01db3429b48e01">
   <xsd:schema xmlns:xsd="http://www.w3.org/2001/XMLSchema" xmlns:xs="http://www.w3.org/2001/XMLSchema" xmlns:p="http://schemas.microsoft.com/office/2006/metadata/properties" xmlns:ns1="http://schemas.microsoft.com/sharepoint/v3" xmlns:ns2="C6B13D8A-F6C8-4777-9906-93DFDA163C9A" targetNamespace="http://schemas.microsoft.com/office/2006/metadata/properties" ma:root="true" ma:fieldsID="10d7d5cf4be4c05f12ebb16474ba6c35" ns1:_="" ns2:_="">
     <xsd:import namespace="http://schemas.microsoft.com/sharepoint/v3"/>
@@ -15364,32 +17621,26 @@
 </ct:contentTypeSchema>
 </file>
 
-<file path=customXml/item2.xml><?xml version="1.0" encoding="utf-8"?>
-<p:properties xmlns:p="http://schemas.microsoft.com/office/2006/metadata/properties" xmlns:xsi="http://www.w3.org/2001/XMLSchema-instance" xmlns:pc="http://schemas.microsoft.com/office/infopath/2007/PartnerControls">
-  <documentManagement>
-    <TemplateUrl xmlns="http://schemas.microsoft.com/sharepoint/v3" xsi:nil="true"/>
-    <_SourceUrl xmlns="http://schemas.microsoft.com/sharepoint/v3" xsi:nil="true"/>
-    <Comments0 xmlns="C6B13D8A-F6C8-4777-9906-93DFDA163C9A" xsi:nil="true"/>
-    <xd_ProgID xmlns="http://schemas.microsoft.com/sharepoint/v3" xsi:nil="true"/>
-    <test xmlns="C6B13D8A-F6C8-4777-9906-93DFDA163C9A" xsi:nil="true"/>
-    <Order xmlns="http://schemas.microsoft.com/sharepoint/v3" xsi:nil="true"/>
-    <_SharedFileIndex xmlns="http://schemas.microsoft.com/sharepoint/v3" xsi:nil="true"/>
-    <MetaInfo xmlns="http://schemas.microsoft.com/sharepoint/v3" xsi:nil="true"/>
-    <ContentTypeId xmlns="http://schemas.microsoft.com/sharepoint/v3">0x0101008A3DB1C6C8F67747990693DFDA163C9A</ContentTypeId>
-  </documentManagement>
-</p:properties>
+<file path=customXml/itemProps1.xml><?xml version="1.0" encoding="utf-8"?>
+<ds:datastoreItem xmlns:ds="http://schemas.openxmlformats.org/officeDocument/2006/customXml" ds:itemID="{6268566E-43AA-4A68-BD58-84AB4DF5B82A}">
+  <ds:schemaRefs>
+    <ds:schemaRef ds:uri="http://schemas.microsoft.com/sharepoint/v3/contenttype/forms"/>
+  </ds:schemaRefs>
+</ds:datastoreItem>
 </file>
 
-<file path=customXml/item3.xml><?xml version="1.0" encoding="utf-8"?>
-<?mso-contentType ?>
-<FormTemplates xmlns="http://schemas.microsoft.com/sharepoint/v3/contenttype/forms">
-  <Display>DocumentLibraryForm</Display>
-  <Edit>DocumentLibraryForm</Edit>
-  <New>DocumentLibraryForm</New>
-</FormTemplates>
+<file path=customXml/itemProps2.xml><?xml version="1.0" encoding="utf-8"?>
+<ds:datastoreItem xmlns:ds="http://schemas.openxmlformats.org/officeDocument/2006/customXml" ds:itemID="{F59E41AE-6836-4572-AAEF-EE3E09D690B6}">
+  <ds:schemaRefs>
+    <ds:schemaRef ds:uri="http://schemas.microsoft.com/office/2006/metadata/properties"/>
+    <ds:schemaRef ds:uri="http://schemas.microsoft.com/office/infopath/2007/PartnerControls"/>
+    <ds:schemaRef ds:uri="http://schemas.microsoft.com/sharepoint/v3"/>
+    <ds:schemaRef ds:uri="C6B13D8A-F6C8-4777-9906-93DFDA163C9A"/>
+  </ds:schemaRefs>
+</ds:datastoreItem>
 </file>
 
-<file path=customXml/itemProps1.xml><?xml version="1.0" encoding="utf-8"?>
+<file path=customXml/itemProps3.xml><?xml version="1.0" encoding="utf-8"?>
 <ds:datastoreItem xmlns:ds="http://schemas.openxmlformats.org/officeDocument/2006/customXml" ds:itemID="{CC4C9FB6-25E4-4D1F-A1E8-D3497EBEE75E}">
   <ds:schemaRefs>
     <ds:schemaRef ds:uri="http://schemas.microsoft.com/office/2006/metadata/contentType"/>
@@ -15406,23 +17657,4 @@
     <ds:schemaRef ds:uri="http://schemas.microsoft.com/internal/obd"/>
   </ds:schemaRefs>
 </ds:datastoreItem>
-</file>
-
-<file path=customXml/itemProps2.xml><?xml version="1.0" encoding="utf-8"?>
-<ds:datastoreItem xmlns:ds="http://schemas.openxmlformats.org/officeDocument/2006/customXml" ds:itemID="{F59E41AE-6836-4572-AAEF-EE3E09D690B6}">
-  <ds:schemaRefs>
-    <ds:schemaRef ds:uri="http://schemas.microsoft.com/office/2006/metadata/properties"/>
-    <ds:schemaRef ds:uri="http://schemas.microsoft.com/office/infopath/2007/PartnerControls"/>
-    <ds:schemaRef ds:uri="http://schemas.microsoft.com/sharepoint/v3"/>
-    <ds:schemaRef ds:uri="C6B13D8A-F6C8-4777-9906-93DFDA163C9A"/>
-  </ds:schemaRefs>
-</ds:datastoreItem>
-</file>
-
-<file path=customXml/itemProps3.xml><?xml version="1.0" encoding="utf-8"?>
-<ds:datastoreItem xmlns:ds="http://schemas.openxmlformats.org/officeDocument/2006/customXml" ds:itemID="{6268566E-43AA-4A68-BD58-84AB4DF5B82A}">
-  <ds:schemaRefs>
-    <ds:schemaRef ds:uri="http://schemas.microsoft.com/sharepoint/v3/contenttype/forms"/>
-  </ds:schemaRefs>
-</ds:datastoreItem>
 </file>